--- a/Object Oriented Programming using Unity_C# - Lesson 1.pptx
+++ b/Object Oriented Programming using Unity_C# - Lesson 1.pptx
@@ -1,58 +1,59 @@
 
 <file path=ppt/presentation.xml><?xml version="1.0" encoding="utf-8"?>
-<p:presentation xmlns:a="http://schemas.openxmlformats.org/drawingml/2006/main" xmlns:r="http://schemas.openxmlformats.org/officeDocument/2006/relationships" xmlns:mc="http://schemas.openxmlformats.org/markup-compatibility/2006" xmlns:mv="urn:schemas-microsoft-com:mac:vml" xmlns:p="http://schemas.openxmlformats.org/presentationml/2006/main" xmlns:c="http://schemas.openxmlformats.org/drawingml/2006/chart" xmlns:dgm="http://schemas.openxmlformats.org/drawingml/2006/diagram" xmlns:o="urn:schemas-microsoft-com:office:office" xmlns:v="urn:schemas-microsoft-com:vml" xmlns:pvml="urn:schemas-microsoft-com:office:powerpoint" xmlns:com="http://schemas.openxmlformats.org/drawingml/2006/compatibility" xmlns:p14="http://schemas.microsoft.com/office/powerpoint/2010/main" xmlns:p15="http://schemas.microsoft.com/office/powerpoint/2012/main" xmlns:ahyp="http://schemas.microsoft.com/office/drawing/2018/hyperlinkcolor" autoCompressPictures="0" embedTrueTypeFonts="1" strictFirstAndLastChars="0" saveSubsetFonts="1">
+<p:presentation xmlns:a="http://schemas.openxmlformats.org/drawingml/2006/main" xmlns:r="http://schemas.openxmlformats.org/officeDocument/2006/relationships" xmlns:p="http://schemas.openxmlformats.org/presentationml/2006/main" strictFirstAndLastChars="0" embedTrueTypeFonts="1" autoCompressPictures="0">
   <p:sldMasterIdLst>
-    <p:sldMasterId id="2147483659" r:id="rId4"/>
+    <p:sldMasterId id="2147483659" r:id="rId1"/>
   </p:sldMasterIdLst>
   <p:notesMasterIdLst>
-    <p:notesMasterId r:id="rId5"/>
+    <p:notesMasterId r:id="rId20"/>
   </p:notesMasterIdLst>
   <p:sldIdLst>
-    <p:sldId id="256" r:id="rId6"/>
-    <p:sldId id="257" r:id="rId7"/>
-    <p:sldId id="258" r:id="rId8"/>
-    <p:sldId id="259" r:id="rId9"/>
-    <p:sldId id="260" r:id="rId10"/>
-    <p:sldId id="261" r:id="rId11"/>
-    <p:sldId id="262" r:id="rId12"/>
-    <p:sldId id="263" r:id="rId13"/>
-    <p:sldId id="264" r:id="rId14"/>
-    <p:sldId id="265" r:id="rId15"/>
-    <p:sldId id="266" r:id="rId16"/>
-    <p:sldId id="267" r:id="rId17"/>
-    <p:sldId id="268" r:id="rId18"/>
-    <p:sldId id="269" r:id="rId19"/>
-    <p:sldId id="270" r:id="rId20"/>
-    <p:sldId id="271" r:id="rId21"/>
-    <p:sldId id="272" r:id="rId22"/>
+    <p:sldId id="256" r:id="rId2"/>
+    <p:sldId id="257" r:id="rId3"/>
+    <p:sldId id="258" r:id="rId4"/>
+    <p:sldId id="259" r:id="rId5"/>
+    <p:sldId id="260" r:id="rId6"/>
+    <p:sldId id="261" r:id="rId7"/>
+    <p:sldId id="262" r:id="rId8"/>
+    <p:sldId id="273" r:id="rId9"/>
+    <p:sldId id="274" r:id="rId10"/>
+    <p:sldId id="264" r:id="rId11"/>
+    <p:sldId id="265" r:id="rId12"/>
+    <p:sldId id="266" r:id="rId13"/>
+    <p:sldId id="267" r:id="rId14"/>
+    <p:sldId id="268" r:id="rId15"/>
+    <p:sldId id="269" r:id="rId16"/>
+    <p:sldId id="270" r:id="rId17"/>
+    <p:sldId id="271" r:id="rId18"/>
+    <p:sldId id="272" r:id="rId19"/>
   </p:sldIdLst>
-  <p:sldSz cy="5143500" cx="9144000"/>
+  <p:sldSz cx="9144000" cy="5143500" type="screen16x9"/>
   <p:notesSz cx="6858000" cy="9144000"/>
   <p:embeddedFontLst>
     <p:embeddedFont>
-      <p:font typeface="Montserrat"/>
-      <p:regular r:id="rId23"/>
-      <p:bold r:id="rId24"/>
-      <p:italic r:id="rId25"/>
-      <p:boldItalic r:id="rId26"/>
+      <p:font typeface="Lato" panose="020F0502020204030203" pitchFamily="34" charset="77"/>
+      <p:regular r:id="rId21"/>
+      <p:bold r:id="rId22"/>
+      <p:italic r:id="rId23"/>
+      <p:boldItalic r:id="rId24"/>
     </p:embeddedFont>
     <p:embeddedFont>
-      <p:font typeface="Lato"/>
-      <p:regular r:id="rId27"/>
-      <p:bold r:id="rId28"/>
-      <p:italic r:id="rId29"/>
-      <p:boldItalic r:id="rId30"/>
+      <p:font typeface="Montserrat" pitchFamily="2" charset="77"/>
+      <p:regular r:id="rId25"/>
+      <p:bold r:id="rId26"/>
+      <p:italic r:id="rId27"/>
+      <p:boldItalic r:id="rId28"/>
     </p:embeddedFont>
     <p:embeddedFont>
-      <p:font typeface="Open Sans"/>
-      <p:regular r:id="rId31"/>
-      <p:bold r:id="rId32"/>
-      <p:italic r:id="rId33"/>
-      <p:boldItalic r:id="rId34"/>
+      <p:font typeface="Open Sans" pitchFamily="2" charset="0"/>
+      <p:regular r:id="rId29"/>
+      <p:bold r:id="rId30"/>
+      <p:italic r:id="rId31"/>
+      <p:boldItalic r:id="rId32"/>
     </p:embeddedFont>
   </p:embeddedFontLst>
   <p:defaultTextStyle>
-    <a:defPPr lvl="0" marR="0" rtl="0" algn="l">
+    <a:defPPr marR="0" lvl="0" algn="l" rtl="0">
       <a:lnSpc>
         <a:spcPct val="100000"/>
       </a:lnSpc>
@@ -63,7 +64,7 @@
         <a:spcPts val="0"/>
       </a:spcAft>
     </a:defPPr>
-    <a:lvl1pPr lvl="0" marR="0" rtl="0" algn="l">
+    <a:lvl1pPr marR="0" lvl="0" algn="l" rtl="0">
       <a:lnSpc>
         <a:spcPct val="100000"/>
       </a:lnSpc>
@@ -77,7 +78,7 @@
         <a:srgbClr val="000000"/>
       </a:buClr>
       <a:buFont typeface="Arial"/>
-      <a:defRPr b="0" i="0" sz="1400" u="none" cap="none" strike="noStrike">
+      <a:defRPr sz="1400" b="0" i="0" u="none" strike="noStrike" cap="none">
         <a:solidFill>
           <a:srgbClr val="000000"/>
         </a:solidFill>
@@ -87,7 +88,7 @@
         <a:sym typeface="Arial"/>
       </a:defRPr>
     </a:lvl1pPr>
-    <a:lvl2pPr lvl="1" marR="0" rtl="0" algn="l">
+    <a:lvl2pPr marR="0" lvl="1" algn="l" rtl="0">
       <a:lnSpc>
         <a:spcPct val="100000"/>
       </a:lnSpc>
@@ -101,7 +102,7 @@
         <a:srgbClr val="000000"/>
       </a:buClr>
       <a:buFont typeface="Arial"/>
-      <a:defRPr b="0" i="0" sz="1400" u="none" cap="none" strike="noStrike">
+      <a:defRPr sz="1400" b="0" i="0" u="none" strike="noStrike" cap="none">
         <a:solidFill>
           <a:srgbClr val="000000"/>
         </a:solidFill>
@@ -111,7 +112,7 @@
         <a:sym typeface="Arial"/>
       </a:defRPr>
     </a:lvl2pPr>
-    <a:lvl3pPr lvl="2" marR="0" rtl="0" algn="l">
+    <a:lvl3pPr marR="0" lvl="2" algn="l" rtl="0">
       <a:lnSpc>
         <a:spcPct val="100000"/>
       </a:lnSpc>
@@ -125,7 +126,7 @@
         <a:srgbClr val="000000"/>
       </a:buClr>
       <a:buFont typeface="Arial"/>
-      <a:defRPr b="0" i="0" sz="1400" u="none" cap="none" strike="noStrike">
+      <a:defRPr sz="1400" b="0" i="0" u="none" strike="noStrike" cap="none">
         <a:solidFill>
           <a:srgbClr val="000000"/>
         </a:solidFill>
@@ -135,7 +136,7 @@
         <a:sym typeface="Arial"/>
       </a:defRPr>
     </a:lvl3pPr>
-    <a:lvl4pPr lvl="3" marR="0" rtl="0" algn="l">
+    <a:lvl4pPr marR="0" lvl="3" algn="l" rtl="0">
       <a:lnSpc>
         <a:spcPct val="100000"/>
       </a:lnSpc>
@@ -149,7 +150,7 @@
         <a:srgbClr val="000000"/>
       </a:buClr>
       <a:buFont typeface="Arial"/>
-      <a:defRPr b="0" i="0" sz="1400" u="none" cap="none" strike="noStrike">
+      <a:defRPr sz="1400" b="0" i="0" u="none" strike="noStrike" cap="none">
         <a:solidFill>
           <a:srgbClr val="000000"/>
         </a:solidFill>
@@ -159,7 +160,7 @@
         <a:sym typeface="Arial"/>
       </a:defRPr>
     </a:lvl4pPr>
-    <a:lvl5pPr lvl="4" marR="0" rtl="0" algn="l">
+    <a:lvl5pPr marR="0" lvl="4" algn="l" rtl="0">
       <a:lnSpc>
         <a:spcPct val="100000"/>
       </a:lnSpc>
@@ -173,7 +174,7 @@
         <a:srgbClr val="000000"/>
       </a:buClr>
       <a:buFont typeface="Arial"/>
-      <a:defRPr b="0" i="0" sz="1400" u="none" cap="none" strike="noStrike">
+      <a:defRPr sz="1400" b="0" i="0" u="none" strike="noStrike" cap="none">
         <a:solidFill>
           <a:srgbClr val="000000"/>
         </a:solidFill>
@@ -183,7 +184,7 @@
         <a:sym typeface="Arial"/>
       </a:defRPr>
     </a:lvl5pPr>
-    <a:lvl6pPr lvl="5" marR="0" rtl="0" algn="l">
+    <a:lvl6pPr marR="0" lvl="5" algn="l" rtl="0">
       <a:lnSpc>
         <a:spcPct val="100000"/>
       </a:lnSpc>
@@ -197,7 +198,7 @@
         <a:srgbClr val="000000"/>
       </a:buClr>
       <a:buFont typeface="Arial"/>
-      <a:defRPr b="0" i="0" sz="1400" u="none" cap="none" strike="noStrike">
+      <a:defRPr sz="1400" b="0" i="0" u="none" strike="noStrike" cap="none">
         <a:solidFill>
           <a:srgbClr val="000000"/>
         </a:solidFill>
@@ -207,7 +208,7 @@
         <a:sym typeface="Arial"/>
       </a:defRPr>
     </a:lvl6pPr>
-    <a:lvl7pPr lvl="6" marR="0" rtl="0" algn="l">
+    <a:lvl7pPr marR="0" lvl="6" algn="l" rtl="0">
       <a:lnSpc>
         <a:spcPct val="100000"/>
       </a:lnSpc>
@@ -221,7 +222,7 @@
         <a:srgbClr val="000000"/>
       </a:buClr>
       <a:buFont typeface="Arial"/>
-      <a:defRPr b="0" i="0" sz="1400" u="none" cap="none" strike="noStrike">
+      <a:defRPr sz="1400" b="0" i="0" u="none" strike="noStrike" cap="none">
         <a:solidFill>
           <a:srgbClr val="000000"/>
         </a:solidFill>
@@ -231,7 +232,7 @@
         <a:sym typeface="Arial"/>
       </a:defRPr>
     </a:lvl7pPr>
-    <a:lvl8pPr lvl="7" marR="0" rtl="0" algn="l">
+    <a:lvl8pPr marR="0" lvl="7" algn="l" rtl="0">
       <a:lnSpc>
         <a:spcPct val="100000"/>
       </a:lnSpc>
@@ -245,7 +246,7 @@
         <a:srgbClr val="000000"/>
       </a:buClr>
       <a:buFont typeface="Arial"/>
-      <a:defRPr b="0" i="0" sz="1400" u="none" cap="none" strike="noStrike">
+      <a:defRPr sz="1400" b="0" i="0" u="none" strike="noStrike" cap="none">
         <a:solidFill>
           <a:srgbClr val="000000"/>
         </a:solidFill>
@@ -255,7 +256,7 @@
         <a:sym typeface="Arial"/>
       </a:defRPr>
     </a:lvl8pPr>
-    <a:lvl9pPr lvl="8" marR="0" rtl="0" algn="l">
+    <a:lvl9pPr marR="0" lvl="8" algn="l" rtl="0">
       <a:lnSpc>
         <a:spcPct val="100000"/>
       </a:lnSpc>
@@ -269,7 +270,7 @@
         <a:srgbClr val="000000"/>
       </a:buClr>
       <a:buFont typeface="Arial"/>
-      <a:defRPr b="0" i="0" sz="1400" u="none" cap="none" strike="noStrike">
+      <a:defRPr sz="1400" b="0" i="0" u="none" strike="noStrike" cap="none">
         <a:solidFill>
           <a:srgbClr val="000000"/>
         </a:solidFill>
@@ -282,7 +283,7 @@
   </p:defaultTextStyle>
   <p:extLst>
     <p:ext uri="{EFAFB233-063F-42B5-8137-9DF3F51BA10A}">
-      <p15:sldGuideLst>
+      <p15:sldGuideLst xmlns:p15="http://schemas.microsoft.com/office/powerpoint/2012/main">
         <p15:guide id="1" orient="horz" pos="1620">
           <p15:clr>
             <a:srgbClr val="A4A3A4"/>
@@ -300,11 +301,16 @@
 </file>
 
 <file path=ppt/notesMasters/notesMaster1.xml><?xml version="1.0" encoding="utf-8"?>
-<p:notesMaster xmlns:a="http://schemas.openxmlformats.org/drawingml/2006/main" xmlns:r="http://schemas.openxmlformats.org/officeDocument/2006/relationships" xmlns:mc="http://schemas.openxmlformats.org/markup-compatibility/2006" xmlns:mv="urn:schemas-microsoft-com:mac:vml" xmlns:p="http://schemas.openxmlformats.org/presentationml/2006/main" xmlns:c="http://schemas.openxmlformats.org/drawingml/2006/chart" xmlns:dgm="http://schemas.openxmlformats.org/drawingml/2006/diagram" xmlns:o="urn:schemas-microsoft-com:office:office" xmlns:v="urn:schemas-microsoft-com:vml" xmlns:pvml="urn:schemas-microsoft-com:office:powerpoint" xmlns:com="http://schemas.openxmlformats.org/drawingml/2006/compatibility" xmlns:p14="http://schemas.microsoft.com/office/powerpoint/2010/main" xmlns:p15="http://schemas.microsoft.com/office/powerpoint/2012/main" xmlns:ahyp="http://schemas.microsoft.com/office/drawing/2018/hyperlinkcolor">
+<p:notesMaster xmlns:a="http://schemas.openxmlformats.org/drawingml/2006/main" xmlns:r="http://schemas.openxmlformats.org/officeDocument/2006/relationships" xmlns:p="http://schemas.openxmlformats.org/presentationml/2006/main">
   <p:cSld>
+    <p:bg>
+      <p:bgRef idx="1001">
+        <a:schemeClr val="bg1"/>
+      </p:bgRef>
+    </p:bg>
     <p:spTree>
       <p:nvGrpSpPr>
-        <p:cNvPr id="2" name="Shape 2"/>
+        <p:cNvPr id="1" name="Shape 2"/>
         <p:cNvGrpSpPr/>
         <p:nvPr/>
       </p:nvGrpSpPr>
@@ -319,9 +325,11 @@
       <p:sp>
         <p:nvSpPr>
           <p:cNvPr id="3" name="Google Shape;3;n"/>
-          <p:cNvSpPr/>
+          <p:cNvSpPr>
+            <a:spLocks noGrp="1" noRot="1" noChangeAspect="1"/>
+          </p:cNvSpPr>
           <p:nvPr>
-            <p:ph idx="2" type="sldImg"/>
+            <p:ph type="sldImg" idx="2"/>
           </p:nvPr>
         </p:nvSpPr>
         <p:spPr>
@@ -330,9 +338,13 @@
             <a:ext cx="6096075" cy="3429000"/>
           </a:xfrm>
           <a:custGeom>
-            <a:rect b="b" l="l" r="r" t="t"/>
+            <a:avLst/>
+            <a:gdLst/>
+            <a:ahLst/>
+            <a:cxnLst/>
+            <a:rect l="l" t="t" r="r" b="b"/>
             <a:pathLst>
-              <a:path extrusionOk="0" h="120000" w="120000">
+              <a:path w="120000" h="120000" extrusionOk="0">
                 <a:moveTo>
                   <a:pt x="0" y="0"/>
                 </a:moveTo>
@@ -350,23 +362,25 @@
             </a:pathLst>
           </a:custGeom>
           <a:noFill/>
-          <a:ln cap="flat" cmpd="sng" w="9525">
+          <a:ln w="9525" cap="flat" cmpd="sng">
             <a:solidFill>
               <a:srgbClr val="000000"/>
             </a:solidFill>
             <a:prstDash val="solid"/>
             <a:round/>
-            <a:headEnd len="sm" w="sm" type="none"/>
-            <a:tailEnd len="sm" w="sm" type="none"/>
+            <a:headEnd type="none" w="sm" len="sm"/>
+            <a:tailEnd type="none" w="sm" len="sm"/>
           </a:ln>
         </p:spPr>
       </p:sp>
       <p:sp>
         <p:nvSpPr>
           <p:cNvPr id="4" name="Google Shape;4;n"/>
-          <p:cNvSpPr txBox="1"/>
+          <p:cNvSpPr txBox="1">
+            <a:spLocks noGrp="1"/>
+          </p:cNvSpPr>
           <p:nvPr>
-            <p:ph idx="1" type="body"/>
+            <p:ph type="body" idx="1"/>
           </p:nvPr>
         </p:nvSpPr>
         <p:spPr>
@@ -383,11 +397,11 @@
           </a:ln>
         </p:spPr>
         <p:txBody>
-          <a:bodyPr anchorCtr="0" anchor="t" bIns="91425" lIns="91425" spcFirstLastPara="1" rIns="91425" wrap="square" tIns="91425">
+          <a:bodyPr spcFirstLastPara="1" wrap="square" lIns="91425" tIns="91425" rIns="91425" bIns="91425" anchor="t" anchorCtr="0">
             <a:noAutofit/>
           </a:bodyPr>
           <a:lstStyle>
-            <a:lvl1pPr indent="-298450" lvl="0" marL="457200">
+            <a:lvl1pPr marL="457200" lvl="0" indent="-298450">
               <a:spcBef>
                 <a:spcPts val="0"/>
               </a:spcBef>
@@ -398,7 +412,7 @@
               <a:buChar char="●"/>
               <a:defRPr sz="1100"/>
             </a:lvl1pPr>
-            <a:lvl2pPr indent="-298450" lvl="1" marL="914400">
+            <a:lvl2pPr marL="914400" lvl="1" indent="-298450">
               <a:spcBef>
                 <a:spcPts val="0"/>
               </a:spcBef>
@@ -409,7 +423,7 @@
               <a:buChar char="○"/>
               <a:defRPr sz="1100"/>
             </a:lvl2pPr>
-            <a:lvl3pPr indent="-298450" lvl="2" marL="1371600">
+            <a:lvl3pPr marL="1371600" lvl="2" indent="-298450">
               <a:spcBef>
                 <a:spcPts val="0"/>
               </a:spcBef>
@@ -420,7 +434,7 @@
               <a:buChar char="■"/>
               <a:defRPr sz="1100"/>
             </a:lvl3pPr>
-            <a:lvl4pPr indent="-298450" lvl="3" marL="1828800">
+            <a:lvl4pPr marL="1828800" lvl="3" indent="-298450">
               <a:spcBef>
                 <a:spcPts val="0"/>
               </a:spcBef>
@@ -431,7 +445,7 @@
               <a:buChar char="●"/>
               <a:defRPr sz="1100"/>
             </a:lvl4pPr>
-            <a:lvl5pPr indent="-298450" lvl="4" marL="2286000">
+            <a:lvl5pPr marL="2286000" lvl="4" indent="-298450">
               <a:spcBef>
                 <a:spcPts val="0"/>
               </a:spcBef>
@@ -442,7 +456,7 @@
               <a:buChar char="○"/>
               <a:defRPr sz="1100"/>
             </a:lvl5pPr>
-            <a:lvl6pPr indent="-298450" lvl="5" marL="2743200">
+            <a:lvl6pPr marL="2743200" lvl="5" indent="-298450">
               <a:spcBef>
                 <a:spcPts val="0"/>
               </a:spcBef>
@@ -453,7 +467,7 @@
               <a:buChar char="■"/>
               <a:defRPr sz="1100"/>
             </a:lvl6pPr>
-            <a:lvl7pPr indent="-298450" lvl="6" marL="3200400">
+            <a:lvl7pPr marL="3200400" lvl="6" indent="-298450">
               <a:spcBef>
                 <a:spcPts val="0"/>
               </a:spcBef>
@@ -464,7 +478,7 @@
               <a:buChar char="●"/>
               <a:defRPr sz="1100"/>
             </a:lvl7pPr>
-            <a:lvl8pPr indent="-298450" lvl="7" marL="3657600">
+            <a:lvl8pPr marL="3657600" lvl="7" indent="-298450">
               <a:spcBef>
                 <a:spcPts val="0"/>
               </a:spcBef>
@@ -475,7 +489,7 @@
               <a:buChar char="○"/>
               <a:defRPr sz="1100"/>
             </a:lvl8pPr>
-            <a:lvl9pPr indent="-298450" lvl="8" marL="4114800">
+            <a:lvl9pPr marL="4114800" lvl="8" indent="-298450">
               <a:spcBef>
                 <a:spcPts val="0"/>
               </a:spcBef>
@@ -487,14 +501,16 @@
               <a:defRPr sz="1100"/>
             </a:lvl9pPr>
           </a:lstStyle>
-          <a:p/>
+          <a:p>
+            <a:endParaRPr/>
+          </a:p>
         </p:txBody>
       </p:sp>
     </p:spTree>
   </p:cSld>
-  <p:clrMap accent1="accent1" accent2="accent2" accent3="accent3" accent4="accent4" accent5="accent5" accent6="accent6" bg1="lt1" bg2="dk2" tx1="dk1" tx2="lt2" folHlink="folHlink" hlink="hlink"/>
+  <p:clrMap bg1="lt1" tx1="dk1" bg2="dk2" tx2="lt2" accent1="accent1" accent2="accent2" accent3="accent3" accent4="accent4" accent5="accent5" accent6="accent6" hlink="hlink" folHlink="folHlink"/>
   <p:notesStyle>
-    <a:defPPr lvl="0" marR="0" rtl="0" algn="l">
+    <a:defPPr marR="0" lvl="0" algn="l" rtl="0">
       <a:lnSpc>
         <a:spcPct val="100000"/>
       </a:lnSpc>
@@ -505,7 +521,7 @@
         <a:spcPts val="0"/>
       </a:spcAft>
     </a:defPPr>
-    <a:lvl1pPr lvl="0" marR="0" rtl="0" algn="l">
+    <a:lvl1pPr marR="0" lvl="0" algn="l" rtl="0">
       <a:lnSpc>
         <a:spcPct val="100000"/>
       </a:lnSpc>
@@ -519,7 +535,7 @@
         <a:srgbClr val="000000"/>
       </a:buClr>
       <a:buFont typeface="Arial"/>
-      <a:defRPr b="0" i="0" sz="1400" u="none" cap="none" strike="noStrike">
+      <a:defRPr sz="1400" b="0" i="0" u="none" strike="noStrike" cap="none">
         <a:solidFill>
           <a:srgbClr val="000000"/>
         </a:solidFill>
@@ -529,7 +545,7 @@
         <a:sym typeface="Arial"/>
       </a:defRPr>
     </a:lvl1pPr>
-    <a:lvl2pPr lvl="1" marR="0" rtl="0" algn="l">
+    <a:lvl2pPr marR="0" lvl="1" algn="l" rtl="0">
       <a:lnSpc>
         <a:spcPct val="100000"/>
       </a:lnSpc>
@@ -543,7 +559,7 @@
         <a:srgbClr val="000000"/>
       </a:buClr>
       <a:buFont typeface="Arial"/>
-      <a:defRPr b="0" i="0" sz="1400" u="none" cap="none" strike="noStrike">
+      <a:defRPr sz="1400" b="0" i="0" u="none" strike="noStrike" cap="none">
         <a:solidFill>
           <a:srgbClr val="000000"/>
         </a:solidFill>
@@ -553,7 +569,7 @@
         <a:sym typeface="Arial"/>
       </a:defRPr>
     </a:lvl2pPr>
-    <a:lvl3pPr lvl="2" marR="0" rtl="0" algn="l">
+    <a:lvl3pPr marR="0" lvl="2" algn="l" rtl="0">
       <a:lnSpc>
         <a:spcPct val="100000"/>
       </a:lnSpc>
@@ -567,7 +583,7 @@
         <a:srgbClr val="000000"/>
       </a:buClr>
       <a:buFont typeface="Arial"/>
-      <a:defRPr b="0" i="0" sz="1400" u="none" cap="none" strike="noStrike">
+      <a:defRPr sz="1400" b="0" i="0" u="none" strike="noStrike" cap="none">
         <a:solidFill>
           <a:srgbClr val="000000"/>
         </a:solidFill>
@@ -577,7 +593,7 @@
         <a:sym typeface="Arial"/>
       </a:defRPr>
     </a:lvl3pPr>
-    <a:lvl4pPr lvl="3" marR="0" rtl="0" algn="l">
+    <a:lvl4pPr marR="0" lvl="3" algn="l" rtl="0">
       <a:lnSpc>
         <a:spcPct val="100000"/>
       </a:lnSpc>
@@ -591,7 +607,7 @@
         <a:srgbClr val="000000"/>
       </a:buClr>
       <a:buFont typeface="Arial"/>
-      <a:defRPr b="0" i="0" sz="1400" u="none" cap="none" strike="noStrike">
+      <a:defRPr sz="1400" b="0" i="0" u="none" strike="noStrike" cap="none">
         <a:solidFill>
           <a:srgbClr val="000000"/>
         </a:solidFill>
@@ -601,7 +617,7 @@
         <a:sym typeface="Arial"/>
       </a:defRPr>
     </a:lvl4pPr>
-    <a:lvl5pPr lvl="4" marR="0" rtl="0" algn="l">
+    <a:lvl5pPr marR="0" lvl="4" algn="l" rtl="0">
       <a:lnSpc>
         <a:spcPct val="100000"/>
       </a:lnSpc>
@@ -615,7 +631,7 @@
         <a:srgbClr val="000000"/>
       </a:buClr>
       <a:buFont typeface="Arial"/>
-      <a:defRPr b="0" i="0" sz="1400" u="none" cap="none" strike="noStrike">
+      <a:defRPr sz="1400" b="0" i="0" u="none" strike="noStrike" cap="none">
         <a:solidFill>
           <a:srgbClr val="000000"/>
         </a:solidFill>
@@ -625,7 +641,7 @@
         <a:sym typeface="Arial"/>
       </a:defRPr>
     </a:lvl5pPr>
-    <a:lvl6pPr lvl="5" marR="0" rtl="0" algn="l">
+    <a:lvl6pPr marR="0" lvl="5" algn="l" rtl="0">
       <a:lnSpc>
         <a:spcPct val="100000"/>
       </a:lnSpc>
@@ -639,7 +655,7 @@
         <a:srgbClr val="000000"/>
       </a:buClr>
       <a:buFont typeface="Arial"/>
-      <a:defRPr b="0" i="0" sz="1400" u="none" cap="none" strike="noStrike">
+      <a:defRPr sz="1400" b="0" i="0" u="none" strike="noStrike" cap="none">
         <a:solidFill>
           <a:srgbClr val="000000"/>
         </a:solidFill>
@@ -649,7 +665,7 @@
         <a:sym typeface="Arial"/>
       </a:defRPr>
     </a:lvl6pPr>
-    <a:lvl7pPr lvl="6" marR="0" rtl="0" algn="l">
+    <a:lvl7pPr marR="0" lvl="6" algn="l" rtl="0">
       <a:lnSpc>
         <a:spcPct val="100000"/>
       </a:lnSpc>
@@ -663,7 +679,7 @@
         <a:srgbClr val="000000"/>
       </a:buClr>
       <a:buFont typeface="Arial"/>
-      <a:defRPr b="0" i="0" sz="1400" u="none" cap="none" strike="noStrike">
+      <a:defRPr sz="1400" b="0" i="0" u="none" strike="noStrike" cap="none">
         <a:solidFill>
           <a:srgbClr val="000000"/>
         </a:solidFill>
@@ -673,7 +689,7 @@
         <a:sym typeface="Arial"/>
       </a:defRPr>
     </a:lvl7pPr>
-    <a:lvl8pPr lvl="7" marR="0" rtl="0" algn="l">
+    <a:lvl8pPr marR="0" lvl="7" algn="l" rtl="0">
       <a:lnSpc>
         <a:spcPct val="100000"/>
       </a:lnSpc>
@@ -687,7 +703,7 @@
         <a:srgbClr val="000000"/>
       </a:buClr>
       <a:buFont typeface="Arial"/>
-      <a:defRPr b="0" i="0" sz="1400" u="none" cap="none" strike="noStrike">
+      <a:defRPr sz="1400" b="0" i="0" u="none" strike="noStrike" cap="none">
         <a:solidFill>
           <a:srgbClr val="000000"/>
         </a:solidFill>
@@ -697,7 +713,7 @@
         <a:sym typeface="Arial"/>
       </a:defRPr>
     </a:lvl8pPr>
-    <a:lvl9pPr lvl="8" marR="0" rtl="0" algn="l">
+    <a:lvl9pPr marR="0" lvl="8" algn="l" rtl="0">
       <a:lnSpc>
         <a:spcPct val="100000"/>
       </a:lnSpc>
@@ -711,7 +727,7 @@
         <a:srgbClr val="000000"/>
       </a:buClr>
       <a:buFont typeface="Arial"/>
-      <a:defRPr b="0" i="0" sz="1400" u="none" cap="none" strike="noStrike">
+      <a:defRPr sz="1400" b="0" i="0" u="none" strike="noStrike" cap="none">
         <a:solidFill>
           <a:srgbClr val="000000"/>
         </a:solidFill>
@@ -726,11 +742,11 @@
 </file>
 
 <file path=ppt/notesSlides/notesSlide1.xml><?xml version="1.0" encoding="utf-8"?>
-<p:notes xmlns:a="http://schemas.openxmlformats.org/drawingml/2006/main" xmlns:r="http://schemas.openxmlformats.org/officeDocument/2006/relationships" xmlns:mc="http://schemas.openxmlformats.org/markup-compatibility/2006" xmlns:mv="urn:schemas-microsoft-com:mac:vml" xmlns:p="http://schemas.openxmlformats.org/presentationml/2006/main" xmlns:c="http://schemas.openxmlformats.org/drawingml/2006/chart" xmlns:dgm="http://schemas.openxmlformats.org/drawingml/2006/diagram" xmlns:o="urn:schemas-microsoft-com:office:office" xmlns:v="urn:schemas-microsoft-com:vml" xmlns:pvml="urn:schemas-microsoft-com:office:powerpoint" xmlns:com="http://schemas.openxmlformats.org/drawingml/2006/compatibility" xmlns:p14="http://schemas.microsoft.com/office/powerpoint/2010/main" xmlns:p15="http://schemas.microsoft.com/office/powerpoint/2012/main" xmlns:ahyp="http://schemas.microsoft.com/office/drawing/2018/hyperlinkcolor" showMasterPhAnim="0" showMasterSp="0">
+<p:notes xmlns:a="http://schemas.openxmlformats.org/drawingml/2006/main" xmlns:r="http://schemas.openxmlformats.org/officeDocument/2006/relationships" xmlns:p="http://schemas.openxmlformats.org/presentationml/2006/main" showMasterSp="0" showMasterPhAnim="0">
   <p:cSld>
     <p:spTree>
       <p:nvGrpSpPr>
-        <p:cNvPr id="130" name="Shape 130"/>
+        <p:cNvPr id="1" name="Shape 130"/>
         <p:cNvGrpSpPr/>
         <p:nvPr/>
       </p:nvGrpSpPr>
@@ -745,9 +761,11 @@
       <p:sp>
         <p:nvSpPr>
           <p:cNvPr id="131" name="Google Shape;131;p:notes"/>
-          <p:cNvSpPr/>
+          <p:cNvSpPr>
+            <a:spLocks noGrp="1" noRot="1" noChangeAspect="1"/>
+          </p:cNvSpPr>
           <p:nvPr>
-            <p:ph idx="2" type="sldImg"/>
+            <p:ph type="sldImg" idx="2"/>
           </p:nvPr>
         </p:nvSpPr>
         <p:spPr>
@@ -756,9 +774,13 @@
             <a:ext cx="6096075" cy="3429000"/>
           </a:xfrm>
           <a:custGeom>
-            <a:rect b="b" l="l" r="r" t="t"/>
+            <a:avLst/>
+            <a:gdLst/>
+            <a:ahLst/>
+            <a:cxnLst/>
+            <a:rect l="l" t="t" r="r" b="b"/>
             <a:pathLst>
-              <a:path extrusionOk="0" h="120000" w="120000">
+              <a:path w="120000" h="120000" extrusionOk="0">
                 <a:moveTo>
                   <a:pt x="0" y="0"/>
                 </a:moveTo>
@@ -780,9 +802,11 @@
       <p:sp>
         <p:nvSpPr>
           <p:cNvPr id="132" name="Google Shape;132;p:notes"/>
-          <p:cNvSpPr txBox="1"/>
+          <p:cNvSpPr txBox="1">
+            <a:spLocks noGrp="1"/>
+          </p:cNvSpPr>
           <p:nvPr>
-            <p:ph idx="1" type="body"/>
+            <p:ph type="body" idx="1"/>
           </p:nvPr>
         </p:nvSpPr>
         <p:spPr>
@@ -795,12 +819,12 @@
           </a:prstGeom>
         </p:spPr>
         <p:txBody>
-          <a:bodyPr anchorCtr="0" anchor="t" bIns="91425" lIns="91425" spcFirstLastPara="1" rIns="91425" wrap="square" tIns="91425">
+          <a:bodyPr spcFirstLastPara="1" wrap="square" lIns="91425" tIns="91425" rIns="91425" bIns="91425" anchor="t" anchorCtr="0">
             <a:noAutofit/>
           </a:bodyPr>
           <a:lstStyle/>
           <a:p>
-            <a:pPr indent="0" lvl="0" marL="0" rtl="0" algn="l">
+            <a:pPr marL="0" lvl="0" indent="0" algn="l" rtl="0">
               <a:spcBef>
                 <a:spcPts val="0"/>
               </a:spcBef>
@@ -809,9 +833,6 @@
               </a:spcAft>
               <a:buNone/>
             </a:pPr>
-            <a:r>
-              <a:t/>
-            </a:r>
             <a:endParaRPr/>
           </a:p>
         </p:txBody>
@@ -825,11 +846,11 @@
 </file>
 
 <file path=ppt/notesSlides/notesSlide10.xml><?xml version="1.0" encoding="utf-8"?>
-<p:notes xmlns:a="http://schemas.openxmlformats.org/drawingml/2006/main" xmlns:r="http://schemas.openxmlformats.org/officeDocument/2006/relationships" xmlns:mc="http://schemas.openxmlformats.org/markup-compatibility/2006" xmlns:mv="urn:schemas-microsoft-com:mac:vml" xmlns:p="http://schemas.openxmlformats.org/presentationml/2006/main" xmlns:c="http://schemas.openxmlformats.org/drawingml/2006/chart" xmlns:dgm="http://schemas.openxmlformats.org/drawingml/2006/diagram" xmlns:o="urn:schemas-microsoft-com:office:office" xmlns:v="urn:schemas-microsoft-com:vml" xmlns:pvml="urn:schemas-microsoft-com:office:powerpoint" xmlns:com="http://schemas.openxmlformats.org/drawingml/2006/compatibility" xmlns:p14="http://schemas.microsoft.com/office/powerpoint/2010/main" xmlns:p15="http://schemas.microsoft.com/office/powerpoint/2012/main" xmlns:ahyp="http://schemas.microsoft.com/office/drawing/2018/hyperlinkcolor" showMasterPhAnim="0" showMasterSp="0">
+<p:notes xmlns:a="http://schemas.openxmlformats.org/drawingml/2006/main" xmlns:r="http://schemas.openxmlformats.org/officeDocument/2006/relationships" xmlns:p="http://schemas.openxmlformats.org/presentationml/2006/main" showMasterSp="0" showMasterPhAnim="0">
   <p:cSld>
     <p:spTree>
       <p:nvGrpSpPr>
-        <p:cNvPr id="184" name="Shape 184"/>
+        <p:cNvPr id="1" name="Shape 184"/>
         <p:cNvGrpSpPr/>
         <p:nvPr/>
       </p:nvGrpSpPr>
@@ -844,9 +865,11 @@
       <p:sp>
         <p:nvSpPr>
           <p:cNvPr id="185" name="Google Shape;185;g16b391cebf7_0_156:notes"/>
-          <p:cNvSpPr/>
+          <p:cNvSpPr>
+            <a:spLocks noGrp="1" noRot="1" noChangeAspect="1"/>
+          </p:cNvSpPr>
           <p:nvPr>
-            <p:ph idx="2" type="sldImg"/>
+            <p:ph type="sldImg" idx="2"/>
           </p:nvPr>
         </p:nvSpPr>
         <p:spPr>
@@ -855,9 +878,13 @@
             <a:ext cx="6096000" cy="3429000"/>
           </a:xfrm>
           <a:custGeom>
-            <a:rect b="b" l="l" r="r" t="t"/>
+            <a:avLst/>
+            <a:gdLst/>
+            <a:ahLst/>
+            <a:cxnLst/>
+            <a:rect l="l" t="t" r="r" b="b"/>
             <a:pathLst>
-              <a:path extrusionOk="0" h="120000" w="120000">
+              <a:path w="120000" h="120000" extrusionOk="0">
                 <a:moveTo>
                   <a:pt x="0" y="0"/>
                 </a:moveTo>
@@ -879,9 +906,11 @@
       <p:sp>
         <p:nvSpPr>
           <p:cNvPr id="186" name="Google Shape;186;g16b391cebf7_0_156:notes"/>
-          <p:cNvSpPr txBox="1"/>
+          <p:cNvSpPr txBox="1">
+            <a:spLocks noGrp="1"/>
+          </p:cNvSpPr>
           <p:nvPr>
-            <p:ph idx="1" type="body"/>
+            <p:ph type="body" idx="1"/>
           </p:nvPr>
         </p:nvSpPr>
         <p:spPr>
@@ -894,12 +923,12 @@
           </a:prstGeom>
         </p:spPr>
         <p:txBody>
-          <a:bodyPr anchorCtr="0" anchor="t" bIns="91425" lIns="91425" spcFirstLastPara="1" rIns="91425" wrap="square" tIns="91425">
+          <a:bodyPr spcFirstLastPara="1" wrap="square" lIns="91425" tIns="91425" rIns="91425" bIns="91425" anchor="t" anchorCtr="0">
             <a:noAutofit/>
           </a:bodyPr>
           <a:lstStyle/>
           <a:p>
-            <a:pPr indent="0" lvl="0" marL="0" rtl="0" algn="l">
+            <a:pPr marL="0" lvl="0" indent="0" algn="l" rtl="0">
               <a:spcBef>
                 <a:spcPts val="0"/>
               </a:spcBef>
@@ -908,9 +937,6 @@
               </a:spcAft>
               <a:buNone/>
             </a:pPr>
-            <a:r>
-              <a:t/>
-            </a:r>
             <a:endParaRPr/>
           </a:p>
         </p:txBody>
@@ -924,11 +950,11 @@
 </file>
 
 <file path=ppt/notesSlides/notesSlide11.xml><?xml version="1.0" encoding="utf-8"?>
-<p:notes xmlns:a="http://schemas.openxmlformats.org/drawingml/2006/main" xmlns:r="http://schemas.openxmlformats.org/officeDocument/2006/relationships" xmlns:mc="http://schemas.openxmlformats.org/markup-compatibility/2006" xmlns:mv="urn:schemas-microsoft-com:mac:vml" xmlns:p="http://schemas.openxmlformats.org/presentationml/2006/main" xmlns:c="http://schemas.openxmlformats.org/drawingml/2006/chart" xmlns:dgm="http://schemas.openxmlformats.org/drawingml/2006/diagram" xmlns:o="urn:schemas-microsoft-com:office:office" xmlns:v="urn:schemas-microsoft-com:vml" xmlns:pvml="urn:schemas-microsoft-com:office:powerpoint" xmlns:com="http://schemas.openxmlformats.org/drawingml/2006/compatibility" xmlns:p14="http://schemas.microsoft.com/office/powerpoint/2010/main" xmlns:p15="http://schemas.microsoft.com/office/powerpoint/2012/main" xmlns:ahyp="http://schemas.microsoft.com/office/drawing/2018/hyperlinkcolor" showMasterPhAnim="0" showMasterSp="0">
+<p:notes xmlns:a="http://schemas.openxmlformats.org/drawingml/2006/main" xmlns:r="http://schemas.openxmlformats.org/officeDocument/2006/relationships" xmlns:p="http://schemas.openxmlformats.org/presentationml/2006/main" showMasterSp="0" showMasterPhAnim="0">
   <p:cSld>
     <p:spTree>
       <p:nvGrpSpPr>
-        <p:cNvPr id="190" name="Shape 190"/>
+        <p:cNvPr id="1" name="Shape 190"/>
         <p:cNvGrpSpPr/>
         <p:nvPr/>
       </p:nvGrpSpPr>
@@ -943,9 +969,11 @@
       <p:sp>
         <p:nvSpPr>
           <p:cNvPr id="191" name="Google Shape;191;g16b391cebf7_0_161:notes"/>
-          <p:cNvSpPr/>
+          <p:cNvSpPr>
+            <a:spLocks noGrp="1" noRot="1" noChangeAspect="1"/>
+          </p:cNvSpPr>
           <p:nvPr>
-            <p:ph idx="2" type="sldImg"/>
+            <p:ph type="sldImg" idx="2"/>
           </p:nvPr>
         </p:nvSpPr>
         <p:spPr>
@@ -954,9 +982,13 @@
             <a:ext cx="6096000" cy="3429000"/>
           </a:xfrm>
           <a:custGeom>
-            <a:rect b="b" l="l" r="r" t="t"/>
+            <a:avLst/>
+            <a:gdLst/>
+            <a:ahLst/>
+            <a:cxnLst/>
+            <a:rect l="l" t="t" r="r" b="b"/>
             <a:pathLst>
-              <a:path extrusionOk="0" h="120000" w="120000">
+              <a:path w="120000" h="120000" extrusionOk="0">
                 <a:moveTo>
                   <a:pt x="0" y="0"/>
                 </a:moveTo>
@@ -978,9 +1010,11 @@
       <p:sp>
         <p:nvSpPr>
           <p:cNvPr id="192" name="Google Shape;192;g16b391cebf7_0_161:notes"/>
-          <p:cNvSpPr txBox="1"/>
+          <p:cNvSpPr txBox="1">
+            <a:spLocks noGrp="1"/>
+          </p:cNvSpPr>
           <p:nvPr>
-            <p:ph idx="1" type="body"/>
+            <p:ph type="body" idx="1"/>
           </p:nvPr>
         </p:nvSpPr>
         <p:spPr>
@@ -993,12 +1027,12 @@
           </a:prstGeom>
         </p:spPr>
         <p:txBody>
-          <a:bodyPr anchorCtr="0" anchor="t" bIns="91425" lIns="91425" spcFirstLastPara="1" rIns="91425" wrap="square" tIns="91425">
+          <a:bodyPr spcFirstLastPara="1" wrap="square" lIns="91425" tIns="91425" rIns="91425" bIns="91425" anchor="t" anchorCtr="0">
             <a:noAutofit/>
           </a:bodyPr>
           <a:lstStyle/>
           <a:p>
-            <a:pPr indent="0" lvl="0" marL="0" rtl="0" algn="l">
+            <a:pPr marL="0" lvl="0" indent="0" algn="l" rtl="0">
               <a:spcBef>
                 <a:spcPts val="0"/>
               </a:spcBef>
@@ -1007,9 +1041,6 @@
               </a:spcAft>
               <a:buNone/>
             </a:pPr>
-            <a:r>
-              <a:t/>
-            </a:r>
             <a:endParaRPr/>
           </a:p>
         </p:txBody>
@@ -1023,11 +1054,11 @@
 </file>
 
 <file path=ppt/notesSlides/notesSlide12.xml><?xml version="1.0" encoding="utf-8"?>
-<p:notes xmlns:a="http://schemas.openxmlformats.org/drawingml/2006/main" xmlns:r="http://schemas.openxmlformats.org/officeDocument/2006/relationships" xmlns:mc="http://schemas.openxmlformats.org/markup-compatibility/2006" xmlns:mv="urn:schemas-microsoft-com:mac:vml" xmlns:p="http://schemas.openxmlformats.org/presentationml/2006/main" xmlns:c="http://schemas.openxmlformats.org/drawingml/2006/chart" xmlns:dgm="http://schemas.openxmlformats.org/drawingml/2006/diagram" xmlns:o="urn:schemas-microsoft-com:office:office" xmlns:v="urn:schemas-microsoft-com:vml" xmlns:pvml="urn:schemas-microsoft-com:office:powerpoint" xmlns:com="http://schemas.openxmlformats.org/drawingml/2006/compatibility" xmlns:p14="http://schemas.microsoft.com/office/powerpoint/2010/main" xmlns:p15="http://schemas.microsoft.com/office/powerpoint/2012/main" xmlns:ahyp="http://schemas.microsoft.com/office/drawing/2018/hyperlinkcolor" showMasterPhAnim="0" showMasterSp="0">
+<p:notes xmlns:a="http://schemas.openxmlformats.org/drawingml/2006/main" xmlns:r="http://schemas.openxmlformats.org/officeDocument/2006/relationships" xmlns:p="http://schemas.openxmlformats.org/presentationml/2006/main" showMasterSp="0" showMasterPhAnim="0">
   <p:cSld>
     <p:spTree>
       <p:nvGrpSpPr>
-        <p:cNvPr id="196" name="Shape 196"/>
+        <p:cNvPr id="1" name="Shape 196"/>
         <p:cNvGrpSpPr/>
         <p:nvPr/>
       </p:nvGrpSpPr>
@@ -1042,9 +1073,11 @@
       <p:sp>
         <p:nvSpPr>
           <p:cNvPr id="197" name="Google Shape;197;g16b391cebf7_0_166:notes"/>
-          <p:cNvSpPr/>
+          <p:cNvSpPr>
+            <a:spLocks noGrp="1" noRot="1" noChangeAspect="1"/>
+          </p:cNvSpPr>
           <p:nvPr>
-            <p:ph idx="2" type="sldImg"/>
+            <p:ph type="sldImg" idx="2"/>
           </p:nvPr>
         </p:nvSpPr>
         <p:spPr>
@@ -1053,9 +1086,13 @@
             <a:ext cx="6096000" cy="3429000"/>
           </a:xfrm>
           <a:custGeom>
-            <a:rect b="b" l="l" r="r" t="t"/>
+            <a:avLst/>
+            <a:gdLst/>
+            <a:ahLst/>
+            <a:cxnLst/>
+            <a:rect l="l" t="t" r="r" b="b"/>
             <a:pathLst>
-              <a:path extrusionOk="0" h="120000" w="120000">
+              <a:path w="120000" h="120000" extrusionOk="0">
                 <a:moveTo>
                   <a:pt x="0" y="0"/>
                 </a:moveTo>
@@ -1077,9 +1114,11 @@
       <p:sp>
         <p:nvSpPr>
           <p:cNvPr id="198" name="Google Shape;198;g16b391cebf7_0_166:notes"/>
-          <p:cNvSpPr txBox="1"/>
+          <p:cNvSpPr txBox="1">
+            <a:spLocks noGrp="1"/>
+          </p:cNvSpPr>
           <p:nvPr>
-            <p:ph idx="1" type="body"/>
+            <p:ph type="body" idx="1"/>
           </p:nvPr>
         </p:nvSpPr>
         <p:spPr>
@@ -1092,12 +1131,12 @@
           </a:prstGeom>
         </p:spPr>
         <p:txBody>
-          <a:bodyPr anchorCtr="0" anchor="t" bIns="91425" lIns="91425" spcFirstLastPara="1" rIns="91425" wrap="square" tIns="91425">
+          <a:bodyPr spcFirstLastPara="1" wrap="square" lIns="91425" tIns="91425" rIns="91425" bIns="91425" anchor="t" anchorCtr="0">
             <a:noAutofit/>
           </a:bodyPr>
           <a:lstStyle/>
           <a:p>
-            <a:pPr indent="0" lvl="0" marL="0" rtl="0" algn="l">
+            <a:pPr marL="0" lvl="0" indent="0" algn="l" rtl="0">
               <a:spcBef>
                 <a:spcPts val="0"/>
               </a:spcBef>
@@ -1106,9 +1145,6 @@
               </a:spcAft>
               <a:buNone/>
             </a:pPr>
-            <a:r>
-              <a:t/>
-            </a:r>
             <a:endParaRPr/>
           </a:p>
         </p:txBody>
@@ -1122,11 +1158,11 @@
 </file>
 
 <file path=ppt/notesSlides/notesSlide13.xml><?xml version="1.0" encoding="utf-8"?>
-<p:notes xmlns:a="http://schemas.openxmlformats.org/drawingml/2006/main" xmlns:r="http://schemas.openxmlformats.org/officeDocument/2006/relationships" xmlns:mc="http://schemas.openxmlformats.org/markup-compatibility/2006" xmlns:mv="urn:schemas-microsoft-com:mac:vml" xmlns:p="http://schemas.openxmlformats.org/presentationml/2006/main" xmlns:c="http://schemas.openxmlformats.org/drawingml/2006/chart" xmlns:dgm="http://schemas.openxmlformats.org/drawingml/2006/diagram" xmlns:o="urn:schemas-microsoft-com:office:office" xmlns:v="urn:schemas-microsoft-com:vml" xmlns:pvml="urn:schemas-microsoft-com:office:powerpoint" xmlns:com="http://schemas.openxmlformats.org/drawingml/2006/compatibility" xmlns:p14="http://schemas.microsoft.com/office/powerpoint/2010/main" xmlns:p15="http://schemas.microsoft.com/office/powerpoint/2012/main" xmlns:ahyp="http://schemas.microsoft.com/office/drawing/2018/hyperlinkcolor" showMasterPhAnim="0" showMasterSp="0">
+<p:notes xmlns:a="http://schemas.openxmlformats.org/drawingml/2006/main" xmlns:r="http://schemas.openxmlformats.org/officeDocument/2006/relationships" xmlns:p="http://schemas.openxmlformats.org/presentationml/2006/main" showMasterSp="0" showMasterPhAnim="0">
   <p:cSld>
     <p:spTree>
       <p:nvGrpSpPr>
-        <p:cNvPr id="202" name="Shape 202"/>
+        <p:cNvPr id="1" name="Shape 202"/>
         <p:cNvGrpSpPr/>
         <p:nvPr/>
       </p:nvGrpSpPr>
@@ -1141,9 +1177,11 @@
       <p:sp>
         <p:nvSpPr>
           <p:cNvPr id="203" name="Google Shape;203;g16b391cebf7_0_197:notes"/>
-          <p:cNvSpPr/>
+          <p:cNvSpPr>
+            <a:spLocks noGrp="1" noRot="1" noChangeAspect="1"/>
+          </p:cNvSpPr>
           <p:nvPr>
-            <p:ph idx="2" type="sldImg"/>
+            <p:ph type="sldImg" idx="2"/>
           </p:nvPr>
         </p:nvSpPr>
         <p:spPr>
@@ -1152,9 +1190,13 @@
             <a:ext cx="6096000" cy="3429000"/>
           </a:xfrm>
           <a:custGeom>
-            <a:rect b="b" l="l" r="r" t="t"/>
+            <a:avLst/>
+            <a:gdLst/>
+            <a:ahLst/>
+            <a:cxnLst/>
+            <a:rect l="l" t="t" r="r" b="b"/>
             <a:pathLst>
-              <a:path extrusionOk="0" h="120000" w="120000">
+              <a:path w="120000" h="120000" extrusionOk="0">
                 <a:moveTo>
                   <a:pt x="0" y="0"/>
                 </a:moveTo>
@@ -1176,9 +1218,11 @@
       <p:sp>
         <p:nvSpPr>
           <p:cNvPr id="204" name="Google Shape;204;g16b391cebf7_0_197:notes"/>
-          <p:cNvSpPr txBox="1"/>
+          <p:cNvSpPr txBox="1">
+            <a:spLocks noGrp="1"/>
+          </p:cNvSpPr>
           <p:nvPr>
-            <p:ph idx="1" type="body"/>
+            <p:ph type="body" idx="1"/>
           </p:nvPr>
         </p:nvSpPr>
         <p:spPr>
@@ -1191,12 +1235,12 @@
           </a:prstGeom>
         </p:spPr>
         <p:txBody>
-          <a:bodyPr anchorCtr="0" anchor="t" bIns="91425" lIns="91425" spcFirstLastPara="1" rIns="91425" wrap="square" tIns="91425">
+          <a:bodyPr spcFirstLastPara="1" wrap="square" lIns="91425" tIns="91425" rIns="91425" bIns="91425" anchor="t" anchorCtr="0">
             <a:noAutofit/>
           </a:bodyPr>
           <a:lstStyle/>
           <a:p>
-            <a:pPr indent="0" lvl="0" marL="0" rtl="0" algn="l">
+            <a:pPr marL="0" lvl="0" indent="0" algn="l" rtl="0">
               <a:spcBef>
                 <a:spcPts val="0"/>
               </a:spcBef>
@@ -1205,9 +1249,6 @@
               </a:spcAft>
               <a:buNone/>
             </a:pPr>
-            <a:r>
-              <a:t/>
-            </a:r>
             <a:endParaRPr/>
           </a:p>
         </p:txBody>
@@ -1221,11 +1262,11 @@
 </file>
 
 <file path=ppt/notesSlides/notesSlide14.xml><?xml version="1.0" encoding="utf-8"?>
-<p:notes xmlns:a="http://schemas.openxmlformats.org/drawingml/2006/main" xmlns:r="http://schemas.openxmlformats.org/officeDocument/2006/relationships" xmlns:mc="http://schemas.openxmlformats.org/markup-compatibility/2006" xmlns:mv="urn:schemas-microsoft-com:mac:vml" xmlns:p="http://schemas.openxmlformats.org/presentationml/2006/main" xmlns:c="http://schemas.openxmlformats.org/drawingml/2006/chart" xmlns:dgm="http://schemas.openxmlformats.org/drawingml/2006/diagram" xmlns:o="urn:schemas-microsoft-com:office:office" xmlns:v="urn:schemas-microsoft-com:vml" xmlns:pvml="urn:schemas-microsoft-com:office:powerpoint" xmlns:com="http://schemas.openxmlformats.org/drawingml/2006/compatibility" xmlns:p14="http://schemas.microsoft.com/office/powerpoint/2010/main" xmlns:p15="http://schemas.microsoft.com/office/powerpoint/2012/main" xmlns:ahyp="http://schemas.microsoft.com/office/drawing/2018/hyperlinkcolor" showMasterPhAnim="0" showMasterSp="0">
+<p:notes xmlns:a="http://schemas.openxmlformats.org/drawingml/2006/main" xmlns:r="http://schemas.openxmlformats.org/officeDocument/2006/relationships" xmlns:p="http://schemas.openxmlformats.org/presentationml/2006/main" showMasterSp="0" showMasterPhAnim="0">
   <p:cSld>
     <p:spTree>
       <p:nvGrpSpPr>
-        <p:cNvPr id="208" name="Shape 208"/>
+        <p:cNvPr id="1" name="Shape 208"/>
         <p:cNvGrpSpPr/>
         <p:nvPr/>
       </p:nvGrpSpPr>
@@ -1240,9 +1281,11 @@
       <p:sp>
         <p:nvSpPr>
           <p:cNvPr id="209" name="Google Shape;209;g16b391cebf7_0_171:notes"/>
-          <p:cNvSpPr/>
+          <p:cNvSpPr>
+            <a:spLocks noGrp="1" noRot="1" noChangeAspect="1"/>
+          </p:cNvSpPr>
           <p:nvPr>
-            <p:ph idx="2" type="sldImg"/>
+            <p:ph type="sldImg" idx="2"/>
           </p:nvPr>
         </p:nvSpPr>
         <p:spPr>
@@ -1251,9 +1294,13 @@
             <a:ext cx="6096000" cy="3429000"/>
           </a:xfrm>
           <a:custGeom>
-            <a:rect b="b" l="l" r="r" t="t"/>
+            <a:avLst/>
+            <a:gdLst/>
+            <a:ahLst/>
+            <a:cxnLst/>
+            <a:rect l="l" t="t" r="r" b="b"/>
             <a:pathLst>
-              <a:path extrusionOk="0" h="120000" w="120000">
+              <a:path w="120000" h="120000" extrusionOk="0">
                 <a:moveTo>
                   <a:pt x="0" y="0"/>
                 </a:moveTo>
@@ -1275,9 +1322,11 @@
       <p:sp>
         <p:nvSpPr>
           <p:cNvPr id="210" name="Google Shape;210;g16b391cebf7_0_171:notes"/>
-          <p:cNvSpPr txBox="1"/>
+          <p:cNvSpPr txBox="1">
+            <a:spLocks noGrp="1"/>
+          </p:cNvSpPr>
           <p:nvPr>
-            <p:ph idx="1" type="body"/>
+            <p:ph type="body" idx="1"/>
           </p:nvPr>
         </p:nvSpPr>
         <p:spPr>
@@ -1290,12 +1339,12 @@
           </a:prstGeom>
         </p:spPr>
         <p:txBody>
-          <a:bodyPr anchorCtr="0" anchor="t" bIns="91425" lIns="91425" spcFirstLastPara="1" rIns="91425" wrap="square" tIns="91425">
+          <a:bodyPr spcFirstLastPara="1" wrap="square" lIns="91425" tIns="91425" rIns="91425" bIns="91425" anchor="t" anchorCtr="0">
             <a:noAutofit/>
           </a:bodyPr>
           <a:lstStyle/>
           <a:p>
-            <a:pPr indent="0" lvl="0" marL="0" rtl="0" algn="l">
+            <a:pPr marL="0" lvl="0" indent="0" algn="l" rtl="0">
               <a:spcBef>
                 <a:spcPts val="0"/>
               </a:spcBef>
@@ -1304,9 +1353,6 @@
               </a:spcAft>
               <a:buNone/>
             </a:pPr>
-            <a:r>
-              <a:t/>
-            </a:r>
             <a:endParaRPr/>
           </a:p>
         </p:txBody>
@@ -1320,11 +1366,11 @@
 </file>
 
 <file path=ppt/notesSlides/notesSlide15.xml><?xml version="1.0" encoding="utf-8"?>
-<p:notes xmlns:a="http://schemas.openxmlformats.org/drawingml/2006/main" xmlns:r="http://schemas.openxmlformats.org/officeDocument/2006/relationships" xmlns:mc="http://schemas.openxmlformats.org/markup-compatibility/2006" xmlns:mv="urn:schemas-microsoft-com:mac:vml" xmlns:p="http://schemas.openxmlformats.org/presentationml/2006/main" xmlns:c="http://schemas.openxmlformats.org/drawingml/2006/chart" xmlns:dgm="http://schemas.openxmlformats.org/drawingml/2006/diagram" xmlns:o="urn:schemas-microsoft-com:office:office" xmlns:v="urn:schemas-microsoft-com:vml" xmlns:pvml="urn:schemas-microsoft-com:office:powerpoint" xmlns:com="http://schemas.openxmlformats.org/drawingml/2006/compatibility" xmlns:p14="http://schemas.microsoft.com/office/powerpoint/2010/main" xmlns:p15="http://schemas.microsoft.com/office/powerpoint/2012/main" xmlns:ahyp="http://schemas.microsoft.com/office/drawing/2018/hyperlinkcolor" showMasterPhAnim="0" showMasterSp="0">
+<p:notes xmlns:a="http://schemas.openxmlformats.org/drawingml/2006/main" xmlns:r="http://schemas.openxmlformats.org/officeDocument/2006/relationships" xmlns:p="http://schemas.openxmlformats.org/presentationml/2006/main" showMasterSp="0" showMasterPhAnim="0">
   <p:cSld>
     <p:spTree>
       <p:nvGrpSpPr>
-        <p:cNvPr id="215" name="Shape 215"/>
+        <p:cNvPr id="1" name="Shape 215"/>
         <p:cNvGrpSpPr/>
         <p:nvPr/>
       </p:nvGrpSpPr>
@@ -1339,9 +1385,11 @@
       <p:sp>
         <p:nvSpPr>
           <p:cNvPr id="216" name="Google Shape;216;g16b391cebf7_0_176:notes"/>
-          <p:cNvSpPr/>
+          <p:cNvSpPr>
+            <a:spLocks noGrp="1" noRot="1" noChangeAspect="1"/>
+          </p:cNvSpPr>
           <p:nvPr>
-            <p:ph idx="2" type="sldImg"/>
+            <p:ph type="sldImg" idx="2"/>
           </p:nvPr>
         </p:nvSpPr>
         <p:spPr>
@@ -1350,9 +1398,13 @@
             <a:ext cx="6096000" cy="3429000"/>
           </a:xfrm>
           <a:custGeom>
-            <a:rect b="b" l="l" r="r" t="t"/>
+            <a:avLst/>
+            <a:gdLst/>
+            <a:ahLst/>
+            <a:cxnLst/>
+            <a:rect l="l" t="t" r="r" b="b"/>
             <a:pathLst>
-              <a:path extrusionOk="0" h="120000" w="120000">
+              <a:path w="120000" h="120000" extrusionOk="0">
                 <a:moveTo>
                   <a:pt x="0" y="0"/>
                 </a:moveTo>
@@ -1374,9 +1426,11 @@
       <p:sp>
         <p:nvSpPr>
           <p:cNvPr id="217" name="Google Shape;217;g16b391cebf7_0_176:notes"/>
-          <p:cNvSpPr txBox="1"/>
+          <p:cNvSpPr txBox="1">
+            <a:spLocks noGrp="1"/>
+          </p:cNvSpPr>
           <p:nvPr>
-            <p:ph idx="1" type="body"/>
+            <p:ph type="body" idx="1"/>
           </p:nvPr>
         </p:nvSpPr>
         <p:spPr>
@@ -1389,12 +1443,12 @@
           </a:prstGeom>
         </p:spPr>
         <p:txBody>
-          <a:bodyPr anchorCtr="0" anchor="t" bIns="91425" lIns="91425" spcFirstLastPara="1" rIns="91425" wrap="square" tIns="91425">
+          <a:bodyPr spcFirstLastPara="1" wrap="square" lIns="91425" tIns="91425" rIns="91425" bIns="91425" anchor="t" anchorCtr="0">
             <a:noAutofit/>
           </a:bodyPr>
           <a:lstStyle/>
           <a:p>
-            <a:pPr indent="0" lvl="0" marL="0" rtl="0" algn="l">
+            <a:pPr marL="0" lvl="0" indent="0" algn="l" rtl="0">
               <a:spcBef>
                 <a:spcPts val="0"/>
               </a:spcBef>
@@ -1403,9 +1457,6 @@
               </a:spcAft>
               <a:buNone/>
             </a:pPr>
-            <a:r>
-              <a:t/>
-            </a:r>
             <a:endParaRPr/>
           </a:p>
         </p:txBody>
@@ -1419,11 +1470,11 @@
 </file>
 
 <file path=ppt/notesSlides/notesSlide16.xml><?xml version="1.0" encoding="utf-8"?>
-<p:notes xmlns:a="http://schemas.openxmlformats.org/drawingml/2006/main" xmlns:r="http://schemas.openxmlformats.org/officeDocument/2006/relationships" xmlns:mc="http://schemas.openxmlformats.org/markup-compatibility/2006" xmlns:mv="urn:schemas-microsoft-com:mac:vml" xmlns:p="http://schemas.openxmlformats.org/presentationml/2006/main" xmlns:c="http://schemas.openxmlformats.org/drawingml/2006/chart" xmlns:dgm="http://schemas.openxmlformats.org/drawingml/2006/diagram" xmlns:o="urn:schemas-microsoft-com:office:office" xmlns:v="urn:schemas-microsoft-com:vml" xmlns:pvml="urn:schemas-microsoft-com:office:powerpoint" xmlns:com="http://schemas.openxmlformats.org/drawingml/2006/compatibility" xmlns:p14="http://schemas.microsoft.com/office/powerpoint/2010/main" xmlns:p15="http://schemas.microsoft.com/office/powerpoint/2012/main" xmlns:ahyp="http://schemas.microsoft.com/office/drawing/2018/hyperlinkcolor" showMasterPhAnim="0" showMasterSp="0">
+<p:notes xmlns:a="http://schemas.openxmlformats.org/drawingml/2006/main" xmlns:r="http://schemas.openxmlformats.org/officeDocument/2006/relationships" xmlns:p="http://schemas.openxmlformats.org/presentationml/2006/main" showMasterSp="0" showMasterPhAnim="0">
   <p:cSld>
     <p:spTree>
       <p:nvGrpSpPr>
-        <p:cNvPr id="221" name="Shape 221"/>
+        <p:cNvPr id="1" name="Shape 221"/>
         <p:cNvGrpSpPr/>
         <p:nvPr/>
       </p:nvGrpSpPr>
@@ -1438,9 +1489,11 @@
       <p:sp>
         <p:nvSpPr>
           <p:cNvPr id="222" name="Google Shape;222;g16b391cebf7_0_181:notes"/>
-          <p:cNvSpPr/>
+          <p:cNvSpPr>
+            <a:spLocks noGrp="1" noRot="1" noChangeAspect="1"/>
+          </p:cNvSpPr>
           <p:nvPr>
-            <p:ph idx="2" type="sldImg"/>
+            <p:ph type="sldImg" idx="2"/>
           </p:nvPr>
         </p:nvSpPr>
         <p:spPr>
@@ -1449,9 +1502,13 @@
             <a:ext cx="6096000" cy="3429000"/>
           </a:xfrm>
           <a:custGeom>
-            <a:rect b="b" l="l" r="r" t="t"/>
+            <a:avLst/>
+            <a:gdLst/>
+            <a:ahLst/>
+            <a:cxnLst/>
+            <a:rect l="l" t="t" r="r" b="b"/>
             <a:pathLst>
-              <a:path extrusionOk="0" h="120000" w="120000">
+              <a:path w="120000" h="120000" extrusionOk="0">
                 <a:moveTo>
                   <a:pt x="0" y="0"/>
                 </a:moveTo>
@@ -1473,9 +1530,11 @@
       <p:sp>
         <p:nvSpPr>
           <p:cNvPr id="223" name="Google Shape;223;g16b391cebf7_0_181:notes"/>
-          <p:cNvSpPr txBox="1"/>
+          <p:cNvSpPr txBox="1">
+            <a:spLocks noGrp="1"/>
+          </p:cNvSpPr>
           <p:nvPr>
-            <p:ph idx="1" type="body"/>
+            <p:ph type="body" idx="1"/>
           </p:nvPr>
         </p:nvSpPr>
         <p:spPr>
@@ -1488,12 +1547,12 @@
           </a:prstGeom>
         </p:spPr>
         <p:txBody>
-          <a:bodyPr anchorCtr="0" anchor="t" bIns="91425" lIns="91425" spcFirstLastPara="1" rIns="91425" wrap="square" tIns="91425">
+          <a:bodyPr spcFirstLastPara="1" wrap="square" lIns="91425" tIns="91425" rIns="91425" bIns="91425" anchor="t" anchorCtr="0">
             <a:noAutofit/>
           </a:bodyPr>
           <a:lstStyle/>
           <a:p>
-            <a:pPr indent="0" lvl="0" marL="0" rtl="0" algn="l">
+            <a:pPr marL="0" lvl="0" indent="0" algn="l" rtl="0">
               <a:spcBef>
                 <a:spcPts val="0"/>
               </a:spcBef>
@@ -1502,9 +1561,6 @@
               </a:spcAft>
               <a:buNone/>
             </a:pPr>
-            <a:r>
-              <a:t/>
-            </a:r>
             <a:endParaRPr/>
           </a:p>
         </p:txBody>
@@ -1518,11 +1574,11 @@
 </file>
 
 <file path=ppt/notesSlides/notesSlide17.xml><?xml version="1.0" encoding="utf-8"?>
-<p:notes xmlns:a="http://schemas.openxmlformats.org/drawingml/2006/main" xmlns:r="http://schemas.openxmlformats.org/officeDocument/2006/relationships" xmlns:mc="http://schemas.openxmlformats.org/markup-compatibility/2006" xmlns:mv="urn:schemas-microsoft-com:mac:vml" xmlns:p="http://schemas.openxmlformats.org/presentationml/2006/main" xmlns:c="http://schemas.openxmlformats.org/drawingml/2006/chart" xmlns:dgm="http://schemas.openxmlformats.org/drawingml/2006/diagram" xmlns:o="urn:schemas-microsoft-com:office:office" xmlns:v="urn:schemas-microsoft-com:vml" xmlns:pvml="urn:schemas-microsoft-com:office:powerpoint" xmlns:com="http://schemas.openxmlformats.org/drawingml/2006/compatibility" xmlns:p14="http://schemas.microsoft.com/office/powerpoint/2010/main" xmlns:p15="http://schemas.microsoft.com/office/powerpoint/2012/main" xmlns:ahyp="http://schemas.microsoft.com/office/drawing/2018/hyperlinkcolor" showMasterPhAnim="0" showMasterSp="0">
+<p:notes xmlns:a="http://schemas.openxmlformats.org/drawingml/2006/main" xmlns:r="http://schemas.openxmlformats.org/officeDocument/2006/relationships" xmlns:p="http://schemas.openxmlformats.org/presentationml/2006/main" showMasterSp="0" showMasterPhAnim="0">
   <p:cSld>
     <p:spTree>
       <p:nvGrpSpPr>
-        <p:cNvPr id="227" name="Shape 227"/>
+        <p:cNvPr id="1" name="Shape 227"/>
         <p:cNvGrpSpPr/>
         <p:nvPr/>
       </p:nvGrpSpPr>
@@ -1537,9 +1593,11 @@
       <p:sp>
         <p:nvSpPr>
           <p:cNvPr id="228" name="Google Shape;228;g16b391cebf7_0_186:notes"/>
-          <p:cNvSpPr/>
+          <p:cNvSpPr>
+            <a:spLocks noGrp="1" noRot="1" noChangeAspect="1"/>
+          </p:cNvSpPr>
           <p:nvPr>
-            <p:ph idx="2" type="sldImg"/>
+            <p:ph type="sldImg" idx="2"/>
           </p:nvPr>
         </p:nvSpPr>
         <p:spPr>
@@ -1548,9 +1606,13 @@
             <a:ext cx="6096000" cy="3429000"/>
           </a:xfrm>
           <a:custGeom>
-            <a:rect b="b" l="l" r="r" t="t"/>
+            <a:avLst/>
+            <a:gdLst/>
+            <a:ahLst/>
+            <a:cxnLst/>
+            <a:rect l="l" t="t" r="r" b="b"/>
             <a:pathLst>
-              <a:path extrusionOk="0" h="120000" w="120000">
+              <a:path w="120000" h="120000" extrusionOk="0">
                 <a:moveTo>
                   <a:pt x="0" y="0"/>
                 </a:moveTo>
@@ -1572,9 +1634,11 @@
       <p:sp>
         <p:nvSpPr>
           <p:cNvPr id="229" name="Google Shape;229;g16b391cebf7_0_186:notes"/>
-          <p:cNvSpPr txBox="1"/>
+          <p:cNvSpPr txBox="1">
+            <a:spLocks noGrp="1"/>
+          </p:cNvSpPr>
           <p:nvPr>
-            <p:ph idx="1" type="body"/>
+            <p:ph type="body" idx="1"/>
           </p:nvPr>
         </p:nvSpPr>
         <p:spPr>
@@ -1587,12 +1651,12 @@
           </a:prstGeom>
         </p:spPr>
         <p:txBody>
-          <a:bodyPr anchorCtr="0" anchor="t" bIns="91425" lIns="91425" spcFirstLastPara="1" rIns="91425" wrap="square" tIns="91425">
+          <a:bodyPr spcFirstLastPara="1" wrap="square" lIns="91425" tIns="91425" rIns="91425" bIns="91425" anchor="t" anchorCtr="0">
             <a:noAutofit/>
           </a:bodyPr>
           <a:lstStyle/>
           <a:p>
-            <a:pPr indent="0" lvl="0" marL="0" rtl="0" algn="l">
+            <a:pPr marL="0" lvl="0" indent="0" algn="l" rtl="0">
               <a:spcBef>
                 <a:spcPts val="0"/>
               </a:spcBef>
@@ -1601,9 +1665,6 @@
               </a:spcAft>
               <a:buNone/>
             </a:pPr>
-            <a:r>
-              <a:t/>
-            </a:r>
             <a:endParaRPr/>
           </a:p>
         </p:txBody>
@@ -1617,11 +1678,11 @@
 </file>
 
 <file path=ppt/notesSlides/notesSlide2.xml><?xml version="1.0" encoding="utf-8"?>
-<p:notes xmlns:a="http://schemas.openxmlformats.org/drawingml/2006/main" xmlns:r="http://schemas.openxmlformats.org/officeDocument/2006/relationships" xmlns:mc="http://schemas.openxmlformats.org/markup-compatibility/2006" xmlns:mv="urn:schemas-microsoft-com:mac:vml" xmlns:p="http://schemas.openxmlformats.org/presentationml/2006/main" xmlns:c="http://schemas.openxmlformats.org/drawingml/2006/chart" xmlns:dgm="http://schemas.openxmlformats.org/drawingml/2006/diagram" xmlns:o="urn:schemas-microsoft-com:office:office" xmlns:v="urn:schemas-microsoft-com:vml" xmlns:pvml="urn:schemas-microsoft-com:office:powerpoint" xmlns:com="http://schemas.openxmlformats.org/drawingml/2006/compatibility" xmlns:p14="http://schemas.microsoft.com/office/powerpoint/2010/main" xmlns:p15="http://schemas.microsoft.com/office/powerpoint/2012/main" xmlns:ahyp="http://schemas.microsoft.com/office/drawing/2018/hyperlinkcolor" showMasterPhAnim="0" showMasterSp="0">
+<p:notes xmlns:a="http://schemas.openxmlformats.org/drawingml/2006/main" xmlns:r="http://schemas.openxmlformats.org/officeDocument/2006/relationships" xmlns:p="http://schemas.openxmlformats.org/presentationml/2006/main" showMasterSp="0" showMasterPhAnim="0">
   <p:cSld>
     <p:spTree>
       <p:nvGrpSpPr>
-        <p:cNvPr id="136" name="Shape 136"/>
+        <p:cNvPr id="1" name="Shape 136"/>
         <p:cNvGrpSpPr/>
         <p:nvPr/>
       </p:nvGrpSpPr>
@@ -1636,9 +1697,11 @@
       <p:sp>
         <p:nvSpPr>
           <p:cNvPr id="137" name="Google Shape;137;g16b391cebf7_0_125:notes"/>
-          <p:cNvSpPr/>
+          <p:cNvSpPr>
+            <a:spLocks noGrp="1" noRot="1" noChangeAspect="1"/>
+          </p:cNvSpPr>
           <p:nvPr>
-            <p:ph idx="2" type="sldImg"/>
+            <p:ph type="sldImg" idx="2"/>
           </p:nvPr>
         </p:nvSpPr>
         <p:spPr>
@@ -1647,9 +1710,13 @@
             <a:ext cx="6096000" cy="3429000"/>
           </a:xfrm>
           <a:custGeom>
-            <a:rect b="b" l="l" r="r" t="t"/>
+            <a:avLst/>
+            <a:gdLst/>
+            <a:ahLst/>
+            <a:cxnLst/>
+            <a:rect l="l" t="t" r="r" b="b"/>
             <a:pathLst>
-              <a:path extrusionOk="0" h="120000" w="120000">
+              <a:path w="120000" h="120000" extrusionOk="0">
                 <a:moveTo>
                   <a:pt x="0" y="0"/>
                 </a:moveTo>
@@ -1671,9 +1738,11 @@
       <p:sp>
         <p:nvSpPr>
           <p:cNvPr id="138" name="Google Shape;138;g16b391cebf7_0_125:notes"/>
-          <p:cNvSpPr txBox="1"/>
+          <p:cNvSpPr txBox="1">
+            <a:spLocks noGrp="1"/>
+          </p:cNvSpPr>
           <p:nvPr>
-            <p:ph idx="1" type="body"/>
+            <p:ph type="body" idx="1"/>
           </p:nvPr>
         </p:nvSpPr>
         <p:spPr>
@@ -1686,12 +1755,12 @@
           </a:prstGeom>
         </p:spPr>
         <p:txBody>
-          <a:bodyPr anchorCtr="0" anchor="t" bIns="91425" lIns="91425" spcFirstLastPara="1" rIns="91425" wrap="square" tIns="91425">
+          <a:bodyPr spcFirstLastPara="1" wrap="square" lIns="91425" tIns="91425" rIns="91425" bIns="91425" anchor="t" anchorCtr="0">
             <a:noAutofit/>
           </a:bodyPr>
           <a:lstStyle/>
           <a:p>
-            <a:pPr indent="0" lvl="0" marL="0" rtl="0" algn="l">
+            <a:pPr marL="0" lvl="0" indent="0" algn="l" rtl="0">
               <a:spcBef>
                 <a:spcPts val="0"/>
               </a:spcBef>
@@ -1700,9 +1769,6 @@
               </a:spcAft>
               <a:buNone/>
             </a:pPr>
-            <a:r>
-              <a:t/>
-            </a:r>
             <a:endParaRPr/>
           </a:p>
         </p:txBody>
@@ -1716,11 +1782,11 @@
 </file>
 
 <file path=ppt/notesSlides/notesSlide3.xml><?xml version="1.0" encoding="utf-8"?>
-<p:notes xmlns:a="http://schemas.openxmlformats.org/drawingml/2006/main" xmlns:r="http://schemas.openxmlformats.org/officeDocument/2006/relationships" xmlns:mc="http://schemas.openxmlformats.org/markup-compatibility/2006" xmlns:mv="urn:schemas-microsoft-com:mac:vml" xmlns:p="http://schemas.openxmlformats.org/presentationml/2006/main" xmlns:c="http://schemas.openxmlformats.org/drawingml/2006/chart" xmlns:dgm="http://schemas.openxmlformats.org/drawingml/2006/diagram" xmlns:o="urn:schemas-microsoft-com:office:office" xmlns:v="urn:schemas-microsoft-com:vml" xmlns:pvml="urn:schemas-microsoft-com:office:powerpoint" xmlns:com="http://schemas.openxmlformats.org/drawingml/2006/compatibility" xmlns:p14="http://schemas.microsoft.com/office/powerpoint/2010/main" xmlns:p15="http://schemas.microsoft.com/office/powerpoint/2012/main" xmlns:ahyp="http://schemas.microsoft.com/office/drawing/2018/hyperlinkcolor" showMasterPhAnim="0" showMasterSp="0">
+<p:notes xmlns:a="http://schemas.openxmlformats.org/drawingml/2006/main" xmlns:r="http://schemas.openxmlformats.org/officeDocument/2006/relationships" xmlns:p="http://schemas.openxmlformats.org/presentationml/2006/main" showMasterSp="0" showMasterPhAnim="0">
   <p:cSld>
     <p:spTree>
       <p:nvGrpSpPr>
-        <p:cNvPr id="142" name="Shape 142"/>
+        <p:cNvPr id="1" name="Shape 142"/>
         <p:cNvGrpSpPr/>
         <p:nvPr/>
       </p:nvGrpSpPr>
@@ -1735,9 +1801,11 @@
       <p:sp>
         <p:nvSpPr>
           <p:cNvPr id="143" name="Google Shape;143;g16b391cebf7_0_135:notes"/>
-          <p:cNvSpPr/>
+          <p:cNvSpPr>
+            <a:spLocks noGrp="1" noRot="1" noChangeAspect="1"/>
+          </p:cNvSpPr>
           <p:nvPr>
-            <p:ph idx="2" type="sldImg"/>
+            <p:ph type="sldImg" idx="2"/>
           </p:nvPr>
         </p:nvSpPr>
         <p:spPr>
@@ -1746,9 +1814,13 @@
             <a:ext cx="6096000" cy="3429000"/>
           </a:xfrm>
           <a:custGeom>
-            <a:rect b="b" l="l" r="r" t="t"/>
+            <a:avLst/>
+            <a:gdLst/>
+            <a:ahLst/>
+            <a:cxnLst/>
+            <a:rect l="l" t="t" r="r" b="b"/>
             <a:pathLst>
-              <a:path extrusionOk="0" h="120000" w="120000">
+              <a:path w="120000" h="120000" extrusionOk="0">
                 <a:moveTo>
                   <a:pt x="0" y="0"/>
                 </a:moveTo>
@@ -1770,9 +1842,11 @@
       <p:sp>
         <p:nvSpPr>
           <p:cNvPr id="144" name="Google Shape;144;g16b391cebf7_0_135:notes"/>
-          <p:cNvSpPr txBox="1"/>
+          <p:cNvSpPr txBox="1">
+            <a:spLocks noGrp="1"/>
+          </p:cNvSpPr>
           <p:nvPr>
-            <p:ph idx="1" type="body"/>
+            <p:ph type="body" idx="1"/>
           </p:nvPr>
         </p:nvSpPr>
         <p:spPr>
@@ -1785,12 +1859,12 @@
           </a:prstGeom>
         </p:spPr>
         <p:txBody>
-          <a:bodyPr anchorCtr="0" anchor="t" bIns="91425" lIns="91425" spcFirstLastPara="1" rIns="91425" wrap="square" tIns="91425">
+          <a:bodyPr spcFirstLastPara="1" wrap="square" lIns="91425" tIns="91425" rIns="91425" bIns="91425" anchor="t" anchorCtr="0">
             <a:noAutofit/>
           </a:bodyPr>
           <a:lstStyle/>
           <a:p>
-            <a:pPr indent="0" lvl="0" marL="0" rtl="0" algn="l">
+            <a:pPr marL="0" lvl="0" indent="0" algn="l" rtl="0">
               <a:spcBef>
                 <a:spcPts val="0"/>
               </a:spcBef>
@@ -1799,9 +1873,6 @@
               </a:spcAft>
               <a:buNone/>
             </a:pPr>
-            <a:r>
-              <a:t/>
-            </a:r>
             <a:endParaRPr/>
           </a:p>
         </p:txBody>
@@ -1815,11 +1886,11 @@
 </file>
 
 <file path=ppt/notesSlides/notesSlide4.xml><?xml version="1.0" encoding="utf-8"?>
-<p:notes xmlns:a="http://schemas.openxmlformats.org/drawingml/2006/main" xmlns:r="http://schemas.openxmlformats.org/officeDocument/2006/relationships" xmlns:mc="http://schemas.openxmlformats.org/markup-compatibility/2006" xmlns:mv="urn:schemas-microsoft-com:mac:vml" xmlns:p="http://schemas.openxmlformats.org/presentationml/2006/main" xmlns:c="http://schemas.openxmlformats.org/drawingml/2006/chart" xmlns:dgm="http://schemas.openxmlformats.org/drawingml/2006/diagram" xmlns:o="urn:schemas-microsoft-com:office:office" xmlns:v="urn:schemas-microsoft-com:vml" xmlns:pvml="urn:schemas-microsoft-com:office:powerpoint" xmlns:com="http://schemas.openxmlformats.org/drawingml/2006/compatibility" xmlns:p14="http://schemas.microsoft.com/office/powerpoint/2010/main" xmlns:p15="http://schemas.microsoft.com/office/powerpoint/2012/main" xmlns:ahyp="http://schemas.microsoft.com/office/drawing/2018/hyperlinkcolor" showMasterPhAnim="0" showMasterSp="0">
+<p:notes xmlns:a="http://schemas.openxmlformats.org/drawingml/2006/main" xmlns:r="http://schemas.openxmlformats.org/officeDocument/2006/relationships" xmlns:p="http://schemas.openxmlformats.org/presentationml/2006/main" showMasterSp="0" showMasterPhAnim="0">
   <p:cSld>
     <p:spTree>
       <p:nvGrpSpPr>
-        <p:cNvPr id="148" name="Shape 148"/>
+        <p:cNvPr id="1" name="Shape 148"/>
         <p:cNvGrpSpPr/>
         <p:nvPr/>
       </p:nvGrpSpPr>
@@ -1834,9 +1905,11 @@
       <p:sp>
         <p:nvSpPr>
           <p:cNvPr id="149" name="Google Shape;149;g16b391cebf7_0_130:notes"/>
-          <p:cNvSpPr/>
+          <p:cNvSpPr>
+            <a:spLocks noGrp="1" noRot="1" noChangeAspect="1"/>
+          </p:cNvSpPr>
           <p:nvPr>
-            <p:ph idx="2" type="sldImg"/>
+            <p:ph type="sldImg" idx="2"/>
           </p:nvPr>
         </p:nvSpPr>
         <p:spPr>
@@ -1845,9 +1918,13 @@
             <a:ext cx="6096000" cy="3429000"/>
           </a:xfrm>
           <a:custGeom>
-            <a:rect b="b" l="l" r="r" t="t"/>
+            <a:avLst/>
+            <a:gdLst/>
+            <a:ahLst/>
+            <a:cxnLst/>
+            <a:rect l="l" t="t" r="r" b="b"/>
             <a:pathLst>
-              <a:path extrusionOk="0" h="120000" w="120000">
+              <a:path w="120000" h="120000" extrusionOk="0">
                 <a:moveTo>
                   <a:pt x="0" y="0"/>
                 </a:moveTo>
@@ -1869,9 +1946,11 @@
       <p:sp>
         <p:nvSpPr>
           <p:cNvPr id="150" name="Google Shape;150;g16b391cebf7_0_130:notes"/>
-          <p:cNvSpPr txBox="1"/>
+          <p:cNvSpPr txBox="1">
+            <a:spLocks noGrp="1"/>
+          </p:cNvSpPr>
           <p:nvPr>
-            <p:ph idx="1" type="body"/>
+            <p:ph type="body" idx="1"/>
           </p:nvPr>
         </p:nvSpPr>
         <p:spPr>
@@ -1884,12 +1963,12 @@
           </a:prstGeom>
         </p:spPr>
         <p:txBody>
-          <a:bodyPr anchorCtr="0" anchor="t" bIns="91425" lIns="91425" spcFirstLastPara="1" rIns="91425" wrap="square" tIns="91425">
+          <a:bodyPr spcFirstLastPara="1" wrap="square" lIns="91425" tIns="91425" rIns="91425" bIns="91425" anchor="t" anchorCtr="0">
             <a:noAutofit/>
           </a:bodyPr>
           <a:lstStyle/>
           <a:p>
-            <a:pPr indent="0" lvl="0" marL="0" rtl="0" algn="l">
+            <a:pPr marL="0" lvl="0" indent="0" algn="l" rtl="0">
               <a:spcBef>
                 <a:spcPts val="0"/>
               </a:spcBef>
@@ -1898,9 +1977,6 @@
               </a:spcAft>
               <a:buNone/>
             </a:pPr>
-            <a:r>
-              <a:t/>
-            </a:r>
             <a:endParaRPr/>
           </a:p>
         </p:txBody>
@@ -1914,11 +1990,11 @@
 </file>
 
 <file path=ppt/notesSlides/notesSlide5.xml><?xml version="1.0" encoding="utf-8"?>
-<p:notes xmlns:a="http://schemas.openxmlformats.org/drawingml/2006/main" xmlns:r="http://schemas.openxmlformats.org/officeDocument/2006/relationships" xmlns:mc="http://schemas.openxmlformats.org/markup-compatibility/2006" xmlns:mv="urn:schemas-microsoft-com:mac:vml" xmlns:p="http://schemas.openxmlformats.org/presentationml/2006/main" xmlns:c="http://schemas.openxmlformats.org/drawingml/2006/chart" xmlns:dgm="http://schemas.openxmlformats.org/drawingml/2006/diagram" xmlns:o="urn:schemas-microsoft-com:office:office" xmlns:v="urn:schemas-microsoft-com:vml" xmlns:pvml="urn:schemas-microsoft-com:office:powerpoint" xmlns:com="http://schemas.openxmlformats.org/drawingml/2006/compatibility" xmlns:p14="http://schemas.microsoft.com/office/powerpoint/2010/main" xmlns:p15="http://schemas.microsoft.com/office/powerpoint/2012/main" xmlns:ahyp="http://schemas.microsoft.com/office/drawing/2018/hyperlinkcolor" showMasterPhAnim="0" showMasterSp="0">
+<p:notes xmlns:a="http://schemas.openxmlformats.org/drawingml/2006/main" xmlns:r="http://schemas.openxmlformats.org/officeDocument/2006/relationships" xmlns:p="http://schemas.openxmlformats.org/presentationml/2006/main" showMasterSp="0" showMasterPhAnim="0">
   <p:cSld>
     <p:spTree>
       <p:nvGrpSpPr>
-        <p:cNvPr id="154" name="Shape 154"/>
+        <p:cNvPr id="1" name="Shape 154"/>
         <p:cNvGrpSpPr/>
         <p:nvPr/>
       </p:nvGrpSpPr>
@@ -1933,9 +2009,11 @@
       <p:sp>
         <p:nvSpPr>
           <p:cNvPr id="155" name="Google Shape;155;g16b391cebf7_0_191:notes"/>
-          <p:cNvSpPr/>
+          <p:cNvSpPr>
+            <a:spLocks noGrp="1" noRot="1" noChangeAspect="1"/>
+          </p:cNvSpPr>
           <p:nvPr>
-            <p:ph idx="2" type="sldImg"/>
+            <p:ph type="sldImg" idx="2"/>
           </p:nvPr>
         </p:nvSpPr>
         <p:spPr>
@@ -1944,9 +2022,13 @@
             <a:ext cx="6096000" cy="3429000"/>
           </a:xfrm>
           <a:custGeom>
-            <a:rect b="b" l="l" r="r" t="t"/>
+            <a:avLst/>
+            <a:gdLst/>
+            <a:ahLst/>
+            <a:cxnLst/>
+            <a:rect l="l" t="t" r="r" b="b"/>
             <a:pathLst>
-              <a:path extrusionOk="0" h="120000" w="120000">
+              <a:path w="120000" h="120000" extrusionOk="0">
                 <a:moveTo>
                   <a:pt x="0" y="0"/>
                 </a:moveTo>
@@ -1968,9 +2050,11 @@
       <p:sp>
         <p:nvSpPr>
           <p:cNvPr id="156" name="Google Shape;156;g16b391cebf7_0_191:notes"/>
-          <p:cNvSpPr txBox="1"/>
+          <p:cNvSpPr txBox="1">
+            <a:spLocks noGrp="1"/>
+          </p:cNvSpPr>
           <p:nvPr>
-            <p:ph idx="1" type="body"/>
+            <p:ph type="body" idx="1"/>
           </p:nvPr>
         </p:nvSpPr>
         <p:spPr>
@@ -1983,12 +2067,12 @@
           </a:prstGeom>
         </p:spPr>
         <p:txBody>
-          <a:bodyPr anchorCtr="0" anchor="t" bIns="91425" lIns="91425" spcFirstLastPara="1" rIns="91425" wrap="square" tIns="91425">
+          <a:bodyPr spcFirstLastPara="1" wrap="square" lIns="91425" tIns="91425" rIns="91425" bIns="91425" anchor="t" anchorCtr="0">
             <a:noAutofit/>
           </a:bodyPr>
           <a:lstStyle/>
           <a:p>
-            <a:pPr indent="0" lvl="0" marL="0" rtl="0" algn="l">
+            <a:pPr marL="0" lvl="0" indent="0" algn="l" rtl="0">
               <a:spcBef>
                 <a:spcPts val="0"/>
               </a:spcBef>
@@ -1997,9 +2081,6 @@
               </a:spcAft>
               <a:buNone/>
             </a:pPr>
-            <a:r>
-              <a:t/>
-            </a:r>
             <a:endParaRPr/>
           </a:p>
         </p:txBody>
@@ -2013,11 +2094,11 @@
 </file>
 
 <file path=ppt/notesSlides/notesSlide6.xml><?xml version="1.0" encoding="utf-8"?>
-<p:notes xmlns:a="http://schemas.openxmlformats.org/drawingml/2006/main" xmlns:r="http://schemas.openxmlformats.org/officeDocument/2006/relationships" xmlns:mc="http://schemas.openxmlformats.org/markup-compatibility/2006" xmlns:mv="urn:schemas-microsoft-com:mac:vml" xmlns:p="http://schemas.openxmlformats.org/presentationml/2006/main" xmlns:c="http://schemas.openxmlformats.org/drawingml/2006/chart" xmlns:dgm="http://schemas.openxmlformats.org/drawingml/2006/diagram" xmlns:o="urn:schemas-microsoft-com:office:office" xmlns:v="urn:schemas-microsoft-com:vml" xmlns:pvml="urn:schemas-microsoft-com:office:powerpoint" xmlns:com="http://schemas.openxmlformats.org/drawingml/2006/compatibility" xmlns:p14="http://schemas.microsoft.com/office/powerpoint/2010/main" xmlns:p15="http://schemas.microsoft.com/office/powerpoint/2012/main" xmlns:ahyp="http://schemas.microsoft.com/office/drawing/2018/hyperlinkcolor" showMasterPhAnim="0" showMasterSp="0">
+<p:notes xmlns:a="http://schemas.openxmlformats.org/drawingml/2006/main" xmlns:r="http://schemas.openxmlformats.org/officeDocument/2006/relationships" xmlns:p="http://schemas.openxmlformats.org/presentationml/2006/main" showMasterSp="0" showMasterPhAnim="0">
   <p:cSld>
     <p:spTree>
       <p:nvGrpSpPr>
-        <p:cNvPr id="160" name="Shape 160"/>
+        <p:cNvPr id="1" name="Shape 160"/>
         <p:cNvGrpSpPr/>
         <p:nvPr/>
       </p:nvGrpSpPr>
@@ -2032,9 +2113,11 @@
       <p:sp>
         <p:nvSpPr>
           <p:cNvPr id="161" name="Google Shape;161;g16b391cebf7_0_141:notes"/>
-          <p:cNvSpPr/>
+          <p:cNvSpPr>
+            <a:spLocks noGrp="1" noRot="1" noChangeAspect="1"/>
+          </p:cNvSpPr>
           <p:nvPr>
-            <p:ph idx="2" type="sldImg"/>
+            <p:ph type="sldImg" idx="2"/>
           </p:nvPr>
         </p:nvSpPr>
         <p:spPr>
@@ -2043,9 +2126,13 @@
             <a:ext cx="6096000" cy="3429000"/>
           </a:xfrm>
           <a:custGeom>
-            <a:rect b="b" l="l" r="r" t="t"/>
+            <a:avLst/>
+            <a:gdLst/>
+            <a:ahLst/>
+            <a:cxnLst/>
+            <a:rect l="l" t="t" r="r" b="b"/>
             <a:pathLst>
-              <a:path extrusionOk="0" h="120000" w="120000">
+              <a:path w="120000" h="120000" extrusionOk="0">
                 <a:moveTo>
                   <a:pt x="0" y="0"/>
                 </a:moveTo>
@@ -2067,9 +2154,11 @@
       <p:sp>
         <p:nvSpPr>
           <p:cNvPr id="162" name="Google Shape;162;g16b391cebf7_0_141:notes"/>
-          <p:cNvSpPr txBox="1"/>
+          <p:cNvSpPr txBox="1">
+            <a:spLocks noGrp="1"/>
+          </p:cNvSpPr>
           <p:nvPr>
-            <p:ph idx="1" type="body"/>
+            <p:ph type="body" idx="1"/>
           </p:nvPr>
         </p:nvSpPr>
         <p:spPr>
@@ -2082,12 +2171,12 @@
           </a:prstGeom>
         </p:spPr>
         <p:txBody>
-          <a:bodyPr anchorCtr="0" anchor="t" bIns="91425" lIns="91425" spcFirstLastPara="1" rIns="91425" wrap="square" tIns="91425">
+          <a:bodyPr spcFirstLastPara="1" wrap="square" lIns="91425" tIns="91425" rIns="91425" bIns="91425" anchor="t" anchorCtr="0">
             <a:noAutofit/>
           </a:bodyPr>
           <a:lstStyle/>
           <a:p>
-            <a:pPr indent="0" lvl="0" marL="0" rtl="0" algn="l">
+            <a:pPr marL="0" lvl="0" indent="0" algn="l" rtl="0">
               <a:spcBef>
                 <a:spcPts val="0"/>
               </a:spcBef>
@@ -2096,9 +2185,6 @@
               </a:spcAft>
               <a:buNone/>
             </a:pPr>
-            <a:r>
-              <a:t/>
-            </a:r>
             <a:endParaRPr/>
           </a:p>
         </p:txBody>
@@ -2112,11 +2198,11 @@
 </file>
 
 <file path=ppt/notesSlides/notesSlide7.xml><?xml version="1.0" encoding="utf-8"?>
-<p:notes xmlns:a="http://schemas.openxmlformats.org/drawingml/2006/main" xmlns:r="http://schemas.openxmlformats.org/officeDocument/2006/relationships" xmlns:mc="http://schemas.openxmlformats.org/markup-compatibility/2006" xmlns:mv="urn:schemas-microsoft-com:mac:vml" xmlns:p="http://schemas.openxmlformats.org/presentationml/2006/main" xmlns:c="http://schemas.openxmlformats.org/drawingml/2006/chart" xmlns:dgm="http://schemas.openxmlformats.org/drawingml/2006/diagram" xmlns:o="urn:schemas-microsoft-com:office:office" xmlns:v="urn:schemas-microsoft-com:vml" xmlns:pvml="urn:schemas-microsoft-com:office:powerpoint" xmlns:com="http://schemas.openxmlformats.org/drawingml/2006/compatibility" xmlns:p14="http://schemas.microsoft.com/office/powerpoint/2010/main" xmlns:p15="http://schemas.microsoft.com/office/powerpoint/2012/main" xmlns:ahyp="http://schemas.microsoft.com/office/drawing/2018/hyperlinkcolor" showMasterPhAnim="0" showMasterSp="0">
+<p:notes xmlns:a="http://schemas.openxmlformats.org/drawingml/2006/main" xmlns:r="http://schemas.openxmlformats.org/officeDocument/2006/relationships" xmlns:p="http://schemas.openxmlformats.org/presentationml/2006/main" showMasterSp="0" showMasterPhAnim="0">
   <p:cSld>
     <p:spTree>
       <p:nvGrpSpPr>
-        <p:cNvPr id="166" name="Shape 166"/>
+        <p:cNvPr id="1" name="Shape 166"/>
         <p:cNvGrpSpPr/>
         <p:nvPr/>
       </p:nvGrpSpPr>
@@ -2131,9 +2217,11 @@
       <p:sp>
         <p:nvSpPr>
           <p:cNvPr id="167" name="Google Shape;167;g16b391cebf7_0_146:notes"/>
-          <p:cNvSpPr/>
+          <p:cNvSpPr>
+            <a:spLocks noGrp="1" noRot="1" noChangeAspect="1"/>
+          </p:cNvSpPr>
           <p:nvPr>
-            <p:ph idx="2" type="sldImg"/>
+            <p:ph type="sldImg" idx="2"/>
           </p:nvPr>
         </p:nvSpPr>
         <p:spPr>
@@ -2142,9 +2230,13 @@
             <a:ext cx="6096000" cy="3429000"/>
           </a:xfrm>
           <a:custGeom>
-            <a:rect b="b" l="l" r="r" t="t"/>
+            <a:avLst/>
+            <a:gdLst/>
+            <a:ahLst/>
+            <a:cxnLst/>
+            <a:rect l="l" t="t" r="r" b="b"/>
             <a:pathLst>
-              <a:path extrusionOk="0" h="120000" w="120000">
+              <a:path w="120000" h="120000" extrusionOk="0">
                 <a:moveTo>
                   <a:pt x="0" y="0"/>
                 </a:moveTo>
@@ -2166,9 +2258,11 @@
       <p:sp>
         <p:nvSpPr>
           <p:cNvPr id="168" name="Google Shape;168;g16b391cebf7_0_146:notes"/>
-          <p:cNvSpPr txBox="1"/>
+          <p:cNvSpPr txBox="1">
+            <a:spLocks noGrp="1"/>
+          </p:cNvSpPr>
           <p:nvPr>
-            <p:ph idx="1" type="body"/>
+            <p:ph type="body" idx="1"/>
           </p:nvPr>
         </p:nvSpPr>
         <p:spPr>
@@ -2181,12 +2275,12 @@
           </a:prstGeom>
         </p:spPr>
         <p:txBody>
-          <a:bodyPr anchorCtr="0" anchor="t" bIns="91425" lIns="91425" spcFirstLastPara="1" rIns="91425" wrap="square" tIns="91425">
+          <a:bodyPr spcFirstLastPara="1" wrap="square" lIns="91425" tIns="91425" rIns="91425" bIns="91425" anchor="t" anchorCtr="0">
             <a:noAutofit/>
           </a:bodyPr>
           <a:lstStyle/>
           <a:p>
-            <a:pPr indent="0" lvl="0" marL="0" rtl="0" algn="l">
+            <a:pPr marL="0" lvl="0" indent="0" algn="l" rtl="0">
               <a:spcBef>
                 <a:spcPts val="0"/>
               </a:spcBef>
@@ -2195,9 +2289,6 @@
               </a:spcAft>
               <a:buNone/>
             </a:pPr>
-            <a:r>
-              <a:t/>
-            </a:r>
             <a:endParaRPr/>
           </a:p>
         </p:txBody>
@@ -2211,11 +2302,11 @@
 </file>
 
 <file path=ppt/notesSlides/notesSlide8.xml><?xml version="1.0" encoding="utf-8"?>
-<p:notes xmlns:a="http://schemas.openxmlformats.org/drawingml/2006/main" xmlns:r="http://schemas.openxmlformats.org/officeDocument/2006/relationships" xmlns:mc="http://schemas.openxmlformats.org/markup-compatibility/2006" xmlns:mv="urn:schemas-microsoft-com:mac:vml" xmlns:p="http://schemas.openxmlformats.org/presentationml/2006/main" xmlns:c="http://schemas.openxmlformats.org/drawingml/2006/chart" xmlns:dgm="http://schemas.openxmlformats.org/drawingml/2006/diagram" xmlns:o="urn:schemas-microsoft-com:office:office" xmlns:v="urn:schemas-microsoft-com:vml" xmlns:pvml="urn:schemas-microsoft-com:office:powerpoint" xmlns:com="http://schemas.openxmlformats.org/drawingml/2006/compatibility" xmlns:p14="http://schemas.microsoft.com/office/powerpoint/2010/main" xmlns:p15="http://schemas.microsoft.com/office/powerpoint/2012/main" xmlns:ahyp="http://schemas.microsoft.com/office/drawing/2018/hyperlinkcolor" showMasterPhAnim="0" showMasterSp="0">
+<p:notes xmlns:a="http://schemas.openxmlformats.org/drawingml/2006/main" xmlns:r="http://schemas.openxmlformats.org/officeDocument/2006/relationships" xmlns:p="http://schemas.openxmlformats.org/presentationml/2006/main" showMasterSp="0" showMasterPhAnim="0">
   <p:cSld>
     <p:spTree>
       <p:nvGrpSpPr>
-        <p:cNvPr id="172" name="Shape 172"/>
+        <p:cNvPr id="1" name="Shape 172"/>
         <p:cNvGrpSpPr/>
         <p:nvPr/>
       </p:nvGrpSpPr>
@@ -2230,20 +2321,26 @@
       <p:sp>
         <p:nvSpPr>
           <p:cNvPr id="173" name="Google Shape;173;g16b391cebf7_0_205:notes"/>
-          <p:cNvSpPr/>
+          <p:cNvSpPr>
+            <a:spLocks noGrp="1" noRot="1" noChangeAspect="1"/>
+          </p:cNvSpPr>
           <p:nvPr>
-            <p:ph idx="2" type="sldImg"/>
+            <p:ph type="sldImg" idx="2"/>
           </p:nvPr>
         </p:nvSpPr>
         <p:spPr>
           <a:xfrm>
-            <a:off x="381300" y="685800"/>
+            <a:off x="381000" y="685800"/>
             <a:ext cx="6096000" cy="3429000"/>
           </a:xfrm>
           <a:custGeom>
-            <a:rect b="b" l="l" r="r" t="t"/>
+            <a:avLst/>
+            <a:gdLst/>
+            <a:ahLst/>
+            <a:cxnLst/>
+            <a:rect l="l" t="t" r="r" b="b"/>
             <a:pathLst>
-              <a:path extrusionOk="0" h="120000" w="120000">
+              <a:path w="120000" h="120000" extrusionOk="0">
                 <a:moveTo>
                   <a:pt x="0" y="0"/>
                 </a:moveTo>
@@ -2265,9 +2362,11 @@
       <p:sp>
         <p:nvSpPr>
           <p:cNvPr id="174" name="Google Shape;174;g16b391cebf7_0_205:notes"/>
-          <p:cNvSpPr txBox="1"/>
+          <p:cNvSpPr txBox="1">
+            <a:spLocks noGrp="1"/>
+          </p:cNvSpPr>
           <p:nvPr>
-            <p:ph idx="1" type="body"/>
+            <p:ph type="body" idx="1"/>
           </p:nvPr>
         </p:nvSpPr>
         <p:spPr>
@@ -2280,12 +2379,12 @@
           </a:prstGeom>
         </p:spPr>
         <p:txBody>
-          <a:bodyPr anchorCtr="0" anchor="t" bIns="91425" lIns="91425" spcFirstLastPara="1" rIns="91425" wrap="square" tIns="91425">
+          <a:bodyPr spcFirstLastPara="1" wrap="square" lIns="91425" tIns="91425" rIns="91425" bIns="91425" anchor="t" anchorCtr="0">
             <a:noAutofit/>
           </a:bodyPr>
           <a:lstStyle/>
           <a:p>
-            <a:pPr indent="0" lvl="0" marL="0" rtl="0" algn="l">
+            <a:pPr marL="0" lvl="0" indent="0" algn="l" rtl="0">
               <a:spcBef>
                 <a:spcPts val="0"/>
               </a:spcBef>
@@ -2294,14 +2393,16 @@
               </a:spcAft>
               <a:buNone/>
             </a:pPr>
-            <a:r>
-              <a:t/>
-            </a:r>
             <a:endParaRPr/>
           </a:p>
         </p:txBody>
       </p:sp>
     </p:spTree>
+    <p:extLst>
+      <p:ext uri="{BB962C8B-B14F-4D97-AF65-F5344CB8AC3E}">
+        <p14:creationId xmlns:p14="http://schemas.microsoft.com/office/powerpoint/2010/main" val="1761283201"/>
+      </p:ext>
+    </p:extLst>
   </p:cSld>
   <p:clrMapOvr>
     <a:masterClrMapping/>
@@ -2310,11 +2411,11 @@
 </file>
 
 <file path=ppt/notesSlides/notesSlide9.xml><?xml version="1.0" encoding="utf-8"?>
-<p:notes xmlns:a="http://schemas.openxmlformats.org/drawingml/2006/main" xmlns:r="http://schemas.openxmlformats.org/officeDocument/2006/relationships" xmlns:mc="http://schemas.openxmlformats.org/markup-compatibility/2006" xmlns:mv="urn:schemas-microsoft-com:mac:vml" xmlns:p="http://schemas.openxmlformats.org/presentationml/2006/main" xmlns:c="http://schemas.openxmlformats.org/drawingml/2006/chart" xmlns:dgm="http://schemas.openxmlformats.org/drawingml/2006/diagram" xmlns:o="urn:schemas-microsoft-com:office:office" xmlns:v="urn:schemas-microsoft-com:vml" xmlns:pvml="urn:schemas-microsoft-com:office:powerpoint" xmlns:com="http://schemas.openxmlformats.org/drawingml/2006/compatibility" xmlns:p14="http://schemas.microsoft.com/office/powerpoint/2010/main" xmlns:p15="http://schemas.microsoft.com/office/powerpoint/2012/main" xmlns:ahyp="http://schemas.microsoft.com/office/drawing/2018/hyperlinkcolor" showMasterPhAnim="0" showMasterSp="0">
+<p:notes xmlns:a="http://schemas.openxmlformats.org/drawingml/2006/main" xmlns:r="http://schemas.openxmlformats.org/officeDocument/2006/relationships" xmlns:p="http://schemas.openxmlformats.org/presentationml/2006/main" showMasterSp="0" showMasterPhAnim="0">
   <p:cSld>
     <p:spTree>
       <p:nvGrpSpPr>
-        <p:cNvPr id="178" name="Shape 178"/>
+        <p:cNvPr id="1" name="Shape 178"/>
         <p:cNvGrpSpPr/>
         <p:nvPr/>
       </p:nvGrpSpPr>
@@ -2329,20 +2430,26 @@
       <p:sp>
         <p:nvSpPr>
           <p:cNvPr id="179" name="Google Shape;179;g16b391cebf7_0_151:notes"/>
-          <p:cNvSpPr/>
+          <p:cNvSpPr>
+            <a:spLocks noGrp="1" noRot="1" noChangeAspect="1"/>
+          </p:cNvSpPr>
           <p:nvPr>
-            <p:ph idx="2" type="sldImg"/>
+            <p:ph type="sldImg" idx="2"/>
           </p:nvPr>
         </p:nvSpPr>
         <p:spPr>
           <a:xfrm>
-            <a:off x="381300" y="685800"/>
+            <a:off x="381000" y="685800"/>
             <a:ext cx="6096000" cy="3429000"/>
           </a:xfrm>
           <a:custGeom>
-            <a:rect b="b" l="l" r="r" t="t"/>
+            <a:avLst/>
+            <a:gdLst/>
+            <a:ahLst/>
+            <a:cxnLst/>
+            <a:rect l="l" t="t" r="r" b="b"/>
             <a:pathLst>
-              <a:path extrusionOk="0" h="120000" w="120000">
+              <a:path w="120000" h="120000" extrusionOk="0">
                 <a:moveTo>
                   <a:pt x="0" y="0"/>
                 </a:moveTo>
@@ -2364,9 +2471,11 @@
       <p:sp>
         <p:nvSpPr>
           <p:cNvPr id="180" name="Google Shape;180;g16b391cebf7_0_151:notes"/>
-          <p:cNvSpPr txBox="1"/>
+          <p:cNvSpPr txBox="1">
+            <a:spLocks noGrp="1"/>
+          </p:cNvSpPr>
           <p:nvPr>
-            <p:ph idx="1" type="body"/>
+            <p:ph type="body" idx="1"/>
           </p:nvPr>
         </p:nvSpPr>
         <p:spPr>
@@ -2379,12 +2488,12 @@
           </a:prstGeom>
         </p:spPr>
         <p:txBody>
-          <a:bodyPr anchorCtr="0" anchor="t" bIns="91425" lIns="91425" spcFirstLastPara="1" rIns="91425" wrap="square" tIns="91425">
+          <a:bodyPr spcFirstLastPara="1" wrap="square" lIns="91425" tIns="91425" rIns="91425" bIns="91425" anchor="t" anchorCtr="0">
             <a:noAutofit/>
           </a:bodyPr>
           <a:lstStyle/>
           <a:p>
-            <a:pPr indent="0" lvl="0" marL="0" rtl="0" algn="l">
+            <a:pPr marL="0" lvl="0" indent="0" algn="l" rtl="0">
               <a:spcBef>
                 <a:spcPts val="0"/>
               </a:spcBef>
@@ -2393,9 +2502,6 @@
               </a:spcAft>
               <a:buNone/>
             </a:pPr>
-            <a:r>
-              <a:t/>
-            </a:r>
             <a:endParaRPr/>
           </a:p>
         </p:txBody>
@@ -2409,11 +2515,11 @@
 </file>
 
 <file path=ppt/slideLayouts/slideLayout1.xml><?xml version="1.0" encoding="utf-8"?>
-<p:sldLayout xmlns:a="http://schemas.openxmlformats.org/drawingml/2006/main" xmlns:r="http://schemas.openxmlformats.org/officeDocument/2006/relationships" xmlns:mc="http://schemas.openxmlformats.org/markup-compatibility/2006" xmlns:mv="urn:schemas-microsoft-com:mac:vml" xmlns:p="http://schemas.openxmlformats.org/presentationml/2006/main" xmlns:c="http://schemas.openxmlformats.org/drawingml/2006/chart" xmlns:dgm="http://schemas.openxmlformats.org/drawingml/2006/diagram" xmlns:o="urn:schemas-microsoft-com:office:office" xmlns:v="urn:schemas-microsoft-com:vml" xmlns:pvml="urn:schemas-microsoft-com:office:powerpoint" xmlns:com="http://schemas.openxmlformats.org/drawingml/2006/compatibility" xmlns:p14="http://schemas.microsoft.com/office/powerpoint/2010/main" xmlns:p15="http://schemas.microsoft.com/office/powerpoint/2012/main" xmlns:ahyp="http://schemas.microsoft.com/office/drawing/2018/hyperlinkcolor" matchingName="Title slide" type="title">
+<p:sldLayout xmlns:a="http://schemas.openxmlformats.org/drawingml/2006/main" xmlns:r="http://schemas.openxmlformats.org/officeDocument/2006/relationships" xmlns:p="http://schemas.openxmlformats.org/presentationml/2006/main" matchingName="Title slide" type="title">
   <p:cSld name="TITLE">
     <p:spTree>
       <p:nvGrpSpPr>
-        <p:cNvPr id="9" name="Shape 9"/>
+        <p:cNvPr id="1" name="Shape 9"/>
         <p:cNvGrpSpPr/>
         <p:nvPr/>
       </p:nvGrpSpPr>
@@ -2438,7 +2544,7 @@
           </a:xfrm>
           <a:prstGeom prst="diagStripe">
             <a:avLst>
-              <a:gd fmla="val 0" name="adj"/>
+              <a:gd name="adj" fmla="val 0"/>
             </a:avLst>
           </a:prstGeom>
           <a:solidFill>
@@ -2451,12 +2557,12 @@
           </a:ln>
         </p:spPr>
         <p:txBody>
-          <a:bodyPr anchorCtr="0" anchor="ctr" bIns="91425" lIns="91425" spcFirstLastPara="1" rIns="91425" wrap="square" tIns="91425">
+          <a:bodyPr spcFirstLastPara="1" wrap="square" lIns="91425" tIns="91425" rIns="91425" bIns="91425" anchor="ctr" anchorCtr="0">
             <a:noAutofit/>
           </a:bodyPr>
           <a:lstStyle/>
           <a:p>
-            <a:pPr indent="0" lvl="0" marL="0" rtl="0" algn="l">
+            <a:pPr marL="0" lvl="0" indent="0" algn="l" rtl="0">
               <a:spcBef>
                 <a:spcPts val="0"/>
               </a:spcBef>
@@ -2465,9 +2571,6 @@
               </a:spcAft>
               <a:buNone/>
             </a:pPr>
-            <a:r>
-              <a:t/>
-            </a:r>
             <a:endParaRPr/>
           </a:p>
         </p:txBody>
@@ -2499,7 +2602,7 @@
             </a:xfrm>
             <a:prstGeom prst="diagStripe">
               <a:avLst>
-                <a:gd fmla="val 50000" name="adj"/>
+                <a:gd name="adj" fmla="val 50000"/>
               </a:avLst>
             </a:prstGeom>
             <a:solidFill>
@@ -2512,12 +2615,12 @@
             </a:ln>
           </p:spPr>
           <p:txBody>
-            <a:bodyPr anchorCtr="0" anchor="ctr" bIns="91425" lIns="91425" spcFirstLastPara="1" rIns="91425" wrap="square" tIns="91425">
+            <a:bodyPr spcFirstLastPara="1" wrap="square" lIns="91425" tIns="91425" rIns="91425" bIns="91425" anchor="ctr" anchorCtr="0">
               <a:noAutofit/>
             </a:bodyPr>
             <a:lstStyle/>
             <a:p>
-              <a:pPr indent="0" lvl="0" marL="0" rtl="0" algn="l">
+              <a:pPr marL="0" lvl="0" indent="0" algn="l" rtl="0">
                 <a:spcBef>
                   <a:spcPts val="0"/>
                 </a:spcBef>
@@ -2526,9 +2629,6 @@
                 </a:spcAft>
                 <a:buNone/>
               </a:pPr>
-              <a:r>
-                <a:t/>
-              </a:r>
               <a:endParaRPr/>
             </a:p>
           </p:txBody>
@@ -2546,7 +2646,7 @@
             </a:xfrm>
             <a:prstGeom prst="diagStripe">
               <a:avLst>
-                <a:gd fmla="val 58774" name="adj"/>
+                <a:gd name="adj" fmla="val 58774"/>
               </a:avLst>
             </a:prstGeom>
             <a:solidFill>
@@ -2559,12 +2659,12 @@
             </a:ln>
           </p:spPr>
           <p:txBody>
-            <a:bodyPr anchorCtr="0" anchor="ctr" bIns="91425" lIns="91425" spcFirstLastPara="1" rIns="91425" wrap="square" tIns="91425">
+            <a:bodyPr spcFirstLastPara="1" wrap="square" lIns="91425" tIns="91425" rIns="91425" bIns="91425" anchor="ctr" anchorCtr="0">
               <a:noAutofit/>
             </a:bodyPr>
             <a:lstStyle/>
             <a:p>
-              <a:pPr indent="0" lvl="0" marL="0" rtl="0" algn="l">
+              <a:pPr marL="0" lvl="0" indent="0" algn="l" rtl="0">
                 <a:spcBef>
                   <a:spcPts val="0"/>
                 </a:spcBef>
@@ -2573,9 +2673,6 @@
                 </a:spcAft>
                 <a:buNone/>
               </a:pPr>
-              <a:r>
-                <a:t/>
-              </a:r>
               <a:endParaRPr/>
             </a:p>
           </p:txBody>
@@ -2593,7 +2690,7 @@
             </a:xfrm>
             <a:prstGeom prst="diagStripe">
               <a:avLst>
-                <a:gd fmla="val 50000" name="adj"/>
+                <a:gd name="adj" fmla="val 50000"/>
               </a:avLst>
             </a:prstGeom>
             <a:solidFill>
@@ -2604,12 +2701,12 @@
             </a:ln>
           </p:spPr>
           <p:txBody>
-            <a:bodyPr anchorCtr="0" anchor="ctr" bIns="91425" lIns="91425" spcFirstLastPara="1" rIns="91425" wrap="square" tIns="91425">
+            <a:bodyPr spcFirstLastPara="1" wrap="square" lIns="91425" tIns="91425" rIns="91425" bIns="91425" anchor="ctr" anchorCtr="0">
               <a:noAutofit/>
             </a:bodyPr>
             <a:lstStyle/>
             <a:p>
-              <a:pPr indent="0" lvl="0" marL="0" rtl="0" algn="l">
+              <a:pPr marL="0" lvl="0" indent="0" algn="l" rtl="0">
                 <a:spcBef>
                   <a:spcPts val="0"/>
                 </a:spcBef>
@@ -2618,9 +2715,6 @@
                 </a:spcAft>
                 <a:buNone/>
               </a:pPr>
-              <a:r>
-                <a:t/>
-              </a:r>
               <a:endParaRPr/>
             </a:p>
           </p:txBody>
@@ -2638,7 +2732,7 @@
             </a:xfrm>
             <a:prstGeom prst="diagStripe">
               <a:avLst>
-                <a:gd fmla="val 50000" name="adj"/>
+                <a:gd name="adj" fmla="val 50000"/>
               </a:avLst>
             </a:prstGeom>
             <a:solidFill>
@@ -2649,12 +2743,12 @@
             </a:ln>
           </p:spPr>
           <p:txBody>
-            <a:bodyPr anchorCtr="0" anchor="ctr" bIns="91425" lIns="91425" spcFirstLastPara="1" rIns="91425" wrap="square" tIns="91425">
+            <a:bodyPr spcFirstLastPara="1" wrap="square" lIns="91425" tIns="91425" rIns="91425" bIns="91425" anchor="ctr" anchorCtr="0">
               <a:noAutofit/>
             </a:bodyPr>
             <a:lstStyle/>
             <a:p>
-              <a:pPr indent="0" lvl="0" marL="0" rtl="0" algn="l">
+              <a:pPr marL="0" lvl="0" indent="0" algn="l" rtl="0">
                 <a:spcBef>
                   <a:spcPts val="0"/>
                 </a:spcBef>
@@ -2663,9 +2757,6 @@
                 </a:spcAft>
                 <a:buNone/>
               </a:pPr>
-              <a:r>
-                <a:t/>
-              </a:r>
               <a:endParaRPr/>
             </a:p>
           </p:txBody>
@@ -2674,7 +2765,9 @@
       <p:sp>
         <p:nvSpPr>
           <p:cNvPr id="16" name="Google Shape;16;p2"/>
-          <p:cNvSpPr txBox="1"/>
+          <p:cNvSpPr txBox="1">
+            <a:spLocks noGrp="1"/>
+          </p:cNvSpPr>
           <p:nvPr>
             <p:ph type="ctrTitle"/>
           </p:nvPr>
@@ -2689,7 +2782,7 @@
           </a:prstGeom>
         </p:spPr>
         <p:txBody>
-          <a:bodyPr anchorCtr="0" anchor="t" bIns="91425" lIns="91425" spcFirstLastPara="1" rIns="91425" wrap="square" tIns="91425">
+          <a:bodyPr spcFirstLastPara="1" wrap="square" lIns="91425" tIns="91425" rIns="91425" bIns="91425" anchor="t" anchorCtr="0">
             <a:normAutofit/>
           </a:bodyPr>
           <a:lstStyle>
@@ -2793,15 +2886,19 @@
               <a:defRPr sz="4000"/>
             </a:lvl9pPr>
           </a:lstStyle>
-          <a:p/>
+          <a:p>
+            <a:endParaRPr/>
+          </a:p>
         </p:txBody>
       </p:sp>
       <p:sp>
         <p:nvSpPr>
           <p:cNvPr id="17" name="Google Shape;17;p2"/>
-          <p:cNvSpPr txBox="1"/>
+          <p:cNvSpPr txBox="1">
+            <a:spLocks noGrp="1"/>
+          </p:cNvSpPr>
           <p:nvPr>
-            <p:ph idx="1" type="subTitle"/>
+            <p:ph type="subTitle" idx="1"/>
           </p:nvPr>
         </p:nvSpPr>
         <p:spPr>
@@ -2814,7 +2911,7 @@
           </a:prstGeom>
         </p:spPr>
         <p:txBody>
-          <a:bodyPr anchorCtr="0" anchor="t" bIns="91425" lIns="91425" spcFirstLastPara="1" rIns="91425" wrap="square" tIns="91425">
+          <a:bodyPr spcFirstLastPara="1" wrap="square" lIns="91425" tIns="91425" rIns="91425" bIns="91425" anchor="t" anchorCtr="0">
             <a:normAutofit/>
           </a:bodyPr>
           <a:lstStyle>
@@ -2945,15 +3042,19 @@
               <a:defRPr sz="1300"/>
             </a:lvl9pPr>
           </a:lstStyle>
-          <a:p/>
+          <a:p>
+            <a:endParaRPr/>
+          </a:p>
         </p:txBody>
       </p:sp>
       <p:sp>
         <p:nvSpPr>
           <p:cNvPr id="18" name="Google Shape;18;p2"/>
-          <p:cNvSpPr txBox="1"/>
+          <p:cNvSpPr txBox="1">
+            <a:spLocks noGrp="1"/>
+          </p:cNvSpPr>
           <p:nvPr>
-            <p:ph idx="12" type="sldNum"/>
+            <p:ph type="sldNum" idx="12"/>
           </p:nvPr>
         </p:nvSpPr>
         <p:spPr>
@@ -2966,7 +3067,7 @@
           </a:prstGeom>
         </p:spPr>
         <p:txBody>
-          <a:bodyPr anchorCtr="0" anchor="ctr" bIns="91425" lIns="91425" spcFirstLastPara="1" rIns="91425" wrap="square" tIns="91425">
+          <a:bodyPr spcFirstLastPara="1" wrap="square" lIns="91425" tIns="91425" rIns="91425" bIns="91425" anchor="ctr" anchorCtr="0">
             <a:normAutofit/>
           </a:bodyPr>
           <a:lstStyle>
@@ -3008,7 +3109,7 @@
             </a:lvl9pPr>
           </a:lstStyle>
           <a:p>
-            <a:pPr indent="0" lvl="0" marL="0" rtl="0" algn="r">
+            <a:pPr marL="0" lvl="0" indent="0" algn="r" rtl="0">
               <a:spcBef>
                 <a:spcPts val="0"/>
               </a:spcBef>
@@ -3034,11 +3135,11 @@
 </file>
 
 <file path=ppt/slideLayouts/slideLayout10.xml><?xml version="1.0" encoding="utf-8"?>
-<p:sldLayout xmlns:a="http://schemas.openxmlformats.org/drawingml/2006/main" xmlns:r="http://schemas.openxmlformats.org/officeDocument/2006/relationships" xmlns:mc="http://schemas.openxmlformats.org/markup-compatibility/2006" xmlns:mv="urn:schemas-microsoft-com:mac:vml" xmlns:p="http://schemas.openxmlformats.org/presentationml/2006/main" xmlns:c="http://schemas.openxmlformats.org/drawingml/2006/chart" xmlns:dgm="http://schemas.openxmlformats.org/drawingml/2006/diagram" xmlns:o="urn:schemas-microsoft-com:office:office" xmlns:v="urn:schemas-microsoft-com:vml" xmlns:pvml="urn:schemas-microsoft-com:office:powerpoint" xmlns:com="http://schemas.openxmlformats.org/drawingml/2006/compatibility" xmlns:p14="http://schemas.microsoft.com/office/powerpoint/2010/main" xmlns:p15="http://schemas.microsoft.com/office/powerpoint/2012/main" xmlns:ahyp="http://schemas.microsoft.com/office/drawing/2018/hyperlinkcolor" matchingName="Big number">
+<p:sldLayout xmlns:a="http://schemas.openxmlformats.org/drawingml/2006/main" xmlns:r="http://schemas.openxmlformats.org/officeDocument/2006/relationships" xmlns:p="http://schemas.openxmlformats.org/presentationml/2006/main" matchingName="Big number">
   <p:cSld name="BIG_NUMBER">
     <p:spTree>
       <p:nvGrpSpPr>
-        <p:cNvPr id="105" name="Shape 105"/>
+        <p:cNvPr id="1" name="Shape 105"/>
         <p:cNvGrpSpPr/>
         <p:nvPr/>
       </p:nvGrpSpPr>
@@ -3077,7 +3178,7 @@
             </a:xfrm>
             <a:prstGeom prst="diagStripe">
               <a:avLst>
-                <a:gd fmla="val 49469" name="adj"/>
+                <a:gd name="adj" fmla="val 49469"/>
               </a:avLst>
             </a:prstGeom>
             <a:solidFill>
@@ -3090,12 +3191,12 @@
             </a:ln>
           </p:spPr>
           <p:txBody>
-            <a:bodyPr anchorCtr="0" anchor="ctr" bIns="91425" lIns="91425" spcFirstLastPara="1" rIns="91425" wrap="square" tIns="91425">
+            <a:bodyPr spcFirstLastPara="1" wrap="square" lIns="91425" tIns="91425" rIns="91425" bIns="91425" anchor="ctr" anchorCtr="0">
               <a:noAutofit/>
             </a:bodyPr>
             <a:lstStyle/>
             <a:p>
-              <a:pPr indent="0" lvl="0" marL="0" rtl="0" algn="l">
+              <a:pPr marL="0" lvl="0" indent="0" algn="l" rtl="0">
                 <a:spcBef>
                   <a:spcPts val="0"/>
                 </a:spcBef>
@@ -3104,9 +3205,6 @@
                 </a:spcAft>
                 <a:buNone/>
               </a:pPr>
-              <a:r>
-                <a:t/>
-              </a:r>
               <a:endParaRPr/>
             </a:p>
           </p:txBody>
@@ -3124,7 +3222,7 @@
             </a:xfrm>
             <a:prstGeom prst="diagStripe">
               <a:avLst>
-                <a:gd fmla="val 0" name="adj"/>
+                <a:gd name="adj" fmla="val 0"/>
               </a:avLst>
             </a:prstGeom>
             <a:solidFill>
@@ -3137,12 +3235,12 @@
             </a:ln>
           </p:spPr>
           <p:txBody>
-            <a:bodyPr anchorCtr="0" anchor="ctr" bIns="91425" lIns="91425" spcFirstLastPara="1" rIns="91425" wrap="square" tIns="91425">
+            <a:bodyPr spcFirstLastPara="1" wrap="square" lIns="91425" tIns="91425" rIns="91425" bIns="91425" anchor="ctr" anchorCtr="0">
               <a:noAutofit/>
             </a:bodyPr>
             <a:lstStyle/>
             <a:p>
-              <a:pPr indent="0" lvl="0" marL="0" rtl="0" algn="l">
+              <a:pPr marL="0" lvl="0" indent="0" algn="l" rtl="0">
                 <a:spcBef>
                   <a:spcPts val="0"/>
                 </a:spcBef>
@@ -3151,9 +3249,6 @@
                 </a:spcAft>
                 <a:buNone/>
               </a:pPr>
-              <a:r>
-                <a:t/>
-              </a:r>
               <a:endParaRPr/>
             </a:p>
           </p:txBody>
@@ -3171,7 +3266,7 @@
             </a:xfrm>
             <a:prstGeom prst="diagStripe">
               <a:avLst>
-                <a:gd fmla="val 50000" name="adj"/>
+                <a:gd name="adj" fmla="val 50000"/>
               </a:avLst>
             </a:prstGeom>
             <a:solidFill>
@@ -3184,12 +3279,12 @@
             </a:ln>
           </p:spPr>
           <p:txBody>
-            <a:bodyPr anchorCtr="0" anchor="ctr" bIns="91425" lIns="91425" spcFirstLastPara="1" rIns="91425" wrap="square" tIns="91425">
+            <a:bodyPr spcFirstLastPara="1" wrap="square" lIns="91425" tIns="91425" rIns="91425" bIns="91425" anchor="ctr" anchorCtr="0">
               <a:noAutofit/>
             </a:bodyPr>
             <a:lstStyle/>
             <a:p>
-              <a:pPr indent="0" lvl="0" marL="0" rtl="0" algn="l">
+              <a:pPr marL="0" lvl="0" indent="0" algn="l" rtl="0">
                 <a:spcBef>
                   <a:spcPts val="0"/>
                 </a:spcBef>
@@ -3198,9 +3293,6 @@
                 </a:spcAft>
                 <a:buNone/>
               </a:pPr>
-              <a:r>
-                <a:t/>
-              </a:r>
               <a:endParaRPr/>
             </a:p>
           </p:txBody>
@@ -3218,7 +3310,7 @@
             </a:xfrm>
             <a:prstGeom prst="diagStripe">
               <a:avLst>
-                <a:gd fmla="val 50000" name="adj"/>
+                <a:gd name="adj" fmla="val 50000"/>
               </a:avLst>
             </a:prstGeom>
             <a:solidFill>
@@ -3231,12 +3323,12 @@
             </a:ln>
           </p:spPr>
           <p:txBody>
-            <a:bodyPr anchorCtr="0" anchor="ctr" bIns="91425" lIns="91425" spcFirstLastPara="1" rIns="91425" wrap="square" tIns="91425">
+            <a:bodyPr spcFirstLastPara="1" wrap="square" lIns="91425" tIns="91425" rIns="91425" bIns="91425" anchor="ctr" anchorCtr="0">
               <a:noAutofit/>
             </a:bodyPr>
             <a:lstStyle/>
             <a:p>
-              <a:pPr indent="0" lvl="0" marL="0" rtl="0" algn="l">
+              <a:pPr marL="0" lvl="0" indent="0" algn="l" rtl="0">
                 <a:spcBef>
                   <a:spcPts val="0"/>
                 </a:spcBef>
@@ -3245,9 +3337,6 @@
                 </a:spcAft>
                 <a:buNone/>
               </a:pPr>
-              <a:r>
-                <a:t/>
-              </a:r>
               <a:endParaRPr/>
             </a:p>
           </p:txBody>
@@ -3265,7 +3354,7 @@
             </a:xfrm>
             <a:prstGeom prst="diagStripe">
               <a:avLst>
-                <a:gd fmla="val 50000" name="adj"/>
+                <a:gd name="adj" fmla="val 50000"/>
               </a:avLst>
             </a:prstGeom>
             <a:solidFill>
@@ -3278,12 +3367,12 @@
             </a:ln>
           </p:spPr>
           <p:txBody>
-            <a:bodyPr anchorCtr="0" anchor="ctr" bIns="91425" lIns="91425" spcFirstLastPara="1" rIns="91425" wrap="square" tIns="91425">
+            <a:bodyPr spcFirstLastPara="1" wrap="square" lIns="91425" tIns="91425" rIns="91425" bIns="91425" anchor="ctr" anchorCtr="0">
               <a:noAutofit/>
             </a:bodyPr>
             <a:lstStyle/>
             <a:p>
-              <a:pPr indent="0" lvl="0" marL="0" rtl="0" algn="l">
+              <a:pPr marL="0" lvl="0" indent="0" algn="l" rtl="0">
                 <a:spcBef>
                   <a:spcPts val="0"/>
                 </a:spcBef>
@@ -3292,9 +3381,6 @@
                 </a:spcAft>
                 <a:buNone/>
               </a:pPr>
-              <a:r>
-                <a:t/>
-              </a:r>
               <a:endParaRPr/>
             </a:p>
           </p:txBody>
@@ -3312,7 +3398,7 @@
             </a:xfrm>
             <a:prstGeom prst="diagStripe">
               <a:avLst>
-                <a:gd fmla="val 50000" name="adj"/>
+                <a:gd name="adj" fmla="val 50000"/>
               </a:avLst>
             </a:prstGeom>
             <a:solidFill>
@@ -3325,12 +3411,12 @@
             </a:ln>
           </p:spPr>
           <p:txBody>
-            <a:bodyPr anchorCtr="0" anchor="ctr" bIns="91425" lIns="91425" spcFirstLastPara="1" rIns="91425" wrap="square" tIns="91425">
+            <a:bodyPr spcFirstLastPara="1" wrap="square" lIns="91425" tIns="91425" rIns="91425" bIns="91425" anchor="ctr" anchorCtr="0">
               <a:noAutofit/>
             </a:bodyPr>
             <a:lstStyle/>
             <a:p>
-              <a:pPr indent="0" lvl="0" marL="0" rtl="0" algn="l">
+              <a:pPr marL="0" lvl="0" indent="0" algn="l" rtl="0">
                 <a:spcBef>
                   <a:spcPts val="0"/>
                 </a:spcBef>
@@ -3339,9 +3425,6 @@
                 </a:spcAft>
                 <a:buNone/>
               </a:pPr>
-              <a:r>
-                <a:t/>
-              </a:r>
               <a:endParaRPr/>
             </a:p>
           </p:txBody>
@@ -3359,7 +3442,7 @@
             </a:xfrm>
             <a:prstGeom prst="diagStripe">
               <a:avLst>
-                <a:gd fmla="val 50000" name="adj"/>
+                <a:gd name="adj" fmla="val 50000"/>
               </a:avLst>
             </a:prstGeom>
             <a:solidFill>
@@ -3372,12 +3455,12 @@
             </a:ln>
           </p:spPr>
           <p:txBody>
-            <a:bodyPr anchorCtr="0" anchor="ctr" bIns="91425" lIns="91425" spcFirstLastPara="1" rIns="91425" wrap="square" tIns="91425">
+            <a:bodyPr spcFirstLastPara="1" wrap="square" lIns="91425" tIns="91425" rIns="91425" bIns="91425" anchor="ctr" anchorCtr="0">
               <a:noAutofit/>
             </a:bodyPr>
             <a:lstStyle/>
             <a:p>
-              <a:pPr indent="0" lvl="0" marL="0" rtl="0" algn="l">
+              <a:pPr marL="0" lvl="0" indent="0" algn="l" rtl="0">
                 <a:spcBef>
                   <a:spcPts val="0"/>
                 </a:spcBef>
@@ -3386,9 +3469,6 @@
                 </a:spcAft>
                 <a:buNone/>
               </a:pPr>
-              <a:r>
-                <a:t/>
-              </a:r>
               <a:endParaRPr/>
             </a:p>
           </p:txBody>
@@ -3406,7 +3486,7 @@
             </a:xfrm>
             <a:prstGeom prst="diagStripe">
               <a:avLst>
-                <a:gd fmla="val 50000" name="adj"/>
+                <a:gd name="adj" fmla="val 50000"/>
               </a:avLst>
             </a:prstGeom>
             <a:solidFill>
@@ -3417,12 +3497,12 @@
             </a:ln>
           </p:spPr>
           <p:txBody>
-            <a:bodyPr anchorCtr="0" anchor="ctr" bIns="91425" lIns="91425" spcFirstLastPara="1" rIns="91425" wrap="square" tIns="91425">
+            <a:bodyPr spcFirstLastPara="1" wrap="square" lIns="91425" tIns="91425" rIns="91425" bIns="91425" anchor="ctr" anchorCtr="0">
               <a:noAutofit/>
             </a:bodyPr>
             <a:lstStyle/>
             <a:p>
-              <a:pPr indent="0" lvl="0" marL="0" rtl="0" algn="l">
+              <a:pPr marL="0" lvl="0" indent="0" algn="l" rtl="0">
                 <a:spcBef>
                   <a:spcPts val="0"/>
                 </a:spcBef>
@@ -3431,9 +3511,6 @@
                 </a:spcAft>
                 <a:buNone/>
               </a:pPr>
-              <a:r>
-                <a:t/>
-              </a:r>
               <a:endParaRPr/>
             </a:p>
           </p:txBody>
@@ -3451,7 +3528,7 @@
             </a:xfrm>
             <a:prstGeom prst="diagStripe">
               <a:avLst>
-                <a:gd fmla="val 50000" name="adj"/>
+                <a:gd name="adj" fmla="val 50000"/>
               </a:avLst>
             </a:prstGeom>
             <a:solidFill>
@@ -3464,12 +3541,12 @@
             </a:ln>
           </p:spPr>
           <p:txBody>
-            <a:bodyPr anchorCtr="0" anchor="ctr" bIns="91425" lIns="91425" spcFirstLastPara="1" rIns="91425" wrap="square" tIns="91425">
+            <a:bodyPr spcFirstLastPara="1" wrap="square" lIns="91425" tIns="91425" rIns="91425" bIns="91425" anchor="ctr" anchorCtr="0">
               <a:noAutofit/>
             </a:bodyPr>
             <a:lstStyle/>
             <a:p>
-              <a:pPr indent="0" lvl="0" marL="0" rtl="0" algn="l">
+              <a:pPr marL="0" lvl="0" indent="0" algn="l" rtl="0">
                 <a:spcBef>
                   <a:spcPts val="0"/>
                 </a:spcBef>
@@ -3478,9 +3555,6 @@
                 </a:spcAft>
                 <a:buNone/>
               </a:pPr>
-              <a:r>
-                <a:t/>
-              </a:r>
               <a:endParaRPr/>
             </a:p>
           </p:txBody>
@@ -3498,7 +3572,7 @@
             </a:xfrm>
             <a:prstGeom prst="diagStripe">
               <a:avLst>
-                <a:gd fmla="val 50000" name="adj"/>
+                <a:gd name="adj" fmla="val 50000"/>
               </a:avLst>
             </a:prstGeom>
             <a:solidFill>
@@ -3511,12 +3585,12 @@
             </a:ln>
           </p:spPr>
           <p:txBody>
-            <a:bodyPr anchorCtr="0" anchor="ctr" bIns="91425" lIns="91425" spcFirstLastPara="1" rIns="91425" wrap="square" tIns="91425">
+            <a:bodyPr spcFirstLastPara="1" wrap="square" lIns="91425" tIns="91425" rIns="91425" bIns="91425" anchor="ctr" anchorCtr="0">
               <a:noAutofit/>
             </a:bodyPr>
             <a:lstStyle/>
             <a:p>
-              <a:pPr indent="0" lvl="0" marL="0" rtl="0" algn="l">
+              <a:pPr marL="0" lvl="0" indent="0" algn="l" rtl="0">
                 <a:spcBef>
                   <a:spcPts val="0"/>
                 </a:spcBef>
@@ -3525,9 +3599,6 @@
                 </a:spcAft>
                 <a:buNone/>
               </a:pPr>
-              <a:r>
-                <a:t/>
-              </a:r>
               <a:endParaRPr/>
             </a:p>
           </p:txBody>
@@ -3545,7 +3616,7 @@
             </a:xfrm>
             <a:prstGeom prst="diagStripe">
               <a:avLst>
-                <a:gd fmla="val 50000" name="adj"/>
+                <a:gd name="adj" fmla="val 50000"/>
               </a:avLst>
             </a:prstGeom>
             <a:solidFill>
@@ -3558,12 +3629,12 @@
             </a:ln>
           </p:spPr>
           <p:txBody>
-            <a:bodyPr anchorCtr="0" anchor="ctr" bIns="91425" lIns="91425" spcFirstLastPara="1" rIns="91425" wrap="square" tIns="91425">
+            <a:bodyPr spcFirstLastPara="1" wrap="square" lIns="91425" tIns="91425" rIns="91425" bIns="91425" anchor="ctr" anchorCtr="0">
               <a:noAutofit/>
             </a:bodyPr>
             <a:lstStyle/>
             <a:p>
-              <a:pPr indent="0" lvl="0" marL="0" rtl="0" algn="l">
+              <a:pPr marL="0" lvl="0" indent="0" algn="l" rtl="0">
                 <a:spcBef>
                   <a:spcPts val="0"/>
                 </a:spcBef>
@@ -3572,9 +3643,6 @@
                 </a:spcAft>
                 <a:buNone/>
               </a:pPr>
-              <a:r>
-                <a:t/>
-              </a:r>
               <a:endParaRPr/>
             </a:p>
           </p:txBody>
@@ -3592,7 +3660,7 @@
             </a:xfrm>
             <a:prstGeom prst="diagStripe">
               <a:avLst>
-                <a:gd fmla="val 50000" name="adj"/>
+                <a:gd name="adj" fmla="val 50000"/>
               </a:avLst>
             </a:prstGeom>
             <a:solidFill>
@@ -3605,12 +3673,12 @@
             </a:ln>
           </p:spPr>
           <p:txBody>
-            <a:bodyPr anchorCtr="0" anchor="ctr" bIns="91425" lIns="91425" spcFirstLastPara="1" rIns="91425" wrap="square" tIns="91425">
+            <a:bodyPr spcFirstLastPara="1" wrap="square" lIns="91425" tIns="91425" rIns="91425" bIns="91425" anchor="ctr" anchorCtr="0">
               <a:noAutofit/>
             </a:bodyPr>
             <a:lstStyle/>
             <a:p>
-              <a:pPr indent="0" lvl="0" marL="0" rtl="0" algn="l">
+              <a:pPr marL="0" lvl="0" indent="0" algn="l" rtl="0">
                 <a:spcBef>
                   <a:spcPts val="0"/>
                 </a:spcBef>
@@ -3619,9 +3687,6 @@
                 </a:spcAft>
                 <a:buNone/>
               </a:pPr>
-              <a:r>
-                <a:t/>
-              </a:r>
               <a:endParaRPr/>
             </a:p>
           </p:txBody>
@@ -3639,7 +3704,7 @@
             </a:xfrm>
             <a:prstGeom prst="diagStripe">
               <a:avLst>
-                <a:gd fmla="val 50000" name="adj"/>
+                <a:gd name="adj" fmla="val 50000"/>
               </a:avLst>
             </a:prstGeom>
             <a:solidFill>
@@ -3652,12 +3717,12 @@
             </a:ln>
           </p:spPr>
           <p:txBody>
-            <a:bodyPr anchorCtr="0" anchor="ctr" bIns="91425" lIns="91425" spcFirstLastPara="1" rIns="91425" wrap="square" tIns="91425">
+            <a:bodyPr spcFirstLastPara="1" wrap="square" lIns="91425" tIns="91425" rIns="91425" bIns="91425" anchor="ctr" anchorCtr="0">
               <a:noAutofit/>
             </a:bodyPr>
             <a:lstStyle/>
             <a:p>
-              <a:pPr indent="0" lvl="0" marL="0" rtl="0" algn="l">
+              <a:pPr marL="0" lvl="0" indent="0" algn="l" rtl="0">
                 <a:spcBef>
                   <a:spcPts val="0"/>
                 </a:spcBef>
@@ -3666,9 +3731,6 @@
                 </a:spcAft>
                 <a:buNone/>
               </a:pPr>
-              <a:r>
-                <a:t/>
-              </a:r>
               <a:endParaRPr/>
             </a:p>
           </p:txBody>
@@ -3686,7 +3748,7 @@
             </a:xfrm>
             <a:prstGeom prst="diagStripe">
               <a:avLst>
-                <a:gd fmla="val 50000" name="adj"/>
+                <a:gd name="adj" fmla="val 50000"/>
               </a:avLst>
             </a:prstGeom>
             <a:solidFill>
@@ -3697,12 +3759,12 @@
             </a:ln>
           </p:spPr>
           <p:txBody>
-            <a:bodyPr anchorCtr="0" anchor="ctr" bIns="91425" lIns="91425" spcFirstLastPara="1" rIns="91425" wrap="square" tIns="91425">
+            <a:bodyPr spcFirstLastPara="1" wrap="square" lIns="91425" tIns="91425" rIns="91425" bIns="91425" anchor="ctr" anchorCtr="0">
               <a:noAutofit/>
             </a:bodyPr>
             <a:lstStyle/>
             <a:p>
-              <a:pPr indent="0" lvl="0" marL="0" rtl="0" algn="l">
+              <a:pPr marL="0" lvl="0" indent="0" algn="l" rtl="0">
                 <a:spcBef>
                   <a:spcPts val="0"/>
                 </a:spcBef>
@@ -3711,9 +3773,6 @@
                 </a:spcAft>
                 <a:buNone/>
               </a:pPr>
-              <a:r>
-                <a:t/>
-              </a:r>
               <a:endParaRPr/>
             </a:p>
           </p:txBody>
@@ -3731,7 +3790,7 @@
             </a:xfrm>
             <a:prstGeom prst="diagStripe">
               <a:avLst>
-                <a:gd fmla="val 50000" name="adj"/>
+                <a:gd name="adj" fmla="val 50000"/>
               </a:avLst>
             </a:prstGeom>
             <a:solidFill>
@@ -3744,12 +3803,12 @@
             </a:ln>
           </p:spPr>
           <p:txBody>
-            <a:bodyPr anchorCtr="0" anchor="ctr" bIns="91425" lIns="91425" spcFirstLastPara="1" rIns="91425" wrap="square" tIns="91425">
+            <a:bodyPr spcFirstLastPara="1" wrap="square" lIns="91425" tIns="91425" rIns="91425" bIns="91425" anchor="ctr" anchorCtr="0">
               <a:noAutofit/>
             </a:bodyPr>
             <a:lstStyle/>
             <a:p>
-              <a:pPr indent="0" lvl="0" marL="0" rtl="0" algn="l">
+              <a:pPr marL="0" lvl="0" indent="0" algn="l" rtl="0">
                 <a:spcBef>
                   <a:spcPts val="0"/>
                 </a:spcBef>
@@ -3758,9 +3817,6 @@
                 </a:spcAft>
                 <a:buNone/>
               </a:pPr>
-              <a:r>
-                <a:t/>
-              </a:r>
               <a:endParaRPr/>
             </a:p>
           </p:txBody>
@@ -3778,7 +3834,7 @@
             </a:xfrm>
             <a:prstGeom prst="diagStripe">
               <a:avLst>
-                <a:gd fmla="val 50000" name="adj"/>
+                <a:gd name="adj" fmla="val 50000"/>
               </a:avLst>
             </a:prstGeom>
             <a:solidFill>
@@ -3791,12 +3847,12 @@
             </a:ln>
           </p:spPr>
           <p:txBody>
-            <a:bodyPr anchorCtr="0" anchor="ctr" bIns="91425" lIns="91425" spcFirstLastPara="1" rIns="91425" wrap="square" tIns="91425">
+            <a:bodyPr spcFirstLastPara="1" wrap="square" lIns="91425" tIns="91425" rIns="91425" bIns="91425" anchor="ctr" anchorCtr="0">
               <a:noAutofit/>
             </a:bodyPr>
             <a:lstStyle/>
             <a:p>
-              <a:pPr indent="0" lvl="0" marL="0" rtl="0" algn="l">
+              <a:pPr marL="0" lvl="0" indent="0" algn="l" rtl="0">
                 <a:spcBef>
                   <a:spcPts val="0"/>
                 </a:spcBef>
@@ -3805,9 +3861,6 @@
                 </a:spcAft>
                 <a:buNone/>
               </a:pPr>
-              <a:r>
-                <a:t/>
-              </a:r>
               <a:endParaRPr/>
             </a:p>
           </p:txBody>
@@ -3825,7 +3878,7 @@
             </a:xfrm>
             <a:prstGeom prst="diagStripe">
               <a:avLst>
-                <a:gd fmla="val 50000" name="adj"/>
+                <a:gd name="adj" fmla="val 50000"/>
               </a:avLst>
             </a:prstGeom>
             <a:solidFill>
@@ -3838,12 +3891,12 @@
             </a:ln>
           </p:spPr>
           <p:txBody>
-            <a:bodyPr anchorCtr="0" anchor="ctr" bIns="91425" lIns="91425" spcFirstLastPara="1" rIns="91425" wrap="square" tIns="91425">
+            <a:bodyPr spcFirstLastPara="1" wrap="square" lIns="91425" tIns="91425" rIns="91425" bIns="91425" anchor="ctr" anchorCtr="0">
               <a:noAutofit/>
             </a:bodyPr>
             <a:lstStyle/>
             <a:p>
-              <a:pPr indent="0" lvl="0" marL="0" rtl="0" algn="l">
+              <a:pPr marL="0" lvl="0" indent="0" algn="l" rtl="0">
                 <a:spcBef>
                   <a:spcPts val="0"/>
                 </a:spcBef>
@@ -3852,9 +3905,6 @@
                 </a:spcAft>
                 <a:buNone/>
               </a:pPr>
-              <a:r>
-                <a:t/>
-              </a:r>
               <a:endParaRPr/>
             </a:p>
           </p:txBody>
@@ -3872,7 +3922,7 @@
             </a:xfrm>
             <a:prstGeom prst="diagStripe">
               <a:avLst>
-                <a:gd fmla="val 50000" name="adj"/>
+                <a:gd name="adj" fmla="val 50000"/>
               </a:avLst>
             </a:prstGeom>
             <a:solidFill>
@@ -3885,12 +3935,12 @@
             </a:ln>
           </p:spPr>
           <p:txBody>
-            <a:bodyPr anchorCtr="0" anchor="ctr" bIns="91425" lIns="91425" spcFirstLastPara="1" rIns="91425" wrap="square" tIns="91425">
+            <a:bodyPr spcFirstLastPara="1" wrap="square" lIns="91425" tIns="91425" rIns="91425" bIns="91425" anchor="ctr" anchorCtr="0">
               <a:noAutofit/>
             </a:bodyPr>
             <a:lstStyle/>
             <a:p>
-              <a:pPr indent="0" lvl="0" marL="0" rtl="0" algn="l">
+              <a:pPr marL="0" lvl="0" indent="0" algn="l" rtl="0">
                 <a:spcBef>
                   <a:spcPts val="0"/>
                 </a:spcBef>
@@ -3899,9 +3949,6 @@
                 </a:spcAft>
                 <a:buNone/>
               </a:pPr>
-              <a:r>
-                <a:t/>
-              </a:r>
               <a:endParaRPr/>
             </a:p>
           </p:txBody>
@@ -3910,9 +3957,11 @@
       <p:sp>
         <p:nvSpPr>
           <p:cNvPr id="125" name="Google Shape;125;p11"/>
-          <p:cNvSpPr txBox="1"/>
+          <p:cNvSpPr txBox="1">
+            <a:spLocks noGrp="1"/>
+          </p:cNvSpPr>
           <p:nvPr>
-            <p:ph hasCustomPrompt="1" type="title"/>
+            <p:ph type="title" hasCustomPrompt="1"/>
           </p:nvPr>
         </p:nvSpPr>
         <p:spPr>
@@ -3925,7 +3974,7 @@
           </a:prstGeom>
         </p:spPr>
         <p:txBody>
-          <a:bodyPr anchorCtr="0" anchor="t" bIns="91425" lIns="91425" spcFirstLastPara="1" rIns="91425" wrap="square" tIns="91425">
+          <a:bodyPr spcFirstLastPara="1" wrap="square" lIns="91425" tIns="91425" rIns="91425" bIns="91425" anchor="t" anchorCtr="0">
             <a:normAutofit/>
           </a:bodyPr>
           <a:lstStyle>
@@ -4039,9 +4088,11 @@
       <p:sp>
         <p:nvSpPr>
           <p:cNvPr id="126" name="Google Shape;126;p11"/>
-          <p:cNvSpPr txBox="1"/>
+          <p:cNvSpPr txBox="1">
+            <a:spLocks noGrp="1"/>
+          </p:cNvSpPr>
           <p:nvPr>
-            <p:ph idx="1" type="body"/>
+            <p:ph type="body" idx="1"/>
           </p:nvPr>
         </p:nvSpPr>
         <p:spPr>
@@ -4054,11 +4105,11 @@
           </a:prstGeom>
         </p:spPr>
         <p:txBody>
-          <a:bodyPr anchorCtr="0" anchor="t" bIns="91425" lIns="91425" spcFirstLastPara="1" rIns="91425" wrap="square" tIns="91425">
+          <a:bodyPr spcFirstLastPara="1" wrap="square" lIns="91425" tIns="91425" rIns="91425" bIns="91425" anchor="t" anchorCtr="0">
             <a:normAutofit/>
           </a:bodyPr>
           <a:lstStyle>
-            <a:lvl1pPr indent="-311150" lvl="0" marL="457200">
+            <a:lvl1pPr marL="457200" lvl="0" indent="-311150">
               <a:spcBef>
                 <a:spcPts val="0"/>
               </a:spcBef>
@@ -4069,7 +4120,7 @@
               <a:buChar char="●"/>
               <a:defRPr/>
             </a:lvl1pPr>
-            <a:lvl2pPr indent="-298450" lvl="1" marL="914400">
+            <a:lvl2pPr marL="914400" lvl="1" indent="-298450">
               <a:spcBef>
                 <a:spcPts val="0"/>
               </a:spcBef>
@@ -4080,7 +4131,7 @@
               <a:buChar char="○"/>
               <a:defRPr/>
             </a:lvl2pPr>
-            <a:lvl3pPr indent="-298450" lvl="2" marL="1371600">
+            <a:lvl3pPr marL="1371600" lvl="2" indent="-298450">
               <a:spcBef>
                 <a:spcPts val="0"/>
               </a:spcBef>
@@ -4091,7 +4142,7 @@
               <a:buChar char="■"/>
               <a:defRPr/>
             </a:lvl3pPr>
-            <a:lvl4pPr indent="-298450" lvl="3" marL="1828800">
+            <a:lvl4pPr marL="1828800" lvl="3" indent="-298450">
               <a:spcBef>
                 <a:spcPts val="0"/>
               </a:spcBef>
@@ -4102,7 +4153,7 @@
               <a:buChar char="●"/>
               <a:defRPr/>
             </a:lvl4pPr>
-            <a:lvl5pPr indent="-298450" lvl="4" marL="2286000">
+            <a:lvl5pPr marL="2286000" lvl="4" indent="-298450">
               <a:spcBef>
                 <a:spcPts val="0"/>
               </a:spcBef>
@@ -4113,7 +4164,7 @@
               <a:buChar char="○"/>
               <a:defRPr/>
             </a:lvl5pPr>
-            <a:lvl6pPr indent="-298450" lvl="5" marL="2743200">
+            <a:lvl6pPr marL="2743200" lvl="5" indent="-298450">
               <a:spcBef>
                 <a:spcPts val="0"/>
               </a:spcBef>
@@ -4124,7 +4175,7 @@
               <a:buChar char="■"/>
               <a:defRPr/>
             </a:lvl6pPr>
-            <a:lvl7pPr indent="-298450" lvl="6" marL="3200400">
+            <a:lvl7pPr marL="3200400" lvl="6" indent="-298450">
               <a:spcBef>
                 <a:spcPts val="0"/>
               </a:spcBef>
@@ -4135,7 +4186,7 @@
               <a:buChar char="●"/>
               <a:defRPr/>
             </a:lvl7pPr>
-            <a:lvl8pPr indent="-298450" lvl="7" marL="3657600">
+            <a:lvl8pPr marL="3657600" lvl="7" indent="-298450">
               <a:spcBef>
                 <a:spcPts val="0"/>
               </a:spcBef>
@@ -4146,7 +4197,7 @@
               <a:buChar char="○"/>
               <a:defRPr/>
             </a:lvl8pPr>
-            <a:lvl9pPr indent="-298450" lvl="8" marL="4114800">
+            <a:lvl9pPr marL="4114800" lvl="8" indent="-298450">
               <a:spcBef>
                 <a:spcPts val="0"/>
               </a:spcBef>
@@ -4158,15 +4209,19 @@
               <a:defRPr/>
             </a:lvl9pPr>
           </a:lstStyle>
-          <a:p/>
+          <a:p>
+            <a:endParaRPr/>
+          </a:p>
         </p:txBody>
       </p:sp>
       <p:sp>
         <p:nvSpPr>
           <p:cNvPr id="127" name="Google Shape;127;p11"/>
-          <p:cNvSpPr txBox="1"/>
+          <p:cNvSpPr txBox="1">
+            <a:spLocks noGrp="1"/>
+          </p:cNvSpPr>
           <p:nvPr>
-            <p:ph idx="12" type="sldNum"/>
+            <p:ph type="sldNum" idx="12"/>
           </p:nvPr>
         </p:nvSpPr>
         <p:spPr>
@@ -4179,7 +4234,7 @@
           </a:prstGeom>
         </p:spPr>
         <p:txBody>
-          <a:bodyPr anchorCtr="0" anchor="ctr" bIns="91425" lIns="91425" spcFirstLastPara="1" rIns="91425" wrap="square" tIns="91425">
+          <a:bodyPr spcFirstLastPara="1" wrap="square" lIns="91425" tIns="91425" rIns="91425" bIns="91425" anchor="ctr" anchorCtr="0">
             <a:normAutofit/>
           </a:bodyPr>
           <a:lstStyle>
@@ -4221,7 +4276,7 @@
             </a:lvl9pPr>
           </a:lstStyle>
           <a:p>
-            <a:pPr indent="0" lvl="0" marL="0" rtl="0" algn="r">
+            <a:pPr marL="0" lvl="0" indent="0" algn="r" rtl="0">
               <a:spcBef>
                 <a:spcPts val="0"/>
               </a:spcBef>
@@ -4247,11 +4302,11 @@
 </file>
 
 <file path=ppt/slideLayouts/slideLayout11.xml><?xml version="1.0" encoding="utf-8"?>
-<p:sldLayout xmlns:a="http://schemas.openxmlformats.org/drawingml/2006/main" xmlns:r="http://schemas.openxmlformats.org/officeDocument/2006/relationships" xmlns:mc="http://schemas.openxmlformats.org/markup-compatibility/2006" xmlns:mv="urn:schemas-microsoft-com:mac:vml" xmlns:p="http://schemas.openxmlformats.org/presentationml/2006/main" xmlns:c="http://schemas.openxmlformats.org/drawingml/2006/chart" xmlns:dgm="http://schemas.openxmlformats.org/drawingml/2006/diagram" xmlns:o="urn:schemas-microsoft-com:office:office" xmlns:v="urn:schemas-microsoft-com:vml" xmlns:pvml="urn:schemas-microsoft-com:office:powerpoint" xmlns:com="http://schemas.openxmlformats.org/drawingml/2006/compatibility" xmlns:p14="http://schemas.microsoft.com/office/powerpoint/2010/main" xmlns:p15="http://schemas.microsoft.com/office/powerpoint/2012/main" xmlns:ahyp="http://schemas.microsoft.com/office/drawing/2018/hyperlinkcolor" matchingName="Blank" type="blank">
+<p:sldLayout xmlns:a="http://schemas.openxmlformats.org/drawingml/2006/main" xmlns:r="http://schemas.openxmlformats.org/officeDocument/2006/relationships" xmlns:p="http://schemas.openxmlformats.org/presentationml/2006/main" matchingName="Blank" type="blank">
   <p:cSld name="BLANK">
     <p:spTree>
       <p:nvGrpSpPr>
-        <p:cNvPr id="128" name="Shape 128"/>
+        <p:cNvPr id="1" name="Shape 128"/>
         <p:cNvGrpSpPr/>
         <p:nvPr/>
       </p:nvGrpSpPr>
@@ -4266,9 +4321,11 @@
       <p:sp>
         <p:nvSpPr>
           <p:cNvPr id="129" name="Google Shape;129;p12"/>
-          <p:cNvSpPr txBox="1"/>
+          <p:cNvSpPr txBox="1">
+            <a:spLocks noGrp="1"/>
+          </p:cNvSpPr>
           <p:nvPr>
-            <p:ph idx="12" type="sldNum"/>
+            <p:ph type="sldNum" idx="12"/>
           </p:nvPr>
         </p:nvSpPr>
         <p:spPr>
@@ -4281,7 +4338,7 @@
           </a:prstGeom>
         </p:spPr>
         <p:txBody>
-          <a:bodyPr anchorCtr="0" anchor="ctr" bIns="91425" lIns="91425" spcFirstLastPara="1" rIns="91425" wrap="square" tIns="91425">
+          <a:bodyPr spcFirstLastPara="1" wrap="square" lIns="91425" tIns="91425" rIns="91425" bIns="91425" anchor="ctr" anchorCtr="0">
             <a:normAutofit/>
           </a:bodyPr>
           <a:lstStyle>
@@ -4323,7 +4380,7 @@
             </a:lvl9pPr>
           </a:lstStyle>
           <a:p>
-            <a:pPr indent="0" lvl="0" marL="0" rtl="0" algn="r">
+            <a:pPr marL="0" lvl="0" indent="0" algn="r" rtl="0">
               <a:spcBef>
                 <a:spcPts val="0"/>
               </a:spcBef>
@@ -4349,11 +4406,11 @@
 </file>
 
 <file path=ppt/slideLayouts/slideLayout2.xml><?xml version="1.0" encoding="utf-8"?>
-<p:sldLayout xmlns:a="http://schemas.openxmlformats.org/drawingml/2006/main" xmlns:r="http://schemas.openxmlformats.org/officeDocument/2006/relationships" xmlns:mc="http://schemas.openxmlformats.org/markup-compatibility/2006" xmlns:mv="urn:schemas-microsoft-com:mac:vml" xmlns:p="http://schemas.openxmlformats.org/presentationml/2006/main" xmlns:c="http://schemas.openxmlformats.org/drawingml/2006/chart" xmlns:dgm="http://schemas.openxmlformats.org/drawingml/2006/diagram" xmlns:o="urn:schemas-microsoft-com:office:office" xmlns:v="urn:schemas-microsoft-com:vml" xmlns:pvml="urn:schemas-microsoft-com:office:powerpoint" xmlns:com="http://schemas.openxmlformats.org/drawingml/2006/compatibility" xmlns:p14="http://schemas.microsoft.com/office/powerpoint/2010/main" xmlns:p15="http://schemas.microsoft.com/office/powerpoint/2012/main" xmlns:ahyp="http://schemas.microsoft.com/office/drawing/2018/hyperlinkcolor" matchingName="Section header" type="secHead">
+<p:sldLayout xmlns:a="http://schemas.openxmlformats.org/drawingml/2006/main" xmlns:r="http://schemas.openxmlformats.org/officeDocument/2006/relationships" xmlns:p="http://schemas.openxmlformats.org/presentationml/2006/main" matchingName="Section header" type="secHead">
   <p:cSld name="SECTION_HEADER">
     <p:spTree>
       <p:nvGrpSpPr>
-        <p:cNvPr id="19" name="Shape 19"/>
+        <p:cNvPr id="1" name="Shape 19"/>
         <p:cNvGrpSpPr/>
         <p:nvPr/>
       </p:nvGrpSpPr>
@@ -4392,7 +4449,7 @@
             </a:xfrm>
             <a:prstGeom prst="diagStripe">
               <a:avLst>
-                <a:gd fmla="val 49469" name="adj"/>
+                <a:gd name="adj" fmla="val 49469"/>
               </a:avLst>
             </a:prstGeom>
             <a:solidFill>
@@ -4405,12 +4462,12 @@
             </a:ln>
           </p:spPr>
           <p:txBody>
-            <a:bodyPr anchorCtr="0" anchor="ctr" bIns="91425" lIns="91425" spcFirstLastPara="1" rIns="91425" wrap="square" tIns="91425">
+            <a:bodyPr spcFirstLastPara="1" wrap="square" lIns="91425" tIns="91425" rIns="91425" bIns="91425" anchor="ctr" anchorCtr="0">
               <a:noAutofit/>
             </a:bodyPr>
             <a:lstStyle/>
             <a:p>
-              <a:pPr indent="0" lvl="0" marL="0" rtl="0" algn="l">
+              <a:pPr marL="0" lvl="0" indent="0" algn="l" rtl="0">
                 <a:spcBef>
                   <a:spcPts val="0"/>
                 </a:spcBef>
@@ -4419,9 +4476,6 @@
                 </a:spcAft>
                 <a:buNone/>
               </a:pPr>
-              <a:r>
-                <a:t/>
-              </a:r>
               <a:endParaRPr/>
             </a:p>
           </p:txBody>
@@ -4439,7 +4493,7 @@
             </a:xfrm>
             <a:prstGeom prst="diagStripe">
               <a:avLst>
-                <a:gd fmla="val 0" name="adj"/>
+                <a:gd name="adj" fmla="val 0"/>
               </a:avLst>
             </a:prstGeom>
             <a:solidFill>
@@ -4452,12 +4506,12 @@
             </a:ln>
           </p:spPr>
           <p:txBody>
-            <a:bodyPr anchorCtr="0" anchor="ctr" bIns="91425" lIns="91425" spcFirstLastPara="1" rIns="91425" wrap="square" tIns="91425">
+            <a:bodyPr spcFirstLastPara="1" wrap="square" lIns="91425" tIns="91425" rIns="91425" bIns="91425" anchor="ctr" anchorCtr="0">
               <a:noAutofit/>
             </a:bodyPr>
             <a:lstStyle/>
             <a:p>
-              <a:pPr indent="0" lvl="0" marL="0" rtl="0" algn="l">
+              <a:pPr marL="0" lvl="0" indent="0" algn="l" rtl="0">
                 <a:spcBef>
                   <a:spcPts val="0"/>
                 </a:spcBef>
@@ -4466,9 +4520,6 @@
                 </a:spcAft>
                 <a:buNone/>
               </a:pPr>
-              <a:r>
-                <a:t/>
-              </a:r>
               <a:endParaRPr/>
             </a:p>
           </p:txBody>
@@ -4486,7 +4537,7 @@
             </a:xfrm>
             <a:prstGeom prst="diagStripe">
               <a:avLst>
-                <a:gd fmla="val 50000" name="adj"/>
+                <a:gd name="adj" fmla="val 50000"/>
               </a:avLst>
             </a:prstGeom>
             <a:solidFill>
@@ -4499,12 +4550,12 @@
             </a:ln>
           </p:spPr>
           <p:txBody>
-            <a:bodyPr anchorCtr="0" anchor="ctr" bIns="91425" lIns="91425" spcFirstLastPara="1" rIns="91425" wrap="square" tIns="91425">
+            <a:bodyPr spcFirstLastPara="1" wrap="square" lIns="91425" tIns="91425" rIns="91425" bIns="91425" anchor="ctr" anchorCtr="0">
               <a:noAutofit/>
             </a:bodyPr>
             <a:lstStyle/>
             <a:p>
-              <a:pPr indent="0" lvl="0" marL="0" rtl="0" algn="l">
+              <a:pPr marL="0" lvl="0" indent="0" algn="l" rtl="0">
                 <a:spcBef>
                   <a:spcPts val="0"/>
                 </a:spcBef>
@@ -4513,9 +4564,6 @@
                 </a:spcAft>
                 <a:buNone/>
               </a:pPr>
-              <a:r>
-                <a:t/>
-              </a:r>
               <a:endParaRPr/>
             </a:p>
           </p:txBody>
@@ -4533,7 +4581,7 @@
             </a:xfrm>
             <a:prstGeom prst="diagStripe">
               <a:avLst>
-                <a:gd fmla="val 50000" name="adj"/>
+                <a:gd name="adj" fmla="val 50000"/>
               </a:avLst>
             </a:prstGeom>
             <a:solidFill>
@@ -4546,12 +4594,12 @@
             </a:ln>
           </p:spPr>
           <p:txBody>
-            <a:bodyPr anchorCtr="0" anchor="ctr" bIns="91425" lIns="91425" spcFirstLastPara="1" rIns="91425" wrap="square" tIns="91425">
+            <a:bodyPr spcFirstLastPara="1" wrap="square" lIns="91425" tIns="91425" rIns="91425" bIns="91425" anchor="ctr" anchorCtr="0">
               <a:noAutofit/>
             </a:bodyPr>
             <a:lstStyle/>
             <a:p>
-              <a:pPr indent="0" lvl="0" marL="0" rtl="0" algn="l">
+              <a:pPr marL="0" lvl="0" indent="0" algn="l" rtl="0">
                 <a:spcBef>
                   <a:spcPts val="0"/>
                 </a:spcBef>
@@ -4560,9 +4608,6 @@
                 </a:spcAft>
                 <a:buNone/>
               </a:pPr>
-              <a:r>
-                <a:t/>
-              </a:r>
               <a:endParaRPr/>
             </a:p>
           </p:txBody>
@@ -4580,7 +4625,7 @@
             </a:xfrm>
             <a:prstGeom prst="diagStripe">
               <a:avLst>
-                <a:gd fmla="val 50000" name="adj"/>
+                <a:gd name="adj" fmla="val 50000"/>
               </a:avLst>
             </a:prstGeom>
             <a:solidFill>
@@ -4593,12 +4638,12 @@
             </a:ln>
           </p:spPr>
           <p:txBody>
-            <a:bodyPr anchorCtr="0" anchor="ctr" bIns="91425" lIns="91425" spcFirstLastPara="1" rIns="91425" wrap="square" tIns="91425">
+            <a:bodyPr spcFirstLastPara="1" wrap="square" lIns="91425" tIns="91425" rIns="91425" bIns="91425" anchor="ctr" anchorCtr="0">
               <a:noAutofit/>
             </a:bodyPr>
             <a:lstStyle/>
             <a:p>
-              <a:pPr indent="0" lvl="0" marL="0" rtl="0" algn="l">
+              <a:pPr marL="0" lvl="0" indent="0" algn="l" rtl="0">
                 <a:spcBef>
                   <a:spcPts val="0"/>
                 </a:spcBef>
@@ -4607,9 +4652,6 @@
                 </a:spcAft>
                 <a:buNone/>
               </a:pPr>
-              <a:r>
-                <a:t/>
-              </a:r>
               <a:endParaRPr/>
             </a:p>
           </p:txBody>
@@ -4627,7 +4669,7 @@
             </a:xfrm>
             <a:prstGeom prst="diagStripe">
               <a:avLst>
-                <a:gd fmla="val 50000" name="adj"/>
+                <a:gd name="adj" fmla="val 50000"/>
               </a:avLst>
             </a:prstGeom>
             <a:solidFill>
@@ -4640,12 +4682,12 @@
             </a:ln>
           </p:spPr>
           <p:txBody>
-            <a:bodyPr anchorCtr="0" anchor="ctr" bIns="91425" lIns="91425" spcFirstLastPara="1" rIns="91425" wrap="square" tIns="91425">
+            <a:bodyPr spcFirstLastPara="1" wrap="square" lIns="91425" tIns="91425" rIns="91425" bIns="91425" anchor="ctr" anchorCtr="0">
               <a:noAutofit/>
             </a:bodyPr>
             <a:lstStyle/>
             <a:p>
-              <a:pPr indent="0" lvl="0" marL="0" rtl="0" algn="l">
+              <a:pPr marL="0" lvl="0" indent="0" algn="l" rtl="0">
                 <a:spcBef>
                   <a:spcPts val="0"/>
                 </a:spcBef>
@@ -4654,9 +4696,6 @@
                 </a:spcAft>
                 <a:buNone/>
               </a:pPr>
-              <a:r>
-                <a:t/>
-              </a:r>
               <a:endParaRPr/>
             </a:p>
           </p:txBody>
@@ -4674,7 +4713,7 @@
             </a:xfrm>
             <a:prstGeom prst="diagStripe">
               <a:avLst>
-                <a:gd fmla="val 50000" name="adj"/>
+                <a:gd name="adj" fmla="val 50000"/>
               </a:avLst>
             </a:prstGeom>
             <a:solidFill>
@@ -4687,12 +4726,12 @@
             </a:ln>
           </p:spPr>
           <p:txBody>
-            <a:bodyPr anchorCtr="0" anchor="ctr" bIns="91425" lIns="91425" spcFirstLastPara="1" rIns="91425" wrap="square" tIns="91425">
+            <a:bodyPr spcFirstLastPara="1" wrap="square" lIns="91425" tIns="91425" rIns="91425" bIns="91425" anchor="ctr" anchorCtr="0">
               <a:noAutofit/>
             </a:bodyPr>
             <a:lstStyle/>
             <a:p>
-              <a:pPr indent="0" lvl="0" marL="0" rtl="0" algn="l">
+              <a:pPr marL="0" lvl="0" indent="0" algn="l" rtl="0">
                 <a:spcBef>
                   <a:spcPts val="0"/>
                 </a:spcBef>
@@ -4701,9 +4740,6 @@
                 </a:spcAft>
                 <a:buNone/>
               </a:pPr>
-              <a:r>
-                <a:t/>
-              </a:r>
               <a:endParaRPr/>
             </a:p>
           </p:txBody>
@@ -4721,7 +4757,7 @@
             </a:xfrm>
             <a:prstGeom prst="diagStripe">
               <a:avLst>
-                <a:gd fmla="val 50000" name="adj"/>
+                <a:gd name="adj" fmla="val 50000"/>
               </a:avLst>
             </a:prstGeom>
             <a:solidFill>
@@ -4732,12 +4768,12 @@
             </a:ln>
           </p:spPr>
           <p:txBody>
-            <a:bodyPr anchorCtr="0" anchor="ctr" bIns="91425" lIns="91425" spcFirstLastPara="1" rIns="91425" wrap="square" tIns="91425">
+            <a:bodyPr spcFirstLastPara="1" wrap="square" lIns="91425" tIns="91425" rIns="91425" bIns="91425" anchor="ctr" anchorCtr="0">
               <a:noAutofit/>
             </a:bodyPr>
             <a:lstStyle/>
             <a:p>
-              <a:pPr indent="0" lvl="0" marL="0" rtl="0" algn="l">
+              <a:pPr marL="0" lvl="0" indent="0" algn="l" rtl="0">
                 <a:spcBef>
                   <a:spcPts val="0"/>
                 </a:spcBef>
@@ -4746,9 +4782,6 @@
                 </a:spcAft>
                 <a:buNone/>
               </a:pPr>
-              <a:r>
-                <a:t/>
-              </a:r>
               <a:endParaRPr/>
             </a:p>
           </p:txBody>
@@ -4766,7 +4799,7 @@
             </a:xfrm>
             <a:prstGeom prst="diagStripe">
               <a:avLst>
-                <a:gd fmla="val 50000" name="adj"/>
+                <a:gd name="adj" fmla="val 50000"/>
               </a:avLst>
             </a:prstGeom>
             <a:solidFill>
@@ -4779,12 +4812,12 @@
             </a:ln>
           </p:spPr>
           <p:txBody>
-            <a:bodyPr anchorCtr="0" anchor="ctr" bIns="91425" lIns="91425" spcFirstLastPara="1" rIns="91425" wrap="square" tIns="91425">
+            <a:bodyPr spcFirstLastPara="1" wrap="square" lIns="91425" tIns="91425" rIns="91425" bIns="91425" anchor="ctr" anchorCtr="0">
               <a:noAutofit/>
             </a:bodyPr>
             <a:lstStyle/>
             <a:p>
-              <a:pPr indent="0" lvl="0" marL="0" rtl="0" algn="l">
+              <a:pPr marL="0" lvl="0" indent="0" algn="l" rtl="0">
                 <a:spcBef>
                   <a:spcPts val="0"/>
                 </a:spcBef>
@@ -4793,9 +4826,6 @@
                 </a:spcAft>
                 <a:buNone/>
               </a:pPr>
-              <a:r>
-                <a:t/>
-              </a:r>
               <a:endParaRPr/>
             </a:p>
           </p:txBody>
@@ -4813,7 +4843,7 @@
             </a:xfrm>
             <a:prstGeom prst="diagStripe">
               <a:avLst>
-                <a:gd fmla="val 50000" name="adj"/>
+                <a:gd name="adj" fmla="val 50000"/>
               </a:avLst>
             </a:prstGeom>
             <a:solidFill>
@@ -4826,12 +4856,12 @@
             </a:ln>
           </p:spPr>
           <p:txBody>
-            <a:bodyPr anchorCtr="0" anchor="ctr" bIns="91425" lIns="91425" spcFirstLastPara="1" rIns="91425" wrap="square" tIns="91425">
+            <a:bodyPr spcFirstLastPara="1" wrap="square" lIns="91425" tIns="91425" rIns="91425" bIns="91425" anchor="ctr" anchorCtr="0">
               <a:noAutofit/>
             </a:bodyPr>
             <a:lstStyle/>
             <a:p>
-              <a:pPr indent="0" lvl="0" marL="0" rtl="0" algn="l">
+              <a:pPr marL="0" lvl="0" indent="0" algn="l" rtl="0">
                 <a:spcBef>
                   <a:spcPts val="0"/>
                 </a:spcBef>
@@ -4840,9 +4870,6 @@
                 </a:spcAft>
                 <a:buNone/>
               </a:pPr>
-              <a:r>
-                <a:t/>
-              </a:r>
               <a:endParaRPr/>
             </a:p>
           </p:txBody>
@@ -4860,7 +4887,7 @@
             </a:xfrm>
             <a:prstGeom prst="diagStripe">
               <a:avLst>
-                <a:gd fmla="val 50000" name="adj"/>
+                <a:gd name="adj" fmla="val 50000"/>
               </a:avLst>
             </a:prstGeom>
             <a:solidFill>
@@ -4873,12 +4900,12 @@
             </a:ln>
           </p:spPr>
           <p:txBody>
-            <a:bodyPr anchorCtr="0" anchor="ctr" bIns="91425" lIns="91425" spcFirstLastPara="1" rIns="91425" wrap="square" tIns="91425">
+            <a:bodyPr spcFirstLastPara="1" wrap="square" lIns="91425" tIns="91425" rIns="91425" bIns="91425" anchor="ctr" anchorCtr="0">
               <a:noAutofit/>
             </a:bodyPr>
             <a:lstStyle/>
             <a:p>
-              <a:pPr indent="0" lvl="0" marL="0" rtl="0" algn="l">
+              <a:pPr marL="0" lvl="0" indent="0" algn="l" rtl="0">
                 <a:spcBef>
                   <a:spcPts val="0"/>
                 </a:spcBef>
@@ -4887,9 +4914,6 @@
                 </a:spcAft>
                 <a:buNone/>
               </a:pPr>
-              <a:r>
-                <a:t/>
-              </a:r>
               <a:endParaRPr/>
             </a:p>
           </p:txBody>
@@ -4907,7 +4931,7 @@
             </a:xfrm>
             <a:prstGeom prst="diagStripe">
               <a:avLst>
-                <a:gd fmla="val 50000" name="adj"/>
+                <a:gd name="adj" fmla="val 50000"/>
               </a:avLst>
             </a:prstGeom>
             <a:solidFill>
@@ -4920,12 +4944,12 @@
             </a:ln>
           </p:spPr>
           <p:txBody>
-            <a:bodyPr anchorCtr="0" anchor="ctr" bIns="91425" lIns="91425" spcFirstLastPara="1" rIns="91425" wrap="square" tIns="91425">
+            <a:bodyPr spcFirstLastPara="1" wrap="square" lIns="91425" tIns="91425" rIns="91425" bIns="91425" anchor="ctr" anchorCtr="0">
               <a:noAutofit/>
             </a:bodyPr>
             <a:lstStyle/>
             <a:p>
-              <a:pPr indent="0" lvl="0" marL="0" rtl="0" algn="l">
+              <a:pPr marL="0" lvl="0" indent="0" algn="l" rtl="0">
                 <a:spcBef>
                   <a:spcPts val="0"/>
                 </a:spcBef>
@@ -4934,9 +4958,6 @@
                 </a:spcAft>
                 <a:buNone/>
               </a:pPr>
-              <a:r>
-                <a:t/>
-              </a:r>
               <a:endParaRPr/>
             </a:p>
           </p:txBody>
@@ -4954,7 +4975,7 @@
             </a:xfrm>
             <a:prstGeom prst="diagStripe">
               <a:avLst>
-                <a:gd fmla="val 50000" name="adj"/>
+                <a:gd name="adj" fmla="val 50000"/>
               </a:avLst>
             </a:prstGeom>
             <a:solidFill>
@@ -4967,12 +4988,12 @@
             </a:ln>
           </p:spPr>
           <p:txBody>
-            <a:bodyPr anchorCtr="0" anchor="ctr" bIns="91425" lIns="91425" spcFirstLastPara="1" rIns="91425" wrap="square" tIns="91425">
+            <a:bodyPr spcFirstLastPara="1" wrap="square" lIns="91425" tIns="91425" rIns="91425" bIns="91425" anchor="ctr" anchorCtr="0">
               <a:noAutofit/>
             </a:bodyPr>
             <a:lstStyle/>
             <a:p>
-              <a:pPr indent="0" lvl="0" marL="0" rtl="0" algn="l">
+              <a:pPr marL="0" lvl="0" indent="0" algn="l" rtl="0">
                 <a:spcBef>
                   <a:spcPts val="0"/>
                 </a:spcBef>
@@ -4981,9 +5002,6 @@
                 </a:spcAft>
                 <a:buNone/>
               </a:pPr>
-              <a:r>
-                <a:t/>
-              </a:r>
               <a:endParaRPr/>
             </a:p>
           </p:txBody>
@@ -5001,7 +5019,7 @@
             </a:xfrm>
             <a:prstGeom prst="diagStripe">
               <a:avLst>
-                <a:gd fmla="val 50000" name="adj"/>
+                <a:gd name="adj" fmla="val 50000"/>
               </a:avLst>
             </a:prstGeom>
             <a:solidFill>
@@ -5012,12 +5030,12 @@
             </a:ln>
           </p:spPr>
           <p:txBody>
-            <a:bodyPr anchorCtr="0" anchor="ctr" bIns="91425" lIns="91425" spcFirstLastPara="1" rIns="91425" wrap="square" tIns="91425">
+            <a:bodyPr spcFirstLastPara="1" wrap="square" lIns="91425" tIns="91425" rIns="91425" bIns="91425" anchor="ctr" anchorCtr="0">
               <a:noAutofit/>
             </a:bodyPr>
             <a:lstStyle/>
             <a:p>
-              <a:pPr indent="0" lvl="0" marL="0" rtl="0" algn="l">
+              <a:pPr marL="0" lvl="0" indent="0" algn="l" rtl="0">
                 <a:spcBef>
                   <a:spcPts val="0"/>
                 </a:spcBef>
@@ -5026,9 +5044,6 @@
                 </a:spcAft>
                 <a:buNone/>
               </a:pPr>
-              <a:r>
-                <a:t/>
-              </a:r>
               <a:endParaRPr/>
             </a:p>
           </p:txBody>
@@ -5046,7 +5061,7 @@
             </a:xfrm>
             <a:prstGeom prst="diagStripe">
               <a:avLst>
-                <a:gd fmla="val 50000" name="adj"/>
+                <a:gd name="adj" fmla="val 50000"/>
               </a:avLst>
             </a:prstGeom>
             <a:solidFill>
@@ -5059,12 +5074,12 @@
             </a:ln>
           </p:spPr>
           <p:txBody>
-            <a:bodyPr anchorCtr="0" anchor="ctr" bIns="91425" lIns="91425" spcFirstLastPara="1" rIns="91425" wrap="square" tIns="91425">
+            <a:bodyPr spcFirstLastPara="1" wrap="square" lIns="91425" tIns="91425" rIns="91425" bIns="91425" anchor="ctr" anchorCtr="0">
               <a:noAutofit/>
             </a:bodyPr>
             <a:lstStyle/>
             <a:p>
-              <a:pPr indent="0" lvl="0" marL="0" rtl="0" algn="l">
+              <a:pPr marL="0" lvl="0" indent="0" algn="l" rtl="0">
                 <a:spcBef>
                   <a:spcPts val="0"/>
                 </a:spcBef>
@@ -5073,9 +5088,6 @@
                 </a:spcAft>
                 <a:buNone/>
               </a:pPr>
-              <a:r>
-                <a:t/>
-              </a:r>
               <a:endParaRPr/>
             </a:p>
           </p:txBody>
@@ -5093,7 +5105,7 @@
             </a:xfrm>
             <a:prstGeom prst="diagStripe">
               <a:avLst>
-                <a:gd fmla="val 50000" name="adj"/>
+                <a:gd name="adj" fmla="val 50000"/>
               </a:avLst>
             </a:prstGeom>
             <a:solidFill>
@@ -5106,12 +5118,12 @@
             </a:ln>
           </p:spPr>
           <p:txBody>
-            <a:bodyPr anchorCtr="0" anchor="ctr" bIns="91425" lIns="91425" spcFirstLastPara="1" rIns="91425" wrap="square" tIns="91425">
+            <a:bodyPr spcFirstLastPara="1" wrap="square" lIns="91425" tIns="91425" rIns="91425" bIns="91425" anchor="ctr" anchorCtr="0">
               <a:noAutofit/>
             </a:bodyPr>
             <a:lstStyle/>
             <a:p>
-              <a:pPr indent="0" lvl="0" marL="0" rtl="0" algn="l">
+              <a:pPr marL="0" lvl="0" indent="0" algn="l" rtl="0">
                 <a:spcBef>
                   <a:spcPts val="0"/>
                 </a:spcBef>
@@ -5120,9 +5132,6 @@
                 </a:spcAft>
                 <a:buNone/>
               </a:pPr>
-              <a:r>
-                <a:t/>
-              </a:r>
               <a:endParaRPr/>
             </a:p>
           </p:txBody>
@@ -5140,7 +5149,7 @@
             </a:xfrm>
             <a:prstGeom prst="diagStripe">
               <a:avLst>
-                <a:gd fmla="val 50000" name="adj"/>
+                <a:gd name="adj" fmla="val 50000"/>
               </a:avLst>
             </a:prstGeom>
             <a:solidFill>
@@ -5153,12 +5162,12 @@
             </a:ln>
           </p:spPr>
           <p:txBody>
-            <a:bodyPr anchorCtr="0" anchor="ctr" bIns="91425" lIns="91425" spcFirstLastPara="1" rIns="91425" wrap="square" tIns="91425">
+            <a:bodyPr spcFirstLastPara="1" wrap="square" lIns="91425" tIns="91425" rIns="91425" bIns="91425" anchor="ctr" anchorCtr="0">
               <a:noAutofit/>
             </a:bodyPr>
             <a:lstStyle/>
             <a:p>
-              <a:pPr indent="0" lvl="0" marL="0" rtl="0" algn="l">
+              <a:pPr marL="0" lvl="0" indent="0" algn="l" rtl="0">
                 <a:spcBef>
                   <a:spcPts val="0"/>
                 </a:spcBef>
@@ -5167,9 +5176,6 @@
                 </a:spcAft>
                 <a:buNone/>
               </a:pPr>
-              <a:r>
-                <a:t/>
-              </a:r>
               <a:endParaRPr/>
             </a:p>
           </p:txBody>
@@ -5187,7 +5193,7 @@
             </a:xfrm>
             <a:prstGeom prst="diagStripe">
               <a:avLst>
-                <a:gd fmla="val 50000" name="adj"/>
+                <a:gd name="adj" fmla="val 50000"/>
               </a:avLst>
             </a:prstGeom>
             <a:solidFill>
@@ -5200,12 +5206,12 @@
             </a:ln>
           </p:spPr>
           <p:txBody>
-            <a:bodyPr anchorCtr="0" anchor="ctr" bIns="91425" lIns="91425" spcFirstLastPara="1" rIns="91425" wrap="square" tIns="91425">
+            <a:bodyPr spcFirstLastPara="1" wrap="square" lIns="91425" tIns="91425" rIns="91425" bIns="91425" anchor="ctr" anchorCtr="0">
               <a:noAutofit/>
             </a:bodyPr>
             <a:lstStyle/>
             <a:p>
-              <a:pPr indent="0" lvl="0" marL="0" rtl="0" algn="l">
+              <a:pPr marL="0" lvl="0" indent="0" algn="l" rtl="0">
                 <a:spcBef>
                   <a:spcPts val="0"/>
                 </a:spcBef>
@@ -5214,9 +5220,6 @@
                 </a:spcAft>
                 <a:buNone/>
               </a:pPr>
-              <a:r>
-                <a:t/>
-              </a:r>
               <a:endParaRPr/>
             </a:p>
           </p:txBody>
@@ -5225,7 +5228,9 @@
       <p:sp>
         <p:nvSpPr>
           <p:cNvPr id="39" name="Google Shape;39;p3"/>
-          <p:cNvSpPr txBox="1"/>
+          <p:cNvSpPr txBox="1">
+            <a:spLocks noGrp="1"/>
+          </p:cNvSpPr>
           <p:nvPr>
             <p:ph type="title"/>
           </p:nvPr>
@@ -5240,7 +5245,7 @@
           </a:prstGeom>
         </p:spPr>
         <p:txBody>
-          <a:bodyPr anchorCtr="0" anchor="ctr" bIns="91425" lIns="91425" spcFirstLastPara="1" rIns="91425" wrap="square" tIns="91425">
+          <a:bodyPr spcFirstLastPara="1" wrap="square" lIns="91425" tIns="91425" rIns="91425" bIns="91425" anchor="ctr" anchorCtr="0">
             <a:normAutofit/>
           </a:bodyPr>
           <a:lstStyle>
@@ -5344,15 +5349,19 @@
               <a:defRPr/>
             </a:lvl9pPr>
           </a:lstStyle>
-          <a:p/>
+          <a:p>
+            <a:endParaRPr/>
+          </a:p>
         </p:txBody>
       </p:sp>
       <p:sp>
         <p:nvSpPr>
           <p:cNvPr id="40" name="Google Shape;40;p3"/>
-          <p:cNvSpPr txBox="1"/>
+          <p:cNvSpPr txBox="1">
+            <a:spLocks noGrp="1"/>
+          </p:cNvSpPr>
           <p:nvPr>
-            <p:ph idx="12" type="sldNum"/>
+            <p:ph type="sldNum" idx="12"/>
           </p:nvPr>
         </p:nvSpPr>
         <p:spPr>
@@ -5365,7 +5374,7 @@
           </a:prstGeom>
         </p:spPr>
         <p:txBody>
-          <a:bodyPr anchorCtr="0" anchor="ctr" bIns="91425" lIns="91425" spcFirstLastPara="1" rIns="91425" wrap="square" tIns="91425">
+          <a:bodyPr spcFirstLastPara="1" wrap="square" lIns="91425" tIns="91425" rIns="91425" bIns="91425" anchor="ctr" anchorCtr="0">
             <a:normAutofit/>
           </a:bodyPr>
           <a:lstStyle>
@@ -5407,7 +5416,7 @@
             </a:lvl9pPr>
           </a:lstStyle>
           <a:p>
-            <a:pPr indent="0" lvl="0" marL="0" rtl="0" algn="r">
+            <a:pPr marL="0" lvl="0" indent="0" algn="r" rtl="0">
               <a:spcBef>
                 <a:spcPts val="0"/>
               </a:spcBef>
@@ -5433,11 +5442,11 @@
 </file>
 
 <file path=ppt/slideLayouts/slideLayout3.xml><?xml version="1.0" encoding="utf-8"?>
-<p:sldLayout xmlns:a="http://schemas.openxmlformats.org/drawingml/2006/main" xmlns:r="http://schemas.openxmlformats.org/officeDocument/2006/relationships" xmlns:mc="http://schemas.openxmlformats.org/markup-compatibility/2006" xmlns:mv="urn:schemas-microsoft-com:mac:vml" xmlns:p="http://schemas.openxmlformats.org/presentationml/2006/main" xmlns:c="http://schemas.openxmlformats.org/drawingml/2006/chart" xmlns:dgm="http://schemas.openxmlformats.org/drawingml/2006/diagram" xmlns:o="urn:schemas-microsoft-com:office:office" xmlns:v="urn:schemas-microsoft-com:vml" xmlns:pvml="urn:schemas-microsoft-com:office:powerpoint" xmlns:com="http://schemas.openxmlformats.org/drawingml/2006/compatibility" xmlns:p14="http://schemas.microsoft.com/office/powerpoint/2010/main" xmlns:p15="http://schemas.microsoft.com/office/powerpoint/2012/main" xmlns:ahyp="http://schemas.microsoft.com/office/drawing/2018/hyperlinkcolor" matchingName="Title and body" type="tx">
+<p:sldLayout xmlns:a="http://schemas.openxmlformats.org/drawingml/2006/main" xmlns:r="http://schemas.openxmlformats.org/officeDocument/2006/relationships" xmlns:p="http://schemas.openxmlformats.org/presentationml/2006/main" matchingName="Title and body" type="tx">
   <p:cSld name="TITLE_AND_BODY">
     <p:spTree>
       <p:nvGrpSpPr>
-        <p:cNvPr id="41" name="Shape 41"/>
+        <p:cNvPr id="1" name="Shape 41"/>
         <p:cNvGrpSpPr/>
         <p:nvPr/>
       </p:nvGrpSpPr>
@@ -5476,7 +5485,7 @@
             </a:xfrm>
             <a:prstGeom prst="diagStripe">
               <a:avLst>
-                <a:gd fmla="val 50000" name="adj"/>
+                <a:gd name="adj" fmla="val 50000"/>
               </a:avLst>
             </a:prstGeom>
             <a:solidFill>
@@ -5487,12 +5496,12 @@
             </a:ln>
           </p:spPr>
           <p:txBody>
-            <a:bodyPr anchorCtr="0" anchor="ctr" bIns="91425" lIns="91425" spcFirstLastPara="1" rIns="91425" wrap="square" tIns="91425">
+            <a:bodyPr spcFirstLastPara="1" wrap="square" lIns="91425" tIns="91425" rIns="91425" bIns="91425" anchor="ctr" anchorCtr="0">
               <a:noAutofit/>
             </a:bodyPr>
             <a:lstStyle/>
             <a:p>
-              <a:pPr indent="0" lvl="0" marL="0" rtl="0" algn="l">
+              <a:pPr marL="0" lvl="0" indent="0" algn="l" rtl="0">
                 <a:spcBef>
                   <a:spcPts val="0"/>
                 </a:spcBef>
@@ -5501,9 +5510,6 @@
                 </a:spcAft>
                 <a:buNone/>
               </a:pPr>
-              <a:r>
-                <a:t/>
-              </a:r>
               <a:endParaRPr/>
             </a:p>
           </p:txBody>
@@ -5521,7 +5527,7 @@
             </a:xfrm>
             <a:prstGeom prst="diagStripe">
               <a:avLst>
-                <a:gd fmla="val 50000" name="adj"/>
+                <a:gd name="adj" fmla="val 50000"/>
               </a:avLst>
             </a:prstGeom>
             <a:solidFill>
@@ -5532,12 +5538,12 @@
             </a:ln>
           </p:spPr>
           <p:txBody>
-            <a:bodyPr anchorCtr="0" anchor="ctr" bIns="91425" lIns="91425" spcFirstLastPara="1" rIns="91425" wrap="square" tIns="91425">
+            <a:bodyPr spcFirstLastPara="1" wrap="square" lIns="91425" tIns="91425" rIns="91425" bIns="91425" anchor="ctr" anchorCtr="0">
               <a:noAutofit/>
             </a:bodyPr>
             <a:lstStyle/>
             <a:p>
-              <a:pPr indent="0" lvl="0" marL="0" rtl="0" algn="l">
+              <a:pPr marL="0" lvl="0" indent="0" algn="l" rtl="0">
                 <a:spcBef>
                   <a:spcPts val="0"/>
                 </a:spcBef>
@@ -5546,9 +5552,6 @@
                 </a:spcAft>
                 <a:buNone/>
               </a:pPr>
-              <a:r>
-                <a:t/>
-              </a:r>
               <a:endParaRPr/>
             </a:p>
           </p:txBody>
@@ -5557,7 +5560,9 @@
       <p:sp>
         <p:nvSpPr>
           <p:cNvPr id="45" name="Google Shape;45;p4"/>
-          <p:cNvSpPr txBox="1"/>
+          <p:cNvSpPr txBox="1">
+            <a:spLocks noGrp="1"/>
+          </p:cNvSpPr>
           <p:nvPr>
             <p:ph type="title"/>
           </p:nvPr>
@@ -5572,7 +5577,7 @@
           </a:prstGeom>
         </p:spPr>
         <p:txBody>
-          <a:bodyPr anchorCtr="0" anchor="t" bIns="91425" lIns="91425" spcFirstLastPara="1" rIns="91425" wrap="square" tIns="91425">
+          <a:bodyPr spcFirstLastPara="1" wrap="square" lIns="91425" tIns="91425" rIns="91425" bIns="91425" anchor="t" anchorCtr="0">
             <a:normAutofit/>
           </a:bodyPr>
           <a:lstStyle>
@@ -5676,15 +5681,19 @@
               <a:defRPr sz="2400"/>
             </a:lvl9pPr>
           </a:lstStyle>
-          <a:p/>
+          <a:p>
+            <a:endParaRPr/>
+          </a:p>
         </p:txBody>
       </p:sp>
       <p:sp>
         <p:nvSpPr>
           <p:cNvPr id="46" name="Google Shape;46;p4"/>
-          <p:cNvSpPr txBox="1"/>
+          <p:cNvSpPr txBox="1">
+            <a:spLocks noGrp="1"/>
+          </p:cNvSpPr>
           <p:nvPr>
-            <p:ph idx="1" type="body"/>
+            <p:ph type="body" idx="1"/>
           </p:nvPr>
         </p:nvSpPr>
         <p:spPr>
@@ -5697,11 +5706,11 @@
           </a:prstGeom>
         </p:spPr>
         <p:txBody>
-          <a:bodyPr anchorCtr="0" anchor="t" bIns="91425" lIns="91425" spcFirstLastPara="1" rIns="91425" wrap="square" tIns="91425">
+          <a:bodyPr spcFirstLastPara="1" wrap="square" lIns="91425" tIns="91425" rIns="91425" bIns="91425" anchor="t" anchorCtr="0">
             <a:normAutofit/>
           </a:bodyPr>
           <a:lstStyle>
-            <a:lvl1pPr indent="-311150" lvl="0" marL="457200">
+            <a:lvl1pPr marL="457200" lvl="0" indent="-311150">
               <a:spcBef>
                 <a:spcPts val="0"/>
               </a:spcBef>
@@ -5712,7 +5721,7 @@
               <a:buChar char="●"/>
               <a:defRPr/>
             </a:lvl1pPr>
-            <a:lvl2pPr indent="-298450" lvl="1" marL="914400">
+            <a:lvl2pPr marL="914400" lvl="1" indent="-298450">
               <a:spcBef>
                 <a:spcPts val="0"/>
               </a:spcBef>
@@ -5723,7 +5732,7 @@
               <a:buChar char="○"/>
               <a:defRPr/>
             </a:lvl2pPr>
-            <a:lvl3pPr indent="-298450" lvl="2" marL="1371600">
+            <a:lvl3pPr marL="1371600" lvl="2" indent="-298450">
               <a:spcBef>
                 <a:spcPts val="0"/>
               </a:spcBef>
@@ -5734,7 +5743,7 @@
               <a:buChar char="■"/>
               <a:defRPr/>
             </a:lvl3pPr>
-            <a:lvl4pPr indent="-298450" lvl="3" marL="1828800">
+            <a:lvl4pPr marL="1828800" lvl="3" indent="-298450">
               <a:spcBef>
                 <a:spcPts val="0"/>
               </a:spcBef>
@@ -5745,7 +5754,7 @@
               <a:buChar char="●"/>
               <a:defRPr/>
             </a:lvl4pPr>
-            <a:lvl5pPr indent="-298450" lvl="4" marL="2286000">
+            <a:lvl5pPr marL="2286000" lvl="4" indent="-298450">
               <a:spcBef>
                 <a:spcPts val="0"/>
               </a:spcBef>
@@ -5756,7 +5765,7 @@
               <a:buChar char="○"/>
               <a:defRPr/>
             </a:lvl5pPr>
-            <a:lvl6pPr indent="-298450" lvl="5" marL="2743200">
+            <a:lvl6pPr marL="2743200" lvl="5" indent="-298450">
               <a:spcBef>
                 <a:spcPts val="0"/>
               </a:spcBef>
@@ -5767,7 +5776,7 @@
               <a:buChar char="■"/>
               <a:defRPr/>
             </a:lvl6pPr>
-            <a:lvl7pPr indent="-298450" lvl="6" marL="3200400">
+            <a:lvl7pPr marL="3200400" lvl="6" indent="-298450">
               <a:spcBef>
                 <a:spcPts val="0"/>
               </a:spcBef>
@@ -5778,7 +5787,7 @@
               <a:buChar char="●"/>
               <a:defRPr/>
             </a:lvl7pPr>
-            <a:lvl8pPr indent="-298450" lvl="7" marL="3657600">
+            <a:lvl8pPr marL="3657600" lvl="7" indent="-298450">
               <a:spcBef>
                 <a:spcPts val="0"/>
               </a:spcBef>
@@ -5789,7 +5798,7 @@
               <a:buChar char="○"/>
               <a:defRPr/>
             </a:lvl8pPr>
-            <a:lvl9pPr indent="-298450" lvl="8" marL="4114800">
+            <a:lvl9pPr marL="4114800" lvl="8" indent="-298450">
               <a:spcBef>
                 <a:spcPts val="0"/>
               </a:spcBef>
@@ -5801,15 +5810,19 @@
               <a:defRPr/>
             </a:lvl9pPr>
           </a:lstStyle>
-          <a:p/>
+          <a:p>
+            <a:endParaRPr/>
+          </a:p>
         </p:txBody>
       </p:sp>
       <p:sp>
         <p:nvSpPr>
           <p:cNvPr id="47" name="Google Shape;47;p4"/>
-          <p:cNvSpPr txBox="1"/>
+          <p:cNvSpPr txBox="1">
+            <a:spLocks noGrp="1"/>
+          </p:cNvSpPr>
           <p:nvPr>
-            <p:ph idx="12" type="sldNum"/>
+            <p:ph type="sldNum" idx="12"/>
           </p:nvPr>
         </p:nvSpPr>
         <p:spPr>
@@ -5822,7 +5835,7 @@
           </a:prstGeom>
         </p:spPr>
         <p:txBody>
-          <a:bodyPr anchorCtr="0" anchor="ctr" bIns="91425" lIns="91425" spcFirstLastPara="1" rIns="91425" wrap="square" tIns="91425">
+          <a:bodyPr spcFirstLastPara="1" wrap="square" lIns="91425" tIns="91425" rIns="91425" bIns="91425" anchor="ctr" anchorCtr="0">
             <a:normAutofit/>
           </a:bodyPr>
           <a:lstStyle>
@@ -5864,7 +5877,7 @@
             </a:lvl9pPr>
           </a:lstStyle>
           <a:p>
-            <a:pPr indent="0" lvl="0" marL="0" rtl="0" algn="r">
+            <a:pPr marL="0" lvl="0" indent="0" algn="r" rtl="0">
               <a:spcBef>
                 <a:spcPts val="0"/>
               </a:spcBef>
@@ -5890,11 +5903,11 @@
 </file>
 
 <file path=ppt/slideLayouts/slideLayout4.xml><?xml version="1.0" encoding="utf-8"?>
-<p:sldLayout xmlns:a="http://schemas.openxmlformats.org/drawingml/2006/main" xmlns:r="http://schemas.openxmlformats.org/officeDocument/2006/relationships" xmlns:mc="http://schemas.openxmlformats.org/markup-compatibility/2006" xmlns:mv="urn:schemas-microsoft-com:mac:vml" xmlns:p="http://schemas.openxmlformats.org/presentationml/2006/main" xmlns:c="http://schemas.openxmlformats.org/drawingml/2006/chart" xmlns:dgm="http://schemas.openxmlformats.org/drawingml/2006/diagram" xmlns:o="urn:schemas-microsoft-com:office:office" xmlns:v="urn:schemas-microsoft-com:vml" xmlns:pvml="urn:schemas-microsoft-com:office:powerpoint" xmlns:com="http://schemas.openxmlformats.org/drawingml/2006/compatibility" xmlns:p14="http://schemas.microsoft.com/office/powerpoint/2010/main" xmlns:p15="http://schemas.microsoft.com/office/powerpoint/2012/main" xmlns:ahyp="http://schemas.microsoft.com/office/drawing/2018/hyperlinkcolor" matchingName="Title and two columns" type="twoColTx">
+<p:sldLayout xmlns:a="http://schemas.openxmlformats.org/drawingml/2006/main" xmlns:r="http://schemas.openxmlformats.org/officeDocument/2006/relationships" xmlns:p="http://schemas.openxmlformats.org/presentationml/2006/main" matchingName="Title and two columns" type="twoColTx">
   <p:cSld name="TITLE_AND_TWO_COLUMNS">
     <p:spTree>
       <p:nvGrpSpPr>
-        <p:cNvPr id="48" name="Shape 48"/>
+        <p:cNvPr id="1" name="Shape 48"/>
         <p:cNvGrpSpPr/>
         <p:nvPr/>
       </p:nvGrpSpPr>
@@ -5933,7 +5946,7 @@
             </a:xfrm>
             <a:prstGeom prst="diagStripe">
               <a:avLst>
-                <a:gd fmla="val 50000" name="adj"/>
+                <a:gd name="adj" fmla="val 50000"/>
               </a:avLst>
             </a:prstGeom>
             <a:solidFill>
@@ -5944,12 +5957,12 @@
             </a:ln>
           </p:spPr>
           <p:txBody>
-            <a:bodyPr anchorCtr="0" anchor="ctr" bIns="91425" lIns="91425" spcFirstLastPara="1" rIns="91425" wrap="square" tIns="91425">
+            <a:bodyPr spcFirstLastPara="1" wrap="square" lIns="91425" tIns="91425" rIns="91425" bIns="91425" anchor="ctr" anchorCtr="0">
               <a:noAutofit/>
             </a:bodyPr>
             <a:lstStyle/>
             <a:p>
-              <a:pPr indent="0" lvl="0" marL="0" rtl="0" algn="l">
+              <a:pPr marL="0" lvl="0" indent="0" algn="l" rtl="0">
                 <a:spcBef>
                   <a:spcPts val="0"/>
                 </a:spcBef>
@@ -5958,9 +5971,6 @@
                 </a:spcAft>
                 <a:buNone/>
               </a:pPr>
-              <a:r>
-                <a:t/>
-              </a:r>
               <a:endParaRPr/>
             </a:p>
           </p:txBody>
@@ -5978,7 +5988,7 @@
             </a:xfrm>
             <a:prstGeom prst="diagStripe">
               <a:avLst>
-                <a:gd fmla="val 50000" name="adj"/>
+                <a:gd name="adj" fmla="val 50000"/>
               </a:avLst>
             </a:prstGeom>
             <a:solidFill>
@@ -5989,12 +5999,12 @@
             </a:ln>
           </p:spPr>
           <p:txBody>
-            <a:bodyPr anchorCtr="0" anchor="ctr" bIns="91425" lIns="91425" spcFirstLastPara="1" rIns="91425" wrap="square" tIns="91425">
+            <a:bodyPr spcFirstLastPara="1" wrap="square" lIns="91425" tIns="91425" rIns="91425" bIns="91425" anchor="ctr" anchorCtr="0">
               <a:noAutofit/>
             </a:bodyPr>
             <a:lstStyle/>
             <a:p>
-              <a:pPr indent="0" lvl="0" marL="0" rtl="0" algn="l">
+              <a:pPr marL="0" lvl="0" indent="0" algn="l" rtl="0">
                 <a:spcBef>
                   <a:spcPts val="0"/>
                 </a:spcBef>
@@ -6003,9 +6013,6 @@
                 </a:spcAft>
                 <a:buNone/>
               </a:pPr>
-              <a:r>
-                <a:t/>
-              </a:r>
               <a:endParaRPr/>
             </a:p>
           </p:txBody>
@@ -6014,7 +6021,9 @@
       <p:sp>
         <p:nvSpPr>
           <p:cNvPr id="52" name="Google Shape;52;p5"/>
-          <p:cNvSpPr txBox="1"/>
+          <p:cNvSpPr txBox="1">
+            <a:spLocks noGrp="1"/>
+          </p:cNvSpPr>
           <p:nvPr>
             <p:ph type="title"/>
           </p:nvPr>
@@ -6029,7 +6038,7 @@
           </a:prstGeom>
         </p:spPr>
         <p:txBody>
-          <a:bodyPr anchorCtr="0" anchor="t" bIns="91425" lIns="91425" spcFirstLastPara="1" rIns="91425" wrap="square" tIns="91425">
+          <a:bodyPr spcFirstLastPara="1" wrap="square" lIns="91425" tIns="91425" rIns="91425" bIns="91425" anchor="t" anchorCtr="0">
             <a:normAutofit/>
           </a:bodyPr>
           <a:lstStyle>
@@ -6133,15 +6142,19 @@
               <a:defRPr sz="2400"/>
             </a:lvl9pPr>
           </a:lstStyle>
-          <a:p/>
+          <a:p>
+            <a:endParaRPr/>
+          </a:p>
         </p:txBody>
       </p:sp>
       <p:sp>
         <p:nvSpPr>
           <p:cNvPr id="53" name="Google Shape;53;p5"/>
-          <p:cNvSpPr txBox="1"/>
+          <p:cNvSpPr txBox="1">
+            <a:spLocks noGrp="1"/>
+          </p:cNvSpPr>
           <p:nvPr>
-            <p:ph idx="1" type="body"/>
+            <p:ph type="body" idx="1"/>
           </p:nvPr>
         </p:nvSpPr>
         <p:spPr>
@@ -6154,11 +6167,11 @@
           </a:prstGeom>
         </p:spPr>
         <p:txBody>
-          <a:bodyPr anchorCtr="0" anchor="t" bIns="91425" lIns="91425" spcFirstLastPara="1" rIns="91425" wrap="square" tIns="91425">
+          <a:bodyPr spcFirstLastPara="1" wrap="square" lIns="91425" tIns="91425" rIns="91425" bIns="91425" anchor="t" anchorCtr="0">
             <a:normAutofit/>
           </a:bodyPr>
           <a:lstStyle>
-            <a:lvl1pPr indent="-311150" lvl="0" marL="457200">
+            <a:lvl1pPr marL="457200" lvl="0" indent="-311150">
               <a:spcBef>
                 <a:spcPts val="0"/>
               </a:spcBef>
@@ -6169,7 +6182,7 @@
               <a:buChar char="●"/>
               <a:defRPr/>
             </a:lvl1pPr>
-            <a:lvl2pPr indent="-298450" lvl="1" marL="914400">
+            <a:lvl2pPr marL="914400" lvl="1" indent="-298450">
               <a:spcBef>
                 <a:spcPts val="0"/>
               </a:spcBef>
@@ -6180,7 +6193,7 @@
               <a:buChar char="○"/>
               <a:defRPr/>
             </a:lvl2pPr>
-            <a:lvl3pPr indent="-298450" lvl="2" marL="1371600">
+            <a:lvl3pPr marL="1371600" lvl="2" indent="-298450">
               <a:spcBef>
                 <a:spcPts val="0"/>
               </a:spcBef>
@@ -6191,7 +6204,7 @@
               <a:buChar char="■"/>
               <a:defRPr/>
             </a:lvl3pPr>
-            <a:lvl4pPr indent="-298450" lvl="3" marL="1828800">
+            <a:lvl4pPr marL="1828800" lvl="3" indent="-298450">
               <a:spcBef>
                 <a:spcPts val="0"/>
               </a:spcBef>
@@ -6202,7 +6215,7 @@
               <a:buChar char="●"/>
               <a:defRPr/>
             </a:lvl4pPr>
-            <a:lvl5pPr indent="-298450" lvl="4" marL="2286000">
+            <a:lvl5pPr marL="2286000" lvl="4" indent="-298450">
               <a:spcBef>
                 <a:spcPts val="0"/>
               </a:spcBef>
@@ -6213,7 +6226,7 @@
               <a:buChar char="○"/>
               <a:defRPr/>
             </a:lvl5pPr>
-            <a:lvl6pPr indent="-298450" lvl="5" marL="2743200">
+            <a:lvl6pPr marL="2743200" lvl="5" indent="-298450">
               <a:spcBef>
                 <a:spcPts val="0"/>
               </a:spcBef>
@@ -6224,7 +6237,7 @@
               <a:buChar char="■"/>
               <a:defRPr/>
             </a:lvl6pPr>
-            <a:lvl7pPr indent="-298450" lvl="6" marL="3200400">
+            <a:lvl7pPr marL="3200400" lvl="6" indent="-298450">
               <a:spcBef>
                 <a:spcPts val="0"/>
               </a:spcBef>
@@ -6235,7 +6248,7 @@
               <a:buChar char="●"/>
               <a:defRPr/>
             </a:lvl7pPr>
-            <a:lvl8pPr indent="-298450" lvl="7" marL="3657600">
+            <a:lvl8pPr marL="3657600" lvl="7" indent="-298450">
               <a:spcBef>
                 <a:spcPts val="0"/>
               </a:spcBef>
@@ -6246,7 +6259,7 @@
               <a:buChar char="○"/>
               <a:defRPr/>
             </a:lvl8pPr>
-            <a:lvl9pPr indent="-298450" lvl="8" marL="4114800">
+            <a:lvl9pPr marL="4114800" lvl="8" indent="-298450">
               <a:spcBef>
                 <a:spcPts val="0"/>
               </a:spcBef>
@@ -6258,15 +6271,19 @@
               <a:defRPr/>
             </a:lvl9pPr>
           </a:lstStyle>
-          <a:p/>
+          <a:p>
+            <a:endParaRPr/>
+          </a:p>
         </p:txBody>
       </p:sp>
       <p:sp>
         <p:nvSpPr>
           <p:cNvPr id="54" name="Google Shape;54;p5"/>
-          <p:cNvSpPr txBox="1"/>
+          <p:cNvSpPr txBox="1">
+            <a:spLocks noGrp="1"/>
+          </p:cNvSpPr>
           <p:nvPr>
-            <p:ph idx="2" type="body"/>
+            <p:ph type="body" idx="2"/>
           </p:nvPr>
         </p:nvSpPr>
         <p:spPr>
@@ -6279,11 +6296,11 @@
           </a:prstGeom>
         </p:spPr>
         <p:txBody>
-          <a:bodyPr anchorCtr="0" anchor="t" bIns="91425" lIns="91425" spcFirstLastPara="1" rIns="91425" wrap="square" tIns="91425">
+          <a:bodyPr spcFirstLastPara="1" wrap="square" lIns="91425" tIns="91425" rIns="91425" bIns="91425" anchor="t" anchorCtr="0">
             <a:normAutofit/>
           </a:bodyPr>
           <a:lstStyle>
-            <a:lvl1pPr indent="-311150" lvl="0" marL="457200">
+            <a:lvl1pPr marL="457200" lvl="0" indent="-311150">
               <a:spcBef>
                 <a:spcPts val="0"/>
               </a:spcBef>
@@ -6294,7 +6311,7 @@
               <a:buChar char="●"/>
               <a:defRPr/>
             </a:lvl1pPr>
-            <a:lvl2pPr indent="-298450" lvl="1" marL="914400">
+            <a:lvl2pPr marL="914400" lvl="1" indent="-298450">
               <a:spcBef>
                 <a:spcPts val="0"/>
               </a:spcBef>
@@ -6305,7 +6322,7 @@
               <a:buChar char="○"/>
               <a:defRPr/>
             </a:lvl2pPr>
-            <a:lvl3pPr indent="-298450" lvl="2" marL="1371600">
+            <a:lvl3pPr marL="1371600" lvl="2" indent="-298450">
               <a:spcBef>
                 <a:spcPts val="0"/>
               </a:spcBef>
@@ -6316,7 +6333,7 @@
               <a:buChar char="■"/>
               <a:defRPr/>
             </a:lvl3pPr>
-            <a:lvl4pPr indent="-298450" lvl="3" marL="1828800">
+            <a:lvl4pPr marL="1828800" lvl="3" indent="-298450">
               <a:spcBef>
                 <a:spcPts val="0"/>
               </a:spcBef>
@@ -6327,7 +6344,7 @@
               <a:buChar char="●"/>
               <a:defRPr/>
             </a:lvl4pPr>
-            <a:lvl5pPr indent="-298450" lvl="4" marL="2286000">
+            <a:lvl5pPr marL="2286000" lvl="4" indent="-298450">
               <a:spcBef>
                 <a:spcPts val="0"/>
               </a:spcBef>
@@ -6338,7 +6355,7 @@
               <a:buChar char="○"/>
               <a:defRPr/>
             </a:lvl5pPr>
-            <a:lvl6pPr indent="-298450" lvl="5" marL="2743200">
+            <a:lvl6pPr marL="2743200" lvl="5" indent="-298450">
               <a:spcBef>
                 <a:spcPts val="0"/>
               </a:spcBef>
@@ -6349,7 +6366,7 @@
               <a:buChar char="■"/>
               <a:defRPr/>
             </a:lvl6pPr>
-            <a:lvl7pPr indent="-298450" lvl="6" marL="3200400">
+            <a:lvl7pPr marL="3200400" lvl="6" indent="-298450">
               <a:spcBef>
                 <a:spcPts val="0"/>
               </a:spcBef>
@@ -6360,7 +6377,7 @@
               <a:buChar char="●"/>
               <a:defRPr/>
             </a:lvl7pPr>
-            <a:lvl8pPr indent="-298450" lvl="7" marL="3657600">
+            <a:lvl8pPr marL="3657600" lvl="7" indent="-298450">
               <a:spcBef>
                 <a:spcPts val="0"/>
               </a:spcBef>
@@ -6371,7 +6388,7 @@
               <a:buChar char="○"/>
               <a:defRPr/>
             </a:lvl8pPr>
-            <a:lvl9pPr indent="-298450" lvl="8" marL="4114800">
+            <a:lvl9pPr marL="4114800" lvl="8" indent="-298450">
               <a:spcBef>
                 <a:spcPts val="0"/>
               </a:spcBef>
@@ -6383,15 +6400,19 @@
               <a:defRPr/>
             </a:lvl9pPr>
           </a:lstStyle>
-          <a:p/>
+          <a:p>
+            <a:endParaRPr/>
+          </a:p>
         </p:txBody>
       </p:sp>
       <p:sp>
         <p:nvSpPr>
           <p:cNvPr id="55" name="Google Shape;55;p5"/>
-          <p:cNvSpPr txBox="1"/>
+          <p:cNvSpPr txBox="1">
+            <a:spLocks noGrp="1"/>
+          </p:cNvSpPr>
           <p:nvPr>
-            <p:ph idx="12" type="sldNum"/>
+            <p:ph type="sldNum" idx="12"/>
           </p:nvPr>
         </p:nvSpPr>
         <p:spPr>
@@ -6404,7 +6425,7 @@
           </a:prstGeom>
         </p:spPr>
         <p:txBody>
-          <a:bodyPr anchorCtr="0" anchor="ctr" bIns="91425" lIns="91425" spcFirstLastPara="1" rIns="91425" wrap="square" tIns="91425">
+          <a:bodyPr spcFirstLastPara="1" wrap="square" lIns="91425" tIns="91425" rIns="91425" bIns="91425" anchor="ctr" anchorCtr="0">
             <a:normAutofit/>
           </a:bodyPr>
           <a:lstStyle>
@@ -6446,7 +6467,7 @@
             </a:lvl9pPr>
           </a:lstStyle>
           <a:p>
-            <a:pPr indent="0" lvl="0" marL="0" rtl="0" algn="r">
+            <a:pPr marL="0" lvl="0" indent="0" algn="r" rtl="0">
               <a:spcBef>
                 <a:spcPts val="0"/>
               </a:spcBef>
@@ -6472,11 +6493,11 @@
 </file>
 
 <file path=ppt/slideLayouts/slideLayout5.xml><?xml version="1.0" encoding="utf-8"?>
-<p:sldLayout xmlns:a="http://schemas.openxmlformats.org/drawingml/2006/main" xmlns:r="http://schemas.openxmlformats.org/officeDocument/2006/relationships" xmlns:mc="http://schemas.openxmlformats.org/markup-compatibility/2006" xmlns:mv="urn:schemas-microsoft-com:mac:vml" xmlns:p="http://schemas.openxmlformats.org/presentationml/2006/main" xmlns:c="http://schemas.openxmlformats.org/drawingml/2006/chart" xmlns:dgm="http://schemas.openxmlformats.org/drawingml/2006/diagram" xmlns:o="urn:schemas-microsoft-com:office:office" xmlns:v="urn:schemas-microsoft-com:vml" xmlns:pvml="urn:schemas-microsoft-com:office:powerpoint" xmlns:com="http://schemas.openxmlformats.org/drawingml/2006/compatibility" xmlns:p14="http://schemas.microsoft.com/office/powerpoint/2010/main" xmlns:p15="http://schemas.microsoft.com/office/powerpoint/2012/main" xmlns:ahyp="http://schemas.microsoft.com/office/drawing/2018/hyperlinkcolor" matchingName="Title only" type="titleOnly">
+<p:sldLayout xmlns:a="http://schemas.openxmlformats.org/drawingml/2006/main" xmlns:r="http://schemas.openxmlformats.org/officeDocument/2006/relationships" xmlns:p="http://schemas.openxmlformats.org/presentationml/2006/main" matchingName="Title only" type="titleOnly">
   <p:cSld name="TITLE_ONLY">
     <p:spTree>
       <p:nvGrpSpPr>
-        <p:cNvPr id="56" name="Shape 56"/>
+        <p:cNvPr id="1" name="Shape 56"/>
         <p:cNvGrpSpPr/>
         <p:nvPr/>
       </p:nvGrpSpPr>
@@ -6515,7 +6536,7 @@
             </a:xfrm>
             <a:prstGeom prst="diagStripe">
               <a:avLst>
-                <a:gd fmla="val 50000" name="adj"/>
+                <a:gd name="adj" fmla="val 50000"/>
               </a:avLst>
             </a:prstGeom>
             <a:solidFill>
@@ -6526,12 +6547,12 @@
             </a:ln>
           </p:spPr>
           <p:txBody>
-            <a:bodyPr anchorCtr="0" anchor="ctr" bIns="91425" lIns="91425" spcFirstLastPara="1" rIns="91425" wrap="square" tIns="91425">
+            <a:bodyPr spcFirstLastPara="1" wrap="square" lIns="91425" tIns="91425" rIns="91425" bIns="91425" anchor="ctr" anchorCtr="0">
               <a:noAutofit/>
             </a:bodyPr>
             <a:lstStyle/>
             <a:p>
-              <a:pPr indent="0" lvl="0" marL="0" rtl="0" algn="l">
+              <a:pPr marL="0" lvl="0" indent="0" algn="l" rtl="0">
                 <a:spcBef>
                   <a:spcPts val="0"/>
                 </a:spcBef>
@@ -6540,9 +6561,6 @@
                 </a:spcAft>
                 <a:buNone/>
               </a:pPr>
-              <a:r>
-                <a:t/>
-              </a:r>
               <a:endParaRPr/>
             </a:p>
           </p:txBody>
@@ -6560,7 +6578,7 @@
             </a:xfrm>
             <a:prstGeom prst="diagStripe">
               <a:avLst>
-                <a:gd fmla="val 50000" name="adj"/>
+                <a:gd name="adj" fmla="val 50000"/>
               </a:avLst>
             </a:prstGeom>
             <a:solidFill>
@@ -6571,12 +6589,12 @@
             </a:ln>
           </p:spPr>
           <p:txBody>
-            <a:bodyPr anchorCtr="0" anchor="ctr" bIns="91425" lIns="91425" spcFirstLastPara="1" rIns="91425" wrap="square" tIns="91425">
+            <a:bodyPr spcFirstLastPara="1" wrap="square" lIns="91425" tIns="91425" rIns="91425" bIns="91425" anchor="ctr" anchorCtr="0">
               <a:noAutofit/>
             </a:bodyPr>
             <a:lstStyle/>
             <a:p>
-              <a:pPr indent="0" lvl="0" marL="0" rtl="0" algn="l">
+              <a:pPr marL="0" lvl="0" indent="0" algn="l" rtl="0">
                 <a:spcBef>
                   <a:spcPts val="0"/>
                 </a:spcBef>
@@ -6585,9 +6603,6 @@
                 </a:spcAft>
                 <a:buNone/>
               </a:pPr>
-              <a:r>
-                <a:t/>
-              </a:r>
               <a:endParaRPr/>
             </a:p>
           </p:txBody>
@@ -6596,7 +6611,9 @@
       <p:sp>
         <p:nvSpPr>
           <p:cNvPr id="60" name="Google Shape;60;p6"/>
-          <p:cNvSpPr txBox="1"/>
+          <p:cNvSpPr txBox="1">
+            <a:spLocks noGrp="1"/>
+          </p:cNvSpPr>
           <p:nvPr>
             <p:ph type="title"/>
           </p:nvPr>
@@ -6611,7 +6628,7 @@
           </a:prstGeom>
         </p:spPr>
         <p:txBody>
-          <a:bodyPr anchorCtr="0" anchor="t" bIns="91425" lIns="91425" spcFirstLastPara="1" rIns="91425" wrap="square" tIns="91425">
+          <a:bodyPr spcFirstLastPara="1" wrap="square" lIns="91425" tIns="91425" rIns="91425" bIns="91425" anchor="t" anchorCtr="0">
             <a:normAutofit/>
           </a:bodyPr>
           <a:lstStyle>
@@ -6715,15 +6732,19 @@
               <a:defRPr sz="2400"/>
             </a:lvl9pPr>
           </a:lstStyle>
-          <a:p/>
+          <a:p>
+            <a:endParaRPr/>
+          </a:p>
         </p:txBody>
       </p:sp>
       <p:sp>
         <p:nvSpPr>
           <p:cNvPr id="61" name="Google Shape;61;p6"/>
-          <p:cNvSpPr txBox="1"/>
+          <p:cNvSpPr txBox="1">
+            <a:spLocks noGrp="1"/>
+          </p:cNvSpPr>
           <p:nvPr>
-            <p:ph idx="12" type="sldNum"/>
+            <p:ph type="sldNum" idx="12"/>
           </p:nvPr>
         </p:nvSpPr>
         <p:spPr>
@@ -6736,7 +6757,7 @@
           </a:prstGeom>
         </p:spPr>
         <p:txBody>
-          <a:bodyPr anchorCtr="0" anchor="ctr" bIns="91425" lIns="91425" spcFirstLastPara="1" rIns="91425" wrap="square" tIns="91425">
+          <a:bodyPr spcFirstLastPara="1" wrap="square" lIns="91425" tIns="91425" rIns="91425" bIns="91425" anchor="ctr" anchorCtr="0">
             <a:normAutofit/>
           </a:bodyPr>
           <a:lstStyle>
@@ -6778,7 +6799,7 @@
             </a:lvl9pPr>
           </a:lstStyle>
           <a:p>
-            <a:pPr indent="0" lvl="0" marL="0" rtl="0" algn="r">
+            <a:pPr marL="0" lvl="0" indent="0" algn="r" rtl="0">
               <a:spcBef>
                 <a:spcPts val="0"/>
               </a:spcBef>
@@ -6804,11 +6825,11 @@
 </file>
 
 <file path=ppt/slideLayouts/slideLayout6.xml><?xml version="1.0" encoding="utf-8"?>
-<p:sldLayout xmlns:a="http://schemas.openxmlformats.org/drawingml/2006/main" xmlns:r="http://schemas.openxmlformats.org/officeDocument/2006/relationships" xmlns:mc="http://schemas.openxmlformats.org/markup-compatibility/2006" xmlns:mv="urn:schemas-microsoft-com:mac:vml" xmlns:p="http://schemas.openxmlformats.org/presentationml/2006/main" xmlns:c="http://schemas.openxmlformats.org/drawingml/2006/chart" xmlns:dgm="http://schemas.openxmlformats.org/drawingml/2006/diagram" xmlns:o="urn:schemas-microsoft-com:office:office" xmlns:v="urn:schemas-microsoft-com:vml" xmlns:pvml="urn:schemas-microsoft-com:office:powerpoint" xmlns:com="http://schemas.openxmlformats.org/drawingml/2006/compatibility" xmlns:p14="http://schemas.microsoft.com/office/powerpoint/2010/main" xmlns:p15="http://schemas.microsoft.com/office/powerpoint/2012/main" xmlns:ahyp="http://schemas.microsoft.com/office/drawing/2018/hyperlinkcolor" matchingName="One column text">
+<p:sldLayout xmlns:a="http://schemas.openxmlformats.org/drawingml/2006/main" xmlns:r="http://schemas.openxmlformats.org/officeDocument/2006/relationships" xmlns:p="http://schemas.openxmlformats.org/presentationml/2006/main" matchingName="One column text">
   <p:cSld name="ONE_COLUMN_TEXT">
     <p:spTree>
       <p:nvGrpSpPr>
-        <p:cNvPr id="62" name="Shape 62"/>
+        <p:cNvPr id="1" name="Shape 62"/>
         <p:cNvGrpSpPr/>
         <p:nvPr/>
       </p:nvGrpSpPr>
@@ -6847,7 +6868,7 @@
             </a:xfrm>
             <a:prstGeom prst="diagStripe">
               <a:avLst>
-                <a:gd fmla="val 50000" name="adj"/>
+                <a:gd name="adj" fmla="val 50000"/>
               </a:avLst>
             </a:prstGeom>
             <a:solidFill>
@@ -6858,12 +6879,12 @@
             </a:ln>
           </p:spPr>
           <p:txBody>
-            <a:bodyPr anchorCtr="0" anchor="ctr" bIns="91425" lIns="91425" spcFirstLastPara="1" rIns="91425" wrap="square" tIns="91425">
+            <a:bodyPr spcFirstLastPara="1" wrap="square" lIns="91425" tIns="91425" rIns="91425" bIns="91425" anchor="ctr" anchorCtr="0">
               <a:noAutofit/>
             </a:bodyPr>
             <a:lstStyle/>
             <a:p>
-              <a:pPr indent="0" lvl="0" marL="0" rtl="0" algn="l">
+              <a:pPr marL="0" lvl="0" indent="0" algn="l" rtl="0">
                 <a:spcBef>
                   <a:spcPts val="0"/>
                 </a:spcBef>
@@ -6872,9 +6893,6 @@
                 </a:spcAft>
                 <a:buNone/>
               </a:pPr>
-              <a:r>
-                <a:t/>
-              </a:r>
               <a:endParaRPr/>
             </a:p>
           </p:txBody>
@@ -6892,7 +6910,7 @@
             </a:xfrm>
             <a:prstGeom prst="diagStripe">
               <a:avLst>
-                <a:gd fmla="val 50000" name="adj"/>
+                <a:gd name="adj" fmla="val 50000"/>
               </a:avLst>
             </a:prstGeom>
             <a:solidFill>
@@ -6903,12 +6921,12 @@
             </a:ln>
           </p:spPr>
           <p:txBody>
-            <a:bodyPr anchorCtr="0" anchor="ctr" bIns="91425" lIns="91425" spcFirstLastPara="1" rIns="91425" wrap="square" tIns="91425">
+            <a:bodyPr spcFirstLastPara="1" wrap="square" lIns="91425" tIns="91425" rIns="91425" bIns="91425" anchor="ctr" anchorCtr="0">
               <a:noAutofit/>
             </a:bodyPr>
             <a:lstStyle/>
             <a:p>
-              <a:pPr indent="0" lvl="0" marL="0" rtl="0" algn="l">
+              <a:pPr marL="0" lvl="0" indent="0" algn="l" rtl="0">
                 <a:spcBef>
                   <a:spcPts val="0"/>
                 </a:spcBef>
@@ -6917,9 +6935,6 @@
                 </a:spcAft>
                 <a:buNone/>
               </a:pPr>
-              <a:r>
-                <a:t/>
-              </a:r>
               <a:endParaRPr/>
             </a:p>
           </p:txBody>
@@ -6928,7 +6943,9 @@
       <p:sp>
         <p:nvSpPr>
           <p:cNvPr id="66" name="Google Shape;66;p7"/>
-          <p:cNvSpPr txBox="1"/>
+          <p:cNvSpPr txBox="1">
+            <a:spLocks noGrp="1"/>
+          </p:cNvSpPr>
           <p:nvPr>
             <p:ph type="title"/>
           </p:nvPr>
@@ -6943,7 +6960,7 @@
           </a:prstGeom>
         </p:spPr>
         <p:txBody>
-          <a:bodyPr anchorCtr="0" anchor="t" bIns="91425" lIns="91425" spcFirstLastPara="1" rIns="91425" wrap="square" tIns="91425">
+          <a:bodyPr spcFirstLastPara="1" wrap="square" lIns="91425" tIns="91425" rIns="91425" bIns="91425" anchor="t" anchorCtr="0">
             <a:normAutofit/>
           </a:bodyPr>
           <a:lstStyle>
@@ -7047,15 +7064,19 @@
               <a:defRPr sz="2400"/>
             </a:lvl9pPr>
           </a:lstStyle>
-          <a:p/>
+          <a:p>
+            <a:endParaRPr/>
+          </a:p>
         </p:txBody>
       </p:sp>
       <p:sp>
         <p:nvSpPr>
           <p:cNvPr id="67" name="Google Shape;67;p7"/>
-          <p:cNvSpPr txBox="1"/>
+          <p:cNvSpPr txBox="1">
+            <a:spLocks noGrp="1"/>
+          </p:cNvSpPr>
           <p:nvPr>
-            <p:ph idx="1" type="body"/>
+            <p:ph type="body" idx="1"/>
           </p:nvPr>
         </p:nvSpPr>
         <p:spPr>
@@ -7068,11 +7089,11 @@
           </a:prstGeom>
         </p:spPr>
         <p:txBody>
-          <a:bodyPr anchorCtr="0" anchor="t" bIns="91425" lIns="91425" spcFirstLastPara="1" rIns="91425" wrap="square" tIns="91425">
+          <a:bodyPr spcFirstLastPara="1" wrap="square" lIns="91425" tIns="91425" rIns="91425" bIns="91425" anchor="t" anchorCtr="0">
             <a:normAutofit/>
           </a:bodyPr>
           <a:lstStyle>
-            <a:lvl1pPr indent="-311150" lvl="0" marL="457200">
+            <a:lvl1pPr marL="457200" lvl="0" indent="-311150">
               <a:spcBef>
                 <a:spcPts val="0"/>
               </a:spcBef>
@@ -7083,7 +7104,7 @@
               <a:buChar char="●"/>
               <a:defRPr/>
             </a:lvl1pPr>
-            <a:lvl2pPr indent="-298450" lvl="1" marL="914400">
+            <a:lvl2pPr marL="914400" lvl="1" indent="-298450">
               <a:spcBef>
                 <a:spcPts val="0"/>
               </a:spcBef>
@@ -7094,7 +7115,7 @@
               <a:buChar char="○"/>
               <a:defRPr/>
             </a:lvl2pPr>
-            <a:lvl3pPr indent="-298450" lvl="2" marL="1371600">
+            <a:lvl3pPr marL="1371600" lvl="2" indent="-298450">
               <a:spcBef>
                 <a:spcPts val="0"/>
               </a:spcBef>
@@ -7105,7 +7126,7 @@
               <a:buChar char="■"/>
               <a:defRPr/>
             </a:lvl3pPr>
-            <a:lvl4pPr indent="-298450" lvl="3" marL="1828800">
+            <a:lvl4pPr marL="1828800" lvl="3" indent="-298450">
               <a:spcBef>
                 <a:spcPts val="0"/>
               </a:spcBef>
@@ -7116,7 +7137,7 @@
               <a:buChar char="●"/>
               <a:defRPr/>
             </a:lvl4pPr>
-            <a:lvl5pPr indent="-298450" lvl="4" marL="2286000">
+            <a:lvl5pPr marL="2286000" lvl="4" indent="-298450">
               <a:spcBef>
                 <a:spcPts val="0"/>
               </a:spcBef>
@@ -7127,7 +7148,7 @@
               <a:buChar char="○"/>
               <a:defRPr/>
             </a:lvl5pPr>
-            <a:lvl6pPr indent="-298450" lvl="5" marL="2743200">
+            <a:lvl6pPr marL="2743200" lvl="5" indent="-298450">
               <a:spcBef>
                 <a:spcPts val="0"/>
               </a:spcBef>
@@ -7138,7 +7159,7 @@
               <a:buChar char="■"/>
               <a:defRPr/>
             </a:lvl6pPr>
-            <a:lvl7pPr indent="-298450" lvl="6" marL="3200400">
+            <a:lvl7pPr marL="3200400" lvl="6" indent="-298450">
               <a:spcBef>
                 <a:spcPts val="0"/>
               </a:spcBef>
@@ -7149,7 +7170,7 @@
               <a:buChar char="●"/>
               <a:defRPr/>
             </a:lvl7pPr>
-            <a:lvl8pPr indent="-298450" lvl="7" marL="3657600">
+            <a:lvl8pPr marL="3657600" lvl="7" indent="-298450">
               <a:spcBef>
                 <a:spcPts val="0"/>
               </a:spcBef>
@@ -7160,7 +7181,7 @@
               <a:buChar char="○"/>
               <a:defRPr/>
             </a:lvl8pPr>
-            <a:lvl9pPr indent="-298450" lvl="8" marL="4114800">
+            <a:lvl9pPr marL="4114800" lvl="8" indent="-298450">
               <a:spcBef>
                 <a:spcPts val="0"/>
               </a:spcBef>
@@ -7172,15 +7193,19 @@
               <a:defRPr/>
             </a:lvl9pPr>
           </a:lstStyle>
-          <a:p/>
+          <a:p>
+            <a:endParaRPr/>
+          </a:p>
         </p:txBody>
       </p:sp>
       <p:sp>
         <p:nvSpPr>
           <p:cNvPr id="68" name="Google Shape;68;p7"/>
-          <p:cNvSpPr txBox="1"/>
+          <p:cNvSpPr txBox="1">
+            <a:spLocks noGrp="1"/>
+          </p:cNvSpPr>
           <p:nvPr>
-            <p:ph idx="12" type="sldNum"/>
+            <p:ph type="sldNum" idx="12"/>
           </p:nvPr>
         </p:nvSpPr>
         <p:spPr>
@@ -7193,7 +7218,7 @@
           </a:prstGeom>
         </p:spPr>
         <p:txBody>
-          <a:bodyPr anchorCtr="0" anchor="ctr" bIns="91425" lIns="91425" spcFirstLastPara="1" rIns="91425" wrap="square" tIns="91425">
+          <a:bodyPr spcFirstLastPara="1" wrap="square" lIns="91425" tIns="91425" rIns="91425" bIns="91425" anchor="ctr" anchorCtr="0">
             <a:normAutofit/>
           </a:bodyPr>
           <a:lstStyle>
@@ -7235,7 +7260,7 @@
             </a:lvl9pPr>
           </a:lstStyle>
           <a:p>
-            <a:pPr indent="0" lvl="0" marL="0" rtl="0" algn="r">
+            <a:pPr marL="0" lvl="0" indent="0" algn="r" rtl="0">
               <a:spcBef>
                 <a:spcPts val="0"/>
               </a:spcBef>
@@ -7261,11 +7286,11 @@
 </file>
 
 <file path=ppt/slideLayouts/slideLayout7.xml><?xml version="1.0" encoding="utf-8"?>
-<p:sldLayout xmlns:a="http://schemas.openxmlformats.org/drawingml/2006/main" xmlns:r="http://schemas.openxmlformats.org/officeDocument/2006/relationships" xmlns:mc="http://schemas.openxmlformats.org/markup-compatibility/2006" xmlns:mv="urn:schemas-microsoft-com:mac:vml" xmlns:p="http://schemas.openxmlformats.org/presentationml/2006/main" xmlns:c="http://schemas.openxmlformats.org/drawingml/2006/chart" xmlns:dgm="http://schemas.openxmlformats.org/drawingml/2006/diagram" xmlns:o="urn:schemas-microsoft-com:office:office" xmlns:v="urn:schemas-microsoft-com:vml" xmlns:pvml="urn:schemas-microsoft-com:office:powerpoint" xmlns:com="http://schemas.openxmlformats.org/drawingml/2006/compatibility" xmlns:p14="http://schemas.microsoft.com/office/powerpoint/2010/main" xmlns:p15="http://schemas.microsoft.com/office/powerpoint/2012/main" xmlns:ahyp="http://schemas.microsoft.com/office/drawing/2018/hyperlinkcolor" matchingName="Main point">
+<p:sldLayout xmlns:a="http://schemas.openxmlformats.org/drawingml/2006/main" xmlns:r="http://schemas.openxmlformats.org/officeDocument/2006/relationships" xmlns:p="http://schemas.openxmlformats.org/presentationml/2006/main" matchingName="Main point">
   <p:cSld name="MAIN_POINT">
     <p:spTree>
       <p:nvGrpSpPr>
-        <p:cNvPr id="69" name="Shape 69"/>
+        <p:cNvPr id="1" name="Shape 69"/>
         <p:cNvGrpSpPr/>
         <p:nvPr/>
       </p:nvGrpSpPr>
@@ -7304,7 +7329,7 @@
             </a:xfrm>
             <a:prstGeom prst="diagStripe">
               <a:avLst>
-                <a:gd fmla="val 49469" name="adj"/>
+                <a:gd name="adj" fmla="val 49469"/>
               </a:avLst>
             </a:prstGeom>
             <a:solidFill>
@@ -7317,12 +7342,12 @@
             </a:ln>
           </p:spPr>
           <p:txBody>
-            <a:bodyPr anchorCtr="0" anchor="ctr" bIns="91425" lIns="91425" spcFirstLastPara="1" rIns="91425" wrap="square" tIns="91425">
+            <a:bodyPr spcFirstLastPara="1" wrap="square" lIns="91425" tIns="91425" rIns="91425" bIns="91425" anchor="ctr" anchorCtr="0">
               <a:noAutofit/>
             </a:bodyPr>
             <a:lstStyle/>
             <a:p>
-              <a:pPr indent="0" lvl="0" marL="0" rtl="0" algn="l">
+              <a:pPr marL="0" lvl="0" indent="0" algn="l" rtl="0">
                 <a:spcBef>
                   <a:spcPts val="0"/>
                 </a:spcBef>
@@ -7331,9 +7356,6 @@
                 </a:spcAft>
                 <a:buNone/>
               </a:pPr>
-              <a:r>
-                <a:t/>
-              </a:r>
               <a:endParaRPr/>
             </a:p>
           </p:txBody>
@@ -7351,7 +7373,7 @@
             </a:xfrm>
             <a:prstGeom prst="diagStripe">
               <a:avLst>
-                <a:gd fmla="val 0" name="adj"/>
+                <a:gd name="adj" fmla="val 0"/>
               </a:avLst>
             </a:prstGeom>
             <a:solidFill>
@@ -7364,12 +7386,12 @@
             </a:ln>
           </p:spPr>
           <p:txBody>
-            <a:bodyPr anchorCtr="0" anchor="ctr" bIns="91425" lIns="91425" spcFirstLastPara="1" rIns="91425" wrap="square" tIns="91425">
+            <a:bodyPr spcFirstLastPara="1" wrap="square" lIns="91425" tIns="91425" rIns="91425" bIns="91425" anchor="ctr" anchorCtr="0">
               <a:noAutofit/>
             </a:bodyPr>
             <a:lstStyle/>
             <a:p>
-              <a:pPr indent="0" lvl="0" marL="0" rtl="0" algn="l">
+              <a:pPr marL="0" lvl="0" indent="0" algn="l" rtl="0">
                 <a:spcBef>
                   <a:spcPts val="0"/>
                 </a:spcBef>
@@ -7378,9 +7400,6 @@
                 </a:spcAft>
                 <a:buNone/>
               </a:pPr>
-              <a:r>
-                <a:t/>
-              </a:r>
               <a:endParaRPr/>
             </a:p>
           </p:txBody>
@@ -7398,7 +7417,7 @@
             </a:xfrm>
             <a:prstGeom prst="diagStripe">
               <a:avLst>
-                <a:gd fmla="val 50000" name="adj"/>
+                <a:gd name="adj" fmla="val 50000"/>
               </a:avLst>
             </a:prstGeom>
             <a:solidFill>
@@ -7411,12 +7430,12 @@
             </a:ln>
           </p:spPr>
           <p:txBody>
-            <a:bodyPr anchorCtr="0" anchor="ctr" bIns="91425" lIns="91425" spcFirstLastPara="1" rIns="91425" wrap="square" tIns="91425">
+            <a:bodyPr spcFirstLastPara="1" wrap="square" lIns="91425" tIns="91425" rIns="91425" bIns="91425" anchor="ctr" anchorCtr="0">
               <a:noAutofit/>
             </a:bodyPr>
             <a:lstStyle/>
             <a:p>
-              <a:pPr indent="0" lvl="0" marL="0" rtl="0" algn="l">
+              <a:pPr marL="0" lvl="0" indent="0" algn="l" rtl="0">
                 <a:spcBef>
                   <a:spcPts val="0"/>
                 </a:spcBef>
@@ -7425,9 +7444,6 @@
                 </a:spcAft>
                 <a:buNone/>
               </a:pPr>
-              <a:r>
-                <a:t/>
-              </a:r>
               <a:endParaRPr/>
             </a:p>
           </p:txBody>
@@ -7445,7 +7461,7 @@
             </a:xfrm>
             <a:prstGeom prst="diagStripe">
               <a:avLst>
-                <a:gd fmla="val 50000" name="adj"/>
+                <a:gd name="adj" fmla="val 50000"/>
               </a:avLst>
             </a:prstGeom>
             <a:solidFill>
@@ -7458,12 +7474,12 @@
             </a:ln>
           </p:spPr>
           <p:txBody>
-            <a:bodyPr anchorCtr="0" anchor="ctr" bIns="91425" lIns="91425" spcFirstLastPara="1" rIns="91425" wrap="square" tIns="91425">
+            <a:bodyPr spcFirstLastPara="1" wrap="square" lIns="91425" tIns="91425" rIns="91425" bIns="91425" anchor="ctr" anchorCtr="0">
               <a:noAutofit/>
             </a:bodyPr>
             <a:lstStyle/>
             <a:p>
-              <a:pPr indent="0" lvl="0" marL="0" rtl="0" algn="l">
+              <a:pPr marL="0" lvl="0" indent="0" algn="l" rtl="0">
                 <a:spcBef>
                   <a:spcPts val="0"/>
                 </a:spcBef>
@@ -7472,9 +7488,6 @@
                 </a:spcAft>
                 <a:buNone/>
               </a:pPr>
-              <a:r>
-                <a:t/>
-              </a:r>
               <a:endParaRPr/>
             </a:p>
           </p:txBody>
@@ -7492,7 +7505,7 @@
             </a:xfrm>
             <a:prstGeom prst="diagStripe">
               <a:avLst>
-                <a:gd fmla="val 50000" name="adj"/>
+                <a:gd name="adj" fmla="val 50000"/>
               </a:avLst>
             </a:prstGeom>
             <a:solidFill>
@@ -7505,12 +7518,12 @@
             </a:ln>
           </p:spPr>
           <p:txBody>
-            <a:bodyPr anchorCtr="0" anchor="ctr" bIns="91425" lIns="91425" spcFirstLastPara="1" rIns="91425" wrap="square" tIns="91425">
+            <a:bodyPr spcFirstLastPara="1" wrap="square" lIns="91425" tIns="91425" rIns="91425" bIns="91425" anchor="ctr" anchorCtr="0">
               <a:noAutofit/>
             </a:bodyPr>
             <a:lstStyle/>
             <a:p>
-              <a:pPr indent="0" lvl="0" marL="0" rtl="0" algn="l">
+              <a:pPr marL="0" lvl="0" indent="0" algn="l" rtl="0">
                 <a:spcBef>
                   <a:spcPts val="0"/>
                 </a:spcBef>
@@ -7519,9 +7532,6 @@
                 </a:spcAft>
                 <a:buNone/>
               </a:pPr>
-              <a:r>
-                <a:t/>
-              </a:r>
               <a:endParaRPr/>
             </a:p>
           </p:txBody>
@@ -7539,7 +7549,7 @@
             </a:xfrm>
             <a:prstGeom prst="diagStripe">
               <a:avLst>
-                <a:gd fmla="val 50000" name="adj"/>
+                <a:gd name="adj" fmla="val 50000"/>
               </a:avLst>
             </a:prstGeom>
             <a:solidFill>
@@ -7552,12 +7562,12 @@
             </a:ln>
           </p:spPr>
           <p:txBody>
-            <a:bodyPr anchorCtr="0" anchor="ctr" bIns="91425" lIns="91425" spcFirstLastPara="1" rIns="91425" wrap="square" tIns="91425">
+            <a:bodyPr spcFirstLastPara="1" wrap="square" lIns="91425" tIns="91425" rIns="91425" bIns="91425" anchor="ctr" anchorCtr="0">
               <a:noAutofit/>
             </a:bodyPr>
             <a:lstStyle/>
             <a:p>
-              <a:pPr indent="0" lvl="0" marL="0" rtl="0" algn="l">
+              <a:pPr marL="0" lvl="0" indent="0" algn="l" rtl="0">
                 <a:spcBef>
                   <a:spcPts val="0"/>
                 </a:spcBef>
@@ -7566,9 +7576,6 @@
                 </a:spcAft>
                 <a:buNone/>
               </a:pPr>
-              <a:r>
-                <a:t/>
-              </a:r>
               <a:endParaRPr/>
             </a:p>
           </p:txBody>
@@ -7586,7 +7593,7 @@
             </a:xfrm>
             <a:prstGeom prst="diagStripe">
               <a:avLst>
-                <a:gd fmla="val 50000" name="adj"/>
+                <a:gd name="adj" fmla="val 50000"/>
               </a:avLst>
             </a:prstGeom>
             <a:solidFill>
@@ -7599,12 +7606,12 @@
             </a:ln>
           </p:spPr>
           <p:txBody>
-            <a:bodyPr anchorCtr="0" anchor="ctr" bIns="91425" lIns="91425" spcFirstLastPara="1" rIns="91425" wrap="square" tIns="91425">
+            <a:bodyPr spcFirstLastPara="1" wrap="square" lIns="91425" tIns="91425" rIns="91425" bIns="91425" anchor="ctr" anchorCtr="0">
               <a:noAutofit/>
             </a:bodyPr>
             <a:lstStyle/>
             <a:p>
-              <a:pPr indent="0" lvl="0" marL="0" rtl="0" algn="l">
+              <a:pPr marL="0" lvl="0" indent="0" algn="l" rtl="0">
                 <a:spcBef>
                   <a:spcPts val="0"/>
                 </a:spcBef>
@@ -7613,9 +7620,6 @@
                 </a:spcAft>
                 <a:buNone/>
               </a:pPr>
-              <a:r>
-                <a:t/>
-              </a:r>
               <a:endParaRPr/>
             </a:p>
           </p:txBody>
@@ -7633,7 +7637,7 @@
             </a:xfrm>
             <a:prstGeom prst="diagStripe">
               <a:avLst>
-                <a:gd fmla="val 50000" name="adj"/>
+                <a:gd name="adj" fmla="val 50000"/>
               </a:avLst>
             </a:prstGeom>
             <a:solidFill>
@@ -7644,12 +7648,12 @@
             </a:ln>
           </p:spPr>
           <p:txBody>
-            <a:bodyPr anchorCtr="0" anchor="ctr" bIns="91425" lIns="91425" spcFirstLastPara="1" rIns="91425" wrap="square" tIns="91425">
+            <a:bodyPr spcFirstLastPara="1" wrap="square" lIns="91425" tIns="91425" rIns="91425" bIns="91425" anchor="ctr" anchorCtr="0">
               <a:noAutofit/>
             </a:bodyPr>
             <a:lstStyle/>
             <a:p>
-              <a:pPr indent="0" lvl="0" marL="0" rtl="0" algn="l">
+              <a:pPr marL="0" lvl="0" indent="0" algn="l" rtl="0">
                 <a:spcBef>
                   <a:spcPts val="0"/>
                 </a:spcBef>
@@ -7658,9 +7662,6 @@
                 </a:spcAft>
                 <a:buNone/>
               </a:pPr>
-              <a:r>
-                <a:t/>
-              </a:r>
               <a:endParaRPr/>
             </a:p>
           </p:txBody>
@@ -7678,7 +7679,7 @@
             </a:xfrm>
             <a:prstGeom prst="diagStripe">
               <a:avLst>
-                <a:gd fmla="val 50000" name="adj"/>
+                <a:gd name="adj" fmla="val 50000"/>
               </a:avLst>
             </a:prstGeom>
             <a:solidFill>
@@ -7691,12 +7692,12 @@
             </a:ln>
           </p:spPr>
           <p:txBody>
-            <a:bodyPr anchorCtr="0" anchor="ctr" bIns="91425" lIns="91425" spcFirstLastPara="1" rIns="91425" wrap="square" tIns="91425">
+            <a:bodyPr spcFirstLastPara="1" wrap="square" lIns="91425" tIns="91425" rIns="91425" bIns="91425" anchor="ctr" anchorCtr="0">
               <a:noAutofit/>
             </a:bodyPr>
             <a:lstStyle/>
             <a:p>
-              <a:pPr indent="0" lvl="0" marL="0" rtl="0" algn="l">
+              <a:pPr marL="0" lvl="0" indent="0" algn="l" rtl="0">
                 <a:spcBef>
                   <a:spcPts val="0"/>
                 </a:spcBef>
@@ -7705,9 +7706,6 @@
                 </a:spcAft>
                 <a:buNone/>
               </a:pPr>
-              <a:r>
-                <a:t/>
-              </a:r>
               <a:endParaRPr/>
             </a:p>
           </p:txBody>
@@ -7725,7 +7723,7 @@
             </a:xfrm>
             <a:prstGeom prst="diagStripe">
               <a:avLst>
-                <a:gd fmla="val 50000" name="adj"/>
+                <a:gd name="adj" fmla="val 50000"/>
               </a:avLst>
             </a:prstGeom>
             <a:solidFill>
@@ -7738,12 +7736,12 @@
             </a:ln>
           </p:spPr>
           <p:txBody>
-            <a:bodyPr anchorCtr="0" anchor="ctr" bIns="91425" lIns="91425" spcFirstLastPara="1" rIns="91425" wrap="square" tIns="91425">
+            <a:bodyPr spcFirstLastPara="1" wrap="square" lIns="91425" tIns="91425" rIns="91425" bIns="91425" anchor="ctr" anchorCtr="0">
               <a:noAutofit/>
             </a:bodyPr>
             <a:lstStyle/>
             <a:p>
-              <a:pPr indent="0" lvl="0" marL="0" rtl="0" algn="l">
+              <a:pPr marL="0" lvl="0" indent="0" algn="l" rtl="0">
                 <a:spcBef>
                   <a:spcPts val="0"/>
                 </a:spcBef>
@@ -7752,9 +7750,6 @@
                 </a:spcAft>
                 <a:buNone/>
               </a:pPr>
-              <a:r>
-                <a:t/>
-              </a:r>
               <a:endParaRPr/>
             </a:p>
           </p:txBody>
@@ -7772,7 +7767,7 @@
             </a:xfrm>
             <a:prstGeom prst="diagStripe">
               <a:avLst>
-                <a:gd fmla="val 50000" name="adj"/>
+                <a:gd name="adj" fmla="val 50000"/>
               </a:avLst>
             </a:prstGeom>
             <a:solidFill>
@@ -7785,12 +7780,12 @@
             </a:ln>
           </p:spPr>
           <p:txBody>
-            <a:bodyPr anchorCtr="0" anchor="ctr" bIns="91425" lIns="91425" spcFirstLastPara="1" rIns="91425" wrap="square" tIns="91425">
+            <a:bodyPr spcFirstLastPara="1" wrap="square" lIns="91425" tIns="91425" rIns="91425" bIns="91425" anchor="ctr" anchorCtr="0">
               <a:noAutofit/>
             </a:bodyPr>
             <a:lstStyle/>
             <a:p>
-              <a:pPr indent="0" lvl="0" marL="0" rtl="0" algn="l">
+              <a:pPr marL="0" lvl="0" indent="0" algn="l" rtl="0">
                 <a:spcBef>
                   <a:spcPts val="0"/>
                 </a:spcBef>
@@ -7799,9 +7794,6 @@
                 </a:spcAft>
                 <a:buNone/>
               </a:pPr>
-              <a:r>
-                <a:t/>
-              </a:r>
               <a:endParaRPr/>
             </a:p>
           </p:txBody>
@@ -7819,7 +7811,7 @@
             </a:xfrm>
             <a:prstGeom prst="diagStripe">
               <a:avLst>
-                <a:gd fmla="val 50000" name="adj"/>
+                <a:gd name="adj" fmla="val 50000"/>
               </a:avLst>
             </a:prstGeom>
             <a:solidFill>
@@ -7832,12 +7824,12 @@
             </a:ln>
           </p:spPr>
           <p:txBody>
-            <a:bodyPr anchorCtr="0" anchor="ctr" bIns="91425" lIns="91425" spcFirstLastPara="1" rIns="91425" wrap="square" tIns="91425">
+            <a:bodyPr spcFirstLastPara="1" wrap="square" lIns="91425" tIns="91425" rIns="91425" bIns="91425" anchor="ctr" anchorCtr="0">
               <a:noAutofit/>
             </a:bodyPr>
             <a:lstStyle/>
             <a:p>
-              <a:pPr indent="0" lvl="0" marL="0" rtl="0" algn="l">
+              <a:pPr marL="0" lvl="0" indent="0" algn="l" rtl="0">
                 <a:spcBef>
                   <a:spcPts val="0"/>
                 </a:spcBef>
@@ -7846,9 +7838,6 @@
                 </a:spcAft>
                 <a:buNone/>
               </a:pPr>
-              <a:r>
-                <a:t/>
-              </a:r>
               <a:endParaRPr/>
             </a:p>
           </p:txBody>
@@ -7866,7 +7855,7 @@
             </a:xfrm>
             <a:prstGeom prst="diagStripe">
               <a:avLst>
-                <a:gd fmla="val 50000" name="adj"/>
+                <a:gd name="adj" fmla="val 50000"/>
               </a:avLst>
             </a:prstGeom>
             <a:solidFill>
@@ -7879,12 +7868,12 @@
             </a:ln>
           </p:spPr>
           <p:txBody>
-            <a:bodyPr anchorCtr="0" anchor="ctr" bIns="91425" lIns="91425" spcFirstLastPara="1" rIns="91425" wrap="square" tIns="91425">
+            <a:bodyPr spcFirstLastPara="1" wrap="square" lIns="91425" tIns="91425" rIns="91425" bIns="91425" anchor="ctr" anchorCtr="0">
               <a:noAutofit/>
             </a:bodyPr>
             <a:lstStyle/>
             <a:p>
-              <a:pPr indent="0" lvl="0" marL="0" rtl="0" algn="l">
+              <a:pPr marL="0" lvl="0" indent="0" algn="l" rtl="0">
                 <a:spcBef>
                   <a:spcPts val="0"/>
                 </a:spcBef>
@@ -7893,9 +7882,6 @@
                 </a:spcAft>
                 <a:buNone/>
               </a:pPr>
-              <a:r>
-                <a:t/>
-              </a:r>
               <a:endParaRPr/>
             </a:p>
           </p:txBody>
@@ -7913,7 +7899,7 @@
             </a:xfrm>
             <a:prstGeom prst="diagStripe">
               <a:avLst>
-                <a:gd fmla="val 50000" name="adj"/>
+                <a:gd name="adj" fmla="val 50000"/>
               </a:avLst>
             </a:prstGeom>
             <a:solidFill>
@@ -7924,12 +7910,12 @@
             </a:ln>
           </p:spPr>
           <p:txBody>
-            <a:bodyPr anchorCtr="0" anchor="ctr" bIns="91425" lIns="91425" spcFirstLastPara="1" rIns="91425" wrap="square" tIns="91425">
+            <a:bodyPr spcFirstLastPara="1" wrap="square" lIns="91425" tIns="91425" rIns="91425" bIns="91425" anchor="ctr" anchorCtr="0">
               <a:noAutofit/>
             </a:bodyPr>
             <a:lstStyle/>
             <a:p>
-              <a:pPr indent="0" lvl="0" marL="0" rtl="0" algn="l">
+              <a:pPr marL="0" lvl="0" indent="0" algn="l" rtl="0">
                 <a:spcBef>
                   <a:spcPts val="0"/>
                 </a:spcBef>
@@ -7938,9 +7924,6 @@
                 </a:spcAft>
                 <a:buNone/>
               </a:pPr>
-              <a:r>
-                <a:t/>
-              </a:r>
               <a:endParaRPr/>
             </a:p>
           </p:txBody>
@@ -7958,7 +7941,7 @@
             </a:xfrm>
             <a:prstGeom prst="diagStripe">
               <a:avLst>
-                <a:gd fmla="val 50000" name="adj"/>
+                <a:gd name="adj" fmla="val 50000"/>
               </a:avLst>
             </a:prstGeom>
             <a:solidFill>
@@ -7971,12 +7954,12 @@
             </a:ln>
           </p:spPr>
           <p:txBody>
-            <a:bodyPr anchorCtr="0" anchor="ctr" bIns="91425" lIns="91425" spcFirstLastPara="1" rIns="91425" wrap="square" tIns="91425">
+            <a:bodyPr spcFirstLastPara="1" wrap="square" lIns="91425" tIns="91425" rIns="91425" bIns="91425" anchor="ctr" anchorCtr="0">
               <a:noAutofit/>
             </a:bodyPr>
             <a:lstStyle/>
             <a:p>
-              <a:pPr indent="0" lvl="0" marL="0" rtl="0" algn="l">
+              <a:pPr marL="0" lvl="0" indent="0" algn="l" rtl="0">
                 <a:spcBef>
                   <a:spcPts val="0"/>
                 </a:spcBef>
@@ -7985,9 +7968,6 @@
                 </a:spcAft>
                 <a:buNone/>
               </a:pPr>
-              <a:r>
-                <a:t/>
-              </a:r>
               <a:endParaRPr/>
             </a:p>
           </p:txBody>
@@ -8005,7 +7985,7 @@
             </a:xfrm>
             <a:prstGeom prst="diagStripe">
               <a:avLst>
-                <a:gd fmla="val 50000" name="adj"/>
+                <a:gd name="adj" fmla="val 50000"/>
               </a:avLst>
             </a:prstGeom>
             <a:solidFill>
@@ -8018,12 +7998,12 @@
             </a:ln>
           </p:spPr>
           <p:txBody>
-            <a:bodyPr anchorCtr="0" anchor="ctr" bIns="91425" lIns="91425" spcFirstLastPara="1" rIns="91425" wrap="square" tIns="91425">
+            <a:bodyPr spcFirstLastPara="1" wrap="square" lIns="91425" tIns="91425" rIns="91425" bIns="91425" anchor="ctr" anchorCtr="0">
               <a:noAutofit/>
             </a:bodyPr>
             <a:lstStyle/>
             <a:p>
-              <a:pPr indent="0" lvl="0" marL="0" rtl="0" algn="l">
+              <a:pPr marL="0" lvl="0" indent="0" algn="l" rtl="0">
                 <a:spcBef>
                   <a:spcPts val="0"/>
                 </a:spcBef>
@@ -8032,9 +8012,6 @@
                 </a:spcAft>
                 <a:buNone/>
               </a:pPr>
-              <a:r>
-                <a:t/>
-              </a:r>
               <a:endParaRPr/>
             </a:p>
           </p:txBody>
@@ -8052,7 +8029,7 @@
             </a:xfrm>
             <a:prstGeom prst="diagStripe">
               <a:avLst>
-                <a:gd fmla="val 50000" name="adj"/>
+                <a:gd name="adj" fmla="val 50000"/>
               </a:avLst>
             </a:prstGeom>
             <a:solidFill>
@@ -8065,12 +8042,12 @@
             </a:ln>
           </p:spPr>
           <p:txBody>
-            <a:bodyPr anchorCtr="0" anchor="ctr" bIns="91425" lIns="91425" spcFirstLastPara="1" rIns="91425" wrap="square" tIns="91425">
+            <a:bodyPr spcFirstLastPara="1" wrap="square" lIns="91425" tIns="91425" rIns="91425" bIns="91425" anchor="ctr" anchorCtr="0">
               <a:noAutofit/>
             </a:bodyPr>
             <a:lstStyle/>
             <a:p>
-              <a:pPr indent="0" lvl="0" marL="0" rtl="0" algn="l">
+              <a:pPr marL="0" lvl="0" indent="0" algn="l" rtl="0">
                 <a:spcBef>
                   <a:spcPts val="0"/>
                 </a:spcBef>
@@ -8079,9 +8056,6 @@
                 </a:spcAft>
                 <a:buNone/>
               </a:pPr>
-              <a:r>
-                <a:t/>
-              </a:r>
               <a:endParaRPr/>
             </a:p>
           </p:txBody>
@@ -8099,7 +8073,7 @@
             </a:xfrm>
             <a:prstGeom prst="diagStripe">
               <a:avLst>
-                <a:gd fmla="val 50000" name="adj"/>
+                <a:gd name="adj" fmla="val 50000"/>
               </a:avLst>
             </a:prstGeom>
             <a:solidFill>
@@ -8112,12 +8086,12 @@
             </a:ln>
           </p:spPr>
           <p:txBody>
-            <a:bodyPr anchorCtr="0" anchor="ctr" bIns="91425" lIns="91425" spcFirstLastPara="1" rIns="91425" wrap="square" tIns="91425">
+            <a:bodyPr spcFirstLastPara="1" wrap="square" lIns="91425" tIns="91425" rIns="91425" bIns="91425" anchor="ctr" anchorCtr="0">
               <a:noAutofit/>
             </a:bodyPr>
             <a:lstStyle/>
             <a:p>
-              <a:pPr indent="0" lvl="0" marL="0" rtl="0" algn="l">
+              <a:pPr marL="0" lvl="0" indent="0" algn="l" rtl="0">
                 <a:spcBef>
                   <a:spcPts val="0"/>
                 </a:spcBef>
@@ -8126,9 +8100,6 @@
                 </a:spcAft>
                 <a:buNone/>
               </a:pPr>
-              <a:r>
-                <a:t/>
-              </a:r>
               <a:endParaRPr/>
             </a:p>
           </p:txBody>
@@ -8137,7 +8108,9 @@
       <p:sp>
         <p:nvSpPr>
           <p:cNvPr id="89" name="Google Shape;89;p8"/>
-          <p:cNvSpPr txBox="1"/>
+          <p:cNvSpPr txBox="1">
+            <a:spLocks noGrp="1"/>
+          </p:cNvSpPr>
           <p:nvPr>
             <p:ph type="title"/>
           </p:nvPr>
@@ -8152,7 +8125,7 @@
           </a:prstGeom>
         </p:spPr>
         <p:txBody>
-          <a:bodyPr anchorCtr="0" anchor="ctr" bIns="91425" lIns="91425" spcFirstLastPara="1" rIns="91425" wrap="square" tIns="91425">
+          <a:bodyPr spcFirstLastPara="1" wrap="square" lIns="91425" tIns="91425" rIns="91425" bIns="91425" anchor="ctr" anchorCtr="0">
             <a:normAutofit/>
           </a:bodyPr>
           <a:lstStyle>
@@ -8256,15 +8229,19 @@
               <a:defRPr/>
             </a:lvl9pPr>
           </a:lstStyle>
-          <a:p/>
+          <a:p>
+            <a:endParaRPr/>
+          </a:p>
         </p:txBody>
       </p:sp>
       <p:sp>
         <p:nvSpPr>
           <p:cNvPr id="90" name="Google Shape;90;p8"/>
-          <p:cNvSpPr txBox="1"/>
+          <p:cNvSpPr txBox="1">
+            <a:spLocks noGrp="1"/>
+          </p:cNvSpPr>
           <p:nvPr>
-            <p:ph idx="12" type="sldNum"/>
+            <p:ph type="sldNum" idx="12"/>
           </p:nvPr>
         </p:nvSpPr>
         <p:spPr>
@@ -8277,7 +8254,7 @@
           </a:prstGeom>
         </p:spPr>
         <p:txBody>
-          <a:bodyPr anchorCtr="0" anchor="ctr" bIns="91425" lIns="91425" spcFirstLastPara="1" rIns="91425" wrap="square" tIns="91425">
+          <a:bodyPr spcFirstLastPara="1" wrap="square" lIns="91425" tIns="91425" rIns="91425" bIns="91425" anchor="ctr" anchorCtr="0">
             <a:normAutofit/>
           </a:bodyPr>
           <a:lstStyle>
@@ -8319,7 +8296,7 @@
             </a:lvl9pPr>
           </a:lstStyle>
           <a:p>
-            <a:pPr indent="0" lvl="0" marL="0" rtl="0" algn="r">
+            <a:pPr marL="0" lvl="0" indent="0" algn="r" rtl="0">
               <a:spcBef>
                 <a:spcPts val="0"/>
               </a:spcBef>
@@ -8345,11 +8322,11 @@
 </file>
 
 <file path=ppt/slideLayouts/slideLayout8.xml><?xml version="1.0" encoding="utf-8"?>
-<p:sldLayout xmlns:a="http://schemas.openxmlformats.org/drawingml/2006/main" xmlns:r="http://schemas.openxmlformats.org/officeDocument/2006/relationships" xmlns:mc="http://schemas.openxmlformats.org/markup-compatibility/2006" xmlns:mv="urn:schemas-microsoft-com:mac:vml" xmlns:p="http://schemas.openxmlformats.org/presentationml/2006/main" xmlns:c="http://schemas.openxmlformats.org/drawingml/2006/chart" xmlns:dgm="http://schemas.openxmlformats.org/drawingml/2006/diagram" xmlns:o="urn:schemas-microsoft-com:office:office" xmlns:v="urn:schemas-microsoft-com:vml" xmlns:pvml="urn:schemas-microsoft-com:office:powerpoint" xmlns:com="http://schemas.openxmlformats.org/drawingml/2006/compatibility" xmlns:p14="http://schemas.microsoft.com/office/powerpoint/2010/main" xmlns:p15="http://schemas.microsoft.com/office/powerpoint/2012/main" xmlns:ahyp="http://schemas.microsoft.com/office/drawing/2018/hyperlinkcolor" matchingName="Section title and description">
+<p:sldLayout xmlns:a="http://schemas.openxmlformats.org/drawingml/2006/main" xmlns:r="http://schemas.openxmlformats.org/officeDocument/2006/relationships" xmlns:p="http://schemas.openxmlformats.org/presentationml/2006/main" matchingName="Section title and description">
   <p:cSld name="SECTION_TITLE_AND_DESCRIPTION">
     <p:spTree>
       <p:nvGrpSpPr>
-        <p:cNvPr id="91" name="Shape 91"/>
+        <p:cNvPr id="1" name="Shape 91"/>
         <p:cNvGrpSpPr/>
         <p:nvPr/>
       </p:nvGrpSpPr>
@@ -8388,7 +8365,7 @@
             </a:xfrm>
             <a:prstGeom prst="diagStripe">
               <a:avLst>
-                <a:gd fmla="val 50000" name="adj"/>
+                <a:gd name="adj" fmla="val 50000"/>
               </a:avLst>
             </a:prstGeom>
             <a:solidFill>
@@ -8399,12 +8376,12 @@
             </a:ln>
           </p:spPr>
           <p:txBody>
-            <a:bodyPr anchorCtr="0" anchor="ctr" bIns="91425" lIns="91425" spcFirstLastPara="1" rIns="91425" wrap="square" tIns="91425">
+            <a:bodyPr spcFirstLastPara="1" wrap="square" lIns="91425" tIns="91425" rIns="91425" bIns="91425" anchor="ctr" anchorCtr="0">
               <a:noAutofit/>
             </a:bodyPr>
             <a:lstStyle/>
             <a:p>
-              <a:pPr indent="0" lvl="0" marL="0" rtl="0" algn="l">
+              <a:pPr marL="0" lvl="0" indent="0" algn="l" rtl="0">
                 <a:spcBef>
                   <a:spcPts val="0"/>
                 </a:spcBef>
@@ -8413,9 +8390,6 @@
                 </a:spcAft>
                 <a:buNone/>
               </a:pPr>
-              <a:r>
-                <a:t/>
-              </a:r>
               <a:endParaRPr/>
             </a:p>
           </p:txBody>
@@ -8433,7 +8407,7 @@
             </a:xfrm>
             <a:prstGeom prst="diagStripe">
               <a:avLst>
-                <a:gd fmla="val 50000" name="adj"/>
+                <a:gd name="adj" fmla="val 50000"/>
               </a:avLst>
             </a:prstGeom>
             <a:solidFill>
@@ -8444,12 +8418,12 @@
             </a:ln>
           </p:spPr>
           <p:txBody>
-            <a:bodyPr anchorCtr="0" anchor="ctr" bIns="91425" lIns="91425" spcFirstLastPara="1" rIns="91425" wrap="square" tIns="91425">
+            <a:bodyPr spcFirstLastPara="1" wrap="square" lIns="91425" tIns="91425" rIns="91425" bIns="91425" anchor="ctr" anchorCtr="0">
               <a:noAutofit/>
             </a:bodyPr>
             <a:lstStyle/>
             <a:p>
-              <a:pPr indent="0" lvl="0" marL="0" rtl="0" algn="l">
+              <a:pPr marL="0" lvl="0" indent="0" algn="l" rtl="0">
                 <a:spcBef>
                   <a:spcPts val="0"/>
                 </a:spcBef>
@@ -8458,9 +8432,6 @@
                 </a:spcAft>
                 <a:buNone/>
               </a:pPr>
-              <a:r>
-                <a:t/>
-              </a:r>
               <a:endParaRPr/>
             </a:p>
           </p:txBody>
@@ -8469,7 +8440,9 @@
       <p:sp>
         <p:nvSpPr>
           <p:cNvPr id="95" name="Google Shape;95;p9"/>
-          <p:cNvSpPr txBox="1"/>
+          <p:cNvSpPr txBox="1">
+            <a:spLocks noGrp="1"/>
+          </p:cNvSpPr>
           <p:nvPr>
             <p:ph type="title"/>
           </p:nvPr>
@@ -8484,7 +8457,7 @@
           </a:prstGeom>
         </p:spPr>
         <p:txBody>
-          <a:bodyPr anchorCtr="0" anchor="t" bIns="91425" lIns="91425" spcFirstLastPara="1" rIns="91425" wrap="square" tIns="91425">
+          <a:bodyPr spcFirstLastPara="1" wrap="square" lIns="91425" tIns="91425" rIns="91425" bIns="91425" anchor="t" anchorCtr="0">
             <a:normAutofit/>
           </a:bodyPr>
           <a:lstStyle>
@@ -8588,15 +8561,19 @@
               <a:defRPr sz="2400"/>
             </a:lvl9pPr>
           </a:lstStyle>
-          <a:p/>
+          <a:p>
+            <a:endParaRPr/>
+          </a:p>
         </p:txBody>
       </p:sp>
       <p:sp>
         <p:nvSpPr>
           <p:cNvPr id="96" name="Google Shape;96;p9"/>
-          <p:cNvSpPr txBox="1"/>
+          <p:cNvSpPr txBox="1">
+            <a:spLocks noGrp="1"/>
+          </p:cNvSpPr>
           <p:nvPr>
-            <p:ph idx="1" type="subTitle"/>
+            <p:ph type="subTitle" idx="1"/>
           </p:nvPr>
         </p:nvSpPr>
         <p:spPr>
@@ -8609,7 +8586,7 @@
           </a:prstGeom>
         </p:spPr>
         <p:txBody>
-          <a:bodyPr anchorCtr="0" anchor="t" bIns="91425" lIns="91425" spcFirstLastPara="1" rIns="91425" wrap="square" tIns="91425">
+          <a:bodyPr spcFirstLastPara="1" wrap="square" lIns="91425" tIns="91425" rIns="91425" bIns="91425" anchor="t" anchorCtr="0">
             <a:normAutofit/>
           </a:bodyPr>
           <a:lstStyle>
@@ -8740,15 +8717,19 @@
               <a:defRPr sz="1300"/>
             </a:lvl9pPr>
           </a:lstStyle>
-          <a:p/>
+          <a:p>
+            <a:endParaRPr/>
+          </a:p>
         </p:txBody>
       </p:sp>
       <p:sp>
         <p:nvSpPr>
           <p:cNvPr id="97" name="Google Shape;97;p9"/>
-          <p:cNvSpPr txBox="1"/>
+          <p:cNvSpPr txBox="1">
+            <a:spLocks noGrp="1"/>
+          </p:cNvSpPr>
           <p:nvPr>
-            <p:ph idx="2" type="body"/>
+            <p:ph type="body" idx="2"/>
           </p:nvPr>
         </p:nvSpPr>
         <p:spPr>
@@ -8761,11 +8742,11 @@
           </a:prstGeom>
         </p:spPr>
         <p:txBody>
-          <a:bodyPr anchorCtr="0" anchor="t" bIns="91425" lIns="91425" spcFirstLastPara="1" rIns="91425" wrap="square" tIns="91425">
+          <a:bodyPr spcFirstLastPara="1" wrap="square" lIns="91425" tIns="91425" rIns="91425" bIns="91425" anchor="t" anchorCtr="0">
             <a:normAutofit/>
           </a:bodyPr>
           <a:lstStyle>
-            <a:lvl1pPr indent="-311150" lvl="0" marL="457200">
+            <a:lvl1pPr marL="457200" lvl="0" indent="-311150">
               <a:spcBef>
                 <a:spcPts val="0"/>
               </a:spcBef>
@@ -8776,7 +8757,7 @@
               <a:buChar char="●"/>
               <a:defRPr/>
             </a:lvl1pPr>
-            <a:lvl2pPr indent="-298450" lvl="1" marL="914400">
+            <a:lvl2pPr marL="914400" lvl="1" indent="-298450">
               <a:spcBef>
                 <a:spcPts val="0"/>
               </a:spcBef>
@@ -8787,7 +8768,7 @@
               <a:buChar char="○"/>
               <a:defRPr/>
             </a:lvl2pPr>
-            <a:lvl3pPr indent="-298450" lvl="2" marL="1371600">
+            <a:lvl3pPr marL="1371600" lvl="2" indent="-298450">
               <a:spcBef>
                 <a:spcPts val="0"/>
               </a:spcBef>
@@ -8798,7 +8779,7 @@
               <a:buChar char="■"/>
               <a:defRPr/>
             </a:lvl3pPr>
-            <a:lvl4pPr indent="-298450" lvl="3" marL="1828800">
+            <a:lvl4pPr marL="1828800" lvl="3" indent="-298450">
               <a:spcBef>
                 <a:spcPts val="0"/>
               </a:spcBef>
@@ -8809,7 +8790,7 @@
               <a:buChar char="●"/>
               <a:defRPr/>
             </a:lvl4pPr>
-            <a:lvl5pPr indent="-298450" lvl="4" marL="2286000">
+            <a:lvl5pPr marL="2286000" lvl="4" indent="-298450">
               <a:spcBef>
                 <a:spcPts val="0"/>
               </a:spcBef>
@@ -8820,7 +8801,7 @@
               <a:buChar char="○"/>
               <a:defRPr/>
             </a:lvl5pPr>
-            <a:lvl6pPr indent="-298450" lvl="5" marL="2743200">
+            <a:lvl6pPr marL="2743200" lvl="5" indent="-298450">
               <a:spcBef>
                 <a:spcPts val="0"/>
               </a:spcBef>
@@ -8831,7 +8812,7 @@
               <a:buChar char="■"/>
               <a:defRPr/>
             </a:lvl6pPr>
-            <a:lvl7pPr indent="-298450" lvl="6" marL="3200400">
+            <a:lvl7pPr marL="3200400" lvl="6" indent="-298450">
               <a:spcBef>
                 <a:spcPts val="0"/>
               </a:spcBef>
@@ -8842,7 +8823,7 @@
               <a:buChar char="●"/>
               <a:defRPr/>
             </a:lvl7pPr>
-            <a:lvl8pPr indent="-298450" lvl="7" marL="3657600">
+            <a:lvl8pPr marL="3657600" lvl="7" indent="-298450">
               <a:spcBef>
                 <a:spcPts val="0"/>
               </a:spcBef>
@@ -8853,7 +8834,7 @@
               <a:buChar char="○"/>
               <a:defRPr/>
             </a:lvl8pPr>
-            <a:lvl9pPr indent="-298450" lvl="8" marL="4114800">
+            <a:lvl9pPr marL="4114800" lvl="8" indent="-298450">
               <a:spcBef>
                 <a:spcPts val="0"/>
               </a:spcBef>
@@ -8865,15 +8846,19 @@
               <a:defRPr/>
             </a:lvl9pPr>
           </a:lstStyle>
-          <a:p/>
+          <a:p>
+            <a:endParaRPr/>
+          </a:p>
         </p:txBody>
       </p:sp>
       <p:sp>
         <p:nvSpPr>
           <p:cNvPr id="98" name="Google Shape;98;p9"/>
-          <p:cNvSpPr txBox="1"/>
+          <p:cNvSpPr txBox="1">
+            <a:spLocks noGrp="1"/>
+          </p:cNvSpPr>
           <p:nvPr>
-            <p:ph idx="12" type="sldNum"/>
+            <p:ph type="sldNum" idx="12"/>
           </p:nvPr>
         </p:nvSpPr>
         <p:spPr>
@@ -8886,7 +8871,7 @@
           </a:prstGeom>
         </p:spPr>
         <p:txBody>
-          <a:bodyPr anchorCtr="0" anchor="ctr" bIns="91425" lIns="91425" spcFirstLastPara="1" rIns="91425" wrap="square" tIns="91425">
+          <a:bodyPr spcFirstLastPara="1" wrap="square" lIns="91425" tIns="91425" rIns="91425" bIns="91425" anchor="ctr" anchorCtr="0">
             <a:normAutofit/>
           </a:bodyPr>
           <a:lstStyle>
@@ -8928,7 +8913,7 @@
             </a:lvl9pPr>
           </a:lstStyle>
           <a:p>
-            <a:pPr indent="0" lvl="0" marL="0" rtl="0" algn="r">
+            <a:pPr marL="0" lvl="0" indent="0" algn="r" rtl="0">
               <a:spcBef>
                 <a:spcPts val="0"/>
               </a:spcBef>
@@ -8954,11 +8939,11 @@
 </file>
 
 <file path=ppt/slideLayouts/slideLayout9.xml><?xml version="1.0" encoding="utf-8"?>
-<p:sldLayout xmlns:a="http://schemas.openxmlformats.org/drawingml/2006/main" xmlns:r="http://schemas.openxmlformats.org/officeDocument/2006/relationships" xmlns:mc="http://schemas.openxmlformats.org/markup-compatibility/2006" xmlns:mv="urn:schemas-microsoft-com:mac:vml" xmlns:p="http://schemas.openxmlformats.org/presentationml/2006/main" xmlns:c="http://schemas.openxmlformats.org/drawingml/2006/chart" xmlns:dgm="http://schemas.openxmlformats.org/drawingml/2006/diagram" xmlns:o="urn:schemas-microsoft-com:office:office" xmlns:v="urn:schemas-microsoft-com:vml" xmlns:pvml="urn:schemas-microsoft-com:office:powerpoint" xmlns:com="http://schemas.openxmlformats.org/drawingml/2006/compatibility" xmlns:p14="http://schemas.microsoft.com/office/powerpoint/2010/main" xmlns:p15="http://schemas.microsoft.com/office/powerpoint/2012/main" xmlns:ahyp="http://schemas.microsoft.com/office/drawing/2018/hyperlinkcolor" matchingName="Caption">
+<p:sldLayout xmlns:a="http://schemas.openxmlformats.org/drawingml/2006/main" xmlns:r="http://schemas.openxmlformats.org/officeDocument/2006/relationships" xmlns:p="http://schemas.openxmlformats.org/presentationml/2006/main" matchingName="Caption">
   <p:cSld name="CAPTION_ONLY">
     <p:spTree>
       <p:nvGrpSpPr>
-        <p:cNvPr id="99" name="Shape 99"/>
+        <p:cNvPr id="1" name="Shape 99"/>
         <p:cNvGrpSpPr/>
         <p:nvPr/>
       </p:nvGrpSpPr>
@@ -8997,7 +8982,7 @@
             </a:xfrm>
             <a:prstGeom prst="diagStripe">
               <a:avLst>
-                <a:gd fmla="val 50000" name="adj"/>
+                <a:gd name="adj" fmla="val 50000"/>
               </a:avLst>
             </a:prstGeom>
             <a:solidFill>
@@ -9010,12 +8995,12 @@
             </a:ln>
           </p:spPr>
           <p:txBody>
-            <a:bodyPr anchorCtr="0" anchor="ctr" bIns="91425" lIns="91425" spcFirstLastPara="1" rIns="91425" wrap="square" tIns="91425">
+            <a:bodyPr spcFirstLastPara="1" wrap="square" lIns="91425" tIns="91425" rIns="91425" bIns="91425" anchor="ctr" anchorCtr="0">
               <a:noAutofit/>
             </a:bodyPr>
             <a:lstStyle/>
             <a:p>
-              <a:pPr indent="0" lvl="0" marL="0" rtl="0" algn="l">
+              <a:pPr marL="0" lvl="0" indent="0" algn="l" rtl="0">
                 <a:spcBef>
                   <a:spcPts val="0"/>
                 </a:spcBef>
@@ -9024,9 +9009,6 @@
                 </a:spcAft>
                 <a:buNone/>
               </a:pPr>
-              <a:r>
-                <a:t/>
-              </a:r>
               <a:endParaRPr/>
             </a:p>
           </p:txBody>
@@ -9044,7 +9026,7 @@
             </a:xfrm>
             <a:prstGeom prst="diagStripe">
               <a:avLst>
-                <a:gd fmla="val 50000" name="adj"/>
+                <a:gd name="adj" fmla="val 50000"/>
               </a:avLst>
             </a:prstGeom>
             <a:solidFill>
@@ -9057,12 +9039,12 @@
             </a:ln>
           </p:spPr>
           <p:txBody>
-            <a:bodyPr anchorCtr="0" anchor="ctr" bIns="91425" lIns="91425" spcFirstLastPara="1" rIns="91425" wrap="square" tIns="91425">
+            <a:bodyPr spcFirstLastPara="1" wrap="square" lIns="91425" tIns="91425" rIns="91425" bIns="91425" anchor="ctr" anchorCtr="0">
               <a:noAutofit/>
             </a:bodyPr>
             <a:lstStyle/>
             <a:p>
-              <a:pPr indent="0" lvl="0" marL="0" rtl="0" algn="l">
+              <a:pPr marL="0" lvl="0" indent="0" algn="l" rtl="0">
                 <a:spcBef>
                   <a:spcPts val="0"/>
                 </a:spcBef>
@@ -9071,9 +9053,6 @@
                 </a:spcAft>
                 <a:buNone/>
               </a:pPr>
-              <a:r>
-                <a:t/>
-              </a:r>
               <a:endParaRPr/>
             </a:p>
           </p:txBody>
@@ -9082,9 +9061,11 @@
       <p:sp>
         <p:nvSpPr>
           <p:cNvPr id="103" name="Google Shape;103;p10"/>
-          <p:cNvSpPr txBox="1"/>
+          <p:cNvSpPr txBox="1">
+            <a:spLocks noGrp="1"/>
+          </p:cNvSpPr>
           <p:nvPr>
-            <p:ph idx="1" type="body"/>
+            <p:ph type="body" idx="1"/>
           </p:nvPr>
         </p:nvSpPr>
         <p:spPr>
@@ -9097,11 +9078,11 @@
           </a:prstGeom>
         </p:spPr>
         <p:txBody>
-          <a:bodyPr anchorCtr="0" anchor="ctr" bIns="91425" lIns="91425" spcFirstLastPara="1" rIns="91425" wrap="square" tIns="91425">
+          <a:bodyPr spcFirstLastPara="1" wrap="square" lIns="91425" tIns="91425" rIns="91425" bIns="91425" anchor="ctr" anchorCtr="0">
             <a:normAutofit/>
           </a:bodyPr>
           <a:lstStyle>
-            <a:lvl1pPr indent="-228600" lvl="0" marL="457200">
+            <a:lvl1pPr marL="457200" lvl="0" indent="-228600">
               <a:lnSpc>
                 <a:spcPct val="100000"/>
               </a:lnSpc>
@@ -9116,15 +9097,19 @@
               <a:defRPr/>
             </a:lvl1pPr>
           </a:lstStyle>
-          <a:p/>
+          <a:p>
+            <a:endParaRPr/>
+          </a:p>
         </p:txBody>
       </p:sp>
       <p:sp>
         <p:nvSpPr>
           <p:cNvPr id="104" name="Google Shape;104;p10"/>
-          <p:cNvSpPr txBox="1"/>
+          <p:cNvSpPr txBox="1">
+            <a:spLocks noGrp="1"/>
+          </p:cNvSpPr>
           <p:nvPr>
-            <p:ph idx="12" type="sldNum"/>
+            <p:ph type="sldNum" idx="12"/>
           </p:nvPr>
         </p:nvSpPr>
         <p:spPr>
@@ -9137,7 +9122,7 @@
           </a:prstGeom>
         </p:spPr>
         <p:txBody>
-          <a:bodyPr anchorCtr="0" anchor="ctr" bIns="91425" lIns="91425" spcFirstLastPara="1" rIns="91425" wrap="square" tIns="91425">
+          <a:bodyPr spcFirstLastPara="1" wrap="square" lIns="91425" tIns="91425" rIns="91425" bIns="91425" anchor="ctr" anchorCtr="0">
             <a:normAutofit/>
           </a:bodyPr>
           <a:lstStyle>
@@ -9179,7 +9164,7 @@
             </a:lvl9pPr>
           </a:lstStyle>
           <a:p>
-            <a:pPr indent="0" lvl="0" marL="0" rtl="0" algn="r">
+            <a:pPr marL="0" lvl="0" indent="0" algn="r" rtl="0">
               <a:spcBef>
                 <a:spcPts val="0"/>
               </a:spcBef>
@@ -9205,18 +9190,19 @@
 </file>
 
 <file path=ppt/slideMasters/slideMaster1.xml><?xml version="1.0" encoding="utf-8"?>
-<p:sldMaster xmlns:a="http://schemas.openxmlformats.org/drawingml/2006/main" xmlns:r="http://schemas.openxmlformats.org/officeDocument/2006/relationships" xmlns:mc="http://schemas.openxmlformats.org/markup-compatibility/2006" xmlns:mv="urn:schemas-microsoft-com:mac:vml" xmlns:p="http://schemas.openxmlformats.org/presentationml/2006/main" xmlns:c="http://schemas.openxmlformats.org/drawingml/2006/chart" xmlns:dgm="http://schemas.openxmlformats.org/drawingml/2006/diagram" xmlns:o="urn:schemas-microsoft-com:office:office" xmlns:v="urn:schemas-microsoft-com:vml" xmlns:pvml="urn:schemas-microsoft-com:office:powerpoint" xmlns:com="http://schemas.openxmlformats.org/drawingml/2006/compatibility" xmlns:p14="http://schemas.microsoft.com/office/powerpoint/2010/main" xmlns:p15="http://schemas.microsoft.com/office/powerpoint/2012/main" xmlns:ahyp="http://schemas.microsoft.com/office/drawing/2018/hyperlinkcolor">
+<p:sldMaster xmlns:a="http://schemas.openxmlformats.org/drawingml/2006/main" xmlns:r="http://schemas.openxmlformats.org/officeDocument/2006/relationships" xmlns:p="http://schemas.openxmlformats.org/presentationml/2006/main">
   <p:cSld name="focus">
     <p:bg>
       <p:bgPr>
         <a:solidFill>
           <a:schemeClr val="dk1"/>
         </a:solidFill>
+        <a:effectLst/>
       </p:bgPr>
     </p:bg>
     <p:spTree>
       <p:nvGrpSpPr>
-        <p:cNvPr id="5" name="Shape 5"/>
+        <p:cNvPr id="1" name="Shape 5"/>
         <p:cNvGrpSpPr/>
         <p:nvPr/>
       </p:nvGrpSpPr>
@@ -9231,7 +9217,9 @@
       <p:sp>
         <p:nvSpPr>
           <p:cNvPr id="6" name="Google Shape;6;p1"/>
-          <p:cNvSpPr txBox="1"/>
+          <p:cNvSpPr txBox="1">
+            <a:spLocks noGrp="1"/>
+          </p:cNvSpPr>
           <p:nvPr>
             <p:ph type="title"/>
           </p:nvPr>
@@ -9250,7 +9238,7 @@
           </a:ln>
         </p:spPr>
         <p:txBody>
-          <a:bodyPr anchorCtr="0" anchor="t" bIns="91425" lIns="91425" spcFirstLastPara="1" rIns="91425" wrap="square" tIns="91425">
+          <a:bodyPr spcFirstLastPara="1" wrap="square" lIns="91425" tIns="91425" rIns="91425" bIns="91425" anchor="t" anchorCtr="0">
             <a:normAutofit/>
           </a:bodyPr>
           <a:lstStyle>
@@ -9462,15 +9450,19 @@
               </a:defRPr>
             </a:lvl9pPr>
           </a:lstStyle>
-          <a:p/>
+          <a:p>
+            <a:endParaRPr/>
+          </a:p>
         </p:txBody>
       </p:sp>
       <p:sp>
         <p:nvSpPr>
           <p:cNvPr id="7" name="Google Shape;7;p1"/>
-          <p:cNvSpPr txBox="1"/>
+          <p:cNvSpPr txBox="1">
+            <a:spLocks noGrp="1"/>
+          </p:cNvSpPr>
           <p:nvPr>
-            <p:ph idx="1" type="body"/>
+            <p:ph type="body" idx="1"/>
           </p:nvPr>
         </p:nvSpPr>
         <p:spPr>
@@ -9487,11 +9479,11 @@
           </a:ln>
         </p:spPr>
         <p:txBody>
-          <a:bodyPr anchorCtr="0" anchor="t" bIns="91425" lIns="91425" spcFirstLastPara="1" rIns="91425" wrap="square" tIns="91425">
+          <a:bodyPr spcFirstLastPara="1" wrap="square" lIns="91425" tIns="91425" rIns="91425" bIns="91425" anchor="t" anchorCtr="0">
             <a:normAutofit/>
           </a:bodyPr>
           <a:lstStyle>
-            <a:lvl1pPr indent="-311150" lvl="0" marL="457200">
+            <a:lvl1pPr marL="457200" lvl="0" indent="-311150">
               <a:lnSpc>
                 <a:spcPct val="115000"/>
               </a:lnSpc>
@@ -9517,7 +9509,7 @@
                 <a:sym typeface="Lato"/>
               </a:defRPr>
             </a:lvl1pPr>
-            <a:lvl2pPr indent="-298450" lvl="1" marL="914400">
+            <a:lvl2pPr marL="914400" lvl="1" indent="-298450">
               <a:lnSpc>
                 <a:spcPct val="115000"/>
               </a:lnSpc>
@@ -9543,7 +9535,7 @@
                 <a:sym typeface="Lato"/>
               </a:defRPr>
             </a:lvl2pPr>
-            <a:lvl3pPr indent="-298450" lvl="2" marL="1371600">
+            <a:lvl3pPr marL="1371600" lvl="2" indent="-298450">
               <a:lnSpc>
                 <a:spcPct val="115000"/>
               </a:lnSpc>
@@ -9569,7 +9561,7 @@
                 <a:sym typeface="Lato"/>
               </a:defRPr>
             </a:lvl3pPr>
-            <a:lvl4pPr indent="-298450" lvl="3" marL="1828800">
+            <a:lvl4pPr marL="1828800" lvl="3" indent="-298450">
               <a:lnSpc>
                 <a:spcPct val="115000"/>
               </a:lnSpc>
@@ -9595,7 +9587,7 @@
                 <a:sym typeface="Lato"/>
               </a:defRPr>
             </a:lvl4pPr>
-            <a:lvl5pPr indent="-298450" lvl="4" marL="2286000">
+            <a:lvl5pPr marL="2286000" lvl="4" indent="-298450">
               <a:lnSpc>
                 <a:spcPct val="115000"/>
               </a:lnSpc>
@@ -9621,7 +9613,7 @@
                 <a:sym typeface="Lato"/>
               </a:defRPr>
             </a:lvl5pPr>
-            <a:lvl6pPr indent="-298450" lvl="5" marL="2743200">
+            <a:lvl6pPr marL="2743200" lvl="5" indent="-298450">
               <a:lnSpc>
                 <a:spcPct val="115000"/>
               </a:lnSpc>
@@ -9647,7 +9639,7 @@
                 <a:sym typeface="Lato"/>
               </a:defRPr>
             </a:lvl6pPr>
-            <a:lvl7pPr indent="-298450" lvl="6" marL="3200400">
+            <a:lvl7pPr marL="3200400" lvl="6" indent="-298450">
               <a:lnSpc>
                 <a:spcPct val="115000"/>
               </a:lnSpc>
@@ -9673,7 +9665,7 @@
                 <a:sym typeface="Lato"/>
               </a:defRPr>
             </a:lvl7pPr>
-            <a:lvl8pPr indent="-298450" lvl="7" marL="3657600">
+            <a:lvl8pPr marL="3657600" lvl="7" indent="-298450">
               <a:lnSpc>
                 <a:spcPct val="115000"/>
               </a:lnSpc>
@@ -9699,7 +9691,7 @@
                 <a:sym typeface="Lato"/>
               </a:defRPr>
             </a:lvl8pPr>
-            <a:lvl9pPr indent="-298450" lvl="8" marL="4114800">
+            <a:lvl9pPr marL="4114800" lvl="8" indent="-298450">
               <a:lnSpc>
                 <a:spcPct val="115000"/>
               </a:lnSpc>
@@ -9726,15 +9718,19 @@
               </a:defRPr>
             </a:lvl9pPr>
           </a:lstStyle>
-          <a:p/>
+          <a:p>
+            <a:endParaRPr/>
+          </a:p>
         </p:txBody>
       </p:sp>
       <p:sp>
         <p:nvSpPr>
           <p:cNvPr id="8" name="Google Shape;8;p1"/>
-          <p:cNvSpPr txBox="1"/>
+          <p:cNvSpPr txBox="1">
+            <a:spLocks noGrp="1"/>
+          </p:cNvSpPr>
           <p:nvPr>
-            <p:ph idx="12" type="sldNum"/>
+            <p:ph type="sldNum" idx="12"/>
           </p:nvPr>
         </p:nvSpPr>
         <p:spPr>
@@ -9751,7 +9747,7 @@
           </a:ln>
         </p:spPr>
         <p:txBody>
-          <a:bodyPr anchorCtr="0" anchor="ctr" bIns="91425" lIns="91425" spcFirstLastPara="1" rIns="91425" wrap="square" tIns="91425">
+          <a:bodyPr spcFirstLastPara="1" wrap="square" lIns="91425" tIns="91425" rIns="91425" bIns="91425" anchor="ctr" anchorCtr="0">
             <a:normAutofit/>
           </a:bodyPr>
           <a:lstStyle>
@@ -9865,7 +9861,7 @@
             </a:lvl9pPr>
           </a:lstStyle>
           <a:p>
-            <a:pPr indent="0" lvl="0" marL="0" rtl="0" algn="r">
+            <a:pPr marL="0" lvl="0" indent="0" algn="r" rtl="0">
               <a:spcBef>
                 <a:spcPts val="0"/>
               </a:spcBef>
@@ -9884,7 +9880,7 @@
       </p:sp>
     </p:spTree>
   </p:cSld>
-  <p:clrMap accent1="accent1" accent2="accent2" accent3="accent3" accent4="accent4" accent5="accent5" accent6="accent6" bg1="lt1" bg2="dk2" tx1="dk1" tx2="lt2" folHlink="folHlink" hlink="hlink"/>
+  <p:clrMap bg1="lt1" tx1="dk1" bg2="dk2" tx2="lt2" accent1="accent1" accent2="accent2" accent3="accent3" accent4="accent4" accent5="accent5" accent6="accent6" hlink="hlink" folHlink="folHlink"/>
   <p:sldLayoutIdLst>
     <p:sldLayoutId id="2147483648" r:id="rId1"/>
     <p:sldLayoutId id="2147483649" r:id="rId2"/>
@@ -9898,10 +9894,10 @@
     <p:sldLayoutId id="2147483657" r:id="rId10"/>
     <p:sldLayoutId id="2147483658" r:id="rId11"/>
   </p:sldLayoutIdLst>
-  <p:hf dt="0" ftr="0" hdr="0" sldNum="0"/>
+  <p:hf sldNum="0" hdr="0" ftr="0" dt="0"/>
   <p:txStyles>
     <p:titleStyle>
-      <a:defPPr lvl="0" marR="0" rtl="0" algn="l">
+      <a:defPPr marR="0" lvl="0" algn="l" rtl="0">
         <a:lnSpc>
           <a:spcPct val="100000"/>
         </a:lnSpc>
@@ -9912,7 +9908,7 @@
           <a:spcPts val="0"/>
         </a:spcAft>
       </a:defPPr>
-      <a:lvl1pPr lvl="0" marR="0" rtl="0" algn="l">
+      <a:lvl1pPr marR="0" lvl="0" algn="l" rtl="0">
         <a:lnSpc>
           <a:spcPct val="100000"/>
         </a:lnSpc>
@@ -9926,7 +9922,7 @@
           <a:srgbClr val="000000"/>
         </a:buClr>
         <a:buFont typeface="Arial"/>
-        <a:defRPr b="0" i="0" sz="1400" u="none" cap="none" strike="noStrike">
+        <a:defRPr sz="1400" b="0" i="0" u="none" strike="noStrike" cap="none">
           <a:solidFill>
             <a:srgbClr val="000000"/>
           </a:solidFill>
@@ -9936,7 +9932,7 @@
           <a:sym typeface="Arial"/>
         </a:defRPr>
       </a:lvl1pPr>
-      <a:lvl2pPr lvl="1" marR="0" rtl="0" algn="l">
+      <a:lvl2pPr marR="0" lvl="1" algn="l" rtl="0">
         <a:lnSpc>
           <a:spcPct val="100000"/>
         </a:lnSpc>
@@ -9950,7 +9946,7 @@
           <a:srgbClr val="000000"/>
         </a:buClr>
         <a:buFont typeface="Arial"/>
-        <a:defRPr b="0" i="0" sz="1400" u="none" cap="none" strike="noStrike">
+        <a:defRPr sz="1400" b="0" i="0" u="none" strike="noStrike" cap="none">
           <a:solidFill>
             <a:srgbClr val="000000"/>
           </a:solidFill>
@@ -9960,7 +9956,7 @@
           <a:sym typeface="Arial"/>
         </a:defRPr>
       </a:lvl2pPr>
-      <a:lvl3pPr lvl="2" marR="0" rtl="0" algn="l">
+      <a:lvl3pPr marR="0" lvl="2" algn="l" rtl="0">
         <a:lnSpc>
           <a:spcPct val="100000"/>
         </a:lnSpc>
@@ -9974,7 +9970,7 @@
           <a:srgbClr val="000000"/>
         </a:buClr>
         <a:buFont typeface="Arial"/>
-        <a:defRPr b="0" i="0" sz="1400" u="none" cap="none" strike="noStrike">
+        <a:defRPr sz="1400" b="0" i="0" u="none" strike="noStrike" cap="none">
           <a:solidFill>
             <a:srgbClr val="000000"/>
           </a:solidFill>
@@ -9984,7 +9980,7 @@
           <a:sym typeface="Arial"/>
         </a:defRPr>
       </a:lvl3pPr>
-      <a:lvl4pPr lvl="3" marR="0" rtl="0" algn="l">
+      <a:lvl4pPr marR="0" lvl="3" algn="l" rtl="0">
         <a:lnSpc>
           <a:spcPct val="100000"/>
         </a:lnSpc>
@@ -9998,7 +9994,7 @@
           <a:srgbClr val="000000"/>
         </a:buClr>
         <a:buFont typeface="Arial"/>
-        <a:defRPr b="0" i="0" sz="1400" u="none" cap="none" strike="noStrike">
+        <a:defRPr sz="1400" b="0" i="0" u="none" strike="noStrike" cap="none">
           <a:solidFill>
             <a:srgbClr val="000000"/>
           </a:solidFill>
@@ -10008,7 +10004,7 @@
           <a:sym typeface="Arial"/>
         </a:defRPr>
       </a:lvl4pPr>
-      <a:lvl5pPr lvl="4" marR="0" rtl="0" algn="l">
+      <a:lvl5pPr marR="0" lvl="4" algn="l" rtl="0">
         <a:lnSpc>
           <a:spcPct val="100000"/>
         </a:lnSpc>
@@ -10022,7 +10018,7 @@
           <a:srgbClr val="000000"/>
         </a:buClr>
         <a:buFont typeface="Arial"/>
-        <a:defRPr b="0" i="0" sz="1400" u="none" cap="none" strike="noStrike">
+        <a:defRPr sz="1400" b="0" i="0" u="none" strike="noStrike" cap="none">
           <a:solidFill>
             <a:srgbClr val="000000"/>
           </a:solidFill>
@@ -10032,7 +10028,7 @@
           <a:sym typeface="Arial"/>
         </a:defRPr>
       </a:lvl5pPr>
-      <a:lvl6pPr lvl="5" marR="0" rtl="0" algn="l">
+      <a:lvl6pPr marR="0" lvl="5" algn="l" rtl="0">
         <a:lnSpc>
           <a:spcPct val="100000"/>
         </a:lnSpc>
@@ -10046,7 +10042,7 @@
           <a:srgbClr val="000000"/>
         </a:buClr>
         <a:buFont typeface="Arial"/>
-        <a:defRPr b="0" i="0" sz="1400" u="none" cap="none" strike="noStrike">
+        <a:defRPr sz="1400" b="0" i="0" u="none" strike="noStrike" cap="none">
           <a:solidFill>
             <a:srgbClr val="000000"/>
           </a:solidFill>
@@ -10056,7 +10052,7 @@
           <a:sym typeface="Arial"/>
         </a:defRPr>
       </a:lvl6pPr>
-      <a:lvl7pPr lvl="6" marR="0" rtl="0" algn="l">
+      <a:lvl7pPr marR="0" lvl="6" algn="l" rtl="0">
         <a:lnSpc>
           <a:spcPct val="100000"/>
         </a:lnSpc>
@@ -10070,7 +10066,7 @@
           <a:srgbClr val="000000"/>
         </a:buClr>
         <a:buFont typeface="Arial"/>
-        <a:defRPr b="0" i="0" sz="1400" u="none" cap="none" strike="noStrike">
+        <a:defRPr sz="1400" b="0" i="0" u="none" strike="noStrike" cap="none">
           <a:solidFill>
             <a:srgbClr val="000000"/>
           </a:solidFill>
@@ -10080,7 +10076,7 @@
           <a:sym typeface="Arial"/>
         </a:defRPr>
       </a:lvl7pPr>
-      <a:lvl8pPr lvl="7" marR="0" rtl="0" algn="l">
+      <a:lvl8pPr marR="0" lvl="7" algn="l" rtl="0">
         <a:lnSpc>
           <a:spcPct val="100000"/>
         </a:lnSpc>
@@ -10094,7 +10090,7 @@
           <a:srgbClr val="000000"/>
         </a:buClr>
         <a:buFont typeface="Arial"/>
-        <a:defRPr b="0" i="0" sz="1400" u="none" cap="none" strike="noStrike">
+        <a:defRPr sz="1400" b="0" i="0" u="none" strike="noStrike" cap="none">
           <a:solidFill>
             <a:srgbClr val="000000"/>
           </a:solidFill>
@@ -10104,7 +10100,7 @@
           <a:sym typeface="Arial"/>
         </a:defRPr>
       </a:lvl8pPr>
-      <a:lvl9pPr lvl="8" marR="0" rtl="0" algn="l">
+      <a:lvl9pPr marR="0" lvl="8" algn="l" rtl="0">
         <a:lnSpc>
           <a:spcPct val="100000"/>
         </a:lnSpc>
@@ -10118,7 +10114,7 @@
           <a:srgbClr val="000000"/>
         </a:buClr>
         <a:buFont typeface="Arial"/>
-        <a:defRPr b="0" i="0" sz="1400" u="none" cap="none" strike="noStrike">
+        <a:defRPr sz="1400" b="0" i="0" u="none" strike="noStrike" cap="none">
           <a:solidFill>
             <a:srgbClr val="000000"/>
           </a:solidFill>
@@ -10130,7 +10126,7 @@
       </a:lvl9pPr>
     </p:titleStyle>
     <p:bodyStyle>
-      <a:defPPr lvl="0" marR="0" rtl="0" algn="l">
+      <a:defPPr marR="0" lvl="0" algn="l" rtl="0">
         <a:lnSpc>
           <a:spcPct val="100000"/>
         </a:lnSpc>
@@ -10141,7 +10137,7 @@
           <a:spcPts val="0"/>
         </a:spcAft>
       </a:defPPr>
-      <a:lvl1pPr lvl="0" marR="0" rtl="0" algn="l">
+      <a:lvl1pPr marR="0" lvl="0" algn="l" rtl="0">
         <a:lnSpc>
           <a:spcPct val="100000"/>
         </a:lnSpc>
@@ -10155,7 +10151,7 @@
           <a:srgbClr val="000000"/>
         </a:buClr>
         <a:buFont typeface="Arial"/>
-        <a:defRPr b="0" i="0" sz="1400" u="none" cap="none" strike="noStrike">
+        <a:defRPr sz="1400" b="0" i="0" u="none" strike="noStrike" cap="none">
           <a:solidFill>
             <a:srgbClr val="000000"/>
           </a:solidFill>
@@ -10165,7 +10161,7 @@
           <a:sym typeface="Arial"/>
         </a:defRPr>
       </a:lvl1pPr>
-      <a:lvl2pPr lvl="1" marR="0" rtl="0" algn="l">
+      <a:lvl2pPr marR="0" lvl="1" algn="l" rtl="0">
         <a:lnSpc>
           <a:spcPct val="100000"/>
         </a:lnSpc>
@@ -10179,7 +10175,7 @@
           <a:srgbClr val="000000"/>
         </a:buClr>
         <a:buFont typeface="Arial"/>
-        <a:defRPr b="0" i="0" sz="1400" u="none" cap="none" strike="noStrike">
+        <a:defRPr sz="1400" b="0" i="0" u="none" strike="noStrike" cap="none">
           <a:solidFill>
             <a:srgbClr val="000000"/>
           </a:solidFill>
@@ -10189,7 +10185,7 @@
           <a:sym typeface="Arial"/>
         </a:defRPr>
       </a:lvl2pPr>
-      <a:lvl3pPr lvl="2" marR="0" rtl="0" algn="l">
+      <a:lvl3pPr marR="0" lvl="2" algn="l" rtl="0">
         <a:lnSpc>
           <a:spcPct val="100000"/>
         </a:lnSpc>
@@ -10203,7 +10199,7 @@
           <a:srgbClr val="000000"/>
         </a:buClr>
         <a:buFont typeface="Arial"/>
-        <a:defRPr b="0" i="0" sz="1400" u="none" cap="none" strike="noStrike">
+        <a:defRPr sz="1400" b="0" i="0" u="none" strike="noStrike" cap="none">
           <a:solidFill>
             <a:srgbClr val="000000"/>
           </a:solidFill>
@@ -10213,7 +10209,7 @@
           <a:sym typeface="Arial"/>
         </a:defRPr>
       </a:lvl3pPr>
-      <a:lvl4pPr lvl="3" marR="0" rtl="0" algn="l">
+      <a:lvl4pPr marR="0" lvl="3" algn="l" rtl="0">
         <a:lnSpc>
           <a:spcPct val="100000"/>
         </a:lnSpc>
@@ -10227,7 +10223,7 @@
           <a:srgbClr val="000000"/>
         </a:buClr>
         <a:buFont typeface="Arial"/>
-        <a:defRPr b="0" i="0" sz="1400" u="none" cap="none" strike="noStrike">
+        <a:defRPr sz="1400" b="0" i="0" u="none" strike="noStrike" cap="none">
           <a:solidFill>
             <a:srgbClr val="000000"/>
           </a:solidFill>
@@ -10237,7 +10233,7 @@
           <a:sym typeface="Arial"/>
         </a:defRPr>
       </a:lvl4pPr>
-      <a:lvl5pPr lvl="4" marR="0" rtl="0" algn="l">
+      <a:lvl5pPr marR="0" lvl="4" algn="l" rtl="0">
         <a:lnSpc>
           <a:spcPct val="100000"/>
         </a:lnSpc>
@@ -10251,7 +10247,7 @@
           <a:srgbClr val="000000"/>
         </a:buClr>
         <a:buFont typeface="Arial"/>
-        <a:defRPr b="0" i="0" sz="1400" u="none" cap="none" strike="noStrike">
+        <a:defRPr sz="1400" b="0" i="0" u="none" strike="noStrike" cap="none">
           <a:solidFill>
             <a:srgbClr val="000000"/>
           </a:solidFill>
@@ -10261,7 +10257,7 @@
           <a:sym typeface="Arial"/>
         </a:defRPr>
       </a:lvl5pPr>
-      <a:lvl6pPr lvl="5" marR="0" rtl="0" algn="l">
+      <a:lvl6pPr marR="0" lvl="5" algn="l" rtl="0">
         <a:lnSpc>
           <a:spcPct val="100000"/>
         </a:lnSpc>
@@ -10275,7 +10271,7 @@
           <a:srgbClr val="000000"/>
         </a:buClr>
         <a:buFont typeface="Arial"/>
-        <a:defRPr b="0" i="0" sz="1400" u="none" cap="none" strike="noStrike">
+        <a:defRPr sz="1400" b="0" i="0" u="none" strike="noStrike" cap="none">
           <a:solidFill>
             <a:srgbClr val="000000"/>
           </a:solidFill>
@@ -10285,7 +10281,7 @@
           <a:sym typeface="Arial"/>
         </a:defRPr>
       </a:lvl6pPr>
-      <a:lvl7pPr lvl="6" marR="0" rtl="0" algn="l">
+      <a:lvl7pPr marR="0" lvl="6" algn="l" rtl="0">
         <a:lnSpc>
           <a:spcPct val="100000"/>
         </a:lnSpc>
@@ -10299,7 +10295,7 @@
           <a:srgbClr val="000000"/>
         </a:buClr>
         <a:buFont typeface="Arial"/>
-        <a:defRPr b="0" i="0" sz="1400" u="none" cap="none" strike="noStrike">
+        <a:defRPr sz="1400" b="0" i="0" u="none" strike="noStrike" cap="none">
           <a:solidFill>
             <a:srgbClr val="000000"/>
           </a:solidFill>
@@ -10309,7 +10305,7 @@
           <a:sym typeface="Arial"/>
         </a:defRPr>
       </a:lvl7pPr>
-      <a:lvl8pPr lvl="7" marR="0" rtl="0" algn="l">
+      <a:lvl8pPr marR="0" lvl="7" algn="l" rtl="0">
         <a:lnSpc>
           <a:spcPct val="100000"/>
         </a:lnSpc>
@@ -10323,7 +10319,7 @@
           <a:srgbClr val="000000"/>
         </a:buClr>
         <a:buFont typeface="Arial"/>
-        <a:defRPr b="0" i="0" sz="1400" u="none" cap="none" strike="noStrike">
+        <a:defRPr sz="1400" b="0" i="0" u="none" strike="noStrike" cap="none">
           <a:solidFill>
             <a:srgbClr val="000000"/>
           </a:solidFill>
@@ -10333,7 +10329,7 @@
           <a:sym typeface="Arial"/>
         </a:defRPr>
       </a:lvl8pPr>
-      <a:lvl9pPr lvl="8" marR="0" rtl="0" algn="l">
+      <a:lvl9pPr marR="0" lvl="8" algn="l" rtl="0">
         <a:lnSpc>
           <a:spcPct val="100000"/>
         </a:lnSpc>
@@ -10347,7 +10343,7 @@
           <a:srgbClr val="000000"/>
         </a:buClr>
         <a:buFont typeface="Arial"/>
-        <a:defRPr b="0" i="0" sz="1400" u="none" cap="none" strike="noStrike">
+        <a:defRPr sz="1400" b="0" i="0" u="none" strike="noStrike" cap="none">
           <a:solidFill>
             <a:srgbClr val="000000"/>
           </a:solidFill>
@@ -10359,7 +10355,7 @@
       </a:lvl9pPr>
     </p:bodyStyle>
     <p:otherStyle>
-      <a:defPPr lvl="0" marR="0" rtl="0" algn="l">
+      <a:defPPr marR="0" lvl="0" algn="l" rtl="0">
         <a:lnSpc>
           <a:spcPct val="100000"/>
         </a:lnSpc>
@@ -10370,7 +10366,7 @@
           <a:spcPts val="0"/>
         </a:spcAft>
       </a:defPPr>
-      <a:lvl1pPr lvl="0" marR="0" rtl="0" algn="l">
+      <a:lvl1pPr marR="0" lvl="0" algn="l" rtl="0">
         <a:lnSpc>
           <a:spcPct val="100000"/>
         </a:lnSpc>
@@ -10384,7 +10380,7 @@
           <a:srgbClr val="000000"/>
         </a:buClr>
         <a:buFont typeface="Arial"/>
-        <a:defRPr b="0" i="0" sz="1400" u="none" cap="none" strike="noStrike">
+        <a:defRPr sz="1400" b="0" i="0" u="none" strike="noStrike" cap="none">
           <a:solidFill>
             <a:srgbClr val="000000"/>
           </a:solidFill>
@@ -10394,7 +10390,7 @@
           <a:sym typeface="Arial"/>
         </a:defRPr>
       </a:lvl1pPr>
-      <a:lvl2pPr lvl="1" marR="0" rtl="0" algn="l">
+      <a:lvl2pPr marR="0" lvl="1" algn="l" rtl="0">
         <a:lnSpc>
           <a:spcPct val="100000"/>
         </a:lnSpc>
@@ -10408,7 +10404,7 @@
           <a:srgbClr val="000000"/>
         </a:buClr>
         <a:buFont typeface="Arial"/>
-        <a:defRPr b="0" i="0" sz="1400" u="none" cap="none" strike="noStrike">
+        <a:defRPr sz="1400" b="0" i="0" u="none" strike="noStrike" cap="none">
           <a:solidFill>
             <a:srgbClr val="000000"/>
           </a:solidFill>
@@ -10418,7 +10414,7 @@
           <a:sym typeface="Arial"/>
         </a:defRPr>
       </a:lvl2pPr>
-      <a:lvl3pPr lvl="2" marR="0" rtl="0" algn="l">
+      <a:lvl3pPr marR="0" lvl="2" algn="l" rtl="0">
         <a:lnSpc>
           <a:spcPct val="100000"/>
         </a:lnSpc>
@@ -10432,7 +10428,7 @@
           <a:srgbClr val="000000"/>
         </a:buClr>
         <a:buFont typeface="Arial"/>
-        <a:defRPr b="0" i="0" sz="1400" u="none" cap="none" strike="noStrike">
+        <a:defRPr sz="1400" b="0" i="0" u="none" strike="noStrike" cap="none">
           <a:solidFill>
             <a:srgbClr val="000000"/>
           </a:solidFill>
@@ -10442,7 +10438,7 @@
           <a:sym typeface="Arial"/>
         </a:defRPr>
       </a:lvl3pPr>
-      <a:lvl4pPr lvl="3" marR="0" rtl="0" algn="l">
+      <a:lvl4pPr marR="0" lvl="3" algn="l" rtl="0">
         <a:lnSpc>
           <a:spcPct val="100000"/>
         </a:lnSpc>
@@ -10456,7 +10452,7 @@
           <a:srgbClr val="000000"/>
         </a:buClr>
         <a:buFont typeface="Arial"/>
-        <a:defRPr b="0" i="0" sz="1400" u="none" cap="none" strike="noStrike">
+        <a:defRPr sz="1400" b="0" i="0" u="none" strike="noStrike" cap="none">
           <a:solidFill>
             <a:srgbClr val="000000"/>
           </a:solidFill>
@@ -10466,7 +10462,7 @@
           <a:sym typeface="Arial"/>
         </a:defRPr>
       </a:lvl4pPr>
-      <a:lvl5pPr lvl="4" marR="0" rtl="0" algn="l">
+      <a:lvl5pPr marR="0" lvl="4" algn="l" rtl="0">
         <a:lnSpc>
           <a:spcPct val="100000"/>
         </a:lnSpc>
@@ -10480,7 +10476,7 @@
           <a:srgbClr val="000000"/>
         </a:buClr>
         <a:buFont typeface="Arial"/>
-        <a:defRPr b="0" i="0" sz="1400" u="none" cap="none" strike="noStrike">
+        <a:defRPr sz="1400" b="0" i="0" u="none" strike="noStrike" cap="none">
           <a:solidFill>
             <a:srgbClr val="000000"/>
           </a:solidFill>
@@ -10490,7 +10486,7 @@
           <a:sym typeface="Arial"/>
         </a:defRPr>
       </a:lvl5pPr>
-      <a:lvl6pPr lvl="5" marR="0" rtl="0" algn="l">
+      <a:lvl6pPr marR="0" lvl="5" algn="l" rtl="0">
         <a:lnSpc>
           <a:spcPct val="100000"/>
         </a:lnSpc>
@@ -10504,7 +10500,7 @@
           <a:srgbClr val="000000"/>
         </a:buClr>
         <a:buFont typeface="Arial"/>
-        <a:defRPr b="0" i="0" sz="1400" u="none" cap="none" strike="noStrike">
+        <a:defRPr sz="1400" b="0" i="0" u="none" strike="noStrike" cap="none">
           <a:solidFill>
             <a:srgbClr val="000000"/>
           </a:solidFill>
@@ -10514,7 +10510,7 @@
           <a:sym typeface="Arial"/>
         </a:defRPr>
       </a:lvl6pPr>
-      <a:lvl7pPr lvl="6" marR="0" rtl="0" algn="l">
+      <a:lvl7pPr marR="0" lvl="6" algn="l" rtl="0">
         <a:lnSpc>
           <a:spcPct val="100000"/>
         </a:lnSpc>
@@ -10528,7 +10524,7 @@
           <a:srgbClr val="000000"/>
         </a:buClr>
         <a:buFont typeface="Arial"/>
-        <a:defRPr b="0" i="0" sz="1400" u="none" cap="none" strike="noStrike">
+        <a:defRPr sz="1400" b="0" i="0" u="none" strike="noStrike" cap="none">
           <a:solidFill>
             <a:srgbClr val="000000"/>
           </a:solidFill>
@@ -10538,7 +10534,7 @@
           <a:sym typeface="Arial"/>
         </a:defRPr>
       </a:lvl7pPr>
-      <a:lvl8pPr lvl="7" marR="0" rtl="0" algn="l">
+      <a:lvl8pPr marR="0" lvl="7" algn="l" rtl="0">
         <a:lnSpc>
           <a:spcPct val="100000"/>
         </a:lnSpc>
@@ -10552,7 +10548,7 @@
           <a:srgbClr val="000000"/>
         </a:buClr>
         <a:buFont typeface="Arial"/>
-        <a:defRPr b="0" i="0" sz="1400" u="none" cap="none" strike="noStrike">
+        <a:defRPr sz="1400" b="0" i="0" u="none" strike="noStrike" cap="none">
           <a:solidFill>
             <a:srgbClr val="000000"/>
           </a:solidFill>
@@ -10562,7 +10558,7 @@
           <a:sym typeface="Arial"/>
         </a:defRPr>
       </a:lvl8pPr>
-      <a:lvl9pPr lvl="8" marR="0" rtl="0" algn="l">
+      <a:lvl9pPr marR="0" lvl="8" algn="l" rtl="0">
         <a:lnSpc>
           <a:spcPct val="100000"/>
         </a:lnSpc>
@@ -10576,7 +10572,7 @@
           <a:srgbClr val="000000"/>
         </a:buClr>
         <a:buFont typeface="Arial"/>
-        <a:defRPr b="0" i="0" sz="1400" u="none" cap="none" strike="noStrike">
+        <a:defRPr sz="1400" b="0" i="0" u="none" strike="noStrike" cap="none">
           <a:solidFill>
             <a:srgbClr val="000000"/>
           </a:solidFill>
@@ -10592,11 +10588,11 @@
 </file>
 
 <file path=ppt/slides/slide1.xml><?xml version="1.0" encoding="utf-8"?>
-<p:sld xmlns:a="http://schemas.openxmlformats.org/drawingml/2006/main" xmlns:r="http://schemas.openxmlformats.org/officeDocument/2006/relationships" xmlns:mc="http://schemas.openxmlformats.org/markup-compatibility/2006" xmlns:mv="urn:schemas-microsoft-com:mac:vml" xmlns:p="http://schemas.openxmlformats.org/presentationml/2006/main" xmlns:c="http://schemas.openxmlformats.org/drawingml/2006/chart" xmlns:dgm="http://schemas.openxmlformats.org/drawingml/2006/diagram" xmlns:o="urn:schemas-microsoft-com:office:office" xmlns:v="urn:schemas-microsoft-com:vml" xmlns:pvml="urn:schemas-microsoft-com:office:powerpoint" xmlns:com="http://schemas.openxmlformats.org/drawingml/2006/compatibility" xmlns:p14="http://schemas.microsoft.com/office/powerpoint/2010/main" xmlns:p15="http://schemas.microsoft.com/office/powerpoint/2012/main" xmlns:ahyp="http://schemas.microsoft.com/office/drawing/2018/hyperlinkcolor">
+<p:sld xmlns:a="http://schemas.openxmlformats.org/drawingml/2006/main" xmlns:r="http://schemas.openxmlformats.org/officeDocument/2006/relationships" xmlns:p="http://schemas.openxmlformats.org/presentationml/2006/main">
   <p:cSld>
     <p:spTree>
       <p:nvGrpSpPr>
-        <p:cNvPr id="133" name="Shape 133"/>
+        <p:cNvPr id="1" name="Shape 133"/>
         <p:cNvGrpSpPr/>
         <p:nvPr/>
       </p:nvGrpSpPr>
@@ -10611,7 +10607,9 @@
       <p:sp>
         <p:nvSpPr>
           <p:cNvPr id="134" name="Google Shape;134;p13"/>
-          <p:cNvSpPr txBox="1"/>
+          <p:cNvSpPr txBox="1">
+            <a:spLocks noGrp="1"/>
+          </p:cNvSpPr>
           <p:nvPr>
             <p:ph type="ctrTitle"/>
           </p:nvPr>
@@ -10626,12 +10624,12 @@
           </a:prstGeom>
         </p:spPr>
         <p:txBody>
-          <a:bodyPr anchorCtr="0" anchor="t" bIns="91425" lIns="91425" spcFirstLastPara="1" rIns="91425" wrap="square" tIns="91425">
+          <a:bodyPr spcFirstLastPara="1" wrap="square" lIns="91425" tIns="91425" rIns="91425" bIns="91425" anchor="t" anchorCtr="0">
             <a:normAutofit fontScale="90000"/>
           </a:bodyPr>
           <a:lstStyle/>
           <a:p>
-            <a:pPr indent="0" lvl="0" marL="0" rtl="0" algn="l">
+            <a:pPr marL="0" lvl="0" indent="0" algn="l" rtl="0">
               <a:spcBef>
                 <a:spcPts val="0"/>
               </a:spcBef>
@@ -10651,9 +10649,11 @@
       <p:sp>
         <p:nvSpPr>
           <p:cNvPr id="135" name="Google Shape;135;p13"/>
-          <p:cNvSpPr txBox="1"/>
+          <p:cNvSpPr txBox="1">
+            <a:spLocks noGrp="1"/>
+          </p:cNvSpPr>
           <p:nvPr>
-            <p:ph idx="1" type="subTitle"/>
+            <p:ph type="subTitle" idx="1"/>
           </p:nvPr>
         </p:nvSpPr>
         <p:spPr>
@@ -10666,12 +10666,12 @@
           </a:prstGeom>
         </p:spPr>
         <p:txBody>
-          <a:bodyPr anchorCtr="0" anchor="t" bIns="91425" lIns="91425" spcFirstLastPara="1" rIns="91425" wrap="square" tIns="91425">
+          <a:bodyPr spcFirstLastPara="1" wrap="square" lIns="91425" tIns="91425" rIns="91425" bIns="91425" anchor="t" anchorCtr="0">
             <a:normAutofit/>
           </a:bodyPr>
           <a:lstStyle/>
           <a:p>
-            <a:pPr indent="0" lvl="0" marL="0" rtl="0" algn="l">
+            <a:pPr marL="0" lvl="0" indent="0" algn="l" rtl="0">
               <a:spcBef>
                 <a:spcPts val="0"/>
               </a:spcBef>
@@ -10697,11 +10697,151 @@
 </file>
 
 <file path=ppt/slides/slide10.xml><?xml version="1.0" encoding="utf-8"?>
-<p:sld xmlns:a="http://schemas.openxmlformats.org/drawingml/2006/main" xmlns:r="http://schemas.openxmlformats.org/officeDocument/2006/relationships" xmlns:mc="http://schemas.openxmlformats.org/markup-compatibility/2006" xmlns:mv="urn:schemas-microsoft-com:mac:vml" xmlns:p="http://schemas.openxmlformats.org/presentationml/2006/main" xmlns:c="http://schemas.openxmlformats.org/drawingml/2006/chart" xmlns:dgm="http://schemas.openxmlformats.org/drawingml/2006/diagram" xmlns:o="urn:schemas-microsoft-com:office:office" xmlns:v="urn:schemas-microsoft-com:vml" xmlns:pvml="urn:schemas-microsoft-com:office:powerpoint" xmlns:com="http://schemas.openxmlformats.org/drawingml/2006/compatibility" xmlns:p14="http://schemas.microsoft.com/office/powerpoint/2010/main" xmlns:p15="http://schemas.microsoft.com/office/powerpoint/2012/main" xmlns:ahyp="http://schemas.microsoft.com/office/drawing/2018/hyperlinkcolor">
+<p:sld xmlns:a="http://schemas.openxmlformats.org/drawingml/2006/main" xmlns:r="http://schemas.openxmlformats.org/officeDocument/2006/relationships" xmlns:p="http://schemas.openxmlformats.org/presentationml/2006/main">
   <p:cSld>
     <p:spTree>
       <p:nvGrpSpPr>
-        <p:cNvPr id="187" name="Shape 187"/>
+        <p:cNvPr id="1" name="Shape 181"/>
+        <p:cNvGrpSpPr/>
+        <p:nvPr/>
+      </p:nvGrpSpPr>
+      <p:grpSpPr>
+        <a:xfrm>
+          <a:off x="0" y="0"/>
+          <a:ext cx="0" cy="0"/>
+          <a:chOff x="0" y="0"/>
+          <a:chExt cx="0" cy="0"/>
+        </a:xfrm>
+      </p:grpSpPr>
+      <p:sp>
+        <p:nvSpPr>
+          <p:cNvPr id="182" name="Google Shape;182;p21"/>
+          <p:cNvSpPr txBox="1">
+            <a:spLocks noGrp="1"/>
+          </p:cNvSpPr>
+          <p:nvPr>
+            <p:ph type="title"/>
+          </p:nvPr>
+        </p:nvSpPr>
+        <p:spPr>
+          <a:xfrm>
+            <a:off x="1297500" y="393750"/>
+            <a:ext cx="7038900" cy="914100"/>
+          </a:xfrm>
+          <a:prstGeom prst="rect">
+            <a:avLst/>
+          </a:prstGeom>
+        </p:spPr>
+        <p:txBody>
+          <a:bodyPr spcFirstLastPara="1" wrap="square" lIns="91425" tIns="91425" rIns="91425" bIns="91425" anchor="t" anchorCtr="0">
+            <a:normAutofit/>
+          </a:bodyPr>
+          <a:lstStyle/>
+          <a:p>
+            <a:pPr marL="0" lvl="0" indent="0" algn="l" rtl="0">
+              <a:spcBef>
+                <a:spcPts val="0"/>
+              </a:spcBef>
+              <a:spcAft>
+                <a:spcPts val="0"/>
+              </a:spcAft>
+              <a:buNone/>
+            </a:pPr>
+            <a:r>
+              <a:rPr lang="en"/>
+              <a:t>Core principles of object oriented design</a:t>
+            </a:r>
+            <a:endParaRPr/>
+          </a:p>
+        </p:txBody>
+      </p:sp>
+      <p:sp>
+        <p:nvSpPr>
+          <p:cNvPr id="183" name="Google Shape;183;p21"/>
+          <p:cNvSpPr txBox="1">
+            <a:spLocks noGrp="1"/>
+          </p:cNvSpPr>
+          <p:nvPr>
+            <p:ph type="body" idx="1"/>
+          </p:nvPr>
+        </p:nvSpPr>
+        <p:spPr>
+          <a:xfrm>
+            <a:off x="1297500" y="1567550"/>
+            <a:ext cx="7038900" cy="2911200"/>
+          </a:xfrm>
+          <a:prstGeom prst="rect">
+            <a:avLst/>
+          </a:prstGeom>
+        </p:spPr>
+        <p:txBody>
+          <a:bodyPr spcFirstLastPara="1" wrap="square" lIns="91425" tIns="91425" rIns="91425" bIns="91425" anchor="t" anchorCtr="0">
+            <a:normAutofit fontScale="92500" lnSpcReduction="20000"/>
+          </a:bodyPr>
+          <a:lstStyle/>
+          <a:p>
+            <a:pPr marL="0" lvl="0" indent="0" algn="l" rtl="0">
+              <a:lnSpc>
+                <a:spcPct val="120000"/>
+              </a:lnSpc>
+              <a:spcBef>
+                <a:spcPts val="500"/>
+              </a:spcBef>
+              <a:spcAft>
+                <a:spcPts val="0"/>
+              </a:spcAft>
+              <a:buNone/>
+            </a:pPr>
+            <a:r>
+              <a:rPr lang="en" sz="2000">
+                <a:solidFill>
+                  <a:srgbClr val="FFFFFF"/>
+                </a:solidFill>
+                <a:latin typeface="Arial"/>
+                <a:ea typeface="Arial"/>
+                <a:cs typeface="Arial"/>
+                <a:sym typeface="Arial"/>
+              </a:rPr>
+              <a:t>Object oriented programming is a way of thinking about programming. It is a very common methodology in games and other commercial applications. In OOP, you define classes and relationships between them and rules for interaction between objects. Think of Classes as blueprints for objects  - Eg if you would have a player class, its data members would be lives, and member functions would be anything a player can do. Classes are similar to C Structs, with the exception, that classes can also define behavior.  </a:t>
+            </a:r>
+            <a:endParaRPr sz="2000">
+              <a:solidFill>
+                <a:srgbClr val="FFFFFF"/>
+              </a:solidFill>
+              <a:latin typeface="Arial"/>
+              <a:ea typeface="Arial"/>
+              <a:cs typeface="Arial"/>
+              <a:sym typeface="Arial"/>
+            </a:endParaRPr>
+          </a:p>
+          <a:p>
+            <a:pPr marL="0" lvl="0" indent="0" algn="l" rtl="0">
+              <a:spcBef>
+                <a:spcPts val="600"/>
+              </a:spcBef>
+              <a:spcAft>
+                <a:spcPts val="1200"/>
+              </a:spcAft>
+              <a:buNone/>
+            </a:pPr>
+            <a:endParaRPr/>
+          </a:p>
+        </p:txBody>
+      </p:sp>
+    </p:spTree>
+  </p:cSld>
+  <p:clrMapOvr>
+    <a:masterClrMapping/>
+  </p:clrMapOvr>
+</p:sld>
+</file>
+
+<file path=ppt/slides/slide11.xml><?xml version="1.0" encoding="utf-8"?>
+<p:sld xmlns:a="http://schemas.openxmlformats.org/drawingml/2006/main" xmlns:r="http://schemas.openxmlformats.org/officeDocument/2006/relationships" xmlns:p="http://schemas.openxmlformats.org/presentationml/2006/main">
+  <p:cSld>
+    <p:spTree>
+      <p:nvGrpSpPr>
+        <p:cNvPr id="1" name="Shape 187"/>
         <p:cNvGrpSpPr/>
         <p:nvPr/>
       </p:nvGrpSpPr>
@@ -10716,7 +10856,9 @@
       <p:sp>
         <p:nvSpPr>
           <p:cNvPr id="188" name="Google Shape;188;p22"/>
-          <p:cNvSpPr txBox="1"/>
+          <p:cNvSpPr txBox="1">
+            <a:spLocks noGrp="1"/>
+          </p:cNvSpPr>
           <p:nvPr>
             <p:ph type="title"/>
           </p:nvPr>
@@ -10731,12 +10873,12 @@
           </a:prstGeom>
         </p:spPr>
         <p:txBody>
-          <a:bodyPr anchorCtr="0" anchor="t" bIns="91425" lIns="91425" spcFirstLastPara="1" rIns="91425" wrap="square" tIns="91425">
+          <a:bodyPr spcFirstLastPara="1" wrap="square" lIns="91425" tIns="91425" rIns="91425" bIns="91425" anchor="t" anchorCtr="0">
             <a:normAutofit/>
           </a:bodyPr>
           <a:lstStyle/>
           <a:p>
-            <a:pPr indent="0" lvl="0" marL="0" rtl="0" algn="l">
+            <a:pPr marL="0" lvl="0" indent="0" algn="l" rtl="0">
               <a:spcBef>
                 <a:spcPts val="0"/>
               </a:spcBef>
@@ -10756,9 +10898,11 @@
       <p:sp>
         <p:nvSpPr>
           <p:cNvPr id="189" name="Google Shape;189;p22"/>
-          <p:cNvSpPr txBox="1"/>
+          <p:cNvSpPr txBox="1">
+            <a:spLocks noGrp="1"/>
+          </p:cNvSpPr>
           <p:nvPr>
-            <p:ph idx="1" type="body"/>
+            <p:ph type="body" idx="1"/>
           </p:nvPr>
         </p:nvSpPr>
         <p:spPr>
@@ -10771,12 +10915,12 @@
           </a:prstGeom>
         </p:spPr>
         <p:txBody>
-          <a:bodyPr anchorCtr="0" anchor="t" bIns="91425" lIns="91425" spcFirstLastPara="1" rIns="91425" wrap="square" tIns="91425">
+          <a:bodyPr spcFirstLastPara="1" wrap="square" lIns="91425" tIns="91425" rIns="91425" bIns="91425" anchor="t" anchorCtr="0">
             <a:normAutofit/>
           </a:bodyPr>
           <a:lstStyle/>
           <a:p>
-            <a:pPr indent="0" lvl="0" marL="0" rtl="0" algn="l">
+            <a:pPr marL="0" lvl="0" indent="0" algn="l" rtl="0">
               <a:spcBef>
                 <a:spcPts val="0"/>
               </a:spcBef>
@@ -10787,16 +10931,12 @@
             </a:pPr>
             <a:r>
               <a:rPr lang="en"/>
-              <a:t>The two main </a:t>
-            </a:r>
-            <a:r>
-              <a:rPr lang="en"/>
-              <a:t>types of diagrams we will be making are activity diagrams and class diagrams.</a:t>
+              <a:t>The two main types of diagrams we will be making are activity diagrams and class diagrams.</a:t>
             </a:r>
             <a:endParaRPr/>
           </a:p>
           <a:p>
-            <a:pPr indent="0" lvl="0" marL="0" rtl="0" algn="l">
+            <a:pPr marL="0" lvl="0" indent="0" algn="l" rtl="0">
               <a:spcBef>
                 <a:spcPts val="1200"/>
               </a:spcBef>
@@ -10812,7 +10952,7 @@
             <a:endParaRPr/>
           </a:p>
           <a:p>
-            <a:pPr indent="0" lvl="0" marL="0" rtl="0" algn="l">
+            <a:pPr marL="0" lvl="0" indent="0" algn="l" rtl="0">
               <a:spcBef>
                 <a:spcPts val="1200"/>
               </a:spcBef>
@@ -10837,12 +10977,12 @@
 </p:sld>
 </file>
 
-<file path=ppt/slides/slide11.xml><?xml version="1.0" encoding="utf-8"?>
-<p:sld xmlns:a="http://schemas.openxmlformats.org/drawingml/2006/main" xmlns:r="http://schemas.openxmlformats.org/officeDocument/2006/relationships" xmlns:mc="http://schemas.openxmlformats.org/markup-compatibility/2006" xmlns:mv="urn:schemas-microsoft-com:mac:vml" xmlns:p="http://schemas.openxmlformats.org/presentationml/2006/main" xmlns:c="http://schemas.openxmlformats.org/drawingml/2006/chart" xmlns:dgm="http://schemas.openxmlformats.org/drawingml/2006/diagram" xmlns:o="urn:schemas-microsoft-com:office:office" xmlns:v="urn:schemas-microsoft-com:vml" xmlns:pvml="urn:schemas-microsoft-com:office:powerpoint" xmlns:com="http://schemas.openxmlformats.org/drawingml/2006/compatibility" xmlns:p14="http://schemas.microsoft.com/office/powerpoint/2010/main" xmlns:p15="http://schemas.microsoft.com/office/powerpoint/2012/main" xmlns:ahyp="http://schemas.microsoft.com/office/drawing/2018/hyperlinkcolor">
+<file path=ppt/slides/slide12.xml><?xml version="1.0" encoding="utf-8"?>
+<p:sld xmlns:a="http://schemas.openxmlformats.org/drawingml/2006/main" xmlns:r="http://schemas.openxmlformats.org/officeDocument/2006/relationships" xmlns:p="http://schemas.openxmlformats.org/presentationml/2006/main">
   <p:cSld>
     <p:spTree>
       <p:nvGrpSpPr>
-        <p:cNvPr id="193" name="Shape 193"/>
+        <p:cNvPr id="1" name="Shape 193"/>
         <p:cNvGrpSpPr/>
         <p:nvPr/>
       </p:nvGrpSpPr>
@@ -10857,7 +10997,9 @@
       <p:sp>
         <p:nvSpPr>
           <p:cNvPr id="194" name="Google Shape;194;p23"/>
-          <p:cNvSpPr txBox="1"/>
+          <p:cNvSpPr txBox="1">
+            <a:spLocks noGrp="1"/>
+          </p:cNvSpPr>
           <p:nvPr>
             <p:ph type="title"/>
           </p:nvPr>
@@ -10872,12 +11014,12 @@
           </a:prstGeom>
         </p:spPr>
         <p:txBody>
-          <a:bodyPr anchorCtr="0" anchor="t" bIns="91425" lIns="91425" spcFirstLastPara="1" rIns="91425" wrap="square" tIns="91425">
+          <a:bodyPr spcFirstLastPara="1" wrap="square" lIns="91425" tIns="91425" rIns="91425" bIns="91425" anchor="t" anchorCtr="0">
             <a:normAutofit/>
           </a:bodyPr>
           <a:lstStyle/>
           <a:p>
-            <a:pPr indent="0" lvl="0" marL="0" rtl="0" algn="l">
+            <a:pPr marL="0" lvl="0" indent="0" algn="l" rtl="0">
               <a:spcBef>
                 <a:spcPts val="0"/>
               </a:spcBef>
@@ -10897,9 +11039,11 @@
       <p:sp>
         <p:nvSpPr>
           <p:cNvPr id="195" name="Google Shape;195;p23"/>
-          <p:cNvSpPr txBox="1"/>
+          <p:cNvSpPr txBox="1">
+            <a:spLocks noGrp="1"/>
+          </p:cNvSpPr>
           <p:nvPr>
-            <p:ph idx="1" type="body"/>
+            <p:ph type="body" idx="1"/>
           </p:nvPr>
         </p:nvSpPr>
         <p:spPr>
@@ -10912,12 +11056,12 @@
           </a:prstGeom>
         </p:spPr>
         <p:txBody>
-          <a:bodyPr anchorCtr="0" anchor="t" bIns="91425" lIns="91425" spcFirstLastPara="1" rIns="91425" wrap="square" tIns="91425">
+          <a:bodyPr spcFirstLastPara="1" wrap="square" lIns="91425" tIns="91425" rIns="91425" bIns="91425" anchor="t" anchorCtr="0">
             <a:normAutofit/>
           </a:bodyPr>
           <a:lstStyle/>
           <a:p>
-            <a:pPr indent="-311150" lvl="0" marL="457200" rtl="0" algn="l">
+            <a:pPr marL="457200" lvl="0" indent="-311150" algn="l" rtl="0">
               <a:spcBef>
                 <a:spcPts val="0"/>
               </a:spcBef>
@@ -10934,7 +11078,7 @@
             <a:endParaRPr/>
           </a:p>
           <a:p>
-            <a:pPr indent="-311150" lvl="0" marL="457200" rtl="0" algn="l">
+            <a:pPr marL="457200" lvl="0" indent="-311150" algn="l" rtl="0">
               <a:spcBef>
                 <a:spcPts val="0"/>
               </a:spcBef>
@@ -10951,7 +11095,7 @@
             <a:endParaRPr/>
           </a:p>
           <a:p>
-            <a:pPr indent="-311150" lvl="0" marL="457200" rtl="0" algn="l">
+            <a:pPr marL="457200" lvl="0" indent="-311150" algn="l" rtl="0">
               <a:spcBef>
                 <a:spcPts val="0"/>
               </a:spcBef>
@@ -10968,7 +11112,7 @@
             <a:endParaRPr/>
           </a:p>
           <a:p>
-            <a:pPr indent="-311150" lvl="0" marL="457200" rtl="0" algn="l">
+            <a:pPr marL="457200" lvl="0" indent="-311150" algn="l" rtl="0">
               <a:spcBef>
                 <a:spcPts val="0"/>
               </a:spcBef>
@@ -10985,7 +11129,7 @@
             <a:endParaRPr/>
           </a:p>
           <a:p>
-            <a:pPr indent="-311150" lvl="0" marL="457200" rtl="0" algn="l">
+            <a:pPr marL="457200" lvl="0" indent="-311150" algn="l" rtl="0">
               <a:spcBef>
                 <a:spcPts val="0"/>
               </a:spcBef>
@@ -10997,20 +11141,12 @@
             </a:pPr>
             <a:r>
               <a:rPr lang="en"/>
-              <a:t>Each </a:t>
-            </a:r>
-            <a:r>
-              <a:rPr lang="en"/>
-              <a:t>monster</a:t>
-            </a:r>
-            <a:r>
-              <a:rPr lang="en"/>
-              <a:t> that reaches the ground, damages the player</a:t>
+              <a:t>Each monster that reaches the ground, damages the player</a:t>
             </a:r>
             <a:endParaRPr/>
           </a:p>
           <a:p>
-            <a:pPr indent="-311150" lvl="0" marL="457200" rtl="0" algn="l">
+            <a:pPr marL="457200" lvl="0" indent="-311150" algn="l" rtl="0">
               <a:spcBef>
                 <a:spcPts val="0"/>
               </a:spcBef>
@@ -11027,7 +11163,7 @@
             <a:endParaRPr/>
           </a:p>
           <a:p>
-            <a:pPr indent="-311150" lvl="0" marL="457200" rtl="0" algn="l">
+            <a:pPr marL="457200" lvl="0" indent="-311150" algn="l" rtl="0">
               <a:spcBef>
                 <a:spcPts val="0"/>
               </a:spcBef>
@@ -11058,12 +11194,12 @@
 </p:sld>
 </file>
 
-<file path=ppt/slides/slide12.xml><?xml version="1.0" encoding="utf-8"?>
-<p:sld xmlns:a="http://schemas.openxmlformats.org/drawingml/2006/main" xmlns:r="http://schemas.openxmlformats.org/officeDocument/2006/relationships" xmlns:mc="http://schemas.openxmlformats.org/markup-compatibility/2006" xmlns:mv="urn:schemas-microsoft-com:mac:vml" xmlns:p="http://schemas.openxmlformats.org/presentationml/2006/main" xmlns:c="http://schemas.openxmlformats.org/drawingml/2006/chart" xmlns:dgm="http://schemas.openxmlformats.org/drawingml/2006/diagram" xmlns:o="urn:schemas-microsoft-com:office:office" xmlns:v="urn:schemas-microsoft-com:vml" xmlns:pvml="urn:schemas-microsoft-com:office:powerpoint" xmlns:com="http://schemas.openxmlformats.org/drawingml/2006/compatibility" xmlns:p14="http://schemas.microsoft.com/office/powerpoint/2010/main" xmlns:p15="http://schemas.microsoft.com/office/powerpoint/2012/main" xmlns:ahyp="http://schemas.microsoft.com/office/drawing/2018/hyperlinkcolor">
+<file path=ppt/slides/slide13.xml><?xml version="1.0" encoding="utf-8"?>
+<p:sld xmlns:a="http://schemas.openxmlformats.org/drawingml/2006/main" xmlns:r="http://schemas.openxmlformats.org/officeDocument/2006/relationships" xmlns:p="http://schemas.openxmlformats.org/presentationml/2006/main">
   <p:cSld>
     <p:spTree>
       <p:nvGrpSpPr>
-        <p:cNvPr id="199" name="Shape 199"/>
+        <p:cNvPr id="1" name="Shape 199"/>
         <p:cNvGrpSpPr/>
         <p:nvPr/>
       </p:nvGrpSpPr>
@@ -11078,7 +11214,9 @@
       <p:sp>
         <p:nvSpPr>
           <p:cNvPr id="200" name="Google Shape;200;p24"/>
-          <p:cNvSpPr txBox="1"/>
+          <p:cNvSpPr txBox="1">
+            <a:spLocks noGrp="1"/>
+          </p:cNvSpPr>
           <p:nvPr>
             <p:ph type="title"/>
           </p:nvPr>
@@ -11093,12 +11231,12 @@
           </a:prstGeom>
         </p:spPr>
         <p:txBody>
-          <a:bodyPr anchorCtr="0" anchor="t" bIns="91425" lIns="91425" spcFirstLastPara="1" rIns="91425" wrap="square" tIns="91425">
+          <a:bodyPr spcFirstLastPara="1" wrap="square" lIns="91425" tIns="91425" rIns="91425" bIns="91425" anchor="t" anchorCtr="0">
             <a:normAutofit/>
           </a:bodyPr>
           <a:lstStyle/>
           <a:p>
-            <a:pPr indent="0" lvl="0" marL="0" rtl="0" algn="l">
+            <a:pPr marL="0" lvl="0" indent="0" algn="l" rtl="0">
               <a:spcBef>
                 <a:spcPts val="0"/>
               </a:spcBef>
@@ -11151,12 +11289,12 @@
 </p:sld>
 </file>
 
-<file path=ppt/slides/slide13.xml><?xml version="1.0" encoding="utf-8"?>
-<p:sld xmlns:a="http://schemas.openxmlformats.org/drawingml/2006/main" xmlns:r="http://schemas.openxmlformats.org/officeDocument/2006/relationships" xmlns:mc="http://schemas.openxmlformats.org/markup-compatibility/2006" xmlns:mv="urn:schemas-microsoft-com:mac:vml" xmlns:p="http://schemas.openxmlformats.org/presentationml/2006/main" xmlns:c="http://schemas.openxmlformats.org/drawingml/2006/chart" xmlns:dgm="http://schemas.openxmlformats.org/drawingml/2006/diagram" xmlns:o="urn:schemas-microsoft-com:office:office" xmlns:v="urn:schemas-microsoft-com:vml" xmlns:pvml="urn:schemas-microsoft-com:office:powerpoint" xmlns:com="http://schemas.openxmlformats.org/drawingml/2006/compatibility" xmlns:p14="http://schemas.microsoft.com/office/powerpoint/2010/main" xmlns:p15="http://schemas.microsoft.com/office/powerpoint/2012/main" xmlns:ahyp="http://schemas.microsoft.com/office/drawing/2018/hyperlinkcolor">
+<file path=ppt/slides/slide14.xml><?xml version="1.0" encoding="utf-8"?>
+<p:sld xmlns:a="http://schemas.openxmlformats.org/drawingml/2006/main" xmlns:r="http://schemas.openxmlformats.org/officeDocument/2006/relationships" xmlns:p="http://schemas.openxmlformats.org/presentationml/2006/main">
   <p:cSld>
     <p:spTree>
       <p:nvGrpSpPr>
-        <p:cNvPr id="205" name="Shape 205"/>
+        <p:cNvPr id="1" name="Shape 205"/>
         <p:cNvGrpSpPr/>
         <p:nvPr/>
       </p:nvGrpSpPr>
@@ -11171,7 +11309,9 @@
       <p:sp>
         <p:nvSpPr>
           <p:cNvPr id="206" name="Google Shape;206;p25"/>
-          <p:cNvSpPr txBox="1"/>
+          <p:cNvSpPr txBox="1">
+            <a:spLocks noGrp="1"/>
+          </p:cNvSpPr>
           <p:nvPr>
             <p:ph type="title"/>
           </p:nvPr>
@@ -11186,12 +11326,12 @@
           </a:prstGeom>
         </p:spPr>
         <p:txBody>
-          <a:bodyPr anchorCtr="0" anchor="t" bIns="91425" lIns="91425" spcFirstLastPara="1" rIns="91425" wrap="square" tIns="91425">
+          <a:bodyPr spcFirstLastPara="1" wrap="square" lIns="91425" tIns="91425" rIns="91425" bIns="91425" anchor="t" anchorCtr="0">
             <a:normAutofit/>
           </a:bodyPr>
           <a:lstStyle/>
           <a:p>
-            <a:pPr indent="0" lvl="0" marL="0" rtl="0" algn="l">
+            <a:pPr marL="0" lvl="0" indent="0" algn="l" rtl="0">
               <a:spcBef>
                 <a:spcPts val="0"/>
               </a:spcBef>
@@ -11244,12 +11384,12 @@
 </p:sld>
 </file>
 
-<file path=ppt/slides/slide14.xml><?xml version="1.0" encoding="utf-8"?>
-<p:sld xmlns:a="http://schemas.openxmlformats.org/drawingml/2006/main" xmlns:r="http://schemas.openxmlformats.org/officeDocument/2006/relationships" xmlns:mc="http://schemas.openxmlformats.org/markup-compatibility/2006" xmlns:mv="urn:schemas-microsoft-com:mac:vml" xmlns:p="http://schemas.openxmlformats.org/presentationml/2006/main" xmlns:c="http://schemas.openxmlformats.org/drawingml/2006/chart" xmlns:dgm="http://schemas.openxmlformats.org/drawingml/2006/diagram" xmlns:o="urn:schemas-microsoft-com:office:office" xmlns:v="urn:schemas-microsoft-com:vml" xmlns:pvml="urn:schemas-microsoft-com:office:powerpoint" xmlns:com="http://schemas.openxmlformats.org/drawingml/2006/compatibility" xmlns:p14="http://schemas.microsoft.com/office/powerpoint/2010/main" xmlns:p15="http://schemas.microsoft.com/office/powerpoint/2012/main" xmlns:ahyp="http://schemas.microsoft.com/office/drawing/2018/hyperlinkcolor">
+<file path=ppt/slides/slide15.xml><?xml version="1.0" encoding="utf-8"?>
+<p:sld xmlns:a="http://schemas.openxmlformats.org/drawingml/2006/main" xmlns:r="http://schemas.openxmlformats.org/officeDocument/2006/relationships" xmlns:p="http://schemas.openxmlformats.org/presentationml/2006/main">
   <p:cSld>
     <p:spTree>
       <p:nvGrpSpPr>
-        <p:cNvPr id="211" name="Shape 211"/>
+        <p:cNvPr id="1" name="Shape 211"/>
         <p:cNvGrpSpPr/>
         <p:nvPr/>
       </p:nvGrpSpPr>
@@ -11264,7 +11404,9 @@
       <p:sp>
         <p:nvSpPr>
           <p:cNvPr id="212" name="Google Shape;212;p26"/>
-          <p:cNvSpPr txBox="1"/>
+          <p:cNvSpPr txBox="1">
+            <a:spLocks noGrp="1"/>
+          </p:cNvSpPr>
           <p:nvPr>
             <p:ph type="title"/>
           </p:nvPr>
@@ -11279,12 +11421,12 @@
           </a:prstGeom>
         </p:spPr>
         <p:txBody>
-          <a:bodyPr anchorCtr="0" anchor="t" bIns="91425" lIns="91425" spcFirstLastPara="1" rIns="91425" wrap="square" tIns="91425">
+          <a:bodyPr spcFirstLastPara="1" wrap="square" lIns="91425" tIns="91425" rIns="91425" bIns="91425" anchor="t" anchorCtr="0">
             <a:normAutofit/>
           </a:bodyPr>
           <a:lstStyle/>
           <a:p>
-            <a:pPr indent="0" lvl="0" marL="0" rtl="0" algn="l">
+            <a:pPr marL="0" lvl="0" indent="0" algn="l" rtl="0">
               <a:spcBef>
                 <a:spcPts val="0"/>
               </a:spcBef>
@@ -11304,9 +11446,11 @@
       <p:sp>
         <p:nvSpPr>
           <p:cNvPr id="213" name="Google Shape;213;p26"/>
-          <p:cNvSpPr txBox="1"/>
+          <p:cNvSpPr txBox="1">
+            <a:spLocks noGrp="1"/>
+          </p:cNvSpPr>
           <p:nvPr>
-            <p:ph idx="1" type="body"/>
+            <p:ph type="body" idx="1"/>
           </p:nvPr>
         </p:nvSpPr>
         <p:spPr>
@@ -11319,12 +11463,12 @@
           </a:prstGeom>
         </p:spPr>
         <p:txBody>
-          <a:bodyPr anchorCtr="0" anchor="t" bIns="91425" lIns="91425" spcFirstLastPara="1" rIns="91425" wrap="square" tIns="91425">
+          <a:bodyPr spcFirstLastPara="1" wrap="square" lIns="91425" tIns="91425" rIns="91425" bIns="91425" anchor="t" anchorCtr="0">
             <a:normAutofit/>
           </a:bodyPr>
           <a:lstStyle/>
           <a:p>
-            <a:pPr indent="0" lvl="0" marL="0" rtl="0" algn="l">
+            <a:pPr marL="0" lvl="0" indent="0" algn="l" rtl="0">
               <a:spcBef>
                 <a:spcPts val="0"/>
               </a:spcBef>
@@ -11333,9 +11477,6 @@
               </a:spcAft>
               <a:buNone/>
             </a:pPr>
-            <a:r>
-              <a:t/>
-            </a:r>
             <a:endParaRPr/>
           </a:p>
         </p:txBody>
@@ -11376,12 +11517,12 @@
 </p:sld>
 </file>
 
-<file path=ppt/slides/slide15.xml><?xml version="1.0" encoding="utf-8"?>
-<p:sld xmlns:a="http://schemas.openxmlformats.org/drawingml/2006/main" xmlns:r="http://schemas.openxmlformats.org/officeDocument/2006/relationships" xmlns:mc="http://schemas.openxmlformats.org/markup-compatibility/2006" xmlns:mv="urn:schemas-microsoft-com:mac:vml" xmlns:p="http://schemas.openxmlformats.org/presentationml/2006/main" xmlns:c="http://schemas.openxmlformats.org/drawingml/2006/chart" xmlns:dgm="http://schemas.openxmlformats.org/drawingml/2006/diagram" xmlns:o="urn:schemas-microsoft-com:office:office" xmlns:v="urn:schemas-microsoft-com:vml" xmlns:pvml="urn:schemas-microsoft-com:office:powerpoint" xmlns:com="http://schemas.openxmlformats.org/drawingml/2006/compatibility" xmlns:p14="http://schemas.microsoft.com/office/powerpoint/2010/main" xmlns:p15="http://schemas.microsoft.com/office/powerpoint/2012/main" xmlns:ahyp="http://schemas.microsoft.com/office/drawing/2018/hyperlinkcolor">
+<file path=ppt/slides/slide16.xml><?xml version="1.0" encoding="utf-8"?>
+<p:sld xmlns:a="http://schemas.openxmlformats.org/drawingml/2006/main" xmlns:r="http://schemas.openxmlformats.org/officeDocument/2006/relationships" xmlns:p="http://schemas.openxmlformats.org/presentationml/2006/main">
   <p:cSld>
     <p:spTree>
       <p:nvGrpSpPr>
-        <p:cNvPr id="218" name="Shape 218"/>
+        <p:cNvPr id="1" name="Shape 218"/>
         <p:cNvGrpSpPr/>
         <p:nvPr/>
       </p:nvGrpSpPr>
@@ -11396,7 +11537,9 @@
       <p:sp>
         <p:nvSpPr>
           <p:cNvPr id="219" name="Google Shape;219;p27"/>
-          <p:cNvSpPr txBox="1"/>
+          <p:cNvSpPr txBox="1">
+            <a:spLocks noGrp="1"/>
+          </p:cNvSpPr>
           <p:nvPr>
             <p:ph type="title"/>
           </p:nvPr>
@@ -11411,12 +11554,12 @@
           </a:prstGeom>
         </p:spPr>
         <p:txBody>
-          <a:bodyPr anchorCtr="0" anchor="t" bIns="91425" lIns="91425" spcFirstLastPara="1" rIns="91425" wrap="square" tIns="91425">
+          <a:bodyPr spcFirstLastPara="1" wrap="square" lIns="91425" tIns="91425" rIns="91425" bIns="91425" anchor="t" anchorCtr="0">
             <a:normAutofit/>
           </a:bodyPr>
           <a:lstStyle/>
           <a:p>
-            <a:pPr indent="0" lvl="0" marL="0" rtl="0" algn="l">
+            <a:pPr marL="0" lvl="0" indent="0" algn="l" rtl="0">
               <a:spcBef>
                 <a:spcPts val="0"/>
               </a:spcBef>
@@ -11436,9 +11579,11 @@
       <p:sp>
         <p:nvSpPr>
           <p:cNvPr id="220" name="Google Shape;220;p27"/>
-          <p:cNvSpPr txBox="1"/>
+          <p:cNvSpPr txBox="1">
+            <a:spLocks noGrp="1"/>
+          </p:cNvSpPr>
           <p:nvPr>
-            <p:ph idx="1" type="body"/>
+            <p:ph type="body" idx="1"/>
           </p:nvPr>
         </p:nvSpPr>
         <p:spPr>
@@ -11451,12 +11596,12 @@
           </a:prstGeom>
         </p:spPr>
         <p:txBody>
-          <a:bodyPr anchorCtr="0" anchor="t" bIns="91425" lIns="91425" spcFirstLastPara="1" rIns="91425" wrap="square" tIns="91425">
+          <a:bodyPr spcFirstLastPara="1" wrap="square" lIns="91425" tIns="91425" rIns="91425" bIns="91425" anchor="t" anchorCtr="0">
             <a:normAutofit/>
           </a:bodyPr>
           <a:lstStyle/>
           <a:p>
-            <a:pPr indent="0" lvl="0" marL="0" rtl="0" algn="l">
+            <a:pPr marL="0" lvl="0" indent="0" algn="l" rtl="0">
               <a:spcBef>
                 <a:spcPts val="0"/>
               </a:spcBef>
@@ -11465,9 +11610,6 @@
               </a:spcAft>
               <a:buNone/>
             </a:pPr>
-            <a:r>
-              <a:t/>
-            </a:r>
             <a:endParaRPr/>
           </a:p>
         </p:txBody>
@@ -11480,12 +11622,12 @@
 </p:sld>
 </file>
 
-<file path=ppt/slides/slide16.xml><?xml version="1.0" encoding="utf-8"?>
-<p:sld xmlns:a="http://schemas.openxmlformats.org/drawingml/2006/main" xmlns:r="http://schemas.openxmlformats.org/officeDocument/2006/relationships" xmlns:mc="http://schemas.openxmlformats.org/markup-compatibility/2006" xmlns:mv="urn:schemas-microsoft-com:mac:vml" xmlns:p="http://schemas.openxmlformats.org/presentationml/2006/main" xmlns:c="http://schemas.openxmlformats.org/drawingml/2006/chart" xmlns:dgm="http://schemas.openxmlformats.org/drawingml/2006/diagram" xmlns:o="urn:schemas-microsoft-com:office:office" xmlns:v="urn:schemas-microsoft-com:vml" xmlns:pvml="urn:schemas-microsoft-com:office:powerpoint" xmlns:com="http://schemas.openxmlformats.org/drawingml/2006/compatibility" xmlns:p14="http://schemas.microsoft.com/office/powerpoint/2010/main" xmlns:p15="http://schemas.microsoft.com/office/powerpoint/2012/main" xmlns:ahyp="http://schemas.microsoft.com/office/drawing/2018/hyperlinkcolor">
+<file path=ppt/slides/slide17.xml><?xml version="1.0" encoding="utf-8"?>
+<p:sld xmlns:a="http://schemas.openxmlformats.org/drawingml/2006/main" xmlns:r="http://schemas.openxmlformats.org/officeDocument/2006/relationships" xmlns:p="http://schemas.openxmlformats.org/presentationml/2006/main">
   <p:cSld>
     <p:spTree>
       <p:nvGrpSpPr>
-        <p:cNvPr id="224" name="Shape 224"/>
+        <p:cNvPr id="1" name="Shape 224"/>
         <p:cNvGrpSpPr/>
         <p:nvPr/>
       </p:nvGrpSpPr>
@@ -11500,7 +11642,9 @@
       <p:sp>
         <p:nvSpPr>
           <p:cNvPr id="225" name="Google Shape;225;p28"/>
-          <p:cNvSpPr txBox="1"/>
+          <p:cNvSpPr txBox="1">
+            <a:spLocks noGrp="1"/>
+          </p:cNvSpPr>
           <p:nvPr>
             <p:ph type="title"/>
           </p:nvPr>
@@ -11515,12 +11659,12 @@
           </a:prstGeom>
         </p:spPr>
         <p:txBody>
-          <a:bodyPr anchorCtr="0" anchor="t" bIns="91425" lIns="91425" spcFirstLastPara="1" rIns="91425" wrap="square" tIns="91425">
+          <a:bodyPr spcFirstLastPara="1" wrap="square" lIns="91425" tIns="91425" rIns="91425" bIns="91425" anchor="t" anchorCtr="0">
             <a:normAutofit/>
           </a:bodyPr>
           <a:lstStyle/>
           <a:p>
-            <a:pPr indent="0" lvl="0" marL="0" rtl="0" algn="l">
+            <a:pPr marL="0" lvl="0" indent="0" algn="l" rtl="0">
               <a:spcBef>
                 <a:spcPts val="0"/>
               </a:spcBef>
@@ -11540,9 +11684,11 @@
       <p:sp>
         <p:nvSpPr>
           <p:cNvPr id="226" name="Google Shape;226;p28"/>
-          <p:cNvSpPr txBox="1"/>
+          <p:cNvSpPr txBox="1">
+            <a:spLocks noGrp="1"/>
+          </p:cNvSpPr>
           <p:nvPr>
-            <p:ph idx="1" type="body"/>
+            <p:ph type="body" idx="1"/>
           </p:nvPr>
         </p:nvSpPr>
         <p:spPr>
@@ -11555,12 +11701,12 @@
           </a:prstGeom>
         </p:spPr>
         <p:txBody>
-          <a:bodyPr anchorCtr="0" anchor="t" bIns="91425" lIns="91425" spcFirstLastPara="1" rIns="91425" wrap="square" tIns="91425">
+          <a:bodyPr spcFirstLastPara="1" wrap="square" lIns="91425" tIns="91425" rIns="91425" bIns="91425" anchor="t" anchorCtr="0">
             <a:normAutofit/>
           </a:bodyPr>
           <a:lstStyle/>
           <a:p>
-            <a:pPr indent="0" lvl="0" marL="0" rtl="0" algn="l">
+            <a:pPr marL="0" lvl="0" indent="0" algn="l" rtl="0">
               <a:spcBef>
                 <a:spcPts val="0"/>
               </a:spcBef>
@@ -11569,9 +11715,6 @@
               </a:spcAft>
               <a:buNone/>
             </a:pPr>
-            <a:r>
-              <a:t/>
-            </a:r>
             <a:endParaRPr/>
           </a:p>
         </p:txBody>
@@ -11584,12 +11727,12 @@
 </p:sld>
 </file>
 
-<file path=ppt/slides/slide17.xml><?xml version="1.0" encoding="utf-8"?>
-<p:sld xmlns:a="http://schemas.openxmlformats.org/drawingml/2006/main" xmlns:r="http://schemas.openxmlformats.org/officeDocument/2006/relationships" xmlns:mc="http://schemas.openxmlformats.org/markup-compatibility/2006" xmlns:mv="urn:schemas-microsoft-com:mac:vml" xmlns:p="http://schemas.openxmlformats.org/presentationml/2006/main" xmlns:c="http://schemas.openxmlformats.org/drawingml/2006/chart" xmlns:dgm="http://schemas.openxmlformats.org/drawingml/2006/diagram" xmlns:o="urn:schemas-microsoft-com:office:office" xmlns:v="urn:schemas-microsoft-com:vml" xmlns:pvml="urn:schemas-microsoft-com:office:powerpoint" xmlns:com="http://schemas.openxmlformats.org/drawingml/2006/compatibility" xmlns:p14="http://schemas.microsoft.com/office/powerpoint/2010/main" xmlns:p15="http://schemas.microsoft.com/office/powerpoint/2012/main" xmlns:ahyp="http://schemas.microsoft.com/office/drawing/2018/hyperlinkcolor">
+<file path=ppt/slides/slide18.xml><?xml version="1.0" encoding="utf-8"?>
+<p:sld xmlns:a="http://schemas.openxmlformats.org/drawingml/2006/main" xmlns:r="http://schemas.openxmlformats.org/officeDocument/2006/relationships" xmlns:p="http://schemas.openxmlformats.org/presentationml/2006/main">
   <p:cSld>
     <p:spTree>
       <p:nvGrpSpPr>
-        <p:cNvPr id="230" name="Shape 230"/>
+        <p:cNvPr id="1" name="Shape 230"/>
         <p:cNvGrpSpPr/>
         <p:nvPr/>
       </p:nvGrpSpPr>
@@ -11604,7 +11747,9 @@
       <p:sp>
         <p:nvSpPr>
           <p:cNvPr id="231" name="Google Shape;231;p29"/>
-          <p:cNvSpPr txBox="1"/>
+          <p:cNvSpPr txBox="1">
+            <a:spLocks noGrp="1"/>
+          </p:cNvSpPr>
           <p:nvPr>
             <p:ph type="title"/>
           </p:nvPr>
@@ -11619,12 +11764,12 @@
           </a:prstGeom>
         </p:spPr>
         <p:txBody>
-          <a:bodyPr anchorCtr="0" anchor="t" bIns="91425" lIns="91425" spcFirstLastPara="1" rIns="91425" wrap="square" tIns="91425">
+          <a:bodyPr spcFirstLastPara="1" wrap="square" lIns="91425" tIns="91425" rIns="91425" bIns="91425" anchor="t" anchorCtr="0">
             <a:normAutofit/>
           </a:bodyPr>
           <a:lstStyle/>
           <a:p>
-            <a:pPr indent="0" lvl="0" marL="0" rtl="0" algn="l">
+            <a:pPr marL="0" lvl="0" indent="0" algn="l" rtl="0">
               <a:spcBef>
                 <a:spcPts val="0"/>
               </a:spcBef>
@@ -11644,9 +11789,11 @@
       <p:sp>
         <p:nvSpPr>
           <p:cNvPr id="232" name="Google Shape;232;p29"/>
-          <p:cNvSpPr txBox="1"/>
+          <p:cNvSpPr txBox="1">
+            <a:spLocks noGrp="1"/>
+          </p:cNvSpPr>
           <p:nvPr>
-            <p:ph idx="1" type="body"/>
+            <p:ph type="body" idx="1"/>
           </p:nvPr>
         </p:nvSpPr>
         <p:spPr>
@@ -11659,12 +11806,12 @@
           </a:prstGeom>
         </p:spPr>
         <p:txBody>
-          <a:bodyPr anchorCtr="0" anchor="t" bIns="91425" lIns="91425" spcFirstLastPara="1" rIns="91425" wrap="square" tIns="91425">
+          <a:bodyPr spcFirstLastPara="1" wrap="square" lIns="91425" tIns="91425" rIns="91425" bIns="91425" anchor="t" anchorCtr="0">
             <a:normAutofit/>
           </a:bodyPr>
           <a:lstStyle/>
           <a:p>
-            <a:pPr indent="0" lvl="0" marL="0" rtl="0" algn="l">
+            <a:pPr marL="0" lvl="0" indent="0" algn="l" rtl="0">
               <a:spcBef>
                 <a:spcPts val="0"/>
               </a:spcBef>
@@ -11673,9 +11820,6 @@
               </a:spcAft>
               <a:buNone/>
             </a:pPr>
-            <a:r>
-              <a:t/>
-            </a:r>
             <a:endParaRPr/>
           </a:p>
         </p:txBody>
@@ -11689,11 +11833,11 @@
 </file>
 
 <file path=ppt/slides/slide2.xml><?xml version="1.0" encoding="utf-8"?>
-<p:sld xmlns:a="http://schemas.openxmlformats.org/drawingml/2006/main" xmlns:r="http://schemas.openxmlformats.org/officeDocument/2006/relationships" xmlns:mc="http://schemas.openxmlformats.org/markup-compatibility/2006" xmlns:mv="urn:schemas-microsoft-com:mac:vml" xmlns:p="http://schemas.openxmlformats.org/presentationml/2006/main" xmlns:c="http://schemas.openxmlformats.org/drawingml/2006/chart" xmlns:dgm="http://schemas.openxmlformats.org/drawingml/2006/diagram" xmlns:o="urn:schemas-microsoft-com:office:office" xmlns:v="urn:schemas-microsoft-com:vml" xmlns:pvml="urn:schemas-microsoft-com:office:powerpoint" xmlns:com="http://schemas.openxmlformats.org/drawingml/2006/compatibility" xmlns:p14="http://schemas.microsoft.com/office/powerpoint/2010/main" xmlns:p15="http://schemas.microsoft.com/office/powerpoint/2012/main" xmlns:ahyp="http://schemas.microsoft.com/office/drawing/2018/hyperlinkcolor">
+<p:sld xmlns:a="http://schemas.openxmlformats.org/drawingml/2006/main" xmlns:r="http://schemas.openxmlformats.org/officeDocument/2006/relationships" xmlns:p="http://schemas.openxmlformats.org/presentationml/2006/main">
   <p:cSld>
     <p:spTree>
       <p:nvGrpSpPr>
-        <p:cNvPr id="139" name="Shape 139"/>
+        <p:cNvPr id="1" name="Shape 139"/>
         <p:cNvGrpSpPr/>
         <p:nvPr/>
       </p:nvGrpSpPr>
@@ -11708,7 +11852,9 @@
       <p:sp>
         <p:nvSpPr>
           <p:cNvPr id="140" name="Google Shape;140;p14"/>
-          <p:cNvSpPr txBox="1"/>
+          <p:cNvSpPr txBox="1">
+            <a:spLocks noGrp="1"/>
+          </p:cNvSpPr>
           <p:nvPr>
             <p:ph type="title"/>
           </p:nvPr>
@@ -11723,12 +11869,12 @@
           </a:prstGeom>
         </p:spPr>
         <p:txBody>
-          <a:bodyPr anchorCtr="0" anchor="t" bIns="91425" lIns="91425" spcFirstLastPara="1" rIns="91425" wrap="square" tIns="91425">
+          <a:bodyPr spcFirstLastPara="1" wrap="square" lIns="91425" tIns="91425" rIns="91425" bIns="91425" anchor="t" anchorCtr="0">
             <a:normAutofit/>
           </a:bodyPr>
           <a:lstStyle/>
           <a:p>
-            <a:pPr indent="0" lvl="0" marL="0" rtl="0" algn="l">
+            <a:pPr marL="0" lvl="0" indent="0" algn="l" rtl="0">
               <a:spcBef>
                 <a:spcPts val="0"/>
               </a:spcBef>
@@ -11739,15 +11885,7 @@
             </a:pPr>
             <a:r>
               <a:rPr lang="en"/>
-              <a:t>What will we be </a:t>
-            </a:r>
-            <a:r>
-              <a:rPr lang="en"/>
-              <a:t>learning</a:t>
-            </a:r>
-            <a:r>
-              <a:rPr lang="en"/>
-              <a:t> this semester?</a:t>
+              <a:t>What will we be learning this semester?</a:t>
             </a:r>
             <a:endParaRPr/>
           </a:p>
@@ -11756,9 +11894,11 @@
       <p:sp>
         <p:nvSpPr>
           <p:cNvPr id="141" name="Google Shape;141;p14"/>
-          <p:cNvSpPr txBox="1"/>
+          <p:cNvSpPr txBox="1">
+            <a:spLocks noGrp="1"/>
+          </p:cNvSpPr>
           <p:nvPr>
-            <p:ph idx="1" type="body"/>
+            <p:ph type="body" idx="1"/>
           </p:nvPr>
         </p:nvSpPr>
         <p:spPr>
@@ -11771,12 +11911,12 @@
           </a:prstGeom>
         </p:spPr>
         <p:txBody>
-          <a:bodyPr anchorCtr="0" anchor="t" bIns="91425" lIns="91425" spcFirstLastPara="1" rIns="91425" wrap="square" tIns="91425">
+          <a:bodyPr spcFirstLastPara="1" wrap="square" lIns="91425" tIns="91425" rIns="91425" bIns="91425" anchor="t" anchorCtr="0">
             <a:normAutofit/>
           </a:bodyPr>
           <a:lstStyle/>
           <a:p>
-            <a:pPr indent="-311150" lvl="0" marL="457200" rtl="0" algn="l">
+            <a:pPr marL="457200" lvl="0" indent="-311150" algn="l" rtl="0">
               <a:spcBef>
                 <a:spcPts val="0"/>
               </a:spcBef>
@@ -11793,7 +11933,7 @@
             <a:endParaRPr/>
           </a:p>
           <a:p>
-            <a:pPr indent="-311150" lvl="0" marL="457200" rtl="0" algn="l">
+            <a:pPr marL="457200" lvl="0" indent="-311150" algn="l" rtl="0">
               <a:spcBef>
                 <a:spcPts val="0"/>
               </a:spcBef>
@@ -11805,16 +11945,12 @@
             </a:pPr>
             <a:r>
               <a:rPr lang="en"/>
-              <a:t>Basics of software </a:t>
-            </a:r>
-            <a:r>
-              <a:rPr lang="en"/>
-              <a:t>architecture with focus on game design - why is it useful and what are the benefits?</a:t>
+              <a:t>Basics of software architecture with focus on game design - why is it useful and what are the benefits?</a:t>
             </a:r>
             <a:endParaRPr/>
           </a:p>
           <a:p>
-            <a:pPr indent="-311150" lvl="0" marL="457200" rtl="0" algn="l">
+            <a:pPr marL="457200" lvl="0" indent="-311150" algn="l" rtl="0">
               <a:spcBef>
                 <a:spcPts val="0"/>
               </a:spcBef>
@@ -11831,7 +11967,7 @@
             <a:endParaRPr/>
           </a:p>
           <a:p>
-            <a:pPr indent="-311150" lvl="0" marL="457200" rtl="0" algn="l">
+            <a:pPr marL="457200" lvl="0" indent="-311150" algn="l" rtl="0">
               <a:spcBef>
                 <a:spcPts val="0"/>
               </a:spcBef>
@@ -11848,7 +11984,7 @@
             <a:endParaRPr/>
           </a:p>
           <a:p>
-            <a:pPr indent="-311150" lvl="0" marL="457200" rtl="0" algn="l">
+            <a:pPr marL="457200" lvl="0" indent="-311150" algn="l" rtl="0">
               <a:spcBef>
                 <a:spcPts val="0"/>
               </a:spcBef>
@@ -11875,11 +12011,11 @@
 </file>
 
 <file path=ppt/slides/slide3.xml><?xml version="1.0" encoding="utf-8"?>
-<p:sld xmlns:a="http://schemas.openxmlformats.org/drawingml/2006/main" xmlns:r="http://schemas.openxmlformats.org/officeDocument/2006/relationships" xmlns:mc="http://schemas.openxmlformats.org/markup-compatibility/2006" xmlns:mv="urn:schemas-microsoft-com:mac:vml" xmlns:p="http://schemas.openxmlformats.org/presentationml/2006/main" xmlns:c="http://schemas.openxmlformats.org/drawingml/2006/chart" xmlns:dgm="http://schemas.openxmlformats.org/drawingml/2006/diagram" xmlns:o="urn:schemas-microsoft-com:office:office" xmlns:v="urn:schemas-microsoft-com:vml" xmlns:pvml="urn:schemas-microsoft-com:office:powerpoint" xmlns:com="http://schemas.openxmlformats.org/drawingml/2006/compatibility" xmlns:p14="http://schemas.microsoft.com/office/powerpoint/2010/main" xmlns:p15="http://schemas.microsoft.com/office/powerpoint/2012/main" xmlns:ahyp="http://schemas.microsoft.com/office/drawing/2018/hyperlinkcolor">
+<p:sld xmlns:a="http://schemas.openxmlformats.org/drawingml/2006/main" xmlns:r="http://schemas.openxmlformats.org/officeDocument/2006/relationships" xmlns:p="http://schemas.openxmlformats.org/presentationml/2006/main">
   <p:cSld>
     <p:spTree>
       <p:nvGrpSpPr>
-        <p:cNvPr id="145" name="Shape 145"/>
+        <p:cNvPr id="1" name="Shape 145"/>
         <p:cNvGrpSpPr/>
         <p:nvPr/>
       </p:nvGrpSpPr>
@@ -11894,7 +12030,9 @@
       <p:sp>
         <p:nvSpPr>
           <p:cNvPr id="146" name="Google Shape;146;p15"/>
-          <p:cNvSpPr txBox="1"/>
+          <p:cNvSpPr txBox="1">
+            <a:spLocks noGrp="1"/>
+          </p:cNvSpPr>
           <p:nvPr>
             <p:ph type="title"/>
           </p:nvPr>
@@ -11909,12 +12047,12 @@
           </a:prstGeom>
         </p:spPr>
         <p:txBody>
-          <a:bodyPr anchorCtr="0" anchor="t" bIns="91425" lIns="91425" spcFirstLastPara="1" rIns="91425" wrap="square" tIns="91425">
+          <a:bodyPr spcFirstLastPara="1" wrap="square" lIns="91425" tIns="91425" rIns="91425" bIns="91425" anchor="t" anchorCtr="0">
             <a:normAutofit/>
           </a:bodyPr>
           <a:lstStyle/>
           <a:p>
-            <a:pPr indent="0" lvl="0" marL="0" rtl="0" algn="l">
+            <a:pPr marL="0" lvl="0" indent="0" algn="l" rtl="0">
               <a:spcBef>
                 <a:spcPts val="0"/>
               </a:spcBef>
@@ -11934,9 +12072,11 @@
       <p:sp>
         <p:nvSpPr>
           <p:cNvPr id="147" name="Google Shape;147;p15"/>
-          <p:cNvSpPr txBox="1"/>
+          <p:cNvSpPr txBox="1">
+            <a:spLocks noGrp="1"/>
+          </p:cNvSpPr>
           <p:nvPr>
-            <p:ph idx="1" type="body"/>
+            <p:ph type="body" idx="1"/>
           </p:nvPr>
         </p:nvSpPr>
         <p:spPr>
@@ -11949,12 +12089,12 @@
           </a:prstGeom>
         </p:spPr>
         <p:txBody>
-          <a:bodyPr anchorCtr="0" anchor="t" bIns="91425" lIns="91425" spcFirstLastPara="1" rIns="91425" wrap="square" tIns="91425">
+          <a:bodyPr spcFirstLastPara="1" wrap="square" lIns="91425" tIns="91425" rIns="91425" bIns="91425" anchor="t" anchorCtr="0">
             <a:normAutofit/>
           </a:bodyPr>
           <a:lstStyle/>
           <a:p>
-            <a:pPr indent="-311150" lvl="0" marL="457200" rtl="0" algn="l">
+            <a:pPr marL="457200" lvl="0" indent="-311150" algn="l" rtl="0">
               <a:spcBef>
                 <a:spcPts val="0"/>
               </a:spcBef>
@@ -11966,15 +12106,7 @@
             </a:pPr>
             <a:r>
               <a:rPr lang="en"/>
-              <a:t>Good software architecture starts way before writing the first lines of code - we will be learning to express our game </a:t>
-            </a:r>
-            <a:r>
-              <a:rPr lang="en"/>
-              <a:t>design</a:t>
-            </a:r>
-            <a:r>
-              <a:rPr lang="en"/>
-              <a:t> through activity diagrams and structure our data through class diagrams using Draw.io -  </a:t>
+              <a:t>Good software architecture starts way before writing the first lines of code - we will be learning to express our game design through activity diagrams and structure our data through class diagrams using Draw.io -  </a:t>
             </a:r>
             <a:r>
               <a:rPr lang="en" u="sng">
@@ -11988,7 +12120,7 @@
             <a:endParaRPr/>
           </a:p>
           <a:p>
-            <a:pPr indent="-311150" lvl="0" marL="457200" rtl="0" algn="l">
+            <a:pPr marL="457200" lvl="0" indent="-311150" algn="l" rtl="0">
               <a:spcBef>
                 <a:spcPts val="0"/>
               </a:spcBef>
@@ -12003,21 +12135,17 @@
               <a:t>We will be implementing our logic based on those diagrams, and </a:t>
             </a:r>
             <a:r>
-              <a:rPr b="1" lang="en"/>
+              <a:rPr lang="en" b="1"/>
               <a:t>trying </a:t>
             </a:r>
             <a:r>
               <a:rPr lang="en"/>
-              <a:t> to adher to the principles of SOLID programming. </a:t>
-            </a:r>
-            <a:r>
-              <a:rPr lang="en"/>
-              <a:t> </a:t>
+              <a:t> to adher to the principles of SOLID programming.  </a:t>
             </a:r>
             <a:endParaRPr/>
           </a:p>
           <a:p>
-            <a:pPr indent="-311150" lvl="0" marL="457200" rtl="0" algn="l">
+            <a:pPr marL="457200" lvl="0" indent="-311150" algn="l" rtl="0">
               <a:spcBef>
                 <a:spcPts val="0"/>
               </a:spcBef>
@@ -12029,11 +12157,7 @@
             </a:pPr>
             <a:r>
               <a:rPr lang="en"/>
-              <a:t>w</a:t>
-            </a:r>
-            <a:r>
-              <a:rPr lang="en"/>
-              <a:t>e  will cover theory and pracice side-by-side</a:t>
+              <a:t>we  will cover theory and pracice side-by-side</a:t>
             </a:r>
             <a:endParaRPr/>
           </a:p>
@@ -12048,11 +12172,11 @@
 </file>
 
 <file path=ppt/slides/slide4.xml><?xml version="1.0" encoding="utf-8"?>
-<p:sld xmlns:a="http://schemas.openxmlformats.org/drawingml/2006/main" xmlns:r="http://schemas.openxmlformats.org/officeDocument/2006/relationships" xmlns:mc="http://schemas.openxmlformats.org/markup-compatibility/2006" xmlns:mv="urn:schemas-microsoft-com:mac:vml" xmlns:p="http://schemas.openxmlformats.org/presentationml/2006/main" xmlns:c="http://schemas.openxmlformats.org/drawingml/2006/chart" xmlns:dgm="http://schemas.openxmlformats.org/drawingml/2006/diagram" xmlns:o="urn:schemas-microsoft-com:office:office" xmlns:v="urn:schemas-microsoft-com:vml" xmlns:pvml="urn:schemas-microsoft-com:office:powerpoint" xmlns:com="http://schemas.openxmlformats.org/drawingml/2006/compatibility" xmlns:p14="http://schemas.microsoft.com/office/powerpoint/2010/main" xmlns:p15="http://schemas.microsoft.com/office/powerpoint/2012/main" xmlns:ahyp="http://schemas.microsoft.com/office/drawing/2018/hyperlinkcolor">
+<p:sld xmlns:a="http://schemas.openxmlformats.org/drawingml/2006/main" xmlns:r="http://schemas.openxmlformats.org/officeDocument/2006/relationships" xmlns:p="http://schemas.openxmlformats.org/presentationml/2006/main">
   <p:cSld>
     <p:spTree>
       <p:nvGrpSpPr>
-        <p:cNvPr id="151" name="Shape 151"/>
+        <p:cNvPr id="1" name="Shape 151"/>
         <p:cNvGrpSpPr/>
         <p:nvPr/>
       </p:nvGrpSpPr>
@@ -12067,7 +12191,9 @@
       <p:sp>
         <p:nvSpPr>
           <p:cNvPr id="152" name="Google Shape;152;p16"/>
-          <p:cNvSpPr txBox="1"/>
+          <p:cNvSpPr txBox="1">
+            <a:spLocks noGrp="1"/>
+          </p:cNvSpPr>
           <p:nvPr>
             <p:ph type="title"/>
           </p:nvPr>
@@ -12082,12 +12208,12 @@
           </a:prstGeom>
         </p:spPr>
         <p:txBody>
-          <a:bodyPr anchorCtr="0" anchor="t" bIns="91425" lIns="91425" spcFirstLastPara="1" rIns="91425" wrap="square" tIns="91425">
+          <a:bodyPr spcFirstLastPara="1" wrap="square" lIns="91425" tIns="91425" rIns="91425" bIns="91425" anchor="t" anchorCtr="0">
             <a:normAutofit/>
           </a:bodyPr>
           <a:lstStyle/>
           <a:p>
-            <a:pPr indent="0" lvl="0" marL="0" rtl="0" algn="l">
+            <a:pPr marL="0" lvl="0" indent="0" algn="l" rtl="0">
               <a:spcBef>
                 <a:spcPts val="0"/>
               </a:spcBef>
@@ -12107,9 +12233,11 @@
       <p:sp>
         <p:nvSpPr>
           <p:cNvPr id="153" name="Google Shape;153;p16"/>
-          <p:cNvSpPr txBox="1"/>
+          <p:cNvSpPr txBox="1">
+            <a:spLocks noGrp="1"/>
+          </p:cNvSpPr>
           <p:nvPr>
-            <p:ph idx="1" type="body"/>
+            <p:ph type="body" idx="1"/>
           </p:nvPr>
         </p:nvSpPr>
         <p:spPr>
@@ -12122,12 +12250,12 @@
           </a:prstGeom>
         </p:spPr>
         <p:txBody>
-          <a:bodyPr anchorCtr="0" anchor="t" bIns="91425" lIns="91425" spcFirstLastPara="1" rIns="91425" wrap="square" tIns="91425">
+          <a:bodyPr spcFirstLastPara="1" wrap="square" lIns="91425" tIns="91425" rIns="91425" bIns="91425" anchor="t" anchorCtr="0">
             <a:normAutofit/>
           </a:bodyPr>
           <a:lstStyle/>
           <a:p>
-            <a:pPr indent="-311150" lvl="0" marL="457200" rtl="0" algn="l">
+            <a:pPr marL="457200" lvl="0" indent="-311150" algn="l" rtl="0">
               <a:spcBef>
                 <a:spcPts val="0"/>
               </a:spcBef>
@@ -12144,7 +12272,7 @@
             <a:endParaRPr/>
           </a:p>
           <a:p>
-            <a:pPr indent="-311150" lvl="0" marL="457200" rtl="0" algn="l">
+            <a:pPr marL="457200" lvl="0" indent="-311150" algn="l" rtl="0">
               <a:spcBef>
                 <a:spcPts val="0"/>
               </a:spcBef>
@@ -12161,7 +12289,7 @@
             <a:endParaRPr/>
           </a:p>
           <a:p>
-            <a:pPr indent="-311150" lvl="0" marL="457200" rtl="0" algn="l">
+            <a:pPr marL="457200" lvl="0" indent="-311150" algn="l" rtl="0">
               <a:spcBef>
                 <a:spcPts val="0"/>
               </a:spcBef>
@@ -12178,7 +12306,7 @@
             <a:endParaRPr/>
           </a:p>
           <a:p>
-            <a:pPr indent="0" lvl="0" marL="457200" rtl="0" algn="l">
+            <a:pPr marL="457200" lvl="0" indent="0" algn="l" rtl="0">
               <a:spcBef>
                 <a:spcPts val="1200"/>
               </a:spcBef>
@@ -12187,9 +12315,6 @@
               </a:spcAft>
               <a:buNone/>
             </a:pPr>
-            <a:r>
-              <a:t/>
-            </a:r>
             <a:endParaRPr/>
           </a:p>
         </p:txBody>
@@ -12203,11 +12328,11 @@
 </file>
 
 <file path=ppt/slides/slide5.xml><?xml version="1.0" encoding="utf-8"?>
-<p:sld xmlns:a="http://schemas.openxmlformats.org/drawingml/2006/main" xmlns:r="http://schemas.openxmlformats.org/officeDocument/2006/relationships" xmlns:mc="http://schemas.openxmlformats.org/markup-compatibility/2006" xmlns:mv="urn:schemas-microsoft-com:mac:vml" xmlns:p="http://schemas.openxmlformats.org/presentationml/2006/main" xmlns:c="http://schemas.openxmlformats.org/drawingml/2006/chart" xmlns:dgm="http://schemas.openxmlformats.org/drawingml/2006/diagram" xmlns:o="urn:schemas-microsoft-com:office:office" xmlns:v="urn:schemas-microsoft-com:vml" xmlns:pvml="urn:schemas-microsoft-com:office:powerpoint" xmlns:com="http://schemas.openxmlformats.org/drawingml/2006/compatibility" xmlns:p14="http://schemas.microsoft.com/office/powerpoint/2010/main" xmlns:p15="http://schemas.microsoft.com/office/powerpoint/2012/main" xmlns:ahyp="http://schemas.microsoft.com/office/drawing/2018/hyperlinkcolor">
+<p:sld xmlns:a="http://schemas.openxmlformats.org/drawingml/2006/main" xmlns:r="http://schemas.openxmlformats.org/officeDocument/2006/relationships" xmlns:p="http://schemas.openxmlformats.org/presentationml/2006/main">
   <p:cSld>
     <p:spTree>
       <p:nvGrpSpPr>
-        <p:cNvPr id="157" name="Shape 157"/>
+        <p:cNvPr id="1" name="Shape 157"/>
         <p:cNvGrpSpPr/>
         <p:nvPr/>
       </p:nvGrpSpPr>
@@ -12222,7 +12347,9 @@
       <p:sp>
         <p:nvSpPr>
           <p:cNvPr id="158" name="Google Shape;158;p17"/>
-          <p:cNvSpPr txBox="1"/>
+          <p:cNvSpPr txBox="1">
+            <a:spLocks noGrp="1"/>
+          </p:cNvSpPr>
           <p:nvPr>
             <p:ph type="title"/>
           </p:nvPr>
@@ -12237,12 +12364,12 @@
           </a:prstGeom>
         </p:spPr>
         <p:txBody>
-          <a:bodyPr anchorCtr="0" anchor="t" bIns="91425" lIns="91425" spcFirstLastPara="1" rIns="91425" wrap="square" tIns="91425">
+          <a:bodyPr spcFirstLastPara="1" wrap="square" lIns="91425" tIns="91425" rIns="91425" bIns="91425" anchor="t" anchorCtr="0">
             <a:normAutofit/>
           </a:bodyPr>
           <a:lstStyle/>
           <a:p>
-            <a:pPr indent="0" lvl="0" marL="0" rtl="0" algn="l">
+            <a:pPr marL="0" lvl="0" indent="0" algn="l" rtl="0">
               <a:spcBef>
                 <a:spcPts val="0"/>
               </a:spcBef>
@@ -12262,9 +12389,11 @@
       <p:sp>
         <p:nvSpPr>
           <p:cNvPr id="159" name="Google Shape;159;p17"/>
-          <p:cNvSpPr txBox="1"/>
+          <p:cNvSpPr txBox="1">
+            <a:spLocks noGrp="1"/>
+          </p:cNvSpPr>
           <p:nvPr>
-            <p:ph idx="1" type="body"/>
+            <p:ph type="body" idx="1"/>
           </p:nvPr>
         </p:nvSpPr>
         <p:spPr>
@@ -12277,12 +12406,12 @@
           </a:prstGeom>
         </p:spPr>
         <p:txBody>
-          <a:bodyPr anchorCtr="0" anchor="t" bIns="91425" lIns="91425" spcFirstLastPara="1" rIns="91425" wrap="square" tIns="91425">
+          <a:bodyPr spcFirstLastPara="1" wrap="square" lIns="91425" tIns="91425" rIns="91425" bIns="91425" anchor="t" anchorCtr="0">
             <a:normAutofit/>
           </a:bodyPr>
           <a:lstStyle/>
           <a:p>
-            <a:pPr indent="0" lvl="0" marL="0" rtl="0" algn="l">
+            <a:pPr marL="0" lvl="0" indent="0" algn="l" rtl="0">
               <a:spcBef>
                 <a:spcPts val="0"/>
               </a:spcBef>
@@ -12308,7 +12437,7 @@
             <a:endParaRPr/>
           </a:p>
           <a:p>
-            <a:pPr indent="0" lvl="0" marL="0" rtl="0" algn="l">
+            <a:pPr marL="0" lvl="0" indent="0" algn="l" rtl="0">
               <a:spcBef>
                 <a:spcPts val="1200"/>
               </a:spcBef>
@@ -12324,7 +12453,7 @@
             <a:endParaRPr/>
           </a:p>
           <a:p>
-            <a:pPr indent="0" lvl="0" marL="0" rtl="0" algn="l">
+            <a:pPr marL="0" lvl="0" indent="0" algn="l" rtl="0">
               <a:spcBef>
                 <a:spcPts val="1200"/>
               </a:spcBef>
@@ -12340,7 +12469,7 @@
             <a:endParaRPr/>
           </a:p>
           <a:p>
-            <a:pPr indent="0" lvl="0" marL="0" rtl="0" algn="l">
+            <a:pPr marL="0" lvl="0" indent="0" algn="l" rtl="0">
               <a:spcBef>
                 <a:spcPts val="1200"/>
               </a:spcBef>
@@ -12366,11 +12495,11 @@
 </file>
 
 <file path=ppt/slides/slide6.xml><?xml version="1.0" encoding="utf-8"?>
-<p:sld xmlns:a="http://schemas.openxmlformats.org/drawingml/2006/main" xmlns:r="http://schemas.openxmlformats.org/officeDocument/2006/relationships" xmlns:mc="http://schemas.openxmlformats.org/markup-compatibility/2006" xmlns:mv="urn:schemas-microsoft-com:mac:vml" xmlns:p="http://schemas.openxmlformats.org/presentationml/2006/main" xmlns:c="http://schemas.openxmlformats.org/drawingml/2006/chart" xmlns:dgm="http://schemas.openxmlformats.org/drawingml/2006/diagram" xmlns:o="urn:schemas-microsoft-com:office:office" xmlns:v="urn:schemas-microsoft-com:vml" xmlns:pvml="urn:schemas-microsoft-com:office:powerpoint" xmlns:com="http://schemas.openxmlformats.org/drawingml/2006/compatibility" xmlns:p14="http://schemas.microsoft.com/office/powerpoint/2010/main" xmlns:p15="http://schemas.microsoft.com/office/powerpoint/2012/main" xmlns:ahyp="http://schemas.microsoft.com/office/drawing/2018/hyperlinkcolor">
+<p:sld xmlns:a="http://schemas.openxmlformats.org/drawingml/2006/main" xmlns:r="http://schemas.openxmlformats.org/officeDocument/2006/relationships" xmlns:p="http://schemas.openxmlformats.org/presentationml/2006/main">
   <p:cSld>
     <p:spTree>
       <p:nvGrpSpPr>
-        <p:cNvPr id="163" name="Shape 163"/>
+        <p:cNvPr id="1" name="Shape 163"/>
         <p:cNvGrpSpPr/>
         <p:nvPr/>
       </p:nvGrpSpPr>
@@ -12385,7 +12514,9 @@
       <p:sp>
         <p:nvSpPr>
           <p:cNvPr id="164" name="Google Shape;164;p18"/>
-          <p:cNvSpPr txBox="1"/>
+          <p:cNvSpPr txBox="1">
+            <a:spLocks noGrp="1"/>
+          </p:cNvSpPr>
           <p:nvPr>
             <p:ph type="title"/>
           </p:nvPr>
@@ -12400,12 +12531,12 @@
           </a:prstGeom>
         </p:spPr>
         <p:txBody>
-          <a:bodyPr anchorCtr="0" anchor="t" bIns="91425" lIns="91425" spcFirstLastPara="1" rIns="91425" wrap="square" tIns="91425">
+          <a:bodyPr spcFirstLastPara="1" wrap="square" lIns="91425" tIns="91425" rIns="91425" bIns="91425" anchor="t" anchorCtr="0">
             <a:normAutofit/>
           </a:bodyPr>
           <a:lstStyle/>
           <a:p>
-            <a:pPr indent="0" lvl="0" marL="0" rtl="0" algn="l">
+            <a:pPr marL="0" lvl="0" indent="0" algn="l" rtl="0">
               <a:spcBef>
                 <a:spcPts val="0"/>
               </a:spcBef>
@@ -12425,9 +12556,11 @@
       <p:sp>
         <p:nvSpPr>
           <p:cNvPr id="165" name="Google Shape;165;p18"/>
-          <p:cNvSpPr txBox="1"/>
+          <p:cNvSpPr txBox="1">
+            <a:spLocks noGrp="1"/>
+          </p:cNvSpPr>
           <p:nvPr>
-            <p:ph idx="1" type="body"/>
+            <p:ph type="body" idx="1"/>
           </p:nvPr>
         </p:nvSpPr>
         <p:spPr>
@@ -12440,12 +12573,12 @@
           </a:prstGeom>
         </p:spPr>
         <p:txBody>
-          <a:bodyPr anchorCtr="0" anchor="t" bIns="91425" lIns="91425" spcFirstLastPara="1" rIns="91425" wrap="square" tIns="91425">
+          <a:bodyPr spcFirstLastPara="1" wrap="square" lIns="91425" tIns="91425" rIns="91425" bIns="91425" anchor="t" anchorCtr="0">
             <a:normAutofit/>
           </a:bodyPr>
           <a:lstStyle/>
           <a:p>
-            <a:pPr indent="-342900" lvl="0" marL="457200" rtl="0" algn="l">
+            <a:pPr marL="457200" lvl="0" indent="-342900" algn="l" rtl="0">
               <a:spcBef>
                 <a:spcPts val="0"/>
               </a:spcBef>
@@ -12476,7 +12609,7 @@
             </a:endParaRPr>
           </a:p>
           <a:p>
-            <a:pPr indent="-342900" lvl="0" marL="457200" rtl="0" algn="l">
+            <a:pPr marL="457200" lvl="0" indent="-342900" algn="l" rtl="0">
               <a:spcBef>
                 <a:spcPts val="0"/>
               </a:spcBef>
@@ -12507,7 +12640,7 @@
             </a:endParaRPr>
           </a:p>
           <a:p>
-            <a:pPr indent="-342900" lvl="0" marL="457200" rtl="0" algn="l">
+            <a:pPr marL="457200" lvl="0" indent="-342900" algn="l" rtl="0">
               <a:spcBef>
                 <a:spcPts val="0"/>
               </a:spcBef>
@@ -12538,7 +12671,7 @@
             </a:endParaRPr>
           </a:p>
           <a:p>
-            <a:pPr indent="-342900" lvl="0" marL="457200" rtl="0" algn="l">
+            <a:pPr marL="457200" lvl="0" indent="-342900" algn="l" rtl="0">
               <a:spcBef>
                 <a:spcPts val="0"/>
               </a:spcBef>
@@ -12569,7 +12702,7 @@
             </a:endParaRPr>
           </a:p>
           <a:p>
-            <a:pPr indent="-342900" lvl="0" marL="457200" rtl="0" algn="l">
+            <a:pPr marL="457200" lvl="0" indent="-342900" algn="l" rtl="0">
               <a:spcBef>
                 <a:spcPts val="0"/>
               </a:spcBef>
@@ -12605,11 +12738,11 @@
 </file>
 
 <file path=ppt/slides/slide7.xml><?xml version="1.0" encoding="utf-8"?>
-<p:sld xmlns:a="http://schemas.openxmlformats.org/drawingml/2006/main" xmlns:r="http://schemas.openxmlformats.org/officeDocument/2006/relationships" xmlns:mc="http://schemas.openxmlformats.org/markup-compatibility/2006" xmlns:mv="urn:schemas-microsoft-com:mac:vml" xmlns:p="http://schemas.openxmlformats.org/presentationml/2006/main" xmlns:c="http://schemas.openxmlformats.org/drawingml/2006/chart" xmlns:dgm="http://schemas.openxmlformats.org/drawingml/2006/diagram" xmlns:o="urn:schemas-microsoft-com:office:office" xmlns:v="urn:schemas-microsoft-com:vml" xmlns:pvml="urn:schemas-microsoft-com:office:powerpoint" xmlns:com="http://schemas.openxmlformats.org/drawingml/2006/compatibility" xmlns:p14="http://schemas.microsoft.com/office/powerpoint/2010/main" xmlns:p15="http://schemas.microsoft.com/office/powerpoint/2012/main" xmlns:ahyp="http://schemas.microsoft.com/office/drawing/2018/hyperlinkcolor">
+<p:sld xmlns:a="http://schemas.openxmlformats.org/drawingml/2006/main" xmlns:r="http://schemas.openxmlformats.org/officeDocument/2006/relationships" xmlns:p="http://schemas.openxmlformats.org/presentationml/2006/main">
   <p:cSld>
     <p:spTree>
       <p:nvGrpSpPr>
-        <p:cNvPr id="169" name="Shape 169"/>
+        <p:cNvPr id="1" name="Shape 169"/>
         <p:cNvGrpSpPr/>
         <p:nvPr/>
       </p:nvGrpSpPr>
@@ -12624,7 +12757,9 @@
       <p:sp>
         <p:nvSpPr>
           <p:cNvPr id="170" name="Google Shape;170;p19"/>
-          <p:cNvSpPr txBox="1"/>
+          <p:cNvSpPr txBox="1">
+            <a:spLocks noGrp="1"/>
+          </p:cNvSpPr>
           <p:nvPr>
             <p:ph type="title"/>
           </p:nvPr>
@@ -12639,12 +12774,12 @@
           </a:prstGeom>
         </p:spPr>
         <p:txBody>
-          <a:bodyPr anchorCtr="0" anchor="t" bIns="91425" lIns="91425" spcFirstLastPara="1" rIns="91425" wrap="square" tIns="91425">
+          <a:bodyPr spcFirstLastPara="1" wrap="square" lIns="91425" tIns="91425" rIns="91425" bIns="91425" anchor="t" anchorCtr="0">
             <a:normAutofit/>
           </a:bodyPr>
           <a:lstStyle/>
           <a:p>
-            <a:pPr indent="0" lvl="0" marL="0" rtl="0" algn="l">
+            <a:pPr marL="0" lvl="0" indent="0" algn="l" rtl="0">
               <a:spcBef>
                 <a:spcPts val="0"/>
               </a:spcBef>
@@ -12664,9 +12799,11 @@
       <p:sp>
         <p:nvSpPr>
           <p:cNvPr id="171" name="Google Shape;171;p19"/>
-          <p:cNvSpPr txBox="1"/>
+          <p:cNvSpPr txBox="1">
+            <a:spLocks noGrp="1"/>
+          </p:cNvSpPr>
           <p:nvPr>
-            <p:ph idx="1" type="body"/>
+            <p:ph type="body" idx="1"/>
           </p:nvPr>
         </p:nvSpPr>
         <p:spPr>
@@ -12679,12 +12816,12 @@
           </a:prstGeom>
         </p:spPr>
         <p:txBody>
-          <a:bodyPr anchorCtr="0" anchor="t" bIns="91425" lIns="91425" spcFirstLastPara="1" rIns="91425" wrap="square" tIns="91425">
+          <a:bodyPr spcFirstLastPara="1" wrap="square" lIns="91425" tIns="91425" rIns="91425" bIns="91425" anchor="t" anchorCtr="0">
             <a:normAutofit/>
           </a:bodyPr>
           <a:lstStyle/>
           <a:p>
-            <a:pPr indent="-342900" lvl="0" marL="457200" rtl="0" algn="l">
+            <a:pPr marL="457200" lvl="0" indent="-342900" algn="l" rtl="0">
               <a:spcBef>
                 <a:spcPts val="0"/>
               </a:spcBef>
@@ -12712,7 +12849,7 @@
             </a:endParaRPr>
           </a:p>
           <a:p>
-            <a:pPr indent="-342900" lvl="0" marL="457200" rtl="0" algn="l">
+            <a:pPr marL="457200" lvl="0" indent="-342900" algn="l" rtl="0">
               <a:spcBef>
                 <a:spcPts val="0"/>
               </a:spcBef>
@@ -12740,7 +12877,7 @@
             </a:endParaRPr>
           </a:p>
           <a:p>
-            <a:pPr indent="-342900" lvl="0" marL="457200" rtl="0" algn="l">
+            <a:pPr marL="457200" lvl="0" indent="-342900" algn="l" rtl="0">
               <a:spcBef>
                 <a:spcPts val="0"/>
               </a:spcBef>
@@ -12768,7 +12905,7 @@
             </a:endParaRPr>
           </a:p>
           <a:p>
-            <a:pPr indent="-342900" lvl="0" marL="457200" rtl="0" algn="l">
+            <a:pPr marL="457200" lvl="0" indent="-342900" algn="l" rtl="0">
               <a:spcBef>
                 <a:spcPts val="0"/>
               </a:spcBef>
@@ -12796,7 +12933,7 @@
             </a:endParaRPr>
           </a:p>
           <a:p>
-            <a:pPr indent="-342900" lvl="0" marL="457200" rtl="0" algn="l">
+            <a:pPr marL="457200" lvl="0" indent="-342900" algn="l" rtl="0">
               <a:spcBef>
                 <a:spcPts val="0"/>
               </a:spcBef>
@@ -12824,7 +12961,7 @@
             </a:endParaRPr>
           </a:p>
           <a:p>
-            <a:pPr indent="0" lvl="0" marL="457200" rtl="0" algn="l">
+            <a:pPr marL="457200" lvl="0" indent="0" algn="l" rtl="0">
               <a:spcBef>
                 <a:spcPts val="1200"/>
               </a:spcBef>
@@ -12833,9 +12970,6 @@
               </a:spcAft>
               <a:buNone/>
             </a:pPr>
-            <a:r>
-              <a:t/>
-            </a:r>
             <a:endParaRPr/>
           </a:p>
         </p:txBody>
@@ -12849,11 +12983,11 @@
 </file>
 
 <file path=ppt/slides/slide8.xml><?xml version="1.0" encoding="utf-8"?>
-<p:sld xmlns:a="http://schemas.openxmlformats.org/drawingml/2006/main" xmlns:r="http://schemas.openxmlformats.org/officeDocument/2006/relationships" xmlns:mc="http://schemas.openxmlformats.org/markup-compatibility/2006" xmlns:mv="urn:schemas-microsoft-com:mac:vml" xmlns:p="http://schemas.openxmlformats.org/presentationml/2006/main" xmlns:c="http://schemas.openxmlformats.org/drawingml/2006/chart" xmlns:dgm="http://schemas.openxmlformats.org/drawingml/2006/diagram" xmlns:o="urn:schemas-microsoft-com:office:office" xmlns:v="urn:schemas-microsoft-com:vml" xmlns:pvml="urn:schemas-microsoft-com:office:powerpoint" xmlns:com="http://schemas.openxmlformats.org/drawingml/2006/compatibility" xmlns:p14="http://schemas.microsoft.com/office/powerpoint/2010/main" xmlns:p15="http://schemas.microsoft.com/office/powerpoint/2012/main" xmlns:ahyp="http://schemas.microsoft.com/office/drawing/2018/hyperlinkcolor">
+<p:sld xmlns:a="http://schemas.openxmlformats.org/drawingml/2006/main" xmlns:r="http://schemas.openxmlformats.org/officeDocument/2006/relationships" xmlns:p="http://schemas.openxmlformats.org/presentationml/2006/main">
   <p:cSld>
     <p:spTree>
       <p:nvGrpSpPr>
-        <p:cNvPr id="175" name="Shape 175"/>
+        <p:cNvPr id="1" name="Shape 175"/>
         <p:cNvGrpSpPr/>
         <p:nvPr/>
       </p:nvGrpSpPr>
@@ -12868,7 +13002,9 @@
       <p:sp>
         <p:nvSpPr>
           <p:cNvPr id="176" name="Google Shape;176;p20"/>
-          <p:cNvSpPr txBox="1"/>
+          <p:cNvSpPr txBox="1">
+            <a:spLocks noGrp="1"/>
+          </p:cNvSpPr>
           <p:nvPr>
             <p:ph type="title"/>
           </p:nvPr>
@@ -12883,12 +13019,12 @@
           </a:prstGeom>
         </p:spPr>
         <p:txBody>
-          <a:bodyPr anchorCtr="0" anchor="t" bIns="91425" lIns="91425" spcFirstLastPara="1" rIns="91425" wrap="square" tIns="91425">
+          <a:bodyPr spcFirstLastPara="1" wrap="square" lIns="91425" tIns="91425" rIns="91425" bIns="91425" anchor="t" anchorCtr="0">
             <a:normAutofit/>
           </a:bodyPr>
           <a:lstStyle/>
           <a:p>
-            <a:pPr indent="0" lvl="0" marL="0" rtl="0" algn="l">
+            <a:pPr marL="0" lvl="0" indent="0" algn="l" rtl="0">
               <a:spcBef>
                 <a:spcPts val="0"/>
               </a:spcBef>
@@ -12898,19 +13034,21 @@
               <a:buNone/>
             </a:pPr>
             <a:r>
-              <a:rPr lang="en"/>
-              <a:t>C# refresher</a:t>
+              <a:rPr lang="en" dirty="0"/>
+              <a:t>C# refresher – Basic types</a:t>
             </a:r>
-            <a:endParaRPr/>
+            <a:endParaRPr dirty="0"/>
           </a:p>
         </p:txBody>
       </p:sp>
       <p:sp>
         <p:nvSpPr>
           <p:cNvPr id="177" name="Google Shape;177;p20"/>
-          <p:cNvSpPr txBox="1"/>
+          <p:cNvSpPr txBox="1">
+            <a:spLocks noGrp="1"/>
+          </p:cNvSpPr>
           <p:nvPr>
-            <p:ph idx="1" type="body"/>
+            <p:ph type="body" idx="1"/>
           </p:nvPr>
         </p:nvSpPr>
         <p:spPr>
@@ -12923,28 +13061,84 @@
           </a:prstGeom>
         </p:spPr>
         <p:txBody>
-          <a:bodyPr anchorCtr="0" anchor="t" bIns="91425" lIns="91425" spcFirstLastPara="1" rIns="91425" wrap="square" tIns="91425">
+          <a:bodyPr spcFirstLastPara="1" wrap="square" lIns="91425" tIns="91425" rIns="91425" bIns="91425" anchor="t" anchorCtr="0">
             <a:normAutofit/>
           </a:bodyPr>
           <a:lstStyle/>
           <a:p>
-            <a:pPr indent="0" lvl="0" marL="0" rtl="0" algn="l">
-              <a:spcBef>
-                <a:spcPts val="0"/>
-              </a:spcBef>
+            <a:pPr marL="285750" indent="-285750">
               <a:spcAft>
                 <a:spcPts val="1200"/>
               </a:spcAft>
-              <a:buNone/>
             </a:pPr>
             <a:r>
-              <a:t/>
+              <a:rPr lang="et-EE" dirty="0"/>
+              <a:t>bool</a:t>
             </a:r>
-            <a:endParaRPr/>
+          </a:p>
+          <a:p>
+            <a:pPr marL="285750" indent="-285750">
+              <a:spcAft>
+                <a:spcPts val="1200"/>
+              </a:spcAft>
+            </a:pPr>
+            <a:r>
+              <a:rPr lang="et-EE" dirty="0" err="1"/>
+              <a:t>int</a:t>
+            </a:r>
+            <a:endParaRPr lang="et-EE" dirty="0"/>
+          </a:p>
+          <a:p>
+            <a:pPr marL="285750" indent="-285750">
+              <a:spcAft>
+                <a:spcPts val="1200"/>
+              </a:spcAft>
+            </a:pPr>
+            <a:r>
+              <a:rPr lang="et-EE" dirty="0" err="1"/>
+              <a:t>float</a:t>
+            </a:r>
+            <a:endParaRPr lang="et-EE" dirty="0"/>
+          </a:p>
+          <a:p>
+            <a:pPr marL="285750" indent="-285750">
+              <a:spcAft>
+                <a:spcPts val="1200"/>
+              </a:spcAft>
+            </a:pPr>
+            <a:r>
+              <a:rPr lang="et-EE" dirty="0"/>
+              <a:t>string</a:t>
+            </a:r>
+          </a:p>
+          <a:p>
+            <a:pPr marL="285750" indent="-285750">
+              <a:spcAft>
+                <a:spcPts val="1200"/>
+              </a:spcAft>
+            </a:pPr>
+            <a:r>
+              <a:rPr lang="et-EE" dirty="0" err="1"/>
+              <a:t>char</a:t>
+            </a:r>
+            <a:endParaRPr lang="et-EE" dirty="0"/>
+          </a:p>
+          <a:p>
+            <a:pPr marL="285750" indent="-285750">
+              <a:spcAft>
+                <a:spcPts val="1200"/>
+              </a:spcAft>
+            </a:pPr>
+            <a:endParaRPr lang="et-EE" dirty="0"/>
           </a:p>
         </p:txBody>
       </p:sp>
     </p:spTree>
+    <p:extLst>
+      <p:ext uri="{BB962C8B-B14F-4D97-AF65-F5344CB8AC3E}">
+        <p14:creationId xmlns:p14="http://schemas.microsoft.com/office/powerpoint/2010/main" val="2765455296"/>
+      </p:ext>
+    </p:extLst>
   </p:cSld>
   <p:clrMapOvr>
     <a:masterClrMapping/>
@@ -12953,11 +13147,11 @@
 </file>
 
 <file path=ppt/slides/slide9.xml><?xml version="1.0" encoding="utf-8"?>
-<p:sld xmlns:a="http://schemas.openxmlformats.org/drawingml/2006/main" xmlns:r="http://schemas.openxmlformats.org/officeDocument/2006/relationships" xmlns:mc="http://schemas.openxmlformats.org/markup-compatibility/2006" xmlns:mv="urn:schemas-microsoft-com:mac:vml" xmlns:p="http://schemas.openxmlformats.org/presentationml/2006/main" xmlns:c="http://schemas.openxmlformats.org/drawingml/2006/chart" xmlns:dgm="http://schemas.openxmlformats.org/drawingml/2006/diagram" xmlns:o="urn:schemas-microsoft-com:office:office" xmlns:v="urn:schemas-microsoft-com:vml" xmlns:pvml="urn:schemas-microsoft-com:office:powerpoint" xmlns:com="http://schemas.openxmlformats.org/drawingml/2006/compatibility" xmlns:p14="http://schemas.microsoft.com/office/powerpoint/2010/main" xmlns:p15="http://schemas.microsoft.com/office/powerpoint/2012/main" xmlns:ahyp="http://schemas.microsoft.com/office/drawing/2018/hyperlinkcolor">
+<p:sld xmlns:a="http://schemas.openxmlformats.org/drawingml/2006/main" xmlns:r="http://schemas.openxmlformats.org/officeDocument/2006/relationships" xmlns:p="http://schemas.openxmlformats.org/presentationml/2006/main">
   <p:cSld>
     <p:spTree>
       <p:nvGrpSpPr>
-        <p:cNvPr id="181" name="Shape 181"/>
+        <p:cNvPr id="1" name=""/>
         <p:cNvGrpSpPr/>
         <p:nvPr/>
       </p:nvGrpSpPr>
@@ -12971,119 +13165,90 @@
       </p:grpSpPr>
       <p:sp>
         <p:nvSpPr>
-          <p:cNvPr id="182" name="Google Shape;182;p21"/>
-          <p:cNvSpPr txBox="1"/>
+          <p:cNvPr id="2" name="Title 1">
+            <a:extLst>
+              <a:ext uri="{FF2B5EF4-FFF2-40B4-BE49-F238E27FC236}">
+                <a16:creationId xmlns:a16="http://schemas.microsoft.com/office/drawing/2014/main" id="{470D6522-611D-0243-819D-20283AF65488}"/>
+              </a:ext>
+            </a:extLst>
+          </p:cNvPr>
+          <p:cNvSpPr>
+            <a:spLocks noGrp="1"/>
+          </p:cNvSpPr>
           <p:nvPr>
             <p:ph type="title"/>
           </p:nvPr>
         </p:nvSpPr>
-        <p:spPr>
-          <a:xfrm>
-            <a:off x="1297500" y="393750"/>
-            <a:ext cx="7038900" cy="914100"/>
-          </a:xfrm>
-          <a:prstGeom prst="rect">
-            <a:avLst/>
-          </a:prstGeom>
-        </p:spPr>
+        <p:spPr/>
         <p:txBody>
-          <a:bodyPr anchorCtr="0" anchor="t" bIns="91425" lIns="91425" spcFirstLastPara="1" rIns="91425" wrap="square" tIns="91425">
-            <a:normAutofit/>
-          </a:bodyPr>
+          <a:bodyPr/>
           <a:lstStyle/>
           <a:p>
-            <a:pPr indent="0" lvl="0" marL="0" rtl="0" algn="l">
-              <a:spcBef>
-                <a:spcPts val="0"/>
-              </a:spcBef>
-              <a:spcAft>
-                <a:spcPts val="0"/>
-              </a:spcAft>
-              <a:buNone/>
-            </a:pPr>
             <a:r>
-              <a:rPr lang="en"/>
-              <a:t>Core principles of object oriented design</a:t>
+              <a:rPr lang="en-US" dirty="0"/>
+              <a:t>C# refresher – Control statements</a:t>
             </a:r>
-            <a:endParaRPr/>
           </a:p>
         </p:txBody>
       </p:sp>
       <p:sp>
         <p:nvSpPr>
-          <p:cNvPr id="183" name="Google Shape;183;p21"/>
-          <p:cNvSpPr txBox="1"/>
+          <p:cNvPr id="3" name="Text Placeholder 2">
+            <a:extLst>
+              <a:ext uri="{FF2B5EF4-FFF2-40B4-BE49-F238E27FC236}">
+                <a16:creationId xmlns:a16="http://schemas.microsoft.com/office/drawing/2014/main" id="{2369D457-F60D-4B44-A315-3AD0E8478516}"/>
+              </a:ext>
+            </a:extLst>
+          </p:cNvPr>
+          <p:cNvSpPr>
+            <a:spLocks noGrp="1"/>
+          </p:cNvSpPr>
           <p:nvPr>
-            <p:ph idx="1" type="body"/>
+            <p:ph type="body" idx="1"/>
           </p:nvPr>
         </p:nvSpPr>
-        <p:spPr>
-          <a:xfrm>
-            <a:off x="1297500" y="1567550"/>
-            <a:ext cx="7038900" cy="2911200"/>
-          </a:xfrm>
-          <a:prstGeom prst="rect">
-            <a:avLst/>
-          </a:prstGeom>
-        </p:spPr>
+        <p:spPr/>
         <p:txBody>
-          <a:bodyPr anchorCtr="0" anchor="t" bIns="91425" lIns="91425" spcFirstLastPara="1" rIns="91425" wrap="square" tIns="91425">
-            <a:normAutofit fontScale="85000" lnSpcReduction="10000"/>
-          </a:bodyPr>
+          <a:bodyPr/>
           <a:lstStyle/>
           <a:p>
-            <a:pPr indent="0" lvl="0" marL="0" rtl="0" algn="l">
-              <a:lnSpc>
-                <a:spcPct val="120000"/>
-              </a:lnSpc>
-              <a:spcBef>
-                <a:spcPts val="500"/>
-              </a:spcBef>
-              <a:spcAft>
-                <a:spcPts val="0"/>
-              </a:spcAft>
-              <a:buNone/>
-            </a:pPr>
             <a:r>
-              <a:rPr lang="en" sz="2000">
-                <a:solidFill>
-                  <a:srgbClr val="FFFFFF"/>
-                </a:solidFill>
-                <a:latin typeface="Arial"/>
-                <a:ea typeface="Arial"/>
-                <a:cs typeface="Arial"/>
-                <a:sym typeface="Arial"/>
-              </a:rPr>
-              <a:t>Object oriented programming is a way of thinking about programming. It is a very common methodology in games and other commercial applications. In OOP, you define classes and relationships between them and rules for interaction between objects. Think of Classes as blueprints for objects  - Eg if you would have a player class, its data members would be lives, and member functions would be anything a player can do. Classes are similar to C Structs, with the exception, that classes can also define behavior.  </a:t>
+              <a:rPr lang="en-US" dirty="0"/>
+              <a:t>If</a:t>
             </a:r>
-            <a:endParaRPr sz="2000">
-              <a:solidFill>
-                <a:srgbClr val="FFFFFF"/>
-              </a:solidFill>
-              <a:latin typeface="Arial"/>
-              <a:ea typeface="Arial"/>
-              <a:cs typeface="Arial"/>
-              <a:sym typeface="Arial"/>
-            </a:endParaRPr>
           </a:p>
           <a:p>
-            <a:pPr indent="0" lvl="0" marL="0" rtl="0" algn="l">
-              <a:spcBef>
-                <a:spcPts val="600"/>
-              </a:spcBef>
-              <a:spcAft>
-                <a:spcPts val="1200"/>
-              </a:spcAft>
+            <a:r>
+              <a:rPr lang="en-US" dirty="0"/>
+              <a:t>While</a:t>
+            </a:r>
+          </a:p>
+          <a:p>
+            <a:r>
+              <a:rPr lang="en-US" dirty="0"/>
+              <a:t>For</a:t>
+            </a:r>
+          </a:p>
+          <a:p>
+            <a:r>
+              <a:rPr lang="en-US" dirty="0"/>
+              <a:t>Foreach</a:t>
+            </a:r>
+          </a:p>
+          <a:p>
+            <a:pPr marL="146050" indent="0">
               <a:buNone/>
             </a:pPr>
-            <a:r>
-              <a:t/>
-            </a:r>
-            <a:endParaRPr/>
+            <a:endParaRPr lang="en-US" dirty="0"/>
           </a:p>
         </p:txBody>
       </p:sp>
     </p:spTree>
+    <p:extLst>
+      <p:ext uri="{BB962C8B-B14F-4D97-AF65-F5344CB8AC3E}">
+        <p14:creationId xmlns:p14="http://schemas.microsoft.com/office/powerpoint/2010/main" val="3347716073"/>
+      </p:ext>
+    </p:extLst>
   </p:cSld>
   <p:clrMapOvr>
     <a:masterClrMapping/>
@@ -13092,7 +13257,7 @@
 </file>
 
 <file path=ppt/theme/theme1.xml><?xml version="1.0" encoding="utf-8"?>
-<a:theme xmlns:a="http://schemas.openxmlformats.org/drawingml/2006/main" xmlns:r="http://schemas.openxmlformats.org/officeDocument/2006/relationships" name="Focus">
+<a:theme xmlns:a="http://schemas.openxmlformats.org/drawingml/2006/main" name="Focus">
   <a:themeElements>
     <a:clrScheme name="Focus">
       <a:dk1>
@@ -13367,11 +13532,13 @@
       </a:bgFillStyleLst>
     </a:fmtScheme>
   </a:themeElements>
+  <a:objectDefaults/>
+  <a:extraClrSchemeLst/>
 </a:theme>
 </file>
 
 <file path=ppt/theme/theme2.xml><?xml version="1.0" encoding="utf-8"?>
-<a:theme xmlns:a="http://schemas.openxmlformats.org/drawingml/2006/main" xmlns:r="http://schemas.openxmlformats.org/officeDocument/2006/relationships">
+<a:theme xmlns:a="http://schemas.openxmlformats.org/drawingml/2006/main">
   <a:themeElements>
     <a:clrScheme name="Default">
       <a:dk1>
@@ -13646,5 +13813,7 @@
       </a:bgFillStyleLst>
     </a:fmtScheme>
   </a:themeElements>
+  <a:objectDefaults/>
+  <a:extraClrSchemeLst/>
 </a:theme>
 </file>